--- a/day 5/SAC_Training Day 5.pptx
+++ b/day 5/SAC_Training Day 5.pptx
@@ -6,7 +6,7 @@
     <p:sldMasterId id="2147483660" r:id="rId2"/>
   </p:sldMasterIdLst>
   <p:notesMasterIdLst>
-    <p:notesMasterId r:id="rId20"/>
+    <p:notesMasterId r:id="rId19"/>
   </p:notesMasterIdLst>
   <p:sldIdLst>
     <p:sldId id="256" r:id="rId3"/>
@@ -23,9 +23,8 @@
     <p:sldId id="441" r:id="rId14"/>
     <p:sldId id="442" r:id="rId15"/>
     <p:sldId id="462" r:id="rId16"/>
-    <p:sldId id="475" r:id="rId17"/>
-    <p:sldId id="399" r:id="rId18"/>
-    <p:sldId id="409" r:id="rId19"/>
+    <p:sldId id="399" r:id="rId17"/>
+    <p:sldId id="409" r:id="rId18"/>
   </p:sldIdLst>
   <p:sldSz cx="12192000" cy="6858000"/>
   <p:notesSz cx="6858000" cy="9144000"/>
@@ -1119,6 +1118,13 @@
         </dgm:presLayoutVars>
       </dgm:prSet>
       <dgm:spPr/>
+      <dgm:t>
+        <a:bodyPr/>
+        <a:lstStyle/>
+        <a:p>
+          <a:endParaRPr lang="en-US"/>
+        </a:p>
+      </dgm:t>
     </dgm:pt>
     <dgm:pt modelId="{9987D2CA-2E0D-41E3-895F-7FF5E23F1313}" type="pres">
       <dgm:prSet presAssocID="{09B4872C-7AD5-4669-BC91-8C25974291EE}" presName="Accent6" presStyleCnt="0"/>
@@ -1135,6 +1141,13 @@
     <dgm:pt modelId="{56A684AE-AEE9-48D8-B4D9-466E782D5495}" type="pres">
       <dgm:prSet presAssocID="{09B4872C-7AD5-4669-BC91-8C25974291EE}" presName="ParentBackground" presStyleLbl="fgAcc1" presStyleIdx="0" presStyleCnt="6"/>
       <dgm:spPr/>
+      <dgm:t>
+        <a:bodyPr/>
+        <a:lstStyle/>
+        <a:p>
+          <a:endParaRPr lang="en-US"/>
+        </a:p>
+      </dgm:t>
     </dgm:pt>
     <dgm:pt modelId="{E0881629-A498-4432-8BB1-3DDFE518CB6E}" type="pres">
       <dgm:prSet presAssocID="{09B4872C-7AD5-4669-BC91-8C25974291EE}" presName="Parent6" presStyleLbl="revTx" presStyleIdx="0" presStyleCnt="0">
@@ -1145,6 +1158,13 @@
         </dgm:presLayoutVars>
       </dgm:prSet>
       <dgm:spPr/>
+      <dgm:t>
+        <a:bodyPr/>
+        <a:lstStyle/>
+        <a:p>
+          <a:endParaRPr lang="en-US"/>
+        </a:p>
+      </dgm:t>
     </dgm:pt>
     <dgm:pt modelId="{BC450A55-4014-482E-9B87-D712180F8C0B}" type="pres">
       <dgm:prSet presAssocID="{AAD4A0F0-59BB-4894-A424-B4C1FDF18974}" presName="Accent5" presStyleCnt="0"/>
@@ -1161,6 +1181,13 @@
     <dgm:pt modelId="{ABFC3E45-05F3-4DE0-A9D4-210B7122B4A8}" type="pres">
       <dgm:prSet presAssocID="{AAD4A0F0-59BB-4894-A424-B4C1FDF18974}" presName="ParentBackground" presStyleLbl="fgAcc1" presStyleIdx="1" presStyleCnt="6"/>
       <dgm:spPr/>
+      <dgm:t>
+        <a:bodyPr/>
+        <a:lstStyle/>
+        <a:p>
+          <a:endParaRPr lang="en-US"/>
+        </a:p>
+      </dgm:t>
     </dgm:pt>
     <dgm:pt modelId="{9BF0C6AA-B154-4AB1-92D8-1077170E8D78}" type="pres">
       <dgm:prSet presAssocID="{AAD4A0F0-59BB-4894-A424-B4C1FDF18974}" presName="Parent5" presStyleLbl="revTx" presStyleIdx="0" presStyleCnt="0">
@@ -1171,6 +1198,13 @@
         </dgm:presLayoutVars>
       </dgm:prSet>
       <dgm:spPr/>
+      <dgm:t>
+        <a:bodyPr/>
+        <a:lstStyle/>
+        <a:p>
+          <a:endParaRPr lang="en-US"/>
+        </a:p>
+      </dgm:t>
     </dgm:pt>
     <dgm:pt modelId="{25B213D4-FC08-40EE-97D3-32B424F44F54}" type="pres">
       <dgm:prSet presAssocID="{3006592F-56C0-4AA0-B882-CE72229F9412}" presName="Accent4" presStyleCnt="0"/>
@@ -1187,6 +1221,13 @@
     <dgm:pt modelId="{43E5228D-CB9F-4B86-8119-6BCC81FB4EC3}" type="pres">
       <dgm:prSet presAssocID="{3006592F-56C0-4AA0-B882-CE72229F9412}" presName="ParentBackground" presStyleLbl="fgAcc1" presStyleIdx="2" presStyleCnt="6"/>
       <dgm:spPr/>
+      <dgm:t>
+        <a:bodyPr/>
+        <a:lstStyle/>
+        <a:p>
+          <a:endParaRPr lang="en-US"/>
+        </a:p>
+      </dgm:t>
     </dgm:pt>
     <dgm:pt modelId="{DBD594CA-9625-4B31-AC19-9CB730607916}" type="pres">
       <dgm:prSet presAssocID="{3006592F-56C0-4AA0-B882-CE72229F9412}" presName="Parent4" presStyleLbl="revTx" presStyleIdx="0" presStyleCnt="0">
@@ -1197,6 +1238,13 @@
         </dgm:presLayoutVars>
       </dgm:prSet>
       <dgm:spPr/>
+      <dgm:t>
+        <a:bodyPr/>
+        <a:lstStyle/>
+        <a:p>
+          <a:endParaRPr lang="en-US"/>
+        </a:p>
+      </dgm:t>
     </dgm:pt>
     <dgm:pt modelId="{E2257E57-0935-4116-AA09-41D228982400}" type="pres">
       <dgm:prSet presAssocID="{8AB01A38-92CF-4E2B-AFA3-0E72C8F8BF70}" presName="Accent3" presStyleCnt="0"/>
@@ -1213,6 +1261,13 @@
     <dgm:pt modelId="{65CA9D67-FE82-48DC-A1B1-DCAF7BF58036}" type="pres">
       <dgm:prSet presAssocID="{8AB01A38-92CF-4E2B-AFA3-0E72C8F8BF70}" presName="ParentBackground" presStyleLbl="fgAcc1" presStyleIdx="3" presStyleCnt="6"/>
       <dgm:spPr/>
+      <dgm:t>
+        <a:bodyPr/>
+        <a:lstStyle/>
+        <a:p>
+          <a:endParaRPr lang="en-US"/>
+        </a:p>
+      </dgm:t>
     </dgm:pt>
     <dgm:pt modelId="{A2B488C6-A574-445D-823D-04B2AAC82C8B}" type="pres">
       <dgm:prSet presAssocID="{8AB01A38-92CF-4E2B-AFA3-0E72C8F8BF70}" presName="Parent3" presStyleLbl="revTx" presStyleIdx="0" presStyleCnt="0">
@@ -1223,6 +1278,13 @@
         </dgm:presLayoutVars>
       </dgm:prSet>
       <dgm:spPr/>
+      <dgm:t>
+        <a:bodyPr/>
+        <a:lstStyle/>
+        <a:p>
+          <a:endParaRPr lang="en-US"/>
+        </a:p>
+      </dgm:t>
     </dgm:pt>
     <dgm:pt modelId="{6464510C-5CDF-4576-8686-885E1C7EBE15}" type="pres">
       <dgm:prSet presAssocID="{704AD25E-91AF-42AB-B265-DBBF6613F908}" presName="Accent2" presStyleCnt="0"/>
@@ -1239,6 +1301,13 @@
     <dgm:pt modelId="{0BD7000D-6694-46E6-87C4-16AF4ED4E6A0}" type="pres">
       <dgm:prSet presAssocID="{704AD25E-91AF-42AB-B265-DBBF6613F908}" presName="ParentBackground" presStyleLbl="fgAcc1" presStyleIdx="4" presStyleCnt="6"/>
       <dgm:spPr/>
+      <dgm:t>
+        <a:bodyPr/>
+        <a:lstStyle/>
+        <a:p>
+          <a:endParaRPr lang="en-US"/>
+        </a:p>
+      </dgm:t>
     </dgm:pt>
     <dgm:pt modelId="{3E690535-B27F-4ACB-AB38-1FFCED036BFE}" type="pres">
       <dgm:prSet presAssocID="{704AD25E-91AF-42AB-B265-DBBF6613F908}" presName="Parent2" presStyleLbl="revTx" presStyleIdx="0" presStyleCnt="0">
@@ -1249,6 +1318,13 @@
         </dgm:presLayoutVars>
       </dgm:prSet>
       <dgm:spPr/>
+      <dgm:t>
+        <a:bodyPr/>
+        <a:lstStyle/>
+        <a:p>
+          <a:endParaRPr lang="en-US"/>
+        </a:p>
+      </dgm:t>
     </dgm:pt>
     <dgm:pt modelId="{219FB5C8-CD84-43B5-8FD1-C09E4F33351E}" type="pres">
       <dgm:prSet presAssocID="{ED8DE68F-8F2D-428C-AB78-1FD6141FB36A}" presName="Accent1" presStyleCnt="0"/>
@@ -1265,6 +1341,13 @@
     <dgm:pt modelId="{716225DA-1D36-448F-95A8-8A2ACE7877B1}" type="pres">
       <dgm:prSet presAssocID="{ED8DE68F-8F2D-428C-AB78-1FD6141FB36A}" presName="ParentBackground" presStyleLbl="fgAcc1" presStyleIdx="5" presStyleCnt="6"/>
       <dgm:spPr/>
+      <dgm:t>
+        <a:bodyPr/>
+        <a:lstStyle/>
+        <a:p>
+          <a:endParaRPr lang="en-US"/>
+        </a:p>
+      </dgm:t>
     </dgm:pt>
     <dgm:pt modelId="{D014A49F-EC94-4D9B-9F8B-631FF747139F}" type="pres">
       <dgm:prSet presAssocID="{ED8DE68F-8F2D-428C-AB78-1FD6141FB36A}" presName="Parent1" presStyleLbl="revTx" presStyleIdx="0" presStyleCnt="0">
@@ -1275,28 +1358,35 @@
         </dgm:presLayoutVars>
       </dgm:prSet>
       <dgm:spPr/>
+      <dgm:t>
+        <a:bodyPr/>
+        <a:lstStyle/>
+        <a:p>
+          <a:endParaRPr lang="en-US"/>
+        </a:p>
+      </dgm:t>
     </dgm:pt>
   </dgm:ptLst>
   <dgm:cxnLst>
+    <dgm:cxn modelId="{4F000573-BEF7-402B-BDB2-9FA8094D3405}" srcId="{D0E7F8F0-97FB-43C8-8B57-DE3BAA242C71}" destId="{ED8DE68F-8F2D-428C-AB78-1FD6141FB36A}" srcOrd="0" destOrd="0" parTransId="{2285DB4A-3FEB-4A87-B9F1-96C38ECBC31E}" sibTransId="{279AA24B-AA9B-4FE4-BFA3-548EC059C6C3}"/>
+    <dgm:cxn modelId="{87D4C224-7035-4627-9D09-C84BCBA3ED4E}" type="presOf" srcId="{704AD25E-91AF-42AB-B265-DBBF6613F908}" destId="{3E690535-B27F-4ACB-AB38-1FFCED036BFE}" srcOrd="1" destOrd="0" presId="urn:microsoft.com/office/officeart/2011/layout/CircleProcess"/>
+    <dgm:cxn modelId="{B2882D40-4AC2-4B8C-8945-4AD78E7021EF}" srcId="{D0E7F8F0-97FB-43C8-8B57-DE3BAA242C71}" destId="{8AB01A38-92CF-4E2B-AFA3-0E72C8F8BF70}" srcOrd="2" destOrd="0" parTransId="{BC7DE64A-2AE5-498C-AEB7-4ADD998DCA44}" sibTransId="{DDD6AC0A-066B-43B8-93AF-EDB8D1F3E6C7}"/>
+    <dgm:cxn modelId="{D6DF3CC4-7BE9-4E5B-B8A2-CF0D2590521A}" type="presOf" srcId="{09B4872C-7AD5-4669-BC91-8C25974291EE}" destId="{56A684AE-AEE9-48D8-B4D9-466E782D5495}" srcOrd="0" destOrd="0" presId="urn:microsoft.com/office/officeart/2011/layout/CircleProcess"/>
+    <dgm:cxn modelId="{22138BFE-129C-4CEF-B921-6EB4C1606DC1}" type="presOf" srcId="{3006592F-56C0-4AA0-B882-CE72229F9412}" destId="{DBD594CA-9625-4B31-AC19-9CB730607916}" srcOrd="1" destOrd="0" presId="urn:microsoft.com/office/officeart/2011/layout/CircleProcess"/>
+    <dgm:cxn modelId="{CF16CB66-0BF5-46AD-9FD7-397F47EF2331}" srcId="{D0E7F8F0-97FB-43C8-8B57-DE3BAA242C71}" destId="{AAD4A0F0-59BB-4894-A424-B4C1FDF18974}" srcOrd="4" destOrd="0" parTransId="{ABB64FB1-B5DF-4D2A-A001-075FEA5C3DA6}" sibTransId="{A488B2D1-EE33-4B64-9FD3-376768660A91}"/>
+    <dgm:cxn modelId="{91DBF3B9-9437-4719-AC61-6562583967C2}" srcId="{D0E7F8F0-97FB-43C8-8B57-DE3BAA242C71}" destId="{3006592F-56C0-4AA0-B882-CE72229F9412}" srcOrd="3" destOrd="0" parTransId="{D0C7F2AD-4D41-4D02-9655-250C1DF75C97}" sibTransId="{8D9D4B90-3CC8-483E-84B2-CC4B17726041}"/>
+    <dgm:cxn modelId="{208BEFC4-997B-47A8-A7EC-85438D15E1D5}" type="presOf" srcId="{AAD4A0F0-59BB-4894-A424-B4C1FDF18974}" destId="{ABFC3E45-05F3-4DE0-A9D4-210B7122B4A8}" srcOrd="0" destOrd="0" presId="urn:microsoft.com/office/officeart/2011/layout/CircleProcess"/>
+    <dgm:cxn modelId="{C854472E-7F76-41E4-98CC-E61BF809A3AC}" type="presOf" srcId="{8AB01A38-92CF-4E2B-AFA3-0E72C8F8BF70}" destId="{A2B488C6-A574-445D-823D-04B2AAC82C8B}" srcOrd="1" destOrd="0" presId="urn:microsoft.com/office/officeart/2011/layout/CircleProcess"/>
+    <dgm:cxn modelId="{2BC0E414-5F6E-4288-8AB7-8AC830B5BD46}" type="presOf" srcId="{ED8DE68F-8F2D-428C-AB78-1FD6141FB36A}" destId="{716225DA-1D36-448F-95A8-8A2ACE7877B1}" srcOrd="0" destOrd="0" presId="urn:microsoft.com/office/officeart/2011/layout/CircleProcess"/>
+    <dgm:cxn modelId="{40F84783-4592-40C7-A028-61C72584C3C5}" type="presOf" srcId="{704AD25E-91AF-42AB-B265-DBBF6613F908}" destId="{0BD7000D-6694-46E6-87C4-16AF4ED4E6A0}" srcOrd="0" destOrd="0" presId="urn:microsoft.com/office/officeart/2011/layout/CircleProcess"/>
+    <dgm:cxn modelId="{E208A95D-E925-424E-AEC6-1CA463591CFA}" type="presOf" srcId="{D0E7F8F0-97FB-43C8-8B57-DE3BAA242C71}" destId="{F45C7B62-58E8-4E77-86EB-03337B67B999}" srcOrd="0" destOrd="0" presId="urn:microsoft.com/office/officeart/2011/layout/CircleProcess"/>
+    <dgm:cxn modelId="{4578C1A3-FAB3-4467-8DD6-CF9A91511090}" type="presOf" srcId="{8AB01A38-92CF-4E2B-AFA3-0E72C8F8BF70}" destId="{65CA9D67-FE82-48DC-A1B1-DCAF7BF58036}" srcOrd="0" destOrd="0" presId="urn:microsoft.com/office/officeart/2011/layout/CircleProcess"/>
     <dgm:cxn modelId="{0AFB6B06-2297-44DA-A525-527722D14F89}" srcId="{D0E7F8F0-97FB-43C8-8B57-DE3BAA242C71}" destId="{704AD25E-91AF-42AB-B265-DBBF6613F908}" srcOrd="1" destOrd="0" parTransId="{72D305E2-55EA-4228-B049-849CC48A5F0B}" sibTransId="{7A214A54-026F-4AC6-A44B-A6155CCAFC90}"/>
-    <dgm:cxn modelId="{2BC0E414-5F6E-4288-8AB7-8AC830B5BD46}" type="presOf" srcId="{ED8DE68F-8F2D-428C-AB78-1FD6141FB36A}" destId="{716225DA-1D36-448F-95A8-8A2ACE7877B1}" srcOrd="0" destOrd="0" presId="urn:microsoft.com/office/officeart/2011/layout/CircleProcess"/>
+    <dgm:cxn modelId="{8C370D97-48EE-4ED5-9BE0-A20E6850F128}" type="presOf" srcId="{3006592F-56C0-4AA0-B882-CE72229F9412}" destId="{43E5228D-CB9F-4B86-8119-6BCC81FB4EC3}" srcOrd="0" destOrd="0" presId="urn:microsoft.com/office/officeart/2011/layout/CircleProcess"/>
+    <dgm:cxn modelId="{FBB5A6F7-5AFD-44C8-AC8D-3A8144332567}" type="presOf" srcId="{AAD4A0F0-59BB-4894-A424-B4C1FDF18974}" destId="{9BF0C6AA-B154-4AB1-92D8-1077170E8D78}" srcOrd="1" destOrd="0" presId="urn:microsoft.com/office/officeart/2011/layout/CircleProcess"/>
     <dgm:cxn modelId="{7309211D-D3E3-40E3-A1B1-6FC378FDD359}" type="presOf" srcId="{09B4872C-7AD5-4669-BC91-8C25974291EE}" destId="{E0881629-A498-4432-8BB1-3DDFE518CB6E}" srcOrd="1" destOrd="0" presId="urn:microsoft.com/office/officeart/2011/layout/CircleProcess"/>
-    <dgm:cxn modelId="{87D4C224-7035-4627-9D09-C84BCBA3ED4E}" type="presOf" srcId="{704AD25E-91AF-42AB-B265-DBBF6613F908}" destId="{3E690535-B27F-4ACB-AB38-1FFCED036BFE}" srcOrd="1" destOrd="0" presId="urn:microsoft.com/office/officeart/2011/layout/CircleProcess"/>
-    <dgm:cxn modelId="{C854472E-7F76-41E4-98CC-E61BF809A3AC}" type="presOf" srcId="{8AB01A38-92CF-4E2B-AFA3-0E72C8F8BF70}" destId="{A2B488C6-A574-445D-823D-04B2AAC82C8B}" srcOrd="1" destOrd="0" presId="urn:microsoft.com/office/officeart/2011/layout/CircleProcess"/>
-    <dgm:cxn modelId="{B2882D40-4AC2-4B8C-8945-4AD78E7021EF}" srcId="{D0E7F8F0-97FB-43C8-8B57-DE3BAA242C71}" destId="{8AB01A38-92CF-4E2B-AFA3-0E72C8F8BF70}" srcOrd="2" destOrd="0" parTransId="{BC7DE64A-2AE5-498C-AEB7-4ADD998DCA44}" sibTransId="{DDD6AC0A-066B-43B8-93AF-EDB8D1F3E6C7}"/>
-    <dgm:cxn modelId="{E208A95D-E925-424E-AEC6-1CA463591CFA}" type="presOf" srcId="{D0E7F8F0-97FB-43C8-8B57-DE3BAA242C71}" destId="{F45C7B62-58E8-4E77-86EB-03337B67B999}" srcOrd="0" destOrd="0" presId="urn:microsoft.com/office/officeart/2011/layout/CircleProcess"/>
+    <dgm:cxn modelId="{2ECE0D78-6056-4305-A840-44FBD6B950DB}" srcId="{D0E7F8F0-97FB-43C8-8B57-DE3BAA242C71}" destId="{09B4872C-7AD5-4669-BC91-8C25974291EE}" srcOrd="5" destOrd="0" parTransId="{11DDDA22-03AA-43AA-9C15-9FF9122F13C7}" sibTransId="{1B1EB949-F5F7-4065-BDAF-4D779C3C5504}"/>
     <dgm:cxn modelId="{9A7B1746-75C0-4A38-A034-AD8EE4BB1BD6}" type="presOf" srcId="{ED8DE68F-8F2D-428C-AB78-1FD6141FB36A}" destId="{D014A49F-EC94-4D9B-9F8B-631FF747139F}" srcOrd="1" destOrd="0" presId="urn:microsoft.com/office/officeart/2011/layout/CircleProcess"/>
-    <dgm:cxn modelId="{CF16CB66-0BF5-46AD-9FD7-397F47EF2331}" srcId="{D0E7F8F0-97FB-43C8-8B57-DE3BAA242C71}" destId="{AAD4A0F0-59BB-4894-A424-B4C1FDF18974}" srcOrd="4" destOrd="0" parTransId="{ABB64FB1-B5DF-4D2A-A001-075FEA5C3DA6}" sibTransId="{A488B2D1-EE33-4B64-9FD3-376768660A91}"/>
-    <dgm:cxn modelId="{4F000573-BEF7-402B-BDB2-9FA8094D3405}" srcId="{D0E7F8F0-97FB-43C8-8B57-DE3BAA242C71}" destId="{ED8DE68F-8F2D-428C-AB78-1FD6141FB36A}" srcOrd="0" destOrd="0" parTransId="{2285DB4A-3FEB-4A87-B9F1-96C38ECBC31E}" sibTransId="{279AA24B-AA9B-4FE4-BFA3-548EC059C6C3}"/>
-    <dgm:cxn modelId="{2ECE0D78-6056-4305-A840-44FBD6B950DB}" srcId="{D0E7F8F0-97FB-43C8-8B57-DE3BAA242C71}" destId="{09B4872C-7AD5-4669-BC91-8C25974291EE}" srcOrd="5" destOrd="0" parTransId="{11DDDA22-03AA-43AA-9C15-9FF9122F13C7}" sibTransId="{1B1EB949-F5F7-4065-BDAF-4D779C3C5504}"/>
-    <dgm:cxn modelId="{40F84783-4592-40C7-A028-61C72584C3C5}" type="presOf" srcId="{704AD25E-91AF-42AB-B265-DBBF6613F908}" destId="{0BD7000D-6694-46E6-87C4-16AF4ED4E6A0}" srcOrd="0" destOrd="0" presId="urn:microsoft.com/office/officeart/2011/layout/CircleProcess"/>
-    <dgm:cxn modelId="{8C370D97-48EE-4ED5-9BE0-A20E6850F128}" type="presOf" srcId="{3006592F-56C0-4AA0-B882-CE72229F9412}" destId="{43E5228D-CB9F-4B86-8119-6BCC81FB4EC3}" srcOrd="0" destOrd="0" presId="urn:microsoft.com/office/officeart/2011/layout/CircleProcess"/>
-    <dgm:cxn modelId="{4578C1A3-FAB3-4467-8DD6-CF9A91511090}" type="presOf" srcId="{8AB01A38-92CF-4E2B-AFA3-0E72C8F8BF70}" destId="{65CA9D67-FE82-48DC-A1B1-DCAF7BF58036}" srcOrd="0" destOrd="0" presId="urn:microsoft.com/office/officeart/2011/layout/CircleProcess"/>
-    <dgm:cxn modelId="{91DBF3B9-9437-4719-AC61-6562583967C2}" srcId="{D0E7F8F0-97FB-43C8-8B57-DE3BAA242C71}" destId="{3006592F-56C0-4AA0-B882-CE72229F9412}" srcOrd="3" destOrd="0" parTransId="{D0C7F2AD-4D41-4D02-9655-250C1DF75C97}" sibTransId="{8D9D4B90-3CC8-483E-84B2-CC4B17726041}"/>
-    <dgm:cxn modelId="{D6DF3CC4-7BE9-4E5B-B8A2-CF0D2590521A}" type="presOf" srcId="{09B4872C-7AD5-4669-BC91-8C25974291EE}" destId="{56A684AE-AEE9-48D8-B4D9-466E782D5495}" srcOrd="0" destOrd="0" presId="urn:microsoft.com/office/officeart/2011/layout/CircleProcess"/>
-    <dgm:cxn modelId="{208BEFC4-997B-47A8-A7EC-85438D15E1D5}" type="presOf" srcId="{AAD4A0F0-59BB-4894-A424-B4C1FDF18974}" destId="{ABFC3E45-05F3-4DE0-A9D4-210B7122B4A8}" srcOrd="0" destOrd="0" presId="urn:microsoft.com/office/officeart/2011/layout/CircleProcess"/>
-    <dgm:cxn modelId="{FBB5A6F7-5AFD-44C8-AC8D-3A8144332567}" type="presOf" srcId="{AAD4A0F0-59BB-4894-A424-B4C1FDF18974}" destId="{9BF0C6AA-B154-4AB1-92D8-1077170E8D78}" srcOrd="1" destOrd="0" presId="urn:microsoft.com/office/officeart/2011/layout/CircleProcess"/>
-    <dgm:cxn modelId="{22138BFE-129C-4CEF-B921-6EB4C1606DC1}" type="presOf" srcId="{3006592F-56C0-4AA0-B882-CE72229F9412}" destId="{DBD594CA-9625-4B31-AC19-9CB730607916}" srcOrd="1" destOrd="0" presId="urn:microsoft.com/office/officeart/2011/layout/CircleProcess"/>
     <dgm:cxn modelId="{4C983EA9-C578-4954-92FD-BF93256F7B7F}" type="presParOf" srcId="{F45C7B62-58E8-4E77-86EB-03337B67B999}" destId="{9987D2CA-2E0D-41E3-895F-7FF5E23F1313}" srcOrd="0" destOrd="0" presId="urn:microsoft.com/office/officeart/2011/layout/CircleProcess"/>
     <dgm:cxn modelId="{430F0990-3FB4-4335-A1E3-AA7D0F3335BB}" type="presParOf" srcId="{9987D2CA-2E0D-41E3-895F-7FF5E23F1313}" destId="{B3720134-81E6-49EA-9253-8B3C94D9F578}" srcOrd="0" destOrd="0" presId="urn:microsoft.com/office/officeart/2011/layout/CircleProcess"/>
     <dgm:cxn modelId="{C0641DF5-B4CE-4036-8F65-6E99DE394AFA}" type="presParOf" srcId="{F45C7B62-58E8-4E77-86EB-03337B67B999}" destId="{37D80216-B438-4E9C-A9DF-A03031F8273F}" srcOrd="1" destOrd="0" presId="urn:microsoft.com/office/officeart/2011/layout/CircleProcess"/>
@@ -1448,7 +1538,7 @@
         </a:bodyPr>
         <a:lstStyle/>
         <a:p>
-          <a:pPr marL="0" lvl="0" indent="0" algn="ctr" defTabSz="755650">
+          <a:pPr lvl="0" algn="ctr" defTabSz="755650">
             <a:lnSpc>
               <a:spcPct val="90000"/>
             </a:lnSpc>
@@ -1458,7 +1548,6 @@
             <a:spcAft>
               <a:spcPct val="35000"/>
             </a:spcAft>
-            <a:buNone/>
           </a:pPr>
           <a:r>
             <a:rPr lang="en-US" sz="1700" kern="1200" dirty="0"/>
@@ -1575,7 +1664,7 @@
         </a:bodyPr>
         <a:lstStyle/>
         <a:p>
-          <a:pPr marL="0" lvl="0" indent="0" algn="ctr" defTabSz="755650">
+          <a:pPr lvl="0" algn="ctr" defTabSz="755650">
             <a:lnSpc>
               <a:spcPct val="90000"/>
             </a:lnSpc>
@@ -1585,7 +1674,6 @@
             <a:spcAft>
               <a:spcPct val="35000"/>
             </a:spcAft>
-            <a:buNone/>
           </a:pPr>
           <a:r>
             <a:rPr lang="en-US" sz="1700" kern="1200" dirty="0"/>
@@ -1702,7 +1790,7 @@
         </a:bodyPr>
         <a:lstStyle/>
         <a:p>
-          <a:pPr marL="0" lvl="0" indent="0" algn="ctr" defTabSz="755650">
+          <a:pPr lvl="0" algn="ctr" defTabSz="755650">
             <a:lnSpc>
               <a:spcPct val="90000"/>
             </a:lnSpc>
@@ -1712,7 +1800,6 @@
             <a:spcAft>
               <a:spcPct val="35000"/>
             </a:spcAft>
-            <a:buNone/>
           </a:pPr>
           <a:r>
             <a:rPr lang="en-US" sz="1700" kern="1200" dirty="0"/>
@@ -1829,7 +1916,7 @@
         </a:bodyPr>
         <a:lstStyle/>
         <a:p>
-          <a:pPr marL="0" lvl="0" indent="0" algn="ctr" defTabSz="755650">
+          <a:pPr lvl="0" algn="ctr" defTabSz="755650">
             <a:lnSpc>
               <a:spcPct val="90000"/>
             </a:lnSpc>
@@ -1839,7 +1926,6 @@
             <a:spcAft>
               <a:spcPct val="35000"/>
             </a:spcAft>
-            <a:buNone/>
           </a:pPr>
           <a:r>
             <a:rPr lang="en-US" sz="1700" kern="1200" dirty="0"/>
@@ -1956,7 +2042,7 @@
         </a:bodyPr>
         <a:lstStyle/>
         <a:p>
-          <a:pPr marL="0" lvl="0" indent="0" algn="ctr" defTabSz="755650">
+          <a:pPr lvl="0" algn="ctr" defTabSz="755650">
             <a:lnSpc>
               <a:spcPct val="90000"/>
             </a:lnSpc>
@@ -1966,7 +2052,6 @@
             <a:spcAft>
               <a:spcPct val="35000"/>
             </a:spcAft>
-            <a:buNone/>
           </a:pPr>
           <a:r>
             <a:rPr lang="en-US" sz="1700" kern="1200" dirty="0"/>
@@ -2083,7 +2168,7 @@
         </a:bodyPr>
         <a:lstStyle/>
         <a:p>
-          <a:pPr marL="0" lvl="0" indent="0" algn="ctr" defTabSz="755650">
+          <a:pPr lvl="0" algn="ctr" defTabSz="755650">
             <a:lnSpc>
               <a:spcPct val="90000"/>
             </a:lnSpc>
@@ -2093,7 +2178,6 @@
             <a:spcAft>
               <a:spcPct val="35000"/>
             </a:spcAft>
-            <a:buNone/>
           </a:pPr>
           <a:r>
             <a:rPr lang="en-US" sz="1700" kern="1200" dirty="0"/>
@@ -7641,1468 +7725,6 @@
 </dgm:styleDef>
 </file>
 
-<file path=ppt/ink/ink1.xml><?xml version="1.0" encoding="utf-8"?>
-<inkml:ink xmlns:inkml="http://www.w3.org/2003/InkML">
-  <inkml:definitions>
-    <inkml:context xml:id="ctx0">
-      <inkml:inkSource xml:id="inkSrc0">
-        <inkml:traceFormat>
-          <inkml:channel name="X" type="integer" max="1920" units="cm"/>
-          <inkml:channel name="Y" type="integer" max="1080" units="cm"/>
-          <inkml:channel name="T" type="integer" max="2.14748E9" units="dev"/>
-        </inkml:traceFormat>
-        <inkml:channelProperties>
-          <inkml:channelProperty channel="X" name="resolution" value="55.81395" units="1/cm"/>
-          <inkml:channelProperty channel="Y" name="resolution" value="55.6701" units="1/cm"/>
-          <inkml:channelProperty channel="T" name="resolution" value="1" units="1/dev"/>
-        </inkml:channelProperties>
-      </inkml:inkSource>
-      <inkml:timestamp xml:id="ts0" timeString="2020-12-14T06:01:30.539"/>
-    </inkml:context>
-    <inkml:brush xml:id="br0">
-      <inkml:brushProperty name="width" value="0.05" units="cm"/>
-      <inkml:brushProperty name="height" value="0.05" units="cm"/>
-      <inkml:brushProperty name="fitToCurve" value="1"/>
-    </inkml:brush>
-  </inkml:definitions>
-  <inkml:trace contextRef="#ctx0" brushRef="#br0">1168 209 0,'26'0'0,"-52"0"62,0 26-31,26 0-15,0 0-16,0 0 16,0 0-1,26 0-15,-26 0 0,0 0 16,0 0-16,0 0 0,0-1 16,26-25-16,-26 26 15,0 0-15,0 0 0,26-26 16</inkml:trace>
-  <inkml:trace contextRef="#ctx0" brushRef="#br0" timeOffset="319">1246 183 0,'0'-25'16,"26"25"31,-26 25-31,26 1-16,-26 0 15,0 0-15,26-26 0,-26 26 16,0 0-16,26-26 15,0 26-15,-26 0 0,25-26 16,1 0 0,0 0-16,0 0 15,0 0 1</inkml:trace>
-  <inkml:trace contextRef="#ctx0" brushRef="#br0" timeOffset="582">1427 183 0,'0'-25'16,"-26"-1"-16,52 26 78,-26 26-78,0-1 0,26-25 15,-26 26-15,0 0 0,26 0 16,-26 0-16,0 0 16,0 0-16,0 0 15,0 0 1,0 0-16,26-26 16</inkml:trace>
-  <inkml:trace contextRef="#ctx0" brushRef="#br0" timeOffset="1135">1816 54 0,'26'0'16,"-26"-26"-16,0 0 31,-26 26-16,0 0 1,0 0-16,0 0 0,0 0 16,1 26-16,-1-26 15,0 0-15,0 26 0,0-26 16,0 26-16,26 0 16,0 0-1,26-26 1,0 26-16,0-26 0,0 25 15,0-25-15,-1 0 0,27 26 16,-26-26-16,0 0 16,0 26-16,0-26 0,0 26 15,0-26-15,-26 26 0,0 0 16,0 0 0,-26 0-16,0-26 15,0 26-15,0-26 16,0 0-16,0 0 0,0 0 15,0 0-15,1-26 0</inkml:trace>
-  <inkml:trace contextRef="#ctx0" brushRef="#br0" timeOffset="2370">2 520 0,'0'-26'0,"0"1"62,26 25-15,-26 25-47,26 1 16,-26 0-1,26 0 1,-26 0-16,0 0 15,0 0 1,0 0-16,0 0 0,-26 0 16,26 0-16,0 0 0,0-1 15,0 1-15,-26 0 16,26 26 0,0 0-16,0-26 0,-26-26 15,26 26-15,0 0 16,0 0-16,0 0 15,0 0 1,26-26 0,0 0-16,0 0 15,0 0 1,-1 0-16,1 0 0,0-26 16,26 26-16,-26 0 15,0 0-15,0 0 0,0 0 16,26 0-16,-26 0 15,25 0-15,-25 26 0,26-26 16,-26 0-16,0 0 0,0 0 16,0 0-16,0 0 15,-52 0 32,26-26-31</inkml:trace>
-  <inkml:trace contextRef="#ctx0" brushRef="#br0" timeOffset="2892">1168 935 0,'26'0'31,"-26"-26"-31,-26 26 47,0 0-47,0 0 15,0 0 1,1 26-16,-1 0 16,0-26-16,0 26 15,26 0-15,-26 0 16,0 0-16,26 0 0,-26 0 15,26-1 1,0 1-16,0 0 0,0 0 16,26 0-16,-26 0 0,26-26 15,0 26-15,0-26 16,0 0-16,0 26 0,-1-26 16,27 0-16,-26 0 15,0-26-15,0 26 16,0-26-16,0 26 15,-26-26-15</inkml:trace>
-  <inkml:trace contextRef="#ctx0" brushRef="#br0" timeOffset="3648">1557 883 0,'0'-26'16,"-26"26"-16,0 0 15,0 0 1,0 0-16,26 26 16,-26-26-16,0 26 15,1 0-15,25 0 16,-26 0-16,26 0 16,-26 0-16,26 0 0,0 0 15,0 0-15,26-1 0,-26 1 16,26 0-16,-1 0 15,1 0-15,0 0 16,0-26 0,0 0-16,0 0 15,0-26-15,0 0 16,0 0 0,-26 0-1,0 0 1,0 1-16,-26 25 15,26-26-15,-26 26 16,52 0 47,0 0-48,0 0 1,0 0-1,0 0-15,-1-26 16,1 26 0,0 0-16,-26 26 31,0 0-15,0-1-16,0 1 15,-26 0-15,26 0 16,0 0-16,0 0 0,0 0 15,0 0-15,0 0 16,0 0-16</inkml:trace>
-  <inkml:trace contextRef="#ctx0" brushRef="#br0" timeOffset="6112">2231 106 0,'0'-26'78,"-26"26"-31,26 26-32,-26-26-15,0 26 16,0 0 0,26-1-16,-26 1 15,26 0-15,0 0 16,0 0-16,0 0 0,0 0 15,0 26-15,0-26 16,26 0-16,0 0 0,-26 25 16,26-25-16,0 0 0,0 0 15,-26 0 1,26-26-16,0 0 16,0 0-1,-26-26-15,0 0 16</inkml:trace>
-  <inkml:trace contextRef="#ctx0" brushRef="#br0" timeOffset="6526">2386 365 0,'26'0'47,"0"0"-47,0 0 16,0 0-1,0 0-15,26 0 0,-26 0 16,0 0-16,0 0 16,-1 0-16,1 0 0,0 0 15,-26-26 1,-26 26-1,0 0 1,1 0-16</inkml:trace>
-  <inkml:trace contextRef="#ctx0" brushRef="#br0" timeOffset="6862">2542 261 0,'0'-26'15,"0"52"32,0 0-31,0 0-1,0 0 1,0 0-16,0 0 0,0 0 16,26 0-16,-26 0 0,0-1 15,26 1-15,-26 0 16,0 0-16,26 0 0,-26 0 16,26-26-1</inkml:trace>
-  <inkml:trace contextRef="#ctx0" brushRef="#br0" timeOffset="7468">2879 235 0,'0'-26'0,"26"26"47,0 0-31,-26 26-16,26 0 16,-26 0-1,25-26-15,-25 26 0,0 0 16,0 0-16,26 0 15,-26 0-15,0 0 0,26-26 16,-26 26-16,0-1 16,0 1-16,26-26 0,0 0 15,-26-26 17,26 1-32,-26-1 15,26 0-15,-26 0 16,0 0-16,26 0 0,-26 0 15,0 0-15,26 0 0,-26 0 16,0 0-16,26 26 16,-26 26 31</inkml:trace>
-  <inkml:trace contextRef="#ctx0" brushRef="#br0" timeOffset="8002">3397 313 0,'0'26'0,"26"-26"94,0 0-79,0 0 1,0 0-16,-26-26 15,26 26-15,-26-26 16,0 0 0,0 0-1,-26 26-15,0-26 16,0 26-16,0 0 16,0 0-16,0 0 15,0 0-15,0 26 16,26 0-1,-26 0-15,26 0 16,0 0-16,26-26 0,-26 26 16,26 0-16,0 0 15,0-26-15,-26 26 16,26-26-16,0 0 16,0 26-16,0-26 0,0 0 15,0 0-15,0 0 16,-26-26-16,26 26 15</inkml:trace>
-  <inkml:trace contextRef="#ctx0" brushRef="#br0" timeOffset="8369">3656 28 0,'26'0'47,"0"0"-32,-26 26 1,26-26-16,0 26 0,0 0 15,-26 0-15,26 0 16,-26 25-16,26-25 16,-26 0-16,26 26 0,-26 0 15,0-26-15,26 0 16,-26 26-16,0-27 0,0 1 16,0 0-16,0 0 0,-26 0 15,0-26 1,0 0-16,0 0 0</inkml:trace>
-</inkml:ink>
-</file>
-
-<file path=ppt/ink/ink10.xml><?xml version="1.0" encoding="utf-8"?>
-<inkml:ink xmlns:inkml="http://www.w3.org/2003/InkML">
-  <inkml:definitions>
-    <inkml:context xml:id="ctx0">
-      <inkml:inkSource xml:id="inkSrc0">
-        <inkml:traceFormat>
-          <inkml:channel name="X" type="integer" max="1920" units="cm"/>
-          <inkml:channel name="Y" type="integer" max="1080" units="cm"/>
-          <inkml:channel name="T" type="integer" max="2.14748E9" units="dev"/>
-        </inkml:traceFormat>
-        <inkml:channelProperties>
-          <inkml:channelProperty channel="X" name="resolution" value="55.81395" units="1/cm"/>
-          <inkml:channelProperty channel="Y" name="resolution" value="55.6701" units="1/cm"/>
-          <inkml:channelProperty channel="T" name="resolution" value="1" units="1/dev"/>
-        </inkml:channelProperties>
-      </inkml:inkSource>
-      <inkml:timestamp xml:id="ts0" timeString="2020-12-14T06:02:53.242"/>
-    </inkml:context>
-    <inkml:brush xml:id="br0">
-      <inkml:brushProperty name="width" value="0.05" units="cm"/>
-      <inkml:brushProperty name="height" value="0.05" units="cm"/>
-      <inkml:brushProperty name="fitToCurve" value="1"/>
-    </inkml:brush>
-  </inkml:definitions>
-  <inkml:trace contextRef="#ctx0" brushRef="#br0">0 135 0,'26'0'15,"0"-26"1,-1 0 0,1 26-16,0-26 15,26 26-15,0-26 16,0 26-16,0-26 0,25 26 16</inkml:trace>
-</inkml:ink>
-</file>
-
-<file path=ppt/ink/ink11.xml><?xml version="1.0" encoding="utf-8"?>
-<inkml:ink xmlns:inkml="http://www.w3.org/2003/InkML">
-  <inkml:definitions>
-    <inkml:context xml:id="ctx0">
-      <inkml:inkSource xml:id="inkSrc0">
-        <inkml:traceFormat>
-          <inkml:channel name="X" type="integer" max="1920" units="cm"/>
-          <inkml:channel name="Y" type="integer" max="1080" units="cm"/>
-          <inkml:channel name="T" type="integer" max="2.14748E9" units="dev"/>
-        </inkml:traceFormat>
-        <inkml:channelProperties>
-          <inkml:channelProperty channel="X" name="resolution" value="55.81395" units="1/cm"/>
-          <inkml:channelProperty channel="Y" name="resolution" value="55.6701" units="1/cm"/>
-          <inkml:channelProperty channel="T" name="resolution" value="1" units="1/dev"/>
-        </inkml:channelProperties>
-      </inkml:inkSource>
-      <inkml:timestamp xml:id="ts0" timeString="2020-12-14T06:02:53.752"/>
-    </inkml:context>
-    <inkml:brush xml:id="br0">
-      <inkml:brushProperty name="width" value="0.05" units="cm"/>
-      <inkml:brushProperty name="height" value="0.05" units="cm"/>
-      <inkml:brushProperty name="fitToCurve" value="1"/>
-    </inkml:brush>
-  </inkml:definitions>
-  <inkml:trace contextRef="#ctx0" brushRef="#br0">0 156 0,'0'-26'16,"26"0"-1,0 26-15,0-26 16,26 0-16,-26 0 0,25 26 16,1-26-16,-26 26 0</inkml:trace>
-</inkml:ink>
-</file>
-
-<file path=ppt/ink/ink12.xml><?xml version="1.0" encoding="utf-8"?>
-<inkml:ink xmlns:inkml="http://www.w3.org/2003/InkML">
-  <inkml:definitions>
-    <inkml:context xml:id="ctx0">
-      <inkml:inkSource xml:id="inkSrc0">
-        <inkml:traceFormat>
-          <inkml:channel name="X" type="integer" max="1920" units="cm"/>
-          <inkml:channel name="Y" type="integer" max="1080" units="cm"/>
-          <inkml:channel name="T" type="integer" max="2.14748E9" units="dev"/>
-        </inkml:traceFormat>
-        <inkml:channelProperties>
-          <inkml:channelProperty channel="X" name="resolution" value="55.81395" units="1/cm"/>
-          <inkml:channelProperty channel="Y" name="resolution" value="55.6701" units="1/cm"/>
-          <inkml:channelProperty channel="T" name="resolution" value="1" units="1/dev"/>
-        </inkml:channelProperties>
-      </inkml:inkSource>
-      <inkml:timestamp xml:id="ts0" timeString="2020-12-14T06:02:54.298"/>
-    </inkml:context>
-    <inkml:brush xml:id="br0">
-      <inkml:brushProperty name="width" value="0.05" units="cm"/>
-      <inkml:brushProperty name="height" value="0.05" units="cm"/>
-      <inkml:brushProperty name="fitToCurve" value="1"/>
-    </inkml:brush>
-  </inkml:definitions>
-  <inkml:trace contextRef="#ctx0" brushRef="#br0">0 51 0,'26'0'31,"0"-25"-31,26 25 16,-26 0-16,26-26 15,0 26-15,25 0 0</inkml:trace>
-</inkml:ink>
-</file>
-
-<file path=ppt/ink/ink13.xml><?xml version="1.0" encoding="utf-8"?>
-<inkml:ink xmlns:inkml="http://www.w3.org/2003/InkML">
-  <inkml:definitions>
-    <inkml:context xml:id="ctx0">
-      <inkml:inkSource xml:id="inkSrc0">
-        <inkml:traceFormat>
-          <inkml:channel name="X" type="integer" max="1920" units="cm"/>
-          <inkml:channel name="Y" type="integer" max="1080" units="cm"/>
-          <inkml:channel name="T" type="integer" max="2.14748E9" units="dev"/>
-        </inkml:traceFormat>
-        <inkml:channelProperties>
-          <inkml:channelProperty channel="X" name="resolution" value="55.81395" units="1/cm"/>
-          <inkml:channelProperty channel="Y" name="resolution" value="55.6701" units="1/cm"/>
-          <inkml:channelProperty channel="T" name="resolution" value="1" units="1/dev"/>
-        </inkml:channelProperties>
-      </inkml:inkSource>
-      <inkml:timestamp xml:id="ts0" timeString="2020-12-14T06:02:54.754"/>
-    </inkml:context>
-    <inkml:brush xml:id="br0">
-      <inkml:brushProperty name="width" value="0.05" units="cm"/>
-      <inkml:brushProperty name="height" value="0.05" units="cm"/>
-      <inkml:brushProperty name="fitToCurve" value="1"/>
-    </inkml:brush>
-  </inkml:definitions>
-  <inkml:trace contextRef="#ctx0" brushRef="#br0">0 104 0,'26'-26'15,"0"26"1,0-26-16,0 26 0,26-26 16,-26 0-16,26 26 15</inkml:trace>
-</inkml:ink>
-</file>
-
-<file path=ppt/ink/ink14.xml><?xml version="1.0" encoding="utf-8"?>
-<inkml:ink xmlns:inkml="http://www.w3.org/2003/InkML">
-  <inkml:definitions>
-    <inkml:context xml:id="ctx0">
-      <inkml:inkSource xml:id="inkSrc0">
-        <inkml:traceFormat>
-          <inkml:channel name="X" type="integer" max="1920" units="cm"/>
-          <inkml:channel name="Y" type="integer" max="1080" units="cm"/>
-          <inkml:channel name="T" type="integer" max="2.14748E9" units="dev"/>
-        </inkml:traceFormat>
-        <inkml:channelProperties>
-          <inkml:channelProperty channel="X" name="resolution" value="55.81395" units="1/cm"/>
-          <inkml:channelProperty channel="Y" name="resolution" value="55.6701" units="1/cm"/>
-          <inkml:channelProperty channel="T" name="resolution" value="1" units="1/dev"/>
-        </inkml:channelProperties>
-      </inkml:inkSource>
-      <inkml:timestamp xml:id="ts0" timeString="2020-12-14T06:02:55.336"/>
-    </inkml:context>
-    <inkml:brush xml:id="br0">
-      <inkml:brushProperty name="width" value="0.05" units="cm"/>
-      <inkml:brushProperty name="height" value="0.05" units="cm"/>
-      <inkml:brushProperty name="fitToCurve" value="1"/>
-    </inkml:brush>
-  </inkml:definitions>
-  <inkml:trace contextRef="#ctx0" brushRef="#br0">0 0 0,'26'26'15,"0"-26"1,0 0-16,0 0 0,-1 0 16,1 0-16,26 0 0,-26 0 15</inkml:trace>
-</inkml:ink>
-</file>
-
-<file path=ppt/ink/ink15.xml><?xml version="1.0" encoding="utf-8"?>
-<inkml:ink xmlns:inkml="http://www.w3.org/2003/InkML">
-  <inkml:definitions>
-    <inkml:context xml:id="ctx0">
-      <inkml:inkSource xml:id="inkSrc0">
-        <inkml:traceFormat>
-          <inkml:channel name="X" type="integer" max="1920" units="cm"/>
-          <inkml:channel name="Y" type="integer" max="1080" units="cm"/>
-          <inkml:channel name="T" type="integer" max="2.14748E9" units="dev"/>
-        </inkml:traceFormat>
-        <inkml:channelProperties>
-          <inkml:channelProperty channel="X" name="resolution" value="55.81395" units="1/cm"/>
-          <inkml:channelProperty channel="Y" name="resolution" value="55.6701" units="1/cm"/>
-          <inkml:channelProperty channel="T" name="resolution" value="1" units="1/dev"/>
-        </inkml:channelProperties>
-      </inkml:inkSource>
-      <inkml:timestamp xml:id="ts0" timeString="2020-12-14T06:02:56.020"/>
-    </inkml:context>
-    <inkml:brush xml:id="br0">
-      <inkml:brushProperty name="width" value="0.05" units="cm"/>
-      <inkml:brushProperty name="height" value="0.05" units="cm"/>
-      <inkml:brushProperty name="fitToCurve" value="1"/>
-    </inkml:brush>
-  </inkml:definitions>
-  <inkml:trace contextRef="#ctx0" brushRef="#br0">0 130 0,'26'0'15,"0"0"1,0 0-16,-26-26 0,26 26 16,0-26-16,25 0 0,-25 0 15,26 26-15,-26-26 16</inkml:trace>
-</inkml:ink>
-</file>
-
-<file path=ppt/ink/ink16.xml><?xml version="1.0" encoding="utf-8"?>
-<inkml:ink xmlns:inkml="http://www.w3.org/2003/InkML">
-  <inkml:definitions>
-    <inkml:context xml:id="ctx0">
-      <inkml:inkSource xml:id="inkSrc0">
-        <inkml:traceFormat>
-          <inkml:channel name="X" type="integer" max="1920" units="cm"/>
-          <inkml:channel name="Y" type="integer" max="1080" units="cm"/>
-          <inkml:channel name="T" type="integer" max="2.14748E9" units="dev"/>
-        </inkml:traceFormat>
-        <inkml:channelProperties>
-          <inkml:channelProperty channel="X" name="resolution" value="55.81395" units="1/cm"/>
-          <inkml:channelProperty channel="Y" name="resolution" value="55.6701" units="1/cm"/>
-          <inkml:channelProperty channel="T" name="resolution" value="1" units="1/dev"/>
-        </inkml:channelProperties>
-      </inkml:inkSource>
-      <inkml:timestamp xml:id="ts0" timeString="2020-12-14T06:02:56.806"/>
-    </inkml:context>
-    <inkml:brush xml:id="br0">
-      <inkml:brushProperty name="width" value="0.05" units="cm"/>
-      <inkml:brushProperty name="height" value="0.05" units="cm"/>
-      <inkml:brushProperty name="fitToCurve" value="1"/>
-    </inkml:brush>
-  </inkml:definitions>
-  <inkml:trace contextRef="#ctx0" brushRef="#br0">0 104 0,'26'0'16,"-26"-26"-16,26 26 15,0-26 1,0 26-16,0-26 0,0 26 15,0 0-15,25-26 16,1 26-16</inkml:trace>
-</inkml:ink>
-</file>
-
-<file path=ppt/ink/ink17.xml><?xml version="1.0" encoding="utf-8"?>
-<inkml:ink xmlns:inkml="http://www.w3.org/2003/InkML">
-  <inkml:definitions>
-    <inkml:context xml:id="ctx0">
-      <inkml:inkSource xml:id="inkSrc0">
-        <inkml:traceFormat>
-          <inkml:channel name="X" type="integer" max="1920" units="cm"/>
-          <inkml:channel name="Y" type="integer" max="1080" units="cm"/>
-          <inkml:channel name="T" type="integer" max="2.14748E9" units="dev"/>
-        </inkml:traceFormat>
-        <inkml:channelProperties>
-          <inkml:channelProperty channel="X" name="resolution" value="55.81395" units="1/cm"/>
-          <inkml:channelProperty channel="Y" name="resolution" value="55.6701" units="1/cm"/>
-          <inkml:channelProperty channel="T" name="resolution" value="1" units="1/dev"/>
-        </inkml:channelProperties>
-      </inkml:inkSource>
-      <inkml:timestamp xml:id="ts0" timeString="2020-12-14T06:02:57.365"/>
-    </inkml:context>
-    <inkml:brush xml:id="br0">
-      <inkml:brushProperty name="width" value="0.05" units="cm"/>
-      <inkml:brushProperty name="height" value="0.05" units="cm"/>
-      <inkml:brushProperty name="fitToCurve" value="1"/>
-    </inkml:brush>
-  </inkml:definitions>
-  <inkml:trace contextRef="#ctx0" brushRef="#br0">0 156 0,'26'-26'0,"0"26"15,0-26-15,0 0 0,26 0 16,0 0-16,25 0 16</inkml:trace>
-</inkml:ink>
-</file>
-
-<file path=ppt/ink/ink18.xml><?xml version="1.0" encoding="utf-8"?>
-<inkml:ink xmlns:inkml="http://www.w3.org/2003/InkML">
-  <inkml:definitions>
-    <inkml:context xml:id="ctx0">
-      <inkml:inkSource xml:id="inkSrc0">
-        <inkml:traceFormat>
-          <inkml:channel name="X" type="integer" max="1920" units="cm"/>
-          <inkml:channel name="Y" type="integer" max="1080" units="cm"/>
-          <inkml:channel name="T" type="integer" max="2.14748E9" units="dev"/>
-        </inkml:traceFormat>
-        <inkml:channelProperties>
-          <inkml:channelProperty channel="X" name="resolution" value="55.81395" units="1/cm"/>
-          <inkml:channelProperty channel="Y" name="resolution" value="55.6701" units="1/cm"/>
-          <inkml:channelProperty channel="T" name="resolution" value="1" units="1/dev"/>
-        </inkml:channelProperties>
-      </inkml:inkSource>
-      <inkml:timestamp xml:id="ts0" timeString="2020-12-14T06:02:58.910"/>
-    </inkml:context>
-    <inkml:brush xml:id="br0">
-      <inkml:brushProperty name="width" value="0.05" units="cm"/>
-      <inkml:brushProperty name="height" value="0.05" units="cm"/>
-      <inkml:brushProperty name="fitToCurve" value="1"/>
-    </inkml:brush>
-  </inkml:definitions>
-  <inkml:trace contextRef="#ctx0" brushRef="#br0">0 132 0,'26'0'0,"-26"26"16,-26 0-16,26 0 0,0 0 16,0 0-16,26-1 15,-26 27-15,26-26 0,-26 0 16,26 0-16,0 26 0,-26-26 16,26 0-16,-26 0 15,0 0-15,26 0 0,-26-1 31</inkml:trace>
-  <inkml:trace contextRef="#ctx0" brushRef="#br0" timeOffset="353">208 210 0,'0'-26'0,"0"0"16,0 52 31,0 0-47,-26 0 15,0 0-15,26-1 16,-26 1-16,0 0 16,0 0-16,26 0 15,0 0 16,26-26-31,-26 26 16,26-26-16,0 0 16,0 26-16,0-26 0,0 26 15,-1 0-15,1-26 16,0 26-16,0-26 0,0 26 16,0-26-16,-26 26 0,26-26 15</inkml:trace>
-  <inkml:trace contextRef="#ctx0" brushRef="#br0" timeOffset="911">441 236 0,'0'-26'16,"-26"26"0,52 26 15,-26 0-31,0-1 0,26 1 16,-26 0-16,26 0 15,-26 0-15,26 0 0,-26 0 16,0 0-16,0 0 0,26 0 15,-26 0 1,-26-26 0,26-26-1,-26 0-15,0 0 16,26 0-16,-26-26 0,26 26 16,-26 0-16,26-26 15,-26 1-15,26 25 0,-26-26 16,26 0-16,0 26 15,0 0-15,26 0 0,-26 0 16,26 26-16,0 0 0,0 0 16,0 0-16,0 0 15,0 26-15,-1 0 16,-25 0-16,0 0 16,0 0-16,0 0 15,-25 0-15,-1 0 16,0 0-16,0-26 15,26 26-15,-26-26 0</inkml:trace>
-  <inkml:trace contextRef="#ctx0" brushRef="#br0" timeOffset="1121">648 80 0,'0'-26'16,"0"0"0,0 0-1,0 52 1,0 0 0,26 0-16,-26 26 0,26 0 15,-26 0-15,26-1 16,-26 27-16,26-26 0</inkml:trace>
-</inkml:ink>
-</file>
-
-<file path=ppt/ink/ink19.xml><?xml version="1.0" encoding="utf-8"?>
-<inkml:ink xmlns:inkml="http://www.w3.org/2003/InkML">
-  <inkml:definitions>
-    <inkml:context xml:id="ctx0">
-      <inkml:inkSource xml:id="inkSrc0">
-        <inkml:traceFormat>
-          <inkml:channel name="X" type="integer" max="1920" units="cm"/>
-          <inkml:channel name="Y" type="integer" max="1080" units="cm"/>
-          <inkml:channel name="T" type="integer" max="2.14748E9" units="dev"/>
-        </inkml:traceFormat>
-        <inkml:channelProperties>
-          <inkml:channelProperty channel="X" name="resolution" value="55.81395" units="1/cm"/>
-          <inkml:channelProperty channel="Y" name="resolution" value="55.6701" units="1/cm"/>
-          <inkml:channelProperty channel="T" name="resolution" value="1" units="1/dev"/>
-        </inkml:channelProperties>
-      </inkml:inkSource>
-      <inkml:timestamp xml:id="ts0" timeString="2020-12-14T06:02:34.704"/>
-    </inkml:context>
-    <inkml:brush xml:id="br0">
-      <inkml:brushProperty name="width" value="0.05" units="cm"/>
-      <inkml:brushProperty name="height" value="0.05" units="cm"/>
-      <inkml:brushProperty name="fitToCurve" value="1"/>
-    </inkml:brush>
-  </inkml:definitions>
-  <inkml:trace contextRef="#ctx0" brushRef="#br0">3759 26 0,'25'0'0,"-25"-26"15,26 26 1,-52 0 78,1 26-79,-1-26 1,26 26-16,-26-26 15,26 26-15,-26-26 16,26 26-16,0-1 0,-26 1 16,26 0-1,0 0-15,0 0 16,0 0-16,0 0 16,0 0-1,0 0-15,0 0 0,0 0 16,0 0-1,0-1-15,0 1 0,26 0 16,-26 0-16,0 0 0,0 0 16,0 0-1,0 0-15,0 0 0,0 0 16,0 0-16,0 0 16,0 0-16,0-1 0,0 1 15,0 0-15,0 0 0,0 0 16,0 26-16,0-26 15,26 0-15,-26 0 0,0 0 16,0 0-16,0-1 16,0 27-16,0-26 0,0 0 15,26 0-15,-26 26 0,0-26 16,0 0-16,0 26 16,0-27-16,0 1 0,0 26 15,0-26-15,26 0 16,-26 0-16,0 26 0,0-26 15,0 0-15,0 0 0,0-1 16,25 1-16,-25 26 16,0-26-16,0 0 0,0 0 15,0 26-15,0-26 16,26 0-16,-26 26 0,0-27 16,0 1-16,0 26 0,0-26 15,26 0-15,-26 26 16,0-26-16,0 0 0,0 0 15,0 0-15,0 25 0,0-25 16,0 0-16,0 0 16,0 26-16,0-26 0,26 0 15,-26 0-15,0 26 16,0-27-16,0 1 0,0 26 16,0-26-16,0 26 15,0-26-15,0 26 0,0-26 16,-26 25-16,26-25 0,0 26 15,0-26-15,-26 0 16,26 26-16,0-26 0,0 0 16,-26 0-16,26 26 0,0-27 15,0 1-15,-25 0 16,25 0-16,0 0 0,-26 0 16,26 0-16,-26 0 15,26 0-15,-26-26 0,26 26 16,-26-26-16,26 26 15,-26-26 1,0 0 15,26 26 32,26-26-48,0 0 1,-26 25-16,26-25 0,0 26 16,0 0-1,0 0 1,-1 0 0,-25 0-16,0 0 15,0 0-15,0 0 16,0 0-1,-25 0-15,25 0 0,-26-1 16,26 1-16,-26 0 16,26 0-16,0 0 0,0 0 15,-26 26-15,26-26 0,0 0 16,0 0-16,0 0 16,0-1-16,0 1 0,0 0 15,0 26-15,0-26 16,0 0-16,0 26 0,0-26 15,-26 26-15,26-26 0,0 25 16,-26 1-16,26 0 16,0 0-16,0 0 0,-26 0 15,26-27-15,0 27 16,0 0-16,0-26 0,0 26 16,0-26-16,0 26 0,0-26 15,26-1-15,-26 27 16,0-26-16,0 0 0,0 26 15,26-26-15,-26 0 16,0 26-16,0-26 0,0 25 16,0-25-16,0 26 0,0-26 15,0 0-15,0 26 16,0-26-16,0 26 0,0-26 16,0-1-16,0 27 15,26-26-15,-26 0 0,0 26 16,0-26-16,0 0 0,26 0 15,-26 0-15,0 25 16,0-25-16,0 0 0,0 0 16,0 0-16,0 26 0,0-26 15,0 0-15,0 26 16,0-26-16,0 25 0,0 1 16,0-26-16,0 26 15,0-26-15,0 26 0,0-26 16,0 25-16,0-25 15,0 0-15,0 0 0,26 0 16,-26 0-16,0 0 0,26 0 16,-26 0-16,0 0 15,0 0-15,25 0 0,-25 0 16,0-1 0,0 1-16,0 0 0,0 0 15,0 0-15,0 0 16,0 0-16,0 0 15,0 0 1,0 0-16,0 0 16,0 0-1,0-1-15,0 1 16,0 0 0,0 0-16,26 0 15,-26 0 1,0 0-16,0 0 15,26-26-15,-26 26 16,26-26 0,-26 26-16,26-26 15,0 0-15,0-26 16,0 26 0,0 0-16,0 0 15,0 0 1,0 0-16,-26 26 15,0-52 17</inkml:trace>
-  <inkml:trace contextRef="#ctx0" brushRef="#br0" timeOffset="1278">3525 3603 0,'0'25'109,"-26"-25"-109,0 0 16,1 26-1,-1-26 1,26 26-16,-26-26 16,0 0-16,0 0 15,26 26-15,-26-26 0,0 0 16,0 26-16,0-26 16,0 0-16,0 0 15,26 26 1,-26-26-16,52 0 62,-26-26-46</inkml:trace>
-  <inkml:trace contextRef="#ctx0" brushRef="#br0" timeOffset="1835">3137 3603 0,'25'-26'15,"-25"52"63,0-1-78,0 1 16,0 0 0,-25 0-16,25 0 0,-26 0 15,26 0 1,-26 0-16,26 0 16,-26 0-1,26 0 1,26-26 31,0 0-47,0 26 15,-1-26-15,1 0 16,0 0-16,0 0 0,26 0 16,-26 25-16,0-25 15,0 0-15,0 0 0,0 0 16,0 0-16,-26 26 0</inkml:trace>
-  <inkml:trace contextRef="#ctx0" brushRef="#br0" timeOffset="44665">26 4328 0,'0'-26'16,"26"26"0,-26-26-1,0 52 48,0 0-48,0 0-15,0 0 16,0 0-16,0 26 16,0-26-16,0 0 0,0 0 15,26 25-15,-26-25 16,0 0-16,0 0 0,26 26 16,-26-26-16,0 0 15,0 0-15,0-52 47,26 26-31,-26-26-16,0 0 0,0-26 15,0 26-15,0-26 16,0 27-16,0-27 0,-26 0 16,26 0-16,-26-26 15,26 26-15,-26 1 0,26-1 16,-26-26-16,26 52 0,0-26 15,-26 26-15,26-26 16,0 27-16,26 25 16,0 0-16,0 0 15,0 25 1,0 1-16,0 0 0,0 0 16,0 0-16,0 26 15,25-26-15,-25 26 0,0 0 16,0-1-16,0-25 0,0 26 15,0-26-15,0 26 16,0-26-16,-26 0 0,26 0 16,-26 0-16,26 0 15,-26-1-15,0 1 16,26-26-16</inkml:trace>
-  <inkml:trace contextRef="#ctx0" brushRef="#br0" timeOffset="44897">130 4432 0,'-26'-26'0,"0"26"0,26-26 16,0 0-1,26 26-15,-26-26 16,26 26-16,0 0 15,26-26-15,-26 26 0,25-26 16,1 26-16,-26-26 16,26 1-16,-26 25 0,0 0 15,0-26-15,0 26 0</inkml:trace>
-  <inkml:trace contextRef="#ctx0" brushRef="#br0" timeOffset="45324">856 4147 0,'0'-26'0,"26"26"15,-26-26 1,-26 26-16,0 0 16,0 0-16,0 26 15,0 0 1,0 0-16,0 0 0,26 0 15,-26 25-15,26-25 16,0 0-16,0 0 0,0 0 16,0 0-16,26 0 0,-26 0 15,26 0-15,0-26 16,0 26-16,0 0 0,0-26 16,0 0-16,26 0 15,-27 0-15,1 0 0,0 0 16,0-26-16</inkml:trace>
-  <inkml:trace contextRef="#ctx0" brushRef="#br0" timeOffset="45714">1270 4069 0,'0'-26'15,"0"0"1,-26 26 15,1 0-31,-1 26 16,0 0-1,0-26-15,0 26 0,0 0 16,0 0-16,26 0 16,-26 26-16,26-27 0,0 1 15,0 0-15,0 0 0,0 0 16,0 0-16,26 0 16,-26 0-16,26-26 0,0 26 15,0-26-15,0 0 16,0 0-16,0 0 0,-1 0 15,27 0-15</inkml:trace>
-  <inkml:trace contextRef="#ctx0" brushRef="#br0" timeOffset="46188">1555 4043 0,'0'-26'16,"0"0"-1,0 0-15,-25 26 16,-1 26 0,0 0-1,26 0-15,-26 0 16,26 0-16,-26 0 0,26 26 15,0-26-15,0 0 16,0-1-16,26 1 0,0-26 16,-26 26-16,26-26 0,0 26 15,-1-26-15,1 0 16,0-26-16,0 26 16,0-26-16,0 0 15,0 26-15,-26-25 0,0-1 16,0-26-16,0 26 15,0 0-15,-26 0 0,0-26 16,0 26-16,0 0 0,0 0 16,0 1-16,1 25 15,-1 0-15,0 25 16,26 1 0,0 0-16,0 0 15,0 0-15,26-26 0</inkml:trace>
-  <inkml:trace contextRef="#ctx0" brushRef="#br0" timeOffset="46619">1789 3914 0,'26'0'15,"-26"-26"16,0 52 1,26-1-17,-26 1-15,26 0 16,-26 0-16,25 0 16,-25 0-16,26 0 0,0 0 15,0 0-15,0-26 0,0 26 16,0-26-16,0 0 15,0 0-15,0-26 0,0 26 16,0-26-16,-26 0 16,25 0-16,-25 0 0,0 0 15,0 0-15,0 0 0,-25-25 16,25 25-16,-26 0 16,26 0-16,-26 26 0,0-26 15,26 0-15,-26 26 16,26 26 15,26-26-15</inkml:trace>
-  <inkml:trace contextRef="#ctx0" brushRef="#br0" timeOffset="47135">2333 3810 0,'0'-26'47,"0"52"-16,0 0-15,0 0 0,0 0-16,26 0 15,-26-1-15,26 1 0,-26 0 16,0 0-16,26 0 0,-26 0 16,0 0-1,0 0-15,0-52 31,-26 0-31,26 0 16,0 0-16,0 0 16,0 0-16,0-25 15,0 25-15,0 0 0,0 0 16,0 0-16,26 0 16,-26 0-16,26 26 15,0 0-15,-26 26 0,26 0 16,-1 0-16,-25 0 15,26 0-15,-26 0 0,26-1 16,-26 1-16,0 0 16,0 0-16,26 0 0,-26 0 15</inkml:trace>
-  <inkml:trace contextRef="#ctx0" brushRef="#br0" timeOffset="47447">2540 3473 0,'-26'-26'0,"26"0"16,0 52 0,0 0-1,0 0-15,26 0 16,-26 26-16,26-26 0,-26 25 15,26-25-15,0 26 16,0-26-16,-26 0 0,26 26 16,0-26-16,0 0 0,0 25 15,-26-25-15,26 0 16,-26 0-16,26 0 0,-26 0 16,0 0-16,25 0 15</inkml:trace>
-  <inkml:trace contextRef="#ctx0" brushRef="#br0" timeOffset="47609">2514 3758 0,'-25'0'0,"-1"0"0,0 0 15,52 0 1,25-26-16,-25 26 15,52-26-15,-26 0 0,26 26 16,-26-26-16,-1 0 0</inkml:trace>
-</inkml:ink>
-</file>
-
-<file path=ppt/ink/ink2.xml><?xml version="1.0" encoding="utf-8"?>
-<inkml:ink xmlns:inkml="http://www.w3.org/2003/InkML">
-  <inkml:definitions>
-    <inkml:context xml:id="ctx0">
-      <inkml:inkSource xml:id="inkSrc0">
-        <inkml:traceFormat>
-          <inkml:channel name="X" type="integer" max="1920" units="cm"/>
-          <inkml:channel name="Y" type="integer" max="1080" units="cm"/>
-          <inkml:channel name="T" type="integer" max="2.14748E9" units="dev"/>
-        </inkml:traceFormat>
-        <inkml:channelProperties>
-          <inkml:channelProperty channel="X" name="resolution" value="55.81395" units="1/cm"/>
-          <inkml:channelProperty channel="Y" name="resolution" value="55.6701" units="1/cm"/>
-          <inkml:channelProperty channel="T" name="resolution" value="1" units="1/dev"/>
-        </inkml:channelProperties>
-      </inkml:inkSource>
-      <inkml:timestamp xml:id="ts0" timeString="2020-12-14T06:01:42.045"/>
-    </inkml:context>
-    <inkml:brush xml:id="br0">
-      <inkml:brushProperty name="width" value="0.05" units="cm"/>
-      <inkml:brushProperty name="height" value="0.05" units="cm"/>
-      <inkml:brushProperty name="fitToCurve" value="1"/>
-    </inkml:brush>
-  </inkml:definitions>
-  <inkml:trace contextRef="#ctx0" brushRef="#br0">105 52 0,'0'-26'31,"-26"26"16,0 0-16,26 26-31,-26 0 16,26 0-16,0 0 16,-26 0-16,26 26 0,0-27 15,0 1-15,0 26 16,0-26-16,26 0 0,-26 0 16,0 0-16,26 0 15,-26 0-15,26-26 0,0 26 16,0-26-16,0 0 15,-26-26-15</inkml:trace>
-  <inkml:trace contextRef="#ctx0" brushRef="#br0" timeOffset="474">364 233 0,'-26'0'15,"52"0"48,0 0-48,0 0-15,0 0 16,0 0-16,0 0 16,0 0-16,-1-25 0,1 25 15,0 0 1,-52 25 0,0-25-1</inkml:trace>
-  <inkml:trace contextRef="#ctx0" brushRef="#br0" timeOffset="1038">727 130 0,'26'0'47,"-26"26"-16,0 0-31,26 0 16,-26-1-16,0 1 16,26 0-1,-26 0-15,0 0 0,26-26 16,-26 26-16,25 0 16,-25 0-1,26-26-15,0 0 16,-26-26-1,26 0-15,-26 0 16,26 0-16,-26 0 16,0 0-16,26 0 15,-26 1-15,26-1 16,-26 0-16,0 0 16,26 26 30,-26 26-30</inkml:trace>
-  <inkml:trace contextRef="#ctx0" brushRef="#br0" timeOffset="1554">1219 285 0,'26'0'31,"0"0"-16,0-26-15,0 26 32,-26-26-32,0 1 15,26 25-15,-26-26 16,0 0 0,0 0-1,0 0 1,-26 26-16,26-26 15,-26 26-15,0 0 16,0 0 0,26 26-16,-26-26 0,0 0 15,26 26-15,-26 0 16,26 0-16,-25 0 16,25-1-1,25 1-15,-25 0 0,26-26 16,0 26-16,0 0 15,0-26-15,-26 26 16,26-26-16,0 0 0,0 0 16,0 0-1,-26-26 1</inkml:trace>
-  <inkml:trace contextRef="#ctx0" brushRef="#br0" timeOffset="1897">1504 0 0,'26'0'62,"-26"26"-46,26-26-16,-26 26 15,26 0-15,0 0 16,-26 0-16,26 0 16,-26 0-16,26 25 0,-26-25 15,0 0-15,0 26 16,-26-26-1,0 0-15,26 0 16,-26-26-16,0 0 0,-26 26 16</inkml:trace>
-</inkml:ink>
-</file>
-
-<file path=ppt/ink/ink20.xml><?xml version="1.0" encoding="utf-8"?>
-<inkml:ink xmlns:inkml="http://www.w3.org/2003/InkML">
-  <inkml:definitions>
-    <inkml:context xml:id="ctx0">
-      <inkml:inkSource xml:id="inkSrc0">
-        <inkml:traceFormat>
-          <inkml:channel name="X" type="integer" max="1920" units="cm"/>
-          <inkml:channel name="Y" type="integer" max="1080" units="cm"/>
-          <inkml:channel name="T" type="integer" max="2.14748E9" units="dev"/>
-        </inkml:traceFormat>
-        <inkml:channelProperties>
-          <inkml:channelProperty channel="X" name="resolution" value="55.81395" units="1/cm"/>
-          <inkml:channelProperty channel="Y" name="resolution" value="55.6701" units="1/cm"/>
-          <inkml:channelProperty channel="T" name="resolution" value="1" units="1/dev"/>
-        </inkml:channelProperties>
-      </inkml:inkSource>
-      <inkml:timestamp xml:id="ts0" timeString="2020-12-14T06:04:21.699"/>
-    </inkml:context>
-    <inkml:brush xml:id="br0">
-      <inkml:brushProperty name="width" value="0.05" units="cm"/>
-      <inkml:brushProperty name="height" value="0.05" units="cm"/>
-      <inkml:brushProperty name="fitToCurve" value="1"/>
-    </inkml:brush>
-  </inkml:definitions>
-  <inkml:trace contextRef="#ctx0" brushRef="#br0">0 149 0,'26'0'16,"0"0"31,0-26-32,0 26 1,0 0-16,0-26 0,-1 26 16,27-26-1,-26 0-15,0 26 0,0-25 16,0 25-16,0 0 15,-26-26-15,0 52 32</inkml:trace>
-  <inkml:trace contextRef="#ctx0" brushRef="#br0" timeOffset="234">130 279 0,'26'0'31,"-1"-26"-31,1 26 16,0-26-1,0 26-15,26 0 0,-26-26 16,0 26-16</inkml:trace>
-</inkml:ink>
-</file>
-
-<file path=ppt/ink/ink21.xml><?xml version="1.0" encoding="utf-8"?>
-<inkml:ink xmlns:inkml="http://www.w3.org/2003/InkML">
-  <inkml:definitions>
-    <inkml:context xml:id="ctx0">
-      <inkml:inkSource xml:id="inkSrc0">
-        <inkml:traceFormat>
-          <inkml:channel name="X" type="integer" max="1920" units="cm"/>
-          <inkml:channel name="Y" type="integer" max="1080" units="cm"/>
-          <inkml:channel name="T" type="integer" max="2.14748E9" units="dev"/>
-        </inkml:traceFormat>
-        <inkml:channelProperties>
-          <inkml:channelProperty channel="X" name="resolution" value="55.81395" units="1/cm"/>
-          <inkml:channelProperty channel="Y" name="resolution" value="55.6701" units="1/cm"/>
-          <inkml:channelProperty channel="T" name="resolution" value="1" units="1/dev"/>
-        </inkml:channelProperties>
-      </inkml:inkSource>
-      <inkml:timestamp xml:id="ts0" timeString="2020-12-14T06:04:29.575"/>
-    </inkml:context>
-    <inkml:brush xml:id="br0">
-      <inkml:brushProperty name="width" value="0.05" units="cm"/>
-      <inkml:brushProperty name="height" value="0.05" units="cm"/>
-      <inkml:brushProperty name="fitToCurve" value="1"/>
-    </inkml:brush>
-  </inkml:definitions>
-  <inkml:trace contextRef="#ctx0" brushRef="#br0">4381 208 0,'26'-26'0,"0"26"16,0-26-16,0 0 31,-26 1 0,-26 25 0,26-26-31,-26 26 16,26-26 0,-26 26-16,0 0 15,26-26 1,-26 26-16,0 0 0,0-26 16,0 26-1,0 0-15,1 0 0,-1 0 16,0 0-16,0 0 0,0 0 15,0 0-15,0 0 16,0 0-16,0 26 0,0-26 16,0 0-16,0 26 15,1-26-15,-1 0 16,0 26-16,0-26 0,0 0 16,26 26-16,-26-26 15,0 25-15,0-25 0,0 26 16,26 0-16,-26-26 15,0 26-15,0 0 16,1 0-16,-1 0 16,0-26-1,26 26-15,-26 0 16,0-26 0,26 26-16,-26-26 15,0 26-15,0 0 16,0-1-1,26 1 1,0 0 0,0 0-16,0 0 15,0 0-15,0 0 16,26 0-16,-26 0 16,26 0-16,0 0 15,0 0 1,0-26-16,0 25 15,0 1-15,0-26 16,-1 0-16,1 26 16,0-26-16,0 0 0,0 0 15,0 26-15,0-26 0,0 0 16,0 0 0,0 0-16,0 26 15,0-26-15,-1 0 16,1 0-16,0 0 15,0 0-15,0 0 16,0 0-16,0 0 16,0 0-16,0 0 0,0 0 15,0 0 1,0 0-16,-1 0 16,1 0-16,0 0 15,0-26 1,0 26-1,0 0-15,-26-26 16,26 26-16,0 0 0,-26-26 16,26 26-16,-26-26 0,26 26 15,-26-25-15,26 25 16,-26-26-16,26 0 0,-26 0 16,26 0-16,-26 0 0,25 0 15,-25 0-15,0 0 16,26 0-16,-26 0 0,0 0 15,0 1-15,26-1 16,-26 0-16,0 0 0,0 0 16,0 0-16,0 0 15,0 0-15,0 0 0,0 0 16,0 0-16,0 0 0,0 1 16,0-1-1,-26 26 1,0 0-1,1 0 1,-1 26 0</inkml:trace>
-  <inkml:trace contextRef="#ctx0" brushRef="#br0" timeOffset="1200">3889 882 0,'0'26'47,"0"0"-16,-26 0-15,26 0-16,-26 0 16,26 0-16,-26-1 0,26 1 15,0 0-15,-26 0 16,26 0-16,-26 0 0,26 0 15,0 0-15,-26 0 16,26 0-16,-26-26 0,0 26 16,26 0-16,-26 0 15,0-26-15,1 25 0,-1 1 16,0-26-16,0 26 0,0-26 16,0 26-16,0 0 15,0-26-15,0 26 0,0-26 16,0 0-16,-25 26 0,25-26 15,0 0-15,-26 0 16,26 26-16,0-26 0,-26 0 16,26 0-16,0 0 15,-26 0-15,27 0 0,-1 0 16,-26 0-16,26 0 0,-26-26 16,26 26-16,-26-26 15,0 26-15,1-26 0,-1 0 16,0 26-16,0-26 15,-26 0-15,27 0 0,-1 1 16,0 25-16,0-26 0,0 0 16,0 26-16,26-26 15,-25 0-15,25 26 0,-26-26 16,26 26-16,-26-26 16,26 0-16,-26 26 0,0-26 15,27 0-15,-27 0 0,26 0 16,-26 26-16,26-26 15,-26 1-15,26-1 0,0 0 16,0 26-16,1-26 16,25 0-16,-26 26 0,0-26 15,26 0-15,-26 26 0,26-26 16,-26 0-16,26 0 16,-26 26-16,26-26 15,0 0 1,-26 26-16,26-25 15,0 50 48,0 1-47,26-26-1</inkml:trace>
-  <inkml:trace contextRef="#ctx0" brushRef="#br0" timeOffset="1790">1660 752 0,'-26'0'32,"0"0"-17,0 0-15,0 0 16,0 0-16,0 0 15,0 0-15,-26-25 0,26 25 16,1 0-16,-1 0 0,0 0 16,-26-26-16,26 26 15,0 0-15,0 0 0,0 0 16,0 0-16,0 0 16,0 0 62,26 26-78,-25-26 15,25 25 1,-26-25 0,26 26-16,0 0 15,0 0 1,0 0-16,0 0 0,26 0 15,-26 0-15,25 0 0,-25 0 16,26 0-16,0 0 16,-26 25-16,26-25 0,0 26 31,0-52-31,0 0 16</inkml:trace>
-  <inkml:trace contextRef="#ctx0" brushRef="#br0" timeOffset="2831">1400 260 0,'26'-26'15,"-52"0"1,1 26-16,-1 0 16,0-26-16,0 26 15,-26 0-15,26-26 0,0 26 16,-26 0-16,26 0 0,0-26 16,-25 26-16,25 0 15,-26-25-15,26 25 0,0 0 16,-26-26-16,26 26 0,-26 0 15,1-26-15,25 26 16,-26 0-16,26 0 0,-26 0 16,0 0-16,0 0 15,1 0-15,-1 0 0,26 0 16,-26 0-16,26 0 0,-26 26 16,26-26-16,0 0 15,0 26-15,1-26 16,-1 25-16,0 1 15,0 0 1,26 0-16,-26-26 16,26 26-16,0 0 0,0 0 15,0 0-15,0 0 0,0 0 16,0 0-16,26 25 16,-26-25-16,26 0 0,-26 0 15,26 0-15,0 26 0,-26-26 16,25 0-16,1 0 15,-26 0-15,26 0 0,0-1 16,0 1-16,0 0 16,0 0-16,26-26 0,-26 26 15,26 0-15,-1-26 0,1 0 16,0 26-16,0-26 16,26 0-16,-26 0 0,-1 0 15,1 0-15,26 0 16,-26 0-16,-26-26 0,26 26 15,-27-26-15,27 26 0,-52-26 16,26 0-16,0 0 16,-26 0-16,26 1 0,-26-1 15,0 0-15,0 0 16,0 0-16,26 0 0,-26 0 16,0 0-16,0 0 0,0 0 15,0 0-15,0 0 16,0 1-16,0-1 15,-26 26-15,26-26 0,0 0 16,-26 0 0,26 0-16,-26 26 15,0 0 1,26-26-16,-26 26 0,0 0 16,1 0-1</inkml:trace>
-  <inkml:trace contextRef="#ctx0" brushRef="#br0" timeOffset="4046">1997 1841 0,'0'-26'15,"26"26"1,-1-26 0,1 26 15,-26-26-31,26 26 31,-26 26-31,0 0 16,26 0-1,-26 0-15,26 0 0,-26 0 16,0 0-16,26 0 0,-26 0 16,0-1-16,26 1 15,-26 0-15,0 0 16,26 0-16,0-26 15,-26 26-15,26-26 16,0 26-16,0-26 16,-1 0-1,-25-26 17,26 26-32,-26-26 15,0 0-15,0 0 0,0 0 16,0 0-16,0 1 15,0-27-15,0 26 0,0 0 16,26 0-16,-26 0 16,0 0-16,0 0 0,0 0 15,26 26-15,0 0 32,0 0-17,0 0 1,0 0-1,-52 0 32,26 26-31</inkml:trace>
-  <inkml:trace contextRef="#ctx0" brushRef="#br0" timeOffset="4782">2748 1971 0,'0'-26'0,"0"0"31,-26 26-31,0 0 16,0 26-1,1-26-15,25 26 16,-26 0-16,26-1 16,0 1-16,0 0 15,0 0-15,0 0 16,0 0-16,26-26 16,-26 26-16,25-26 15,-25 26-15,26-26 16,0-26-1,-26 0 1,26 26 0,-26-26-16,0 0 0,0 0 15,26 0-15,-26 0 16,0 1-16,0-1 16,26 26-1,-26 26 1,0-1-1,0 1-15,0 0 0,26 0 16,-26 0-16,0 0 16,26 0-16,-26 0 0,0 0 15,26-26-15,-26 26 16</inkml:trace>
-  <inkml:trace contextRef="#ctx0" brushRef="#br0" timeOffset="5436">2904 1971 0,'26'0'0,"-26"-26"31,26 26-16,-26 26 17,25 0-17,-25-1 1,0 1-16,26-26 0,-26 26 16,0 0-16,26-26 15,-26 26-15,0 0 0,0 0 16,0 0 15,0-52 16,0 0-47,26 0 16,-26 0-1,26 0-15,-26 0 16,0 0-16,26 1 15,0-1-15,0 0 16,0 26 0,-26 26-1,0 0-15,0-1 16,0 1 0,0 0-1</inkml:trace>
-  <inkml:trace contextRef="#ctx0" brushRef="#br0" timeOffset="5754">3293 1971 0,'0'-26'16,"25"52"15,1-26-31,-26 26 0,0-1 16,0 1-16,0 0 15,26-26-15,-26 26 16,0 0-16,0 0 0,0 0 15,0 0 1</inkml:trace>
-  <inkml:trace contextRef="#ctx0" brushRef="#br0" timeOffset="6006">3318 1686 0,'26'0'62</inkml:trace>
-  <inkml:trace contextRef="#ctx0" brushRef="#br0" timeOffset="7110">3681 2048 0,'0'-26'0,"0"1"31,0-1-31,0 0 31,-26 26-31,0 0 16,1 26 0,-1-26-16,0 26 15,0-1 1,26 1-16,-26-26 0,26 26 16,0 0-16,0 0 15,0 0 1,26-26-16,-26 26 15,26-26-15,0 0 32,0 0-32,-26-26 15,25 0 1,-25 0-16,0 0 16,0 0-1,26 26-15,-26-26 0,0 1 16,0-1-1,0 52 17,0-1-17,0 1 1,26-26-16,-26 26 16,26-26-1,0 0 16,-26-26 110</inkml:trace>
-  <inkml:trace contextRef="#ctx0" brushRef="#br0" timeOffset="7788">3733 2048 0,'26'0'31,"-26"26"-16,26-26-15,-26 26 0,26 0 16,-26 0 0,26 0-16,-26 0 15,26-26-15,-26 26 16,26-26-16</inkml:trace>
-  <inkml:trace contextRef="#ctx0" brushRef="#br0" timeOffset="8076">3940 1660 0,'0'26'31,"0"-1"-31,0 1 0,26 0 16,-26 0-16,0 0 0,26 26 15,-26-26-15,26 0 16,0 26-16,-26-26 0,26-1 16,-26 1-16,26 0 15,0 0-15,-26 0 16</inkml:trace>
-  <inkml:trace contextRef="#ctx0" brushRef="#br0" timeOffset="8292">3966 2022 0,'0'-25'16,"26"25"15,0 0-31,0-26 16,0 26-1,0 0-15,0 0 16,0 0-16,0 0 16</inkml:trace>
-  <inkml:trace contextRef="#ctx0" brushRef="#br0" timeOffset="8497">4226 1893 0,'0'26'31,"0"0"-31,0 0 16,25 0 0,-25-1-16,0 1 0,0 0 15,0 0-15,26-26 0,-26 26 16,0 0-16,26 0 15,-26 0-15,26-26 0,-26 26 16,26-26-16</inkml:trace>
-  <inkml:trace contextRef="#ctx0" brushRef="#br0" timeOffset="8706">4329 1737 0,'-26'0'16,"52"26"31</inkml:trace>
-  <inkml:trace contextRef="#ctx0" brushRef="#br0" timeOffset="9624">4485 1945 0,'0'26'0,"0"0"15,0-1 1,0 1-16,0 0 16,0 0-16,0 0 15,0 0-15,0 0 16,0 0-16,26 0 0,-26 0 16,26-26-1,-26 26-15,26-26 16,-1-26-16,-25 0 15,26 26 1,-26-26-16,0 0 16,0 0-16,0 0 15,-26 0-15,26 0 16,-25 0-16,25 0 0,0 1 16,-26-1-16,26 0 15,-26 26-15,26-26 0,-26 26 31,26 26-31,0 0 16,0 0-16,0-1 16,0 1-1,0 0-15,26-26 16,-26 26 0,26-26-16,0 0 15,-1 0 1,1-26-1,0 26 1,-26-26-16,26 26 16,-26-26-16,26 26 0,0-25 15,0 50 17,-26 1-17,0 0 1,26 0-16,-26 0 15,0 0 1,26-26-16,-26 26 16,0 0-1,26-26 1,-26 26-16,26-26 16,-26-26 15,26 26-31,-26-26 15,0 0 1,25 0-16,-25 0 16,0 0-16,26 0 15,-26 0 1,26 26-16,0 0 16,-26 26-1,26 0-15,0 0 16,-26 0-16,26 0 0,0 0 15,0 0 1,-26 0-16,26-26 0,-26 26 16</inkml:trace>
-</inkml:ink>
-</file>
-
-<file path=ppt/ink/ink22.xml><?xml version="1.0" encoding="utf-8"?>
-<inkml:ink xmlns:inkml="http://www.w3.org/2003/InkML">
-  <inkml:definitions>
-    <inkml:context xml:id="ctx0">
-      <inkml:inkSource xml:id="inkSrc0">
-        <inkml:traceFormat>
-          <inkml:channel name="X" type="integer" max="1920" units="cm"/>
-          <inkml:channel name="Y" type="integer" max="1080" units="cm"/>
-          <inkml:channel name="T" type="integer" max="2.14748E9" units="dev"/>
-        </inkml:traceFormat>
-        <inkml:channelProperties>
-          <inkml:channelProperty channel="X" name="resolution" value="55.81395" units="1/cm"/>
-          <inkml:channelProperty channel="Y" name="resolution" value="55.6701" units="1/cm"/>
-          <inkml:channelProperty channel="T" name="resolution" value="1" units="1/dev"/>
-        </inkml:channelProperties>
-      </inkml:inkSource>
-      <inkml:timestamp xml:id="ts0" timeString="2020-12-14T06:04:53.144"/>
-    </inkml:context>
-    <inkml:brush xml:id="br0">
-      <inkml:brushProperty name="width" value="0.05" units="cm"/>
-      <inkml:brushProperty name="height" value="0.05" units="cm"/>
-      <inkml:brushProperty name="fitToCurve" value="1"/>
-    </inkml:brush>
-  </inkml:definitions>
-  <inkml:trace contextRef="#ctx0" brushRef="#br0">207 1737 0,'-26'0'16,"52"0"46,0 0-46,0 0-1,0 26-15,0-26 0,0 0 16,0 0-16,0 0 16,-26 25-1,26-25-15,-26 26 0,0 0 16,0 0-1,0 0-15,-26 0 0,26 0 16,-26-26-16,26 26 0,0 0 16,-26 0-16,26 0 15,-26 0-15,26-1 0,-26 1 16,26 0 0,0 0-16,0 0 15,-26 0-15,26 0 16,0 0-16,0 0 15,-26 0-15,26 0 16,0 0 0,0 0-16,0-1 15,-26 1-15,26 0 0,0 0 16,0 0 0,26-26-16,-26 26 15,26-26 1,-26 26-16,26-26 15,0 0 1,0 26-16,0-26 16,0 0-16,0 0 15,-1 0-15,1 0 0,0 0 16,0 0 0,-52 0 15,0 0 0,0 26-15,1 0 15,25 0-15,0 0-1,0-1-15,0 1 16,0 0-16,0 0 15,25-26-15,-25 26 16,0 0-16,26 0 0,-26 0 16,26 0-16,-26 0 0,0 26 15,26-27-15,-26 1 16,26 0-16,-26 0 0,0 0 16,0 0-16,0 0 15,0 0-15,0 0 16,0 0-16,0 0 0,0 0 15,0-1-15,0 27 16,0-26-16,-26 0 0,26 0 16,0 0-16,-26 26 15,26-26-15,-26 0 0,26 0 16,0 0-16,-26 25 0,26-25 16,0 0-16,0 0 15,-25 0-15,25 0 0,0 0 16,0 0-16,0 26 15,0-26-15,0-1 0,0 1 16,0 0-16,0 26 0,0-26 16,0 26-16,0-26 15,0 26-15,0-1 0,0-25 16,0 26-16,0 0 16,0-26-16,-26 26 0,26 0 15,0-26-15,0 25 0,0-25 16,0 0-16,0 26 15,-26-26-15,26 0 0,-26 0 16,0 0 0,26 0-16,-26-26 0,0 26 15,0 0-15,0-26 32,26-26-17,0 0 1</inkml:trace>
-  <inkml:trace contextRef="#ctx0" brushRef="#br0" timeOffset="785">440 2592 0,'26'0'0,"-26"-26"31,26 26-31,-26-26 16,0 0 0,26 26-16,0-26 15,-26 0-15,26 26 16,-26-26-16,26 1 0,0-1 16,-26-26-16,26 26 15,0-26-15,-26 26 0,26-26 16,0 0-16,-1 1 15,-25-1-15,26-26 0,0 26 16,-26 0-16,26-25 16,-26 25-16,26 0 0,-26 0 15,0-26-15,0 26 0,0 1 16,0-27-16,0 26 16,0 0-16,0 0 0,0-25 15,0 25-15,-26 0 0,26 0 16,0 26-16,-26-26 15,26 26-15,-26 0 0,26 1 16,-26-1 0,1 26-1,25-26-15,0 0 78</inkml:trace>
-  <inkml:trace contextRef="#ctx0" brushRef="#br0" timeOffset="1553">207 311 0,'0'26'0,"-26"0"16,26 0-16,0 0 0,0 0 16,0 0-1,0 0-15,-26-1 16,26 1-16,-26-26 16,26-26 30,-26 26-46,26-25 0,0-1 16,0 0-16,0 0 16,0 0-16,0 0 15,0 0-15,0 0 0,26 0 16,-26 0-16,0 0 16,26 0-16,-26 1 0,0-1 15,26 0-15,-26 0 16,26 26-16,-26-26 15,26 26-15,0 0 16,0 0 0,0 0-16,0 26 15,0-26-15,0 26 0,25 26 32,-25-1-32,0-25 0,0 0 0,0 26 15,-26-26-15,26 26 16,-26-26-16,0 0 0,0 0 15,26-1-15,-26 1 0,0 0 16,0 0-16</inkml:trace>
-  <inkml:trace contextRef="#ctx0" brushRef="#br0" timeOffset="1799">0 415 0,'26'-26'16,"0"26"-16,0 0 16,-1-26-16,27 26 15,-26 0-15,26-26 0,0 26 16,0-26-16,0 26 0,-1 0 15,1-26-15,-26 26 16,0 0-16,0 0 0,-26-26 16</inkml:trace>
-  <inkml:trace contextRef="#ctx0" brushRef="#br0" timeOffset="2238">700 285 0,'-26'26'0,"0"-26"0,0 26 15,0 0-15,26 0 16,-26 0-1,26 0 1,26 0-16,0 0 16,0-26-16,0 25 0,0 1 15,25-26-15,-25 26 0,26-26 16,-26 0-16,26 0 16,-26 0-16,0 0 0,0-26 15</inkml:trace>
-  <inkml:trace contextRef="#ctx0" brushRef="#br0" timeOffset="2578">1088 52 0,'-26'0'16,"26"26"-1,0 0 1,0 0-16,26 0 16,-26 0-16,0-1 15,26 27-15,-26-26 0,0 0 16,26 26-16,-26-26 0,0 0 15,0 26-15,0-26 16,0-1-16,0 1 0,0 0 16,0 0-1</inkml:trace>
-  <inkml:trace contextRef="#ctx0" brushRef="#br0" timeOffset="3210">933 389 0,'26'0'16,"0"-26"-16,0 26 16,0 0-16,-1-26 15,1 26-15,0 0 0,26-26 16,-26 26-16,26 0 15,-26-26-15,26 26 0,-26 0 16,-1-26-16,1 26 0,-26-26 16,26 26-16,-26-26 15,-26 26 1,0 0 0,1 0-16,25 26 15,-26-26-15,26 26 0,0 0 16,0 0-1,0 0-15,26-26 16,-26 26-16,25 0 16,-25 0-16,26 0 0,0-26 15,-26 26-15,26 0 0,-26-1 16,26 1 0,0-26-16,-26 26 15,26-26 1,-26-26-1,26 26-15,-26-26 16,0 1-16,26-1 16,-26 0-16,0 0 15,0 0-15,0 0 16,0 0-16,0 0 16,0 0-16,0 0 15,0 0 1,0 52 46,26-26-46</inkml:trace>
-  <inkml:trace contextRef="#ctx0" brushRef="#br0" timeOffset="5531">1762 311 0,'0'26'16,"-26"-26"-16,26 26 0,-26 0 16,26 0-16,-25-26 15,25 26-15,0 0 0,0 0 16,0-1-1,25-25 1,-25 26-16,26-26 0,0 0 16,0 0-1,0 0-15,-26-26 0,26 26 16,0 0-16,-26-25 0,26 25 16,-26-26-16,26 26 15,-26-26-15,26 26 0,-26-26 16,26 0-1,-26 0-15,26 26 16,-26 26 31,0 0-47,0 0 16,0 0-16,25 0 15,-25-1-15,0 1 0,0 0 16,26 0-1,-26 0-15,26-26 16,0 26 0,0-26-16,0-26 15,0 26-15,0-26 16,-26 0 0,26 26-16,-26-26 0,26 0 15,-26 1-15,0-1 16,26 0-16,-26 0 0,0 0 15,0 0-15,0 0 0,0-26 16,0 26-16,-26 0 16,26 0-16,0-25 0,0 25 15,0 0-15,0 0 16,-26 0-16,26 0 16,-26 26-1,26-26-15,-26 26 16,26 26-1,-26-26-15,26 26 16,0 0-16,0 0 16,0 0-16,0 0 0,26 25 15,-26-25-15,26 0 16,0 0-16,0 0 0,0 0 16,0 0-16,-1 0 15,-25 0-15,26-26 0,0 26 16,0 0-16</inkml:trace>
-  <inkml:trace contextRef="#ctx0" brushRef="#br0" timeOffset="6496">1581 337 0,'26'0'15,"-26"-26"1,26 26-16,-26-26 16,26 26-16,0-26 15,-1 26 1,-25-26 15,26 26-31,0 0 31,0 0-15,-26 26 0,26-26-1,-26 26-15,26-26 16,-26 26-16,0 0 0,26-26 16,-26 26-16,0 0 15,26-26 1,-26 26-16,26-26 31,-26 26 47</inkml:trace>
-</inkml:ink>
-</file>
-
-<file path=ppt/ink/ink23.xml><?xml version="1.0" encoding="utf-8"?>
-<inkml:ink xmlns:inkml="http://www.w3.org/2003/InkML">
-  <inkml:definitions>
-    <inkml:context xml:id="ctx0">
-      <inkml:inkSource xml:id="inkSrc0">
-        <inkml:traceFormat>
-          <inkml:channel name="X" type="integer" max="1920" units="cm"/>
-          <inkml:channel name="Y" type="integer" max="1080" units="cm"/>
-          <inkml:channel name="T" type="integer" max="2.14748E9" units="dev"/>
-        </inkml:traceFormat>
-        <inkml:channelProperties>
-          <inkml:channelProperty channel="X" name="resolution" value="55.81395" units="1/cm"/>
-          <inkml:channelProperty channel="Y" name="resolution" value="55.6701" units="1/cm"/>
-          <inkml:channelProperty channel="T" name="resolution" value="1" units="1/dev"/>
-        </inkml:channelProperties>
-      </inkml:inkSource>
-      <inkml:timestamp xml:id="ts0" timeString="2020-12-14T06:05:05.800"/>
-    </inkml:context>
-    <inkml:brush xml:id="br0">
-      <inkml:brushProperty name="width" value="0.05" units="cm"/>
-      <inkml:brushProperty name="height" value="0.05" units="cm"/>
-      <inkml:brushProperty name="fitToCurve" value="1"/>
-    </inkml:brush>
-  </inkml:definitions>
-  <inkml:trace contextRef="#ctx0" brushRef="#br0">51 104 0,'-26'0'15,"1"0"1,50-26 0,1 26-1,26 0-15,-26-26 16,26 26-16,-26-26 0,26 26 15,0 0-15,-1-26 16</inkml:trace>
-</inkml:ink>
-</file>
-
-<file path=ppt/ink/ink24.xml><?xml version="1.0" encoding="utf-8"?>
-<inkml:ink xmlns:inkml="http://www.w3.org/2003/InkML">
-  <inkml:definitions>
-    <inkml:context xml:id="ctx0">
-      <inkml:inkSource xml:id="inkSrc0">
-        <inkml:traceFormat>
-          <inkml:channel name="X" type="integer" max="1920" units="cm"/>
-          <inkml:channel name="Y" type="integer" max="1080" units="cm"/>
-          <inkml:channel name="T" type="integer" max="2.14748E9" units="dev"/>
-        </inkml:traceFormat>
-        <inkml:channelProperties>
-          <inkml:channelProperty channel="X" name="resolution" value="55.81395" units="1/cm"/>
-          <inkml:channelProperty channel="Y" name="resolution" value="55.6701" units="1/cm"/>
-          <inkml:channelProperty channel="T" name="resolution" value="1" units="1/dev"/>
-        </inkml:channelProperties>
-      </inkml:inkSource>
-      <inkml:timestamp xml:id="ts0" timeString="2020-12-14T06:05:34.473"/>
-    </inkml:context>
-    <inkml:brush xml:id="br0">
-      <inkml:brushProperty name="width" value="0.05" units="cm"/>
-      <inkml:brushProperty name="height" value="0.05" units="cm"/>
-      <inkml:brushProperty name="fitToCurve" value="1"/>
-    </inkml:brush>
-  </inkml:definitions>
-  <inkml:trace contextRef="#ctx0" brushRef="#br0">37 394 0,'-26'0'32,"26"-25"15,0-1-32,0 0 1,26 26-16,-26-26 15,26 26-15,-26-26 16,26 26 0,0 0-16,-26 26 15,26-26 1,-26 26-16,0 0 16,26 0-16,-26-1 0,0 1 15,0 0-15,0 0 16,-26 0-16,26 0 0,-26 0 15,26 0-15,-26 0 16,26 0-16,-26-26 0,26 26 16,-26 0-16,52-26 47,0 0-32,0-26-15,0 26 16,0 0-16,0-26 0,25 26 15,-25 0-15,26-26 16,-26 26-16,0 0 0,0 0 16,0 0-16,0-26 15</inkml:trace>
-  <inkml:trace contextRef="#ctx0" brushRef="#br0" timeOffset="469">452 317 0,'0'-26'0,"0"0"16,0 0-1,26 26-15,-26-26 16,26 26 0,-26-26-16,26 26 0,0 0 15,-1 0-15,1 26 16,0-26 0,0 26-16,-26 0 15,0 0-15,0 0 0,0 0 16,0 0-16,-26-26 15,26 25-15,-26 1 0,0 0 16,1 0 0,25 0-16,-26-26 15,52 0 17,-1 0-32,1 0 15,0-26-15,26 26 16,-26 0-16,26-26 0,-26 26 15,0 0-15,0 0 0,25-26 16,-25 26-16,0 0 16</inkml:trace>
-  <inkml:trace contextRef="#ctx0" brushRef="#br0" timeOffset="918">1178 187 0,'0'-26'15,"-26"26"17,0 0-17,26 26-15,-26-26 16,26 26-16,-26-26 0,26 26 15,-26 0-15,26 0 16,-26-26-16,26 26 0,0 0 16,0 0-16,26-26 15,0 0 1,0 0-16,0 0 0,0 0 16,25 0-16,-25-26 15,0 26-15,0-26 0,0 26 16,0-26-16,-26 0 0,26 26 15,-26-26-15,0 0 16,-26 26-16,0-26 16,0 26-16,0 0 15,0 0-15,0 0 0,1 0 16,-1 0-16,0 0 16,0 0-16</inkml:trace>
-  <inkml:trace contextRef="#ctx0" brushRef="#br0" timeOffset="1309">1748 32 0,'0'-26'31,"-26"26"-15,26 26-1,-26-26-15,0 26 0,0-1 16,26 1 0,-26 0-16,26 0 15,0 0-15,26 0 16,0-26-16,0 0 15,0 0-15,26 0 0,-26 0 16,0 0-16,25-26 16,-25 26-16,0-26 0,-26 0 15,26 26-15,-26-26 0,0 0 16,0 1-16,-26-1 16,0 0-16,0 26 15,-25 0-15,25 0 16,-52 26-16,26-26 0</inkml:trace>
-</inkml:ink>
-</file>
-
-<file path=ppt/ink/ink25.xml><?xml version="1.0" encoding="utf-8"?>
-<inkml:ink xmlns:inkml="http://www.w3.org/2003/InkML">
-  <inkml:definitions>
-    <inkml:context xml:id="ctx0">
-      <inkml:inkSource xml:id="inkSrc0">
-        <inkml:traceFormat>
-          <inkml:channel name="X" type="integer" max="1920" units="cm"/>
-          <inkml:channel name="Y" type="integer" max="1080" units="cm"/>
-          <inkml:channel name="T" type="integer" max="2.14748E9" units="dev"/>
-        </inkml:traceFormat>
-        <inkml:channelProperties>
-          <inkml:channelProperty channel="X" name="resolution" value="55.81395" units="1/cm"/>
-          <inkml:channelProperty channel="Y" name="resolution" value="55.6701" units="1/cm"/>
-          <inkml:channelProperty channel="T" name="resolution" value="1" units="1/dev"/>
-        </inkml:channelProperties>
-      </inkml:inkSource>
-      <inkml:timestamp xml:id="ts0" timeString="2020-12-14T06:05:37.378"/>
-    </inkml:context>
-    <inkml:brush xml:id="br0">
-      <inkml:brushProperty name="width" value="0.05" units="cm"/>
-      <inkml:brushProperty name="height" value="0.05" units="cm"/>
-      <inkml:brushProperty name="fitToCurve" value="1"/>
-    </inkml:brush>
-  </inkml:definitions>
-  <inkml:trace contextRef="#ctx0" brushRef="#br0">53 544 0,'-26'0'15,"26"-25"1,-26 25 0,26-26-1,0 0 1,0 0 0,26 0-16,-26 0 15,26 26-15,-26-26 16,26 0-1,0 26 1,0-26-16,0 26 16,-26 26-16,25-26 15,-25 26-15,0 0 0,0 0 16,0 0-16,0 0 16,0 0-16,-25 0 0,25-1 15,0 1-15,-26 0 16,26 0-16,0 0 0,-26-26 15,26 26-15,-26-26 32,52 0-1,-26-26-15,26 26-16,0 0 0,-1 0 15,1-26-15,26 26 16,-26 0-16,26-26 0,-26 26 15,26 0-15,-26 0 16,0 0-16,-1 0 0,1 0 16,-52 0 15,1 0 0</inkml:trace>
-  <inkml:trace contextRef="#ctx0" brushRef="#br0" timeOffset="293">571 259 0,'0'-26'16,"-26"26"-16,26-25 15,26 25 1,0 25 15,-26 1-31,0 0 16,26 26 0,-26-26-16,0 0 0,26 0 15,-26 0-15,0 0 0,0 0 16,26 0-16,0-26 15</inkml:trace>
-  <inkml:trace contextRef="#ctx0" brushRef="#br0" timeOffset="1019">1141 0 0,'-26'0'16,"1"0"0,-1 0-1,0 0-15,0 0 16,0 0-16,0 26 15,-26-26-15,26 26 16,0-26-16,0 0 16,0 0-16,26 26 15,0 0 17,0 0-1,26 0-31,-26 0 15,26 0 1,-26-1-16,0 1 16,0 0-1,26 0-15,-26 0 16,0 0 0,26-26-1,-26-26 16,26 26-15,-26-26-16,26 0 16,0 26-1,-26-26-15,26 26 0,0 0 16,0 0-16,0 0 16,-1 0-16,1 26 15,0 0-15,0-26 16,-26 26-16,0 0 0,26 0 15,-26 0 1,0 0-16,-26 0 31,0 0-31,0-26 0,0 0 0,1 26 16,-1-26-16,0 0 0,0 0 16,0 0-16,0 0 15,0 0-15</inkml:trace>
-  <inkml:trace contextRef="#ctx0" brushRef="#br0" timeOffset="1423">1452 52 0,'0'-26'31,"-25"52"0,25 0-15,-26 0 0,26 0-16,0 0 0,0 0 15,0 0-15,0-1 16,0 1-16,26 0 0,-1 0 15,-25 0-15,26-26 0,0 0 16,0 0-16,0 0 16,0 0-16,0 0 0,0-26 15,0 0 1,-26 0-16,0 0 0,0 1 16,0-1-16,0-26 0,-26 26 15,26 0-15,-26 0 16,-26 26-16,26-26 0,0 26 15,-26 0-15,1 26 16</inkml:trace>
-</inkml:ink>
-</file>
-
-<file path=ppt/ink/ink26.xml><?xml version="1.0" encoding="utf-8"?>
-<inkml:ink xmlns:inkml="http://www.w3.org/2003/InkML">
-  <inkml:definitions>
-    <inkml:context xml:id="ctx0">
-      <inkml:inkSource xml:id="inkSrc0">
-        <inkml:traceFormat>
-          <inkml:channel name="X" type="integer" max="1920" units="cm"/>
-          <inkml:channel name="Y" type="integer" max="1080" units="cm"/>
-          <inkml:channel name="T" type="integer" max="2.14748E9" units="dev"/>
-        </inkml:traceFormat>
-        <inkml:channelProperties>
-          <inkml:channelProperty channel="X" name="resolution" value="55.81395" units="1/cm"/>
-          <inkml:channelProperty channel="Y" name="resolution" value="55.6701" units="1/cm"/>
-          <inkml:channelProperty channel="T" name="resolution" value="1" units="1/dev"/>
-        </inkml:channelProperties>
-      </inkml:inkSource>
-      <inkml:timestamp xml:id="ts0" timeString="2020-12-14T06:06:14.381"/>
-    </inkml:context>
-    <inkml:brush xml:id="br0">
-      <inkml:brushProperty name="width" value="0.05" units="cm"/>
-      <inkml:brushProperty name="height" value="0.05" units="cm"/>
-      <inkml:brushProperty name="fitToCurve" value="1"/>
-    </inkml:brush>
-  </inkml:definitions>
-  <inkml:trace contextRef="#ctx0" brushRef="#br0">25 1529 0,'0'-26'31,"26"26"-15,-26 26 78,0 0-94,26 0 15,-26 0-15,26 26 0,-26-26 16,26 25-16,-26-25 16,26 26-16,0-26 0,-26 0 15,0 26-15,26-26 0,-26 0 16,0 0 0,0 0-16</inkml:trace>
-  <inkml:trace contextRef="#ctx0" brushRef="#br0" timeOffset="252">77 1633 0,'-26'0'16,"26"-26"-16,0 0 0,-26 26 15,26-26-15,-25 0 16,25 0-16,0 0 0,0 0 15,0 0 1,25 26-16,-25-26 16,26 26-16,-26-25 0,26 25 15,-26-26-15,26 26 16,0 0-16,0 0 0,0 0 16,0 0-1</inkml:trace>
-  <inkml:trace contextRef="#ctx0" brushRef="#br0" timeOffset="480">155 1581 0,'-26'26'0,"26"0"16,26-26 15,0-26-16,0 26 1,0-26-16,0 26 16,0-26-16,0 26 15,-1 0-15,-25-26 0,26 26 16,0 0-16</inkml:trace>
-  <inkml:trace contextRef="#ctx0" brushRef="#br0" timeOffset="738">414 1399 0,'0'-25'16,"0"-1"0,0 52 15,0-1-16,26 1-15,-26 0 16,26 0-16,-26 0 16,26 26-16,-26-26 0,26 0 15,-26 26-15,0-26 0,26 0 16,-26-1-16</inkml:trace>
-  <inkml:trace contextRef="#ctx0" brushRef="#br0" timeOffset="1008">518 1399 0,'26'-25'16,"-26"-1"-1,26 26 1,-26 26-1,26-1 1,0 1-16,-26 0 16,25 0-16,-25 0 0,26 0 15,-26 0-15,0 0 16,0 0-16,0 0 16,0 0-16</inkml:trace>
-  <inkml:trace contextRef="#ctx0" brushRef="#br0" timeOffset="1417">570 1425 0,'0'-26'16,"0"1"-16,0-1 0,-26 0 16,52 26-1,-26 26 1,26-26-16,0 26 15,-1-1-15,1-25 16,0 26-16,0 0 0,0-26 16,0 26-16,0-26 15,0 26-15,0-26 0,0 26 16,0 0-16,0-26 16,-26 26-16,25-26 15,-25-26 1,0 0-1,0 0-15,0 0 0,0 0 16,-25 0-16,-1 0 0,26-25 16,-26 25-16,0-26 15,0 26-15,0 0 0,26 0 16,-26 0-16,26 0 16,26 26-1,-26 26-15,26 0 16,0 0-1,0 0-15</inkml:trace>
-  <inkml:trace contextRef="#ctx0" brushRef="#br0" timeOffset="2040">1192 1348 0,'26'-26'78,"0"26"-62,0-26-16,-1 26 16,1-26-16,0 26 0,0 0 15,0-26-15,0 26 16,0 0-1</inkml:trace>
-  <inkml:trace contextRef="#ctx0" brushRef="#br0" timeOffset="4506">1710 959 0,'-26'0'15,"26"26"17,26 0-17,0 0-15,-26 0 16,26 25-16,0-25 0,-26 0 16,26 0-16,-26 0 15,26 0-15,-26 0 0,26 0 16,-26 0-16,-26-26 31,26-26-15,-26 0-16,0-26 15,0 26-15,0 0 16,0-26-16,0 26 0,0-25 16,0 25-16,0-26 15,26 26-15,-25 0 0,25 0 16,0 0-16,25 0 0,1 0 15,0 26 1,0 0-16,26 0 0,-26 0 16,0 0-16,0 0 15,0 0-15,-26 26 0,26-26 16,-26 26-16,0 0 0,0 0 16,-26-26-16,26 26 15,-26 0-15,26 0 0,-26 0 16,0 0-1,26 0-15,0-1 16,26-25 15,0 0-31,0 0 0,0 0 16,0 0-16,-1 0 16,1 0-16,26 26 0,-26-26 15,0 26-15,0-26 0,0 26 16,-26 0-16,26-26 15,-26 26-15,0 0 0,-26 0 16,26 0-16,-26-26 16,0 26-16,0-26 0,-26 26 15,26-26-15,0 0 0,1 0 16,-1 0-16,0 0 16,0 0-16,0-26 15</inkml:trace>
-  <inkml:trace contextRef="#ctx0" brushRef="#br0" timeOffset="4896">2306 985 0,'-26'-26'16,"0"26"-16,26-26 0,-26 26 15,1 0 1,25 26 0,25 0-16,-25 0 15,26 0-15,0 0 16,-26-1-16,26 1 0,0 0 16,0 0-1,-26 0-15,26-26 0,0 0 16,0-26-1,-26 0 1,0 0-16,0 0 16,0 1-16,0-1 0,-26-26 15,26 26-15,-26 0 16,0 0-16,0 0 0,26 0 16,-26 26-1,52 0 1,0 26-16</inkml:trace>
-  <inkml:trace contextRef="#ctx0" brushRef="#br0" timeOffset="5463">2825 855 0,'26'0'15,"-26"-26"1,-26 26 0,0-26-16,0 26 15,0 0-15,0 0 16,0 0-16,0 26 15,0 0-15,26 0 16,-26 0-16,26 0 16,0 0-16,0 0 15,26 0-15,0 0 16,0-26-16,0 26 16,0-26-1,0-26-15,0 0 16,0 0-16,-26 0 15,26 0-15,-26 0 16,0-26-16,0 26 16,-26 0-16,26 0 0,-26-25 15,0 25-15,26 0 16,-26 0-16,26 0 0,-26 0 16,52 52 15,0 0-31,-26 0 0,26 26 15,0-26-15,0 25 16,-1 1-16,1-26 0,0 26 16,52 26-1,-78-52-15</inkml:trace>
-  <inkml:trace contextRef="#ctx0" brushRef="#br0" timeOffset="6104">3265 829 0,'0'-26'0,"0"0"16,0 1 0,-26 25-1,26-26-15,-26 26 0,26-26 16,-26 26-16,1 0 0,25-26 15,-26 26-15,0 0 16,0 26-16,0 0 16,26 0-16,0-1 15,0 1-15,0 0 16,0 0-16,26 0 16,0-26-1,0 26-15,0-26 16,-1 0-16,-25-26 15,26 26-15,-26-26 0,26 26 16,-26-26-16,0 0 16,0 0-16,0 1 15,0 50 17,0 1-32,26 0 15,0 0-15,0 26 0,0-26 16,26 26-16,-26-26 15,0 26-15,0-27 0,-1 1 16,1 0-16,-26 0 16,0 0-16,0 0 0,0 0 15,-26-26-15,26 26 0,-51-26 16,25 0-16,0 0 16,-26 0-16,26 0 0,-26-26 15,26 0-15,0 0 16,0 0-16,1 0 0,25 0 15,0-25-15,0 25 16,0 0-16,25 26 0,-25-26 16,26 0-16,0 26 0,0 0 15,0 0-15,26-26 16,-26 26-16,0 0 0</inkml:trace>
-  <inkml:trace contextRef="#ctx0" brushRef="#br0" timeOffset="6558">3524 726 0,'-26'0'31,"52"0"-15,-26-26-1,26 26 1,0-26-1,0 26 1,0-26 0,-26 0 15,-26 26-15,0-26-1,0 26-15,26-26 16,-26 26-16,0-26 15,1 26-15,-1 0 16,0 0-16,26 26 16,0 0-16,0 0 15,0 0-15,26 0 0,-26 0 16,26 26-16,-1-27 0,1 1 16,0 0-16,26-26 15,-26 0-15,0 0 0,26 0 16,-26 0-16,0-26 15,0 0-15,0 1 0,-1-1 16,-25 0-16,0 0 0</inkml:trace>
-  <inkml:trace contextRef="#ctx0" brushRef="#br0" timeOffset="6804">3680 363 0,'-26'-26'0,"0"0"15,26 0-15,0 52 47,26-26-47,0 0 16,-26 26-16,26 0 0,0 0 15,0 0-15,0 0 16,25 25-16,-25-25 0,0 0 16,0 26-16,0-26 0,0 0 15,0 0-15,-26 0 16,26-26-16,-26 26 15,0-52 1</inkml:trace>
-  <inkml:trace contextRef="#ctx0" brushRef="#br0" timeOffset="6930">3835 570 0,'-25'-26'0,"-1"0"16,0 26-16,26-26 0,0 0 15,26 1 1,0 25-16,-1-26 15,27 26-15,-26-26 16,0 26-16,0-26 0</inkml:trace>
-  <inkml:trace contextRef="#ctx0" brushRef="#br0" timeOffset="28098">2799 1322 0,'0'-26'16,"26"26"30,-26 26 17,26-26-63,-26 26 16,25 0-1,-25-1-15,26 1 0,0 0 16,0 26-16,-26-26 0,26 0 15,0 0-15,-26 0 16,26 0-16,-26 0 0,0 0 16,26-26-16,-26 26 0</inkml:trace>
-  <inkml:trace contextRef="#ctx0" brushRef="#br0" timeOffset="28416">2799 1685 0,'0'26'31,"26"-1"0,0-25-31,-26 26 16,25-26-16,1 0 16,0 0-16,0 0 15,0 0-15,0 0 0,0 0 16,0 0-1</inkml:trace>
-  <inkml:trace contextRef="#ctx0" brushRef="#br0" timeOffset="28746">3110 1581 0,'-26'0'109,"26"26"-93,0 0-1,-26-26-15,26 26 16,0 0 0,-26 0-1,26-1 1,0 1-16,0 0 16,0 0-16</inkml:trace>
-  <inkml:trace contextRef="#ctx0" brushRef="#br0" timeOffset="29700">2876 2177 0,'0'-26'0,"0"52"47,26 0-31,-26 0-16,26 0 15,-26 0-15,0 0 16,0 0-16,26-1 16,-26 1-16,26 0 15,-26 0 1,26-26 0,-26-26-1,-26 0 1,0 26-16,26-26 15,-26 1-15,26-1 0,-26 26 16,0-26-16,1 0 16,25 0-16,-26 0 0,26 0 15,-26 0-15,26 0 16,26 0 0,0 0-16,-1 26 0,1-26 15,0 26-15,0-25 16,0-1-16,26 26 0,-26 0 15,0-26-15,0 26 16,0 0-16,-26 26 16,0 0-16,0-1 15,0 1-15,0 0 0,-26 0 16,0 0-16,0 0 0,26 0 16,-26 26-16,0-52 15,0 26-15,26 0 0,-26-26 16,26 26-16,-26-26 0,52 0 62,0 0-46,0 0 0,0 0-16,0 0 15,-26 25-15,52-25 0,-26 0 16,0 0-16,-1 0 15,27 0 1,-26 0 0</inkml:trace>
-  <inkml:trace contextRef="#ctx0" brushRef="#br0" timeOffset="30330">3498 2125 0,'-25'0'0,"-1"0"0,0 0 16,52 0 31,0-26-32,-1 26 1,1-26-16,0 0 16,0 26-1,-26-25-15,26 25 0,0-26 16</inkml:trace>
-  <inkml:trace contextRef="#ctx0" brushRef="#br0" timeOffset="31530">3939 1711 0,'-26'0'16,"26"-26"-16,0 0 16,0 0-1,0 0 1,26 26-16,0-26 15,0 26 1,0-26-16,0 26 0,0 0 16,0 0-16,-26 26 15,26-26-15,-1 26 0,-25 0 16,26 0-16,-26 26 0,0-27 16,0 1-16,-26 26 15,26-26-15,-25 0 0,25 0 16,-26 0-16,26 0 0,-26-26 15,0 26 1,26-52 0,0 0-1,26 0-15,0 0 16,-26 0-16,26 0 0,-26-26 16,25 26-16,1 1 15,0-1-15,-26 0 16,26 26-16,0-26 0,-26 0 15,26 0-15,-26 0 16,26 0-16,-26 0 16,0 0-1,-26 52 17,0 0-17,0 0-15,0 0 16,26 0-16,-26 0 15,26 0-15,-26 0 0,26 0 16,0-1 0,26 1-16,0 0 15,0-26-15,0 0 0,26 0 16,-26 0-16,26 0 16,-26 0-16,0-26 0,25 26 15,-25 0-15,0-26 0</inkml:trace>
-  <inkml:trace contextRef="#ctx0" brushRef="#br0" timeOffset="35569">3550 2644 0,'0'-26'47,"-26"26"-47,0 26 15,1-1 1,-1-25-16,0 26 16,26 0-16,-26-26 0,26 26 15,0 0-15,0 0 16,0 0-16,0 0 15,26-26-15,0 26 16,0-26-16,-26 26 0,25-26 16,1 26-16,0-26 0,0 0 15,0 0-15,0 0 16,0 0-16,0 0 16,0-26-1,-26 0-15,26 26 16,-26-26-1,0 0 17</inkml:trace>
-  <inkml:trace contextRef="#ctx0" brushRef="#br0" timeOffset="36042">3965 2644 0,'-26'0'0,"52"0"47,-26-26-32,26 26-15,-26-26 16,26 26 0,0 0-16,0-26 15,0 26-15,0 0 32,-26-26-32</inkml:trace>
-  <inkml:trace contextRef="#ctx0" brushRef="#br0" timeOffset="37392">4457 2203 0,'0'-26'31,"26"52"16,-26 0-31,26-26-1,0 26-15,0-26 16,0 26 0,0-26-16,0 26 15,0-26 1,0 0-16,0 0 15,0 0-15,-26-26 32,0 0-17,0 0 1,0 0-16,0 0 16,-26 26-16,26-26 0,0 0 31,-26 26 0,26 26 16,26 0-16,-26 0-31,26 0 16,-26 0-16,25 0 15,1 0 1,-26 0-16,26-1 0,-26 1 16,26-26-16,-26 26 15,26 0-15,0 0 16,-26 0-16,26-26 0,-26 26 16,26 0-1,-26 0 1,0 0-1,-26-26 1,0 26-16,0-26 16,0 0-1,0 0-15,0 0 0,0 0 16,1 0-16,-1 0 0,0 0 16,0-26-1,26 0-15,0 0 16,0 0-1,26 26-15,-26-26 16,26 0-16,-26 0 0,26 26 16,-1-26-16,1 0 15,0 26 17</inkml:trace>
-  <inkml:trace contextRef="#ctx0" brushRef="#br0" timeOffset="130999">1477 233 0,'0'26'78,"0"0"-47,0 0-15,0 0 0,26 0-16,-26 0 15,0 0-15,26 0 16,-26-1-16,0 1 16,26 0-16,-26 0 0,0 0 15,0 0-15,26 0 16,-26 0-16,0 0 15,25-26 1,-25-26 0,0 0-1,-25 0 1,25 0-16,-26 0 0,26 0 16,-26 0-16,26 0 0,-26 1 15,26-1-15,0 0 16,0 0-16,-26 0 0,26 0 15,0 0-15,0 0 16,-26 0-16,26 0 0,0 0 16,0 0-16,0 0 15,0 1 1,0-1-16,26 26 16,-26-26-1,26 26-15,0 0 16,0 0-1,0 0-15,-1-26 16,1 26-16,0 0 0,0 0 16,0 0-16,0 0 15,0-26-15,0 26 16,-52 26 15</inkml:trace>
-  <inkml:trace contextRef="#ctx0" brushRef="#br0" timeOffset="131274">1477 492 0,'26'0'0,"-26"-26"15,26 26-15,-26-25 16,26 25-16,0 0 16,-1 0-1,1 0-15,0 0 16,0 0 0,0 0-1,-26-26 1,26 26-16</inkml:trace>
-  <inkml:trace contextRef="#ctx0" brushRef="#br0" timeOffset="132103">1866 52 0,'0'-26'16,"0"52"15,0 0-15,26-26-16,-26 26 15,25-1-15,1 1 16,0 0-16,-26 0 0,26 0 15,0 0-15,0 0 16,0 0-16,0-26 16,-26 26-16,26-26 15,0 0-15,0 0 16,-26-26 0,0 0-1,0 0-15,0 0 0,0 0 16,0 0-16,0 0 15,0 0-15,-26 26 0,26-25 16,0-1-16,-26 0 0,26 0 16,0 0-1,0 52 32,0 0-31,26 0-16,-26 0 15,0-1-15,0 1 0,0 0 16,26 26-16,-26-26 16,0 78-1,26-52-15,-26-26 0,0 25 16,25-25-16,-25 0 16,0 0-16,26 0 0,-26 0 15,26-26-15,-26 26 16,0 0-16,26-26 0,-26 26 15,26-26-15,-26 26 32,0-52-1</inkml:trace>
-</inkml:ink>
-</file>
-
-<file path=ppt/ink/ink27.xml><?xml version="1.0" encoding="utf-8"?>
-<inkml:ink xmlns:inkml="http://www.w3.org/2003/InkML">
-  <inkml:definitions>
-    <inkml:context xml:id="ctx0">
-      <inkml:inkSource xml:id="inkSrc0">
-        <inkml:traceFormat>
-          <inkml:channel name="X" type="integer" max="1920" units="cm"/>
-          <inkml:channel name="Y" type="integer" max="1080" units="cm"/>
-          <inkml:channel name="T" type="integer" max="2.14748E9" units="dev"/>
-        </inkml:traceFormat>
-        <inkml:channelProperties>
-          <inkml:channelProperty channel="X" name="resolution" value="55.81395" units="1/cm"/>
-          <inkml:channelProperty channel="Y" name="resolution" value="55.6701" units="1/cm"/>
-          <inkml:channelProperty channel="T" name="resolution" value="1" units="1/dev"/>
-        </inkml:channelProperties>
-      </inkml:inkSource>
-      <inkml:timestamp xml:id="ts0" timeString="2020-12-14T06:08:39.303"/>
-    </inkml:context>
-    <inkml:brush xml:id="br0">
-      <inkml:brushProperty name="width" value="0.05" units="cm"/>
-      <inkml:brushProperty name="height" value="0.05" units="cm"/>
-      <inkml:brushProperty name="fitToCurve" value="1"/>
-    </inkml:brush>
-  </inkml:definitions>
-  <inkml:trace contextRef="#ctx0" brushRef="#br0">156 78 0,'0'-26'31,"0"0"-15,0 0 15,26 26-15,-26 26 46,0 0-46,0 0 0,0 0-16,0-1 0,0 1 15,25 0-15,-25 0 0,0 0 16,0 0-16,0 0 16,0 0-16,0 0 0,0 0 15,0 0-15,0 0 16</inkml:trace>
-  <inkml:trace contextRef="#ctx0" brushRef="#br0" timeOffset="354">26 311 0,'-26'0'16,"26"26"15,26-26 0,0 26-15,0 0 0,0-26-16,0 26 15,0 0 1,0-26-16,-26 25 16,25-25-1,1 0 1</inkml:trace>
-  <inkml:trace contextRef="#ctx0" brushRef="#br0" timeOffset="755">415 259 0,'-26'0'47,"26"26"-31,-26-26-1,26 26 1,-26-26-16,26 26 15,-26-26 1,26 26-16,-26 0 16,0 0-1,0 0-15,0-1 32</inkml:trace>
-</inkml:ink>
-</file>
-
-<file path=ppt/ink/ink28.xml><?xml version="1.0" encoding="utf-8"?>
-<inkml:ink xmlns:inkml="http://www.w3.org/2003/InkML">
-  <inkml:definitions>
-    <inkml:context xml:id="ctx0">
-      <inkml:inkSource xml:id="inkSrc0">
-        <inkml:traceFormat>
-          <inkml:channel name="X" type="integer" max="1920" units="cm"/>
-          <inkml:channel name="Y" type="integer" max="1080" units="cm"/>
-          <inkml:channel name="T" type="integer" max="2.14748E9" units="dev"/>
-        </inkml:traceFormat>
-        <inkml:channelProperties>
-          <inkml:channelProperty channel="X" name="resolution" value="55.81395" units="1/cm"/>
-          <inkml:channelProperty channel="Y" name="resolution" value="55.6701" units="1/cm"/>
-          <inkml:channelProperty channel="T" name="resolution" value="1" units="1/dev"/>
-        </inkml:channelProperties>
-      </inkml:inkSource>
-      <inkml:timestamp xml:id="ts0" timeString="2020-12-14T06:09:09.946"/>
-    </inkml:context>
-    <inkml:brush xml:id="br0">
-      <inkml:brushProperty name="width" value="0.05" units="cm"/>
-      <inkml:brushProperty name="height" value="0.05" units="cm"/>
-      <inkml:brushProperty name="fitToCurve" value="1"/>
-    </inkml:brush>
-  </inkml:definitions>
-  <inkml:trace contextRef="#ctx0" brushRef="#br0">104 55 0,'0'26'78,"26"-26"-47,-1 0-15,1 0 0,0 0-16,0-26 15,0 26-15,0 0 0,0 0 16,0-26-16,0 26 0,0 0 16,0 0-16,0 0 15,-26-26-15,-26 26 16,0 0-1,26 26 1,-26-26-16,0 0 16,26 26-1,-26-26 79,0 0-78</inkml:trace>
-  <inkml:trace contextRef="#ctx0" brushRef="#br0" timeOffset="455">0 158 0,'26'0'62,"0"0"-46,0 0 0,0 0-16,0 0 0,-1-26 15,27 26-15,-26 0 16,0 0-16,0-25 0,0 25 15,0 0-15,0 0 16,0-26-16,-52 26 78</inkml:trace>
-</inkml:ink>
-</file>
-
-<file path=ppt/ink/ink29.xml><?xml version="1.0" encoding="utf-8"?>
-<inkml:ink xmlns:inkml="http://www.w3.org/2003/InkML">
-  <inkml:definitions>
-    <inkml:context xml:id="ctx0">
-      <inkml:inkSource xml:id="inkSrc0">
-        <inkml:traceFormat>
-          <inkml:channel name="X" type="integer" max="1920" units="cm"/>
-          <inkml:channel name="Y" type="integer" max="1080" units="cm"/>
-          <inkml:channel name="T" type="integer" max="2.14748E9" units="dev"/>
-        </inkml:traceFormat>
-        <inkml:channelProperties>
-          <inkml:channelProperty channel="X" name="resolution" value="55.81395" units="1/cm"/>
-          <inkml:channelProperty channel="Y" name="resolution" value="55.6701" units="1/cm"/>
-          <inkml:channelProperty channel="T" name="resolution" value="1" units="1/dev"/>
-        </inkml:channelProperties>
-      </inkml:inkSource>
-      <inkml:timestamp xml:id="ts0" timeString="2020-12-14T06:06:56.117"/>
-    </inkml:context>
-    <inkml:brush xml:id="br0">
-      <inkml:brushProperty name="width" value="0.05" units="cm"/>
-      <inkml:brushProperty name="height" value="0.05" units="cm"/>
-      <inkml:brushProperty name="fitToCurve" value="1"/>
-    </inkml:brush>
-  </inkml:definitions>
-  <inkml:trace contextRef="#ctx0" brushRef="#br0">85 493 0,'-25'0'0,"-1"25"78,26 1-62,-26-26-16,26 26 16,0 0-16,0 0 15,0 0-15,0 26 16,26-26-1,-26 0-15,0 0 0,26 0 16,-1-1-16,1-25 16,0 0-16,0 0 31,0 0-31,-26-25 16,0-1-1,0 0-15,0 0 16,0 0-16,-26 0 15,26 0 1,0 0-16,26 0 31,0 26-31,0-26 16,0 26-16,0 0 16,0 0-1,0 0-15,-26 26 16,26-26-16,-26 26 0,0 0 15,25 0 1,-25 0-16,0 0 16,26 0-16,-26 0 15,0 0 1</inkml:trace>
-  <inkml:trace contextRef="#ctx0" brushRef="#br0" timeOffset="955">552 467 0,'26'0'62,"-26"-26"-62,26 26 16,-26-26-16,26 26 15,-26-26-15,26 26 0,0-26 16,-1 26-16,1-26 16,0 26-16,0-26 0,0 26 15,0-26-15,-52 52 47,0-26-31</inkml:trace>
-  <inkml:trace contextRef="#ctx0" brushRef="#br0" timeOffset="4298">993 130 0,'-26'0'0,"26"-26"16,26 26 15,-1-26-16,1 26 1,0-26 0,0 26-16,0-26 15,0 26-15,0 0 16,0-26-16,0 26 16,0 0-1,-26 26 1,0 0-1,0 0 1,0 0-16,0 0 16,0 0-16,0 0 15,0-1-15,0 1 16,0 0-16,0 0 16,0 0-1,0 0-15,0 0 16,0 0-1,26-26 32,0 0-47,0 0 16,-1 0-16,1-26 16,0 26-16,0-26 0,0 26 15,0-26-15,0 26 0,0-26 16,0 26-16</inkml:trace>
-  <inkml:trace contextRef="#ctx0" brushRef="#br0" timeOffset="4562">1148 259 0,'26'0'16,"-26"-26"-1,26 26-15,-26-26 0,26 26 16,0-25-16,0 25 15,0-26-15,0 26 0,-26-26 16</inkml:trace>
-  <inkml:trace contextRef="#ctx0" brushRef="#br0" timeOffset="143155">604 1244 0,'-26'0'31,"26"26"1,26-26-32,-26 26 15,0 0 1,0 0-16,26 0 16,-26 0-16,0 0 0,26 25 15,0 1-15,-26 0 16,25 0-16,1 0 0,0 26 15,0-27-15,0 1 0,-26 0 16,26 0-16,-26 0 16,26 0-16,-26-1 0,26-25 15,-26 0-15,0 0 16,0 0-16,0 0 0,0 0 16,26-26-16,-26 26 0,0 0 31,0-52-16,26 26 1,-26-26-16,26 26 0,0-26 16,-1 26-16,27-26 15,0 26-15,0-26 16,26 26-16,25-26 0,-25 0 16,52 0-16,-27 26 0,27-26 15,0 1-15,25-27 16,-25 26-16,-1 0 0,1 0 15,0 0-15,-1-26 16,-25 26-16,-26 26 0,-1-26 16,1 0-16,-26 1 0,-26 25 15,0-26-15,0 26 16,-26-26 0,-26 26-1,0 26 1</inkml:trace>
-  <inkml:trace contextRef="#ctx0" brushRef="#br0" timeOffset="144924">889 2229 0,'26'0'47,"0"0"-16,0-26 0,-26 0-15,26 26-1,-26-26 1,0 0 0,0 0-1,25 26-15,-25-25 32,26 25-17,0 0 1,0-26-1,0 26 1,-26-26 0,26 26-1,0 0 17,0 0-17,-26-26 1,26 26-1,0 0 1,0 0 0,0 0-1,0 0 1,-1 0 15,1 0 0,-26-26 32,26 26-63,-26-26 16,0 0-1,26 26 1,-26-26-16,26 26 15,-26-26 1,26 26 0,0-26-1,0 26 17,-26-26-1,26 26-16,-26-26 17,26 26-1,-26-25 0,26 25-15,0 0-1,-1 0 1,1 0 15,0 0 32,-26-26-16,26 26-32</inkml:trace>
-  <inkml:trace contextRef="#ctx0" brushRef="#br0" timeOffset="145986">1615 1322 0,'0'26'31,"0"0"-15,0 0-1,0 0-15,0 0 16,26-26-16,-26 25 0,0 1 15,25 0-15,-25 0 0,26 26 16,-26-26-16,26 0 16,-26 0-16,26 0 0,-26 0 15,26 0-15,-26 25 16,26 1 0,0-26-16,-26 0 0,26 0 15,-26 0-15,26-26 16,-26 26-16,26 0 15,-26 0 1,0 0 0,26-26-1</inkml:trace>
-  <inkml:trace contextRef="#ctx0" brushRef="#br0" timeOffset="148111">1744 1737 0,'26'0'0,"0"0"31,0 0 0,-52 0 16,26 26-31,-26-26-16,0-26 31,26 0-15,0 0 15,26 26-15,-26-26-16,26 26 15,-26 26 16,26-26-31,-26 26 16,0 0 0,-26-26-1,0 0 1,0 0 15,26-26 0,-26 26-31,26-26 16,0 0-16,26 26 16,-26-26-1,26 26-15,-26 26 32,0 0-17,0 0-15,0 0 16,-26-26 15,0 0-15,0 0 15,26-26-15,26 26 15,0 0-16,0-26-15,0 26 16,0 26 0,-26 0 15,0 0-31</inkml:trace>
-  <inkml:trace contextRef="#ctx0" brushRef="#br0" timeOffset="149515">2029 1192 0,'0'-26'31,"-26"26"-31,0 0 31,26-25-15,26 25 46,-26 25-62,26 1 31,-26 0-15,26 0-16,-26 0 16,26 0-16,-26 0 15,26 0-15,-26 0 0,0 26 16,26-26-16,-26-1 0,26 1 16,-26 0-16,26 26 15,-26-26-15,0 0 0,26 0 16,-26 0-16,26 0 15,-26 0-15,26 0 16,-26-1-16,0 1 0,25-26 16,-25 26-16,0 0 15,26-26-15,-26 26 0,26 0 16,-26 0 0,0 0-16,26-26 15,-26 26-15,0 0 31</inkml:trace>
-  <inkml:trace contextRef="#ctx0" brushRef="#br0" timeOffset="151974">2314 2203 0,'-26'0'47,"26"26"-16,0 0-15,0 0-16,0 0 15,0 0 1,0 0-16,0 0 16,26-26-16</inkml:trace>
-  <inkml:trace contextRef="#ctx0" brushRef="#br0" timeOffset="152370">2263 2203 0,'25'0'62,"1"0"-62,0 0 16,-26 26-16,26-26 0,0 0 15,-26 26-15,26-26 16,0 0-16,-26 26 0,26-26 16,0 0-1,-26-26 17,0 0-17,0 0-15,0 0 16,0 0-1,0 0 1,0 52 47</inkml:trace>
-  <inkml:trace contextRef="#ctx0" brushRef="#br0" timeOffset="154110">1796 1711 0,'26'0'94,"-26"-26"-63,26 26-15,-26-26-1,26 26 1,-26-26 0,26 0-1,0 26 16,-26-26-31,26 26 32,-26-26-17,25 26-15,1 0 32,-26-26-17,26 26 1,0 0 15,0-26 0,0 26-15,0-26 0,0 26 30,-52 0 48,26-25 16,0 50-1</inkml:trace>
-  <inkml:trace contextRef="#ctx0" brushRef="#br0" timeOffset="154872">2133 1426 0,'0'-26'47,"26"26"-31,0 0-1,-26 26 1,26-26-16,-26 26 15,26-26 1,-26 25 0,-26-25-1,0 0-15,0 26 16,0-26 0,0 0-1,26-26 1,0 1-1,0-1 17,26 26-17,0 0 17,-26 26-32,26-1 15,-26 1 1,-26 0 15,0-26-15,0 0-16,0 0 15,0 0 1,0-26 0,26 0-1,0 1 1,26-1-1,0 26 1,0 0 0,-26 26 15,0-1-15</inkml:trace>
-  <inkml:trace contextRef="#ctx0" brushRef="#br0" timeOffset="155916">2444 855 0,'0'26'62,"0"0"-46,0 0-16,0 0 15,0 0-15,0 0 16,26 0-16,-26 0 0,0 0 16,26 26-16,-26-27 0,26 1 15,-26 26-15,26-26 16,-26 0-16,0 26 0,26-26 15,-26 0-15,0 0 0,26 0 16,-26-1-16,0 1 16,25 0-16,-25 0 0,26 0 15,-26 0-15,0 0 16,0 0-16,26-26 0,-26 26 16,0 0-16,0 0 15,0 0 1,26-26-16,-26 25 31,26-25 16,-26 26-47,0-52 47</inkml:trace>
-  <inkml:trace contextRef="#ctx0" brushRef="#br0" timeOffset="156643">2859 2048 0,'0'26'78,"0"-1"-78,0 1 16,0 0 0,0 0-16,0 0 31,0-52 0,-26 26-31,26-26 16,-26 0-16,26 0 15,0 1-15,-26-1 16,26 0 0,0 0-1,26 26 1,0 0-1,0 0 1,0 26 0,25 0 15,-25-26-15,0 0-1,-26-26 1,26 26-16,-26-26 15,0 0 1,0 0-16,0 0 16,0 0-1,-26 26-15,26-26 0,-26 26 16,26-26-16,-26 26 31</inkml:trace>
-  <inkml:trace contextRef="#ctx0" brushRef="#br0" timeOffset="157536">2159 1452 0,'26'0'16,"-26"-26"-16,26 0 15,0 0 1,0 0 15,-1 26-31,-25-26 16,26 26-16,0-26 15,0 26 1,-26-26-16,26 26 0,0-26 16,0 26-1,-26-26 1,26 0 15,0 26 0</inkml:trace>
-  <inkml:trace contextRef="#ctx0" brushRef="#br0" timeOffset="158215">2444 1115 0,'26'0'47,"0"0"-31,0 0-1,0 0-15,-26 26 16,0-1 15,-26-25-31,26 26 16,-26-26-16,0 0 16,26 26-16,-26-26 15,0 0 1,26-26 31,26 0-47,0 26 15,-26-25 1,26 25-16,0 0 16,0 25-1,-26 1 1,26-26-16,-26 26 0,0 0 15,0 0 1,0 0-16,-26-26 16,26 26-1,-26-26-15,0 0 16,26-26 0,-26 26-16,26-26 15,0 0-15,0 0 16,0 0-1,0 0-15,26 26 16,-26-25-16,26 25 0,0 0 16,-26 25-1</inkml:trace>
-  <inkml:trace contextRef="#ctx0" brushRef="#br0" timeOffset="160259">1485 1192 0,'26'0'0,"-26"26"15,26-26 1,-26 26 0,26 0-1,-26 0 17,0-52-1,0 0-16,-26 0 1,26 0 0,0 0-1,0 1-15,0-1 16,0 0-16,-26 26 0,26-26 16,0 0-16,0 0 15,0 0 1,26 26-1,0 0 1,-26-26-16,26 26 16,0-26-1,0 26 1,-1 0 0,1-26-16,0 26 0,0 0 15,0-26-15,0 26 0,0 0 16,0 0-16,26-26 15,-26 26-15,25 0 0,-25-26 16,26 26-16,-26 0 16,26-25-16,-26 25 0,0 0 15,0-26-15,0 26 0,0 0 16,-1 0 0,1-26 15,0 26-16,0 0 1,0-26 15,-26 52 32,0 0-32,0 0-31,0-1 16,26-25-16,-26 26 15,26 0 1,-26 0 0</inkml:trace>
-  <inkml:trace contextRef="#ctx0" brushRef="#br0" timeOffset="161070">1666 648 0,'26'0'15,"0"0"16,0 26-15,-26 0 0,26 0-16,-26 0 15,0 0 1,0 0 0,0-1-16,0 1 31,-26-26-31,26-26 31,0 1-15,0-1-16,0 0 15,-26 0 1,26 0-16,0 0 16,-26 0-16,26 0 0,0 0 15,-26 26 1,26-26-16,0 0 15,0 0 17,26 26-32,0 0 15,-26-25 1,26 25-16,0 0 16,0-26-16,0 26 0,0 0 15,0 0 1,0 0-16,0 0 15,-26 26 1</inkml:trace>
-  <inkml:trace contextRef="#ctx0" brushRef="#br0" timeOffset="161303">1744 778 0,'26'-26'16,"0"0"0,0 26-1,-26-26-15,26 26 0,0 0 16,0 0-1</inkml:trace>
-</inkml:ink>
-</file>
-
-<file path=ppt/ink/ink3.xml><?xml version="1.0" encoding="utf-8"?>
-<inkml:ink xmlns:inkml="http://www.w3.org/2003/InkML">
-  <inkml:definitions>
-    <inkml:context xml:id="ctx0">
-      <inkml:inkSource xml:id="inkSrc0">
-        <inkml:traceFormat>
-          <inkml:channel name="X" type="integer" max="1920" units="cm"/>
-          <inkml:channel name="Y" type="integer" max="1080" units="cm"/>
-          <inkml:channel name="T" type="integer" max="2.14748E9" units="dev"/>
-        </inkml:traceFormat>
-        <inkml:channelProperties>
-          <inkml:channelProperty channel="X" name="resolution" value="55.81395" units="1/cm"/>
-          <inkml:channelProperty channel="Y" name="resolution" value="55.6701" units="1/cm"/>
-          <inkml:channelProperty channel="T" name="resolution" value="1" units="1/dev"/>
-        </inkml:channelProperties>
-      </inkml:inkSource>
-      <inkml:timestamp xml:id="ts0" timeString="2020-12-14T06:01:52.587"/>
-    </inkml:context>
-    <inkml:brush xml:id="br0">
-      <inkml:brushProperty name="width" value="0.05" units="cm"/>
-      <inkml:brushProperty name="height" value="0.05" units="cm"/>
-      <inkml:brushProperty name="fitToCurve" value="1"/>
-    </inkml:brush>
-  </inkml:definitions>
-  <inkml:trace contextRef="#ctx0" brushRef="#br0">52 53 0,'0'-26'31,"-26"26"-15,26 26 15,-26-26-15,26 26-16,0-1 15,0 1 1,0 0-16,0 0 16,0 0-16,0 0 15,0 0-15,26 0 16,-26 0-16,26 0 15,0 0 1,0 0 0,0-26-1</inkml:trace>
-  <inkml:trace contextRef="#ctx0" brushRef="#br0" timeOffset="444">467 27 0,'0'-26'0,"26"26"32,0 0-1,-26 26-31,26-26 15,-26 26-15,0 0 0,26-1 16,-26 1-16,26 0 16,-26 0-16,25 0 15,-25 0-15,0 0 16,0 0-16,-25 0 16,-1-26-16,26 26 0,-26-26 15,0 26-15,0-26 16,0 0-16</inkml:trace>
-</inkml:ink>
-</file>
-
-<file path=ppt/ink/ink30.xml><?xml version="1.0" encoding="utf-8"?>
-<inkml:ink xmlns:inkml="http://www.w3.org/2003/InkML">
-  <inkml:definitions>
-    <inkml:context xml:id="ctx0">
-      <inkml:inkSource xml:id="inkSrc0">
-        <inkml:traceFormat>
-          <inkml:channel name="X" type="integer" max="1920" units="cm"/>
-          <inkml:channel name="Y" type="integer" max="1080" units="cm"/>
-          <inkml:channel name="T" type="integer" max="2.14748E9" units="dev"/>
-        </inkml:traceFormat>
-        <inkml:channelProperties>
-          <inkml:channelProperty channel="X" name="resolution" value="55.81395" units="1/cm"/>
-          <inkml:channelProperty channel="Y" name="resolution" value="55.6701" units="1/cm"/>
-          <inkml:channelProperty channel="T" name="resolution" value="1" units="1/dev"/>
-        </inkml:channelProperties>
-      </inkml:inkSource>
-      <inkml:timestamp xml:id="ts0" timeString="2020-12-14T06:08:32.320"/>
-    </inkml:context>
-    <inkml:brush xml:id="br0">
-      <inkml:brushProperty name="width" value="0.05" units="cm"/>
-      <inkml:brushProperty name="height" value="0.05" units="cm"/>
-      <inkml:brushProperty name="fitToCurve" value="1"/>
-    </inkml:brush>
-  </inkml:definitions>
-  <inkml:trace contextRef="#ctx0" brushRef="#br0">233 728 0,'26'0'31,"0"0"-15,0 0-16,0-26 15,0 26-15,0-26 16,0 26-16,-1-26 0,27 26 15,0-26-15,-26 0 16,26 26-16,0-26 0,-26 26 16,26-26-16,-27 26 0,27-26 15,-26 26-15,0 0 16,0-25-16,0 25 0,0 0 31</inkml:trace>
-  <inkml:trace contextRef="#ctx0" brushRef="#br0" timeOffset="646">0 261 0,'26'0'16,"0"-26"-16,0 26 16,0-26-1,-1 26-15,27-26 0,-26 26 16,26-25-16,0-1 0,0 26 15,0-26-15,25 0 16,-25 0-16,0 26 0,0-26 16,0 26-16,-26-26 15,0 26-15</inkml:trace>
-  <inkml:trace contextRef="#ctx0" brushRef="#br0" timeOffset="73705">3836 857 0,'26'0'16,"-26"-26"15,0 1 0,0-1 0,26 26-15,0 0-16,-1 0 16,1 0-1,0 0-15,0 0 16,-26 26-1,26-26-15,-26 25 16,-26-25 0,0 0-1,0 0-15,26 26 16,-26-26-16,1 0 16,-1 0-16,0 0 15,0-26 1,26 1 15,0-1-15,0 0-1,26 26-15,0 0 16,0 0 0,-1 0-1,1 0 1,-26 26-16,0 0 31,-26-1-15,1-25-1,-1 0 1,0 0-16,0 0 16,26-25 30,26-1-30,0 26 0,0 0-16,-1 0 15,1 0 1,0 26 0,-26-1-1</inkml:trace>
-  <inkml:trace contextRef="#ctx0" brushRef="#br0" timeOffset="74917">3654 417 0,'0'26'31,"26"-26"-15,-26 26-16,26 0 16,-26-1-1,26 1 1,-26 0 0,26-26-1,-26-26 32,0 0-31,-26 26-16,26-25 15,-26 25-15,26-26 16,-26 0 0,26 0-16,0 0 15,0 0 1,0 0-1,0 0-15,26 26 16,-26-26 0,26 26-16,0 0 15,0 0-15,-26-26 16,26 26-16,0 0 0,0 0 16,0 26-16,0-26 15,-26 26 1,25 0-16,-25 0 31,-25-26-31,25 26 0,-26-26 16,0 26-1,0-26 1,0 26-16,0-26 16,52 0 62,0 0-63,0-26 1,0 26-16,0 0 16,-1 0-16,1 0 15,0 0 1,0 26-1,0 0 1,-26 0-16,0-1 31,0 1-31,-26 0 32,0-26-32,26 26 15,-26-26-15,0 0 0,26 26 16,-25-26-16,-1 0 15,0 0-15,0 0 16,0 0-16,26-26 16,-26 26-1,0 0 1</inkml:trace>
-  <inkml:trace contextRef="#ctx0" brushRef="#br0" timeOffset="76873">1685 2179 0,'25'0'31,"-25"26"-15,26 0 0,-26 0-1,0 0 1,0 0 0,26 0-16,-26 0 15,0 0 1,0-1-1,0-50 48,0-1-47,0 0-1,-26 0-15,26 0 16,0 0-16,0 0 15,0 0-15,0 0 16,0 0-16,26 0 16,-26 0-1,26 26-15,0-25 32,0 25-17,-26 25 1,26-25-16,-26 26 15,26-26-15,-26 26 0,26 0 16,0 0 0,-26 0-16,26 0 15,-26 0 1,26 0 0,-26 0-1,26-26-15,-26 26 16</inkml:trace>
-  <inkml:trace contextRef="#ctx0" brushRef="#br0" timeOffset="77168">1788 2309 0,'26'0'47,"-26"-26"-31,26 26-1,0-26 1,0 26-1,0-26 1,0 26-16,0-26 16,0 26 15</inkml:trace>
-</inkml:ink>
-</file>
-
-<file path=ppt/ink/ink31.xml><?xml version="1.0" encoding="utf-8"?>
-<inkml:ink xmlns:inkml="http://www.w3.org/2003/InkML">
-  <inkml:definitions>
-    <inkml:context xml:id="ctx0">
-      <inkml:inkSource xml:id="inkSrc0">
-        <inkml:traceFormat>
-          <inkml:channel name="X" type="integer" max="1920" units="cm"/>
-          <inkml:channel name="Y" type="integer" max="1080" units="cm"/>
-          <inkml:channel name="T" type="integer" max="2.14748E9" units="dev"/>
-        </inkml:traceFormat>
-        <inkml:channelProperties>
-          <inkml:channelProperty channel="X" name="resolution" value="55.81395" units="1/cm"/>
-          <inkml:channelProperty channel="Y" name="resolution" value="55.6701" units="1/cm"/>
-          <inkml:channelProperty channel="T" name="resolution" value="1" units="1/dev"/>
-        </inkml:channelProperties>
-      </inkml:inkSource>
-      <inkml:timestamp xml:id="ts0" timeString="2020-12-14T06:05:05.188"/>
-    </inkml:context>
-    <inkml:brush xml:id="br0">
-      <inkml:brushProperty name="width" value="0.05" units="cm"/>
-      <inkml:brushProperty name="height" value="0.05" units="cm"/>
-      <inkml:brushProperty name="fitToCurve" value="1"/>
-    </inkml:brush>
-  </inkml:definitions>
-  <inkml:trace contextRef="#ctx0" brushRef="#br0">1814 907 0,'0'26'31,"-26"-26"-15,52 0 47,0 0-63,26-26 15,-27 26-15,1 0 16,26-26-16,-26 26 0,26 0 15,0 0-15,-26-26 16,26 26-16,-27 0 0</inkml:trace>
-  <inkml:trace contextRef="#ctx0" brushRef="#br0" timeOffset="2218">2462 622 0,'0'26'47,"0"-1"-47,0 1 16,0 0-16,0 0 15,0 0-15,0 26 16,0-26-16,0 0 0,26 0 16,-26 0-16,0 0 0,0 0 15,0-1-15,0 1 16</inkml:trace>
-  <inkml:trace contextRef="#ctx0" brushRef="#br0" timeOffset="2833">2384 673 0,'-26'-51'15,"26"25"-15,0 0 0,-26 0 16,26 0-16,0 0 0,0 0 16,26-26-16,-26 26 15,26 0-15,0 26 0,0-25 16,0-1-16,0 26 0,0-26 16,25 26-16,-25 0 15,26 0-15,-26 26 0,0-26 16,0 26-16,0-1 15,0 1-15,-26 0 0,0 0 16,0 0-16,0 0 16,0 0-16,-26 0 15,0 0-15,0 0 16,0-26-16,26 26 16,-26-26-16,0 26 0,0-26 15,52 0 16,0 0-15,0 0 0,0 0-16,0 0 0,0 0 15,0 0-15,26 0 0,-26 0 16,-1 25-16,27 1 16,-26-26-16,-26 26 0,26 0 15,-26 0-15,0 0 16,0 0-16,0 0 0,0 0 15,-26 0-15,0 0 0,0-26 16,0 26-16,1-26 16,-27 26-16,26-26 0,0 0 15,0 0-15,0-26 16,0 26-16,0 0 0,0 0 16,26-26-16,0 0 31</inkml:trace>
-  <inkml:trace contextRef="#ctx0" brushRef="#br0" timeOffset="3275">3110 622 0,'0'-26'31,"0"52"16,0 0-47,0-1 16,26 1-16,-26 0 0,26 0 15,-26 0-15,25 0 16,-25 0-16,26-26 0,0 26 16,0-26-1,0 0-15,0 0 16,0-26-16,-26 0 16,26 0-16,-26 0 0,0 0 15,0 0-15,0 0 0,0 1 16,0-27-16,0 26 15,0 0-15,0 0 0,-26 0 16,0 26 0,26 26-1</inkml:trace>
-  <inkml:trace contextRef="#ctx0" brushRef="#br0" timeOffset="3954">3887 596 0,'0'-26'16,"0"0"-1,0 0 17,26 26-32,-26-26 0,0 0 15,-26 26-15,0-26 16,0 26 0,1 0-16,-1 0 15,0 0-15,0 26 16,0 0-16,0 0 15,0 0-15,26 0 16,0 0-16,-26 0 0,26 0 16,0-1-16,26 1 0,0 0 15,-26 0 1,26-26-16,0 0 16,0 0-16,0 0 0,0 0 15,-1-26 1,1 26-16,0-26 0,0 0 15,0 1 1,-26-1-16,0 0 0,0 0 16,0 0-16,0 0 15,0-26-15,-26 26 0,26 0 16,-26-26-16,26 27 0,-26-27 16,26 26-16,0 0 15,-26 0-15,26 52 31,26-26-31,-26 26 16,0 26-16,26-26 0,-26-1 16,26 27-16,-26-26 15,26 26-15,-26-26 0,26 26 16,-26-26-16,0 0 0,26 0 16,-26-1-16,0 1 15,0 0-15,26-26 0</inkml:trace>
-  <inkml:trace contextRef="#ctx0" brushRef="#br0" timeOffset="4674">4302 518 0,'0'-26'0,"0"0"15,0 0 1,26 0-16,-26 0 16,0 0-16,-26 26 15,0-25-15,26-1 16,-26 26-16,0 0 16,0 0-16,26 26 15,-26-26-15,26 25 16,-26 1-16,26 0 0,0 0 15,0 26-15,0-26 0,0 0 16,0 0-16,26-26 16,-26 26-16,26-26 0,0 26 15,0-26-15,0-26 16,0 26-16,-26-26 16,26 26-16,0-26 0,-26 0 15,26 0 1,-26 0-16,0 0 15,-26 26-15,26-26 16,-26 26-16,26 26 16,0 0-16,0 0 15,0 0-15,0 0 16,0 26-16,26 0 0,-26-1 16,26 1-16,-26 0 0,26 0 15,0 0-15,-26-26 16,25 26-16,-25-1 0,0-25 15,0 0-15,0 0 16,0 0-16,-25-26 0,-1 26 16,0-26-16,0 0 0,0-26 15,0 26 1,0-26-16,0 0 0,26 0 16,-26 0-16,26-25 15,0 25-15,0 0 0,0 0 16,0 0-16,0 0 15,26 0-15,0 26 16,0-26-16,0 26 16,0 0-16,0 0 15,-26-26-15,26 26 16</inkml:trace>
-  <inkml:trace contextRef="#ctx0" brushRef="#br0" timeOffset="5226">4613 518 0,'-26'0'15,"26"-26"1,26 26 31,0 0-32,0 0-15,0 0 16,0 0 0,0 0-16,-1-26 0,1 26 15,0-26-15,-26 0 16,26 0-16,-26 0 15,-26 1 1,0-1 0,0 26-16,26-26 0,-25 26 15,-1 0-15,0 0 16,0 0-16,0 26 0,0 0 16,26-1-16,0 1 15,0 0 1,0 0-16,0 0 0,26 0 15,-26 0-15,26 0 0,0 0 16,0-26-16,-26 26 16,26 0-16,-1-26 0,1 0 15,0 26-15,0-26 16,0 0-16,0 0 0,0-26 16,0 26-16,0 0 15,0-26-15,0 26 0,-26-26 16,26 0-16,0 0 0,-26 0 15</inkml:trace>
-  <inkml:trace contextRef="#ctx0" brushRef="#br0" timeOffset="5588">5002 51 0,'-26'-25'0,"26"-1"16,-26 26-16,26 26 31,26-1-15,-26 1-1,26 0-15,-26 0 0,26-26 16,-26 26-16,26 0 0,-26 0 16,26 0-16,-26 0 15,25 26-15,1-26 0,-26-1 16,0 27-16,26-26 15,-26 0-15,26 0 0,-26 0 16,26 0-16,-26 0 0,26-26 16,0 0-16,0 26 15,0-26-15,0-26 16,0 26-16,0-26 16,-1 0-16,1 26 0,0-26 15,0 0-15,-26-26 0,0 26 16</inkml:trace>
-  <inkml:trace contextRef="#ctx0" brushRef="#br0" timeOffset="5789">4976 233 0,'-26'0'15,"0"0"-15,0 0 16,52 0-1,0 0-15,0 0 0,0-26 16,0 26-16,26 0 16,-27-26-16,1 26 0,26 0 15,-26-26-15,0 26 16</inkml:trace>
-  <inkml:trace contextRef="#ctx0" brushRef="#br0" timeOffset="7845">2462 1736 0,'26'0'0,"-26"-26"16,26 26-16,0 26 47,-26 0-47,0 0 15,0 0-15,0 0 0,25 26 16,-25-26-16,0 25 0,0-25 16,26 0-16,-26 0 15,26 26-15,-26-26 0,26 0 16</inkml:trace>
-  <inkml:trace contextRef="#ctx0" brushRef="#br0" timeOffset="8091">2540 1762 0,'-26'-26'0,"0"0"16,0 26-16,26-26 15,0 0-15,0 0 0,0 1 16,0-1-16,26 26 0,0-26 16,0 0-16,-1 0 15,27 0-15,-26 0 0,26 26 16,0-26-16,0 26 16,-26 0-16,25 0 0,1 0 15,-26 0-15,0 26 0,0-26 16,-26 26-16</inkml:trace>
-  <inkml:trace contextRef="#ctx0" brushRef="#br0" timeOffset="8291">2669 1866 0,'26'-26'31,"0"26"-15,0 0-16,0-26 16,0 26-16,0-26 0,0 26 15,25-26-15,-25 26 16,0 0-16</inkml:trace>
-  <inkml:trace contextRef="#ctx0" brushRef="#br0" timeOffset="8715">3239 1762 0,'-26'0'16,"0"0"-1,26 26-15,-25-26 16,-1 26-16,26 0 15,0 0 1,-26 0-16,26 0 0,0-1 16,0 1-16,26 0 15,-26 0-15,26 0 0,-26 0 16,25 0-16,1-26 0,0 26 16,0-26-16,0 0 15,0-26-15,0 26 16,0-26-16,0 0 15,-26 0-15,26 0 0,-26 0 16,0 0-16,0 1 0,0-27 16,-26 26-16,26 0 15,-26 0-15,0 0 0,0 26 16,26-26-16,-26 26 0,0 0 16,0 0-16,0 0 15,26 26-15</inkml:trace>
-  <inkml:trace contextRef="#ctx0" brushRef="#br0" timeOffset="9123">3524 1736 0,'-26'0'15,"1"0"-15,-1 0 32,52 0-17,-1 26 1,-25 0-16,26 0 16,0-26-16,0 26 0,-26 0 15,26 0-15,0 0 16,0-26-16,-26 25 0,26-25 15,-26 26-15,-26-52 32,26 1-17,-26 25-15,26-26 16,0 0-16,-26 0 0,26 0 16,0-26-16,26 26 0,-26 0 15,26 0-15,0 26 16,0-26-16,0 26 0,0 0 15,0 0 1</inkml:trace>
-  <inkml:trace contextRef="#ctx0" brushRef="#br0" timeOffset="9605">3939 1762 0,'0'26'0,"-26"-26"31,26-26-15,26 26-1,0 0 1,0 0-1,0 26 1,0-26-16,0 0 16,-26-26-16,26 26 15,0-26-15,-1 0 16,-25 0-16,0 0 16,0 0-1,-25 26-15,-1 0 16,26-25-16,-26 25 15,0 0-15,0 0 0,0 25 16,0-25-16,0 26 16,26 0-16,-26-26 0,26 26 15,0 0-15,0 0 0,0 0 16,0 26-16,26-26 16,0 0-16,0 0 15,26-1-15,-26-25 0,0 26 16,0-26-16,-1 0 15,27 0-15</inkml:trace>
-  <inkml:trace contextRef="#ctx0" brushRef="#br0" timeOffset="9952">4613 1581 0,'-26'-26'15,"0"26"1,0-26-16,0 26 16,0 0-16,0 0 15,1 0-15,-1 26 16,0 0-16,0-26 15,26 26-15,-26-1 0,26 1 16,0 0-16,0 0 16,0 0-16,0 0 0,0 0 15,26 0-15,0 0 16,0-26-16,0 26 0,-1-26 16,27 0-16,0 0 15,-26 0-15,26 0 0</inkml:trace>
-  <inkml:trace contextRef="#ctx0" brushRef="#br0" timeOffset="10804">5028 1529 0,'0'-26'0,"0"0"16,-26 26-1,26-26-15,-26 26 16,0 0 0,0 0-16,0 0 15,0 0-15,26 26 16,-26-26-16,0 26 0,26 0 16,-26 0-16,26 0 15,-26 0-15,26-1 0,0 1 16,0 0-1,0 0-15,26 0 0,0 0 16,0-26-16,0 0 16,0 0-16,0 0 15,0 0-15,0-26 16,0 0 0,-26 0-16,26 0 15,-26 0-15,0 1 16,0-1-1,0 52 17,0-1-17,0 1-15,26 0 16,-26 0 0,26-26-16,-26 26 0,25-26 15,1 0-15,-26 26 16,26-26-16,0 0 0,0-26 15,0 26-15,0-26 0,0 0 16,-26 0-16,26 0 16,0 1-16,-26-1 0,26 0 15,-26-26-15,26 26 16,-26 0-16,0 0 0,0 0 16,0 0-16,-26 26 0,0 0 15,0 0 1,0 0-16,26 26 0,-26 0 15,0-26-15,26 26 0,0 0 16,0 0 0,26-26-16,0 0 15,0 26-15,0-26 16,0 0-16,0 0 0,-1 0 16,1 0-16,0 26 15,0-26-15,0 26 0,0-26 16,-26 26-16,0-1 0,0 1 15,0 0-15,-26 0 16,26 0-16,-26-26 16,26 26-16,-26-26 0,0 0 15,0 0 1,1-26-16,-1 0 16</inkml:trace>
-  <inkml:trace contextRef="#ctx0" brushRef="#br0" timeOffset="11134">5494 1244 0,'0'-26'0,"0"0"31,26 52 0,0 0-15,0-26 0,0 26-16,-26 0 0,26 25 15,-26-25-15,26 26 0,0-26 16,-26 26-16,26-26 16,-1 0-16,1 26 0,-26-27 15,26 1-15,0 0 0,0 0 16,0-26-1,0 0-15,0 0 16,0-26-16,0 26 16,0-26-16</inkml:trace>
-  <inkml:trace contextRef="#ctx0" brushRef="#br0" timeOffset="11319">5650 1399 0,'-26'0'15,"-26"0"-15,26 0 0,0 0 16,52 0 0,0-26-16,0 26 15,0-26-15,26 26 16,-1-26-16,1 26 16,-26-25-16,0 25 0,0 0 0,0-26 15</inkml:trace>
-  <inkml:trace contextRef="#ctx0" brushRef="#br0" timeOffset="289003">103 2436 0,'-26'0'94,"0"26"-63,0-26-16,26 26-15,-25-26 16,50 0 15,-25 26-31,26-26 16,0 0 0,-26 26-16,26-26 0,0 0 15,0 26 1,0-26-16,0 0 15,-26 25 1</inkml:trace>
-  <inkml:trace contextRef="#ctx0" brushRef="#br0" timeOffset="289303">129 2462 0,'0'26'31,"26"-26"-31,0 0 16,0 0-16,0 0 15,0 0 1,0 0-16,0 0 0,-26-26 16,25 26-16,1 0 0,0 0 15,0 0 1</inkml:trace>
-  <inkml:trace contextRef="#ctx0" brushRef="#br0" timeOffset="290113">829 2436 0,'-26'0'15,"26"-26"1,-26 26 0,26 26-1,-26-26-15,0 0 16,26 26-16,-26 0 16,0-26-1,26 26-15,0 0 16,0 0-1,0-1 1,26-25 0,0 0-1,0 0 1,0 0-16,0-25 16,0-1-16,-26 0 15,26 26-15,-26-26 16,0 0-16,26 0 15,-26 0-15,0 0 16,0 0-16,0 0 0,-26 0 16,26 0-16,0 1 0,0-1 15,0 0-15,0 0 16,0 0-16,0 52 31,0 0-15,0 26-1,0-27-15,0 1 16,0 0-16,0 0 0,0 26 16,0-26-16,26 0 0,-26 0 15,0 0 1,26 0-16,-26 0 0,26-1 16,-26 1-1,25-26 16</inkml:trace>
-  <inkml:trace contextRef="#ctx0" brushRef="#br0" timeOffset="290401">1062 2384 0,'0'26'63,"0"0"-47,0 0-1,0 0-15,0 0 16,0 0-1,0 0 1,0-1 0</inkml:trace>
-  <inkml:trace contextRef="#ctx0" brushRef="#br0" timeOffset="290593">1062 2229 0,'0'26'78</inkml:trace>
-  <inkml:trace contextRef="#ctx0" brushRef="#br0" timeOffset="291092">1166 2384 0,'26'0'0,"-26"-26"16,26 26-16,0 0 15,-26 26 1,0 0 0,0 0-1,0 0 1,0 0-16,0 0 15,0 0 1,26-26 0,-52 0 31,0-26-32,26 0 1,0 0-1,0 0-15,0 0 16,26 0-16,-26 0 16,0 0-16,26 0 0,-26 0 15,25 26-15,1 0 16,-26 26 0,0 0-1,0 0-15,0 0 16</inkml:trace>
-  <inkml:trace contextRef="#ctx0" brushRef="#br0" timeOffset="291614">1399 2462 0,'26'0'79,"0"0"-64,0 0 1,0 0-1,-26-26-15,26 26 16,-26-26 0,26 0-16,-26 0 15,0 0 1,-26 26 0,26-26-16,-26 26 15,0 0 1,0 26-1,0 0 1,0 0 0,26 0-1,0 0 1,0 0-16,26-26 16,-26 26-16,26-26 15,0 26-15,0-26 16,0 0-1,0 0-15,0 0 16</inkml:trace>
-  <inkml:trace contextRef="#ctx0" brushRef="#br0" timeOffset="292243">1788 2358 0,'0'-26'0,"0"0"15,0 0 17,-26 26-17,26 26-15,-26-26 16,0 26-1,0 0-15,26 0 16,-26 0 0,26 0-1,0 0-15,26-26 0,-26 26 16,26-26-16,-26 26 16,26-26-16,-26 26 15,26-26-15,0 0 16,0-26-16,0 26 15,-26-26-15,26 26 0,-26-26 16,26 26-16,-26-26 16,25 0-16,-25 0 15,0 0-15,0 0 0,0 0 16,0 0-16,0 1 16,0-1-16,0 0 0,0 0 15,0 0 1,0 0-16,0 52 31,0 0-15,0 0-16,0 0 15,0 0-15,0-1 16,0 1-16,0 26 0,0-26 16,26 0-16,-26 0 15,0 0-15,0 0 0,0 0 16,26 0-16,-26 0 15</inkml:trace>
-  <inkml:trace contextRef="#ctx0" brushRef="#br0" timeOffset="292609">1969 2410 0,'-26'0'31,"52"0"1,0 0-32,0-26 15,0 26-15,0 0 0,-26-26 16,26 26-16,0 0 16,-26-26-16,26 26 0,-26-26 15,0 0 16,0 52 1,0 0-17,0 0-15,0 0 16,0 0 0,0 0-16,0 0 0,0 0 15,0 0-15,0 0 16</inkml:trace>
-  <inkml:trace contextRef="#ctx0" brushRef="#br0" timeOffset="292795">2177 2151 0,'0'26'47</inkml:trace>
-  <inkml:trace contextRef="#ctx0" brushRef="#br0" timeOffset="293739">2384 2332 0,'0'26'47,"0"0"-32,0 0 1,-26 0-16,26 0 0,-26 0 16,26 0-1,0 0-15,0 0 16,0-1-1,26-25-15,0 0 16,0 0 0,0 0-1,-26-25-15,26 25 0,-26-26 16,0 0-16,26 0 16,-26 0-1,0 0-15,0 0 0,-26 0 16,26 0-16,-26 26 15,26-26-15,-26 0 0,0 26 16,26 26 15,0 0 1,26-26-32,0 0 15,0 0 1,0 0-16,0 0 15,0 0-15,-1 0 16,1 0 0,-26 26-1,0 0-15,26-26 16,-26 26-16,0 0 16,0 0-1,26-26 16,-26-26-31,26 0 32,0 26-17,0 0 1,-26-26 0,26 26-16,-26-26 15,26 26-15,-26-26 16,26 26-16,-26-26 0,26 26 15,0 0 1,-26 26 15,0 0-15,0 0-16,0 0 16,0 0-1,0 0-15,0 0 16,0 0-1,0 0 1</inkml:trace>
-</inkml:ink>
-</file>
-
-<file path=ppt/ink/ink32.xml><?xml version="1.0" encoding="utf-8"?>
-<inkml:ink xmlns:inkml="http://www.w3.org/2003/InkML">
-  <inkml:definitions>
-    <inkml:context xml:id="ctx0">
-      <inkml:inkSource xml:id="inkSrc0">
-        <inkml:traceFormat>
-          <inkml:channel name="X" type="integer" max="1920" units="cm"/>
-          <inkml:channel name="Y" type="integer" max="1080" units="cm"/>
-          <inkml:channel name="T" type="integer" max="2.14748E9" units="dev"/>
-        </inkml:traceFormat>
-        <inkml:channelProperties>
-          <inkml:channelProperty channel="X" name="resolution" value="55.81395" units="1/cm"/>
-          <inkml:channelProperty channel="Y" name="resolution" value="55.6701" units="1/cm"/>
-          <inkml:channelProperty channel="T" name="resolution" value="1" units="1/dev"/>
-        </inkml:channelProperties>
-      </inkml:inkSource>
-      <inkml:timestamp xml:id="ts0" timeString="2020-12-14T06:10:18.023"/>
-    </inkml:context>
-    <inkml:brush xml:id="br0">
-      <inkml:brushProperty name="width" value="0.05" units="cm"/>
-      <inkml:brushProperty name="height" value="0.05" units="cm"/>
-      <inkml:brushProperty name="fitToCurve" value="1"/>
-    </inkml:brush>
-  </inkml:definitions>
-  <inkml:trace contextRef="#ctx0" brushRef="#br0">962 1306 0,'-26'0'62,"0"0"-30,52 0 30,0-26-46,0 26-1,0 0-15,0-26 16,0 26-16,0 0 16,0 0-16,0-26 0,0 26 15,0 0 1,-26-26-16,-26 26 31,0 0-15,0 0-1,0 26-15,0-26 16,0 0-16,0 26 0,0-26 16,0 0-16,26 26 15,-26-26-15,0 0 16,52 0 31,-26-26-47,26 26 15,0 0 1,0-26-16,0 26 0,0 0 16,0 0-1,0-26-15,0 26 0,0 0 16,0 0-16,-1 0 16,1 0-1,-52 0 1,1 0-1,-1 0-15,0 26 16,0-26-16,-26 0 0,26 26 16,0-26-16,0 0 15,0 26-15,0-26 0,0 0 16,1 0 0,50 0-1,1-26 1,0 26-1,0 0-15,-26-26 16,26 26-16,0 0 16,0 0-16,-26-26 0,26 26 15,0 0-15,0 0 16,-52 0 31,0 0-32,0 0-15,26 26 16,-26-26-16,0 0 0,0 26 16,0-26-16,0 0 15,0 26 1,52-26 0,-26-26-16,26 26 15,0 0 1,0-26-16,0 26 15,0 0-15,0 0 16,-26-26-16,26 26 0,0 0 16,-52 0 15,26 26-15,-26-26-16,0 0 15,0 0-15,0 26 0,0-26 16,0 0-16,0 0 15,26 26-15,-26-26 16,52 0 15,-26-26-31,26 26 0,0 0 16,0 0-16,0-26 0,0 26 16,0 0-1,0 0 1,-26-26-16,-26 26 15,0 0 1,0 26 0,0-26-16,0 26 15,52-26 79,-52 0 0,52 26 406,0-26-469,-52 0 47,0 0-62,0 0-1,0 0 17,52 0 15</inkml:trace>
-  <inkml:trace contextRef="#ctx0" brushRef="#br0" timeOffset="1632">574 113 0,'25'0'46,"-25"-25"-30,26 25 0,0 0-16,0-26 0,0 26 15,0 0-15,0 0 0,-26-26 16,26 26-16,0 0 16,0 0-16,0 0 15,-26-26 1,-26 26-1,0 0-15,0 0 16,0 26 0,0-26-16,0 0 0,0 26 15,0-26 1,0 0-16,0 0 0,1 26 16,-1-26-1,0 0-15,26 25 16,26-25 15,0-25-31,-1 25 16,1-26-16,0 26 0,0 0 15,0-26-15,0 0 16,0 26-16,0 0 16,0-26-1,-26 52 16,-26-26-31,0 26 16,0-26-16,0 26 16,0-26-16,0 26 15,0-26-15,0 25 16,52-25 15,-26-25-15,26 25-16,0 0 15,0-26-15,0 26 16,0 0 0,-26-26-16,26 26 15,-52 0 63,26 26 47,0 0-93</inkml:trace>
-  <inkml:trace contextRef="#ctx0" brushRef="#br0" timeOffset="9799">522 1720 0,'26'0'15,"-26"-26"1,26 26 0,-26 26-1,0 0-15,0 0 16,0 0 0,0 0-16,0 26 0,0-26 15,0 0-15,0 0 16,0 0-16,0 0 0,0-1 15,0 1-15,0 0 16,25-26 0</inkml:trace>
-  <inkml:trace contextRef="#ctx0" brushRef="#br0" timeOffset="10374">988 1772 0,'-26'0'0,"26"26"15,-26-26 1,26 26-16,-26-26 16,26 26-16,-25-26 15,25 26-15,0 0 16,0 0-16,0 0 0,0 0 15,0 0 1,0-1-16,25-25 0,1 26 16,0-26-16,0 0 0,0 0 15,0-26-15,0 26 16,0-25-16,0-1 0,0 0 16,-26 0-16,0 0 15,-26 0-15,26 0 16,-26 26-16,0-26 0,0 0 15,0 0-15,0 26 16,-26-26-16,26 26 0,1 0 16,25-26-16,-26 26 0,26-26 31,26 26-15,-1 0-16,1-25 15,0-1-15,0 26 0,26-26 16,-26 0-16,0 26 0,0-26 15,0 26-15,0 0 16,-26 26 0,-26 0-1,0 0-15,26 0 0,-26-1 16,26 1-16,-26 0 0,26 0 16,0 0-1,0 0-15</inkml:trace>
-  <inkml:trace contextRef="#ctx0" brushRef="#br0" timeOffset="10806">1429 1643 0,'0'-26'0,"0"0"16,-26 26 0,0 0-1,0 26-15,26 0 16,0 0 0,0-1-16,0 1 0,0 0 15,0 0 1,26-26-16,0 26 0,0-26 15,0 0-15,0 0 16,0 0-16,0 0 16,-1-26-16,1 26 0,-26-26 15,26 26-15,0-26 16,-26 0-16,0 1 16,0-1-16,-26 26 15,0-26 1,0 26-16,1 0 15,-1 26-15,0-26 16,26 26-16,-26-26 0</inkml:trace>
-  <inkml:trace contextRef="#ctx0" brushRef="#br0" timeOffset="11196">1869 1539 0,'-25'0'0,"25"26"15,-26-26-15,0 26 0,0 0 16,0 0-1,0 0-15,26-1 16,-26 1-16,26 0 0,0 0 16,26-26-1,0 0-15,0 0 16,26 0-16,-26-26 0,-1 0 16,27 26-16,-26-26 15,0 1-15,0-1 0,0 0 16,-26 0-16,0-26 15,0 26-15,-26 26 0,0-26 16,0 26-16,0 0 16,-26 0-16,1 0 0,-1 26 15,0 26-15,-26-26 0</inkml:trace>
-  <inkml:trace contextRef="#ctx0" brushRef="#br0" timeOffset="12175">2129 1254 0,'-26'-26'16,"0"26"-1,26-26-15,-26 26 0,0-26 16,0 26-16,-26 0 0,0-26 16,1 26-16,-1 0 15,0 0-15,-26 0 0,0 0 16,-103 0-1,77 0-15,26 0 0,-25 26 16,-1-26-16,0 26 0,27 0 16,-27 26-16,26-26 15,1 0-15,-1 25 0,0 1 16,0-26-16,26 26 16,1 0-16,-1 0 0,0-26 15,0 25-15,26 1 0,0 0 16,0-26-16,26 26 15,0 0-15,0 0 0,0-1 16,26-25-16,0 26 16,0 0-16,0-26 0,26 26 15,0-26-15,0 0 0,-1 0 16,27-1-16,0 1 16,0 0-16,-1-26 0,1 0 15,26 0-15,-1 0 0,-25 0 16,26-26-16,0 0 15,25 1-15,-25-1 0,0 0 16,25-26-16,-25 0 16,-1 0-16,1-26 0,-26 27 15,26-27-15,-53 0 0,27 0 16,-26 1-16,-26-1 16,0 26-16,-26-26 0,0 26 15,-26 1-15,0-1 16,-26 26-16,-26 0 0,-25 0 15,-53 0-15,1 26 0,-27 0 16,-25 0-16,0 0 16,-27 26-16</inkml:trace>
-</inkml:ink>
-</file>
-
-<file path=ppt/ink/ink33.xml><?xml version="1.0" encoding="utf-8"?>
-<inkml:ink xmlns:inkml="http://www.w3.org/2003/InkML">
-  <inkml:definitions>
-    <inkml:context xml:id="ctx0">
-      <inkml:inkSource xml:id="inkSrc0">
-        <inkml:traceFormat>
-          <inkml:channel name="X" type="integer" max="1920" units="cm"/>
-          <inkml:channel name="Y" type="integer" max="1080" units="cm"/>
-          <inkml:channel name="T" type="integer" max="2.14748E9" units="dev"/>
-        </inkml:traceFormat>
-        <inkml:channelProperties>
-          <inkml:channelProperty channel="X" name="resolution" value="55.81395" units="1/cm"/>
-          <inkml:channelProperty channel="Y" name="resolution" value="55.6701" units="1/cm"/>
-          <inkml:channelProperty channel="T" name="resolution" value="1" units="1/dev"/>
-        </inkml:channelProperties>
-      </inkml:inkSource>
-      <inkml:timestamp xml:id="ts0" timeString="2020-12-14T06:17:04.671"/>
-    </inkml:context>
-    <inkml:brush xml:id="br0">
-      <inkml:brushProperty name="width" value="0.05" units="cm"/>
-      <inkml:brushProperty name="height" value="0.05" units="cm"/>
-      <inkml:brushProperty name="fitToCurve" value="1"/>
-    </inkml:brush>
-  </inkml:definitions>
-  <inkml:trace contextRef="#ctx0" brushRef="#br0">415 288 0,'26'-26'0,"0"26"16,-26-26-1,0 0 32,0 0-31,-26 0-1,26 0 1,-26 26-16,0 0 0,0 0 16,-26 0-16,26 26 15,-26-26-15,0 26 0,27-26 16,-27 26-16,26 0 0,0 0 15,0 0-15,0 0 16,26-1-16,0 1 0,26 0 16,0 0-16,0 0 15,26 0-15,-26 0 0,25-26 16,1 26-16,-26 0 0,26 0 16,0-26-16,-26 26 15,26-26-15,-26 26 0,-1-1 16,1-25-16,0 26 0,-26 0 15,0 0-15,0 0 16,-26 0-16,0-26 0,1 26 16,-27 0-16,26 0 15,-26-26-15,0 0 0,0 26 16,0-26-16,26 0 0,1 0 16,-1-26-16,0 26 15,0-26-15,26 0 16,-26 26-16,26-26 15</inkml:trace>
-  <inkml:trace contextRef="#ctx0" brushRef="#br0" timeOffset="780">1037 599 0,'0'-26'0,"0"0"15,0 0 1,0 0 0,0 0-16,-26 26 0,26-26 15,-26 26-15,26-26 16,-26 26-16,0 0 0,0 0 15,0 0-15,-26 52 16,27-26 0,-1 0-16,26 0 0,0 26 15,-26-26-15,26 25 16,0-25-16,0 26 0,26-26 16,-26 0-16,26 0 0,-1 0 15,1-26 1,0 0-16,0 0 15,0-26 1,-26 0-16,26 0 0,-26 0 16,26 0-16,-26 0 0,0-26 15,0 27-15,26-1 16,-26 0-16,0 52 31,0 0-31,0-1 16,26 1-16,-26 0 15,26 0-15,-26 0 0,26 0 16,0 0-16,-26 0 0,25 0 16,1-26-16,0 0 0,0 0 15,0-26 1,0 0-16,-26 0 16,26 0-16,-26-26 15,0 0-15,0 1 0,0-1 16,-26 0-16,0-26 0,26 26 15,-26-25-15,26 25 16,-26 0-16,26 26 0,0 0 16,0 0-16,0 52 15,0 0-15,0 0 16,26 26-16,-26 0 0,26-1 16,-26 1-16,0 0 15,26 0-15,-26 0 0,26 0 16,-26-1-16,0 1 15,26-26-15,-26 0 0,0 0 16,26 0-16,0-26 16</inkml:trace>
-  <inkml:trace contextRef="#ctx0" brushRef="#br0" timeOffset="1206">1607 573 0,'-26'0'47,"52"0"-16,-26-26-16,26 26-15,0-26 16,0 26-16,-26-26 16,26 0-16,-26 0 15,0 0 1,0 0-16,-26 26 16,26-26-16,-26 26 0,0 0 15,0 26-15,26 0 16,-26 0-16,0 0 0,26 0 15,0 26-15,-26-26 16,26 26-16,0-27 0,0 1 16,26 0-16,-26 0 0,26 0 15,0 0-15,0-26 16,0 26-16,0-26 0,26 0 16,-26-26-16,25 26 0</inkml:trace>
-  <inkml:trace contextRef="#ctx0" brushRef="#br0" timeOffset="1555">2099 391 0,'0'-26'0,"0"0"16,0 1-16,0-1 0,0 0 16,0 0-16,-25 26 0,25-26 15,-26 26-15,0 0 16,0 0-16,0 26 15,0-26-15,26 26 16,-26 0-16,26 0 0,0-1 16,0 1-1,26 0-15,0 0 0,-26 0 16,26 0-16,0 0 0,26 0 16,-27 0-16,1-26 15,0 26-15,0 0 0,0-26 16,-26 26-16,26-26 15,-26 25-15,-26 1 16,0 0-16,0-26 0,-26 26 16,27-26-16,-27 26 15,26-26-15,0 0 0,0 0 16</inkml:trace>
-  <inkml:trace contextRef="#ctx0" brushRef="#br0" timeOffset="1860">2670 54 0,'0'-26'16,"0"1"-16,0-1 15,0 52 16,-26-26-31,26 25 0,0 27 16,0-26-16,0 26 16,-26 26-16,26-26 0,-26 25 15,26 1-15,-26 0 16,26 0-16,-26-27 0,26 27 16,0-26-16,0 0 0,0-26 15,0 26-15,26-26 16,0-26-16</inkml:trace>
-  <inkml:trace contextRef="#ctx0" brushRef="#br0" timeOffset="2437">3033 469 0,'0'-26'16,"-26"0"-1,0 0-15,0 26 16,26 26-1,0 0 1,0 0-16,0 0 0,26 26 16,-26-26-16,26 0 0,-26 25 15,0 1-15,26-26 16,-26 0-16,0 0 16,0 0-16,25 0 15,-50-26 1,-1-26-16,0 0 15,26-26-15,-26 0 16,0 1-16,26-1 0,-26-26 16,0-26-16,26 27 15,0 25-15,0-26 0,26 26 16,0 0-16,0 26 0,0 26 16,0 0-16,0 0 15,25 26-15,-25 0 0,26 0 16,-26 0-16,0 26 15,0-26-15,0 0 0,-26 26 16,0-27-16,0 1 0,-26 26 16,0-26-16,0 0 15,0-26-15,-26 26 0,26 0 16,0-26-16,-25 26 16,25-26-16,0 26 15,52 0 1,-26 0-16,26-26 15,0 25-15,-1 1 0,27 0 16,-26 0-16,0-26 16,0 26-16,0 0 0,0-26 15,0 26-15,0 0 16,0-26-16</inkml:trace>
-  <inkml:trace contextRef="#ctx0" brushRef="#br0" timeOffset="2827">3499 573 0,'-26'0'15,"0"0"-15,0 0 16,0-26-16,52 26 31,0-26-31,0 26 16,0 0-16,0 0 0,0 0 15,26-26-15,-26 26 16,0 0-16,-1 0 0,1-26 16,-26 0-16,0 0 15,0 0 1,-26 0-16,1 26 16,-1-26-16,0 26 15,0 0-15,0 0 16,0 0-16,0 26 0,0 0 15,0 0-15,26 0 16,0 26-16,-26-26 0,26 26 16,0-26-16,26 0 15,-26 25-15,26-25 0,0-26 16,0 26-16,26-26 0,-26 26 16,26-26-16</inkml:trace>
-  <inkml:trace contextRef="#ctx0" brushRef="#br0" timeOffset="3186">3836 469 0,'0'-26'0,"0"-26"15,0 26-15,0 0 0,0 1 16,26 25 0,-26 25-1,0 1-15,26 0 0,0 26 16,-26-26-16,26 0 15,0 26-15,-26-26 0,25 0 16,1 0-16,0-26 0,-26 25 16,26-25-16,-26 26 15,26-26-15,0-26 16,-26 1-16,0-1 16,0 0-16,26-26 0,-26 0 15,0 0-15,0 0 0,0 1 16,0 25-16,-26-26 15,26 26-15,26 52 32,-26 0-17,26-26-15,0 26 16</inkml:trace>
-  <inkml:trace contextRef="#ctx0" brushRef="#br0" timeOffset="3433">4795 158 0,'-26'0'15,"26"-26"-15,0 0 16,-26 26-16,26-26 31,26 26-31,0 0 0,0 0 16,0 0-16,0 0 15,0 26-15,0-26 16</inkml:trace>
-  <inkml:trace contextRef="#ctx0" brushRef="#br0" timeOffset="3607">4769 262 0,'-26'26'0,"0"0"15,0-26-15,26 25 16,-26-25-16,26 26 0,26-26 31,0 0-15,0 0-16,0 0 16,0 0-16,0 0 15,0 0-15,0 0 16,0 0-16</inkml:trace>
-</inkml:ink>
-</file>
-
-<file path=ppt/ink/ink34.xml><?xml version="1.0" encoding="utf-8"?>
-<inkml:ink xmlns:inkml="http://www.w3.org/2003/InkML">
-  <inkml:definitions>
-    <inkml:context xml:id="ctx0">
-      <inkml:inkSource xml:id="inkSrc0">
-        <inkml:traceFormat>
-          <inkml:channel name="X" type="integer" max="1920" units="cm"/>
-          <inkml:channel name="Y" type="integer" max="1080" units="cm"/>
-          <inkml:channel name="T" type="integer" max="2.14748E9" units="dev"/>
-        </inkml:traceFormat>
-        <inkml:channelProperties>
-          <inkml:channelProperty channel="X" name="resolution" value="55.81395" units="1/cm"/>
-          <inkml:channelProperty channel="Y" name="resolution" value="55.6701" units="1/cm"/>
-          <inkml:channelProperty channel="T" name="resolution" value="1" units="1/dev"/>
-        </inkml:channelProperties>
-      </inkml:inkSource>
-      <inkml:timestamp xml:id="ts0" timeString="2020-12-14T06:17:09.153"/>
-    </inkml:context>
-    <inkml:brush xml:id="br0">
-      <inkml:brushProperty name="width" value="0.05" units="cm"/>
-      <inkml:brushProperty name="height" value="0.05" units="cm"/>
-      <inkml:brushProperty name="fitToCurve" value="1"/>
-    </inkml:brush>
-  </inkml:definitions>
-  <inkml:trace contextRef="#ctx0" brushRef="#br0">393 259 0,'0'-26'16,"-26"26"-1,26-26-15,0 0 16,-26 26-16,26-25 16,-26 25-1,0 0-15,-26 0 16,26 0-16,1 0 16,-1 25-16,0 1 0,0 0 0,0 0 15,0 0-15,0 26 16,26 0-16,-26 0 0,26-26 15,0 25-15,26 1 16,0-26-16,0 26 0,0-26 16,0 0-16,26-26 15,-27 26-15,27-26 0,0 0 16,0-26-16,0 26 0,0-26 16,-26-26-16,25 26 15,-25-26-15,-26 0 0,26 1 16,-26-1-16,0 0 15,-26 0-15,0 0 0,0 0 16,1 27-16,-1-1 0,0 0 16,0 0-16,0 26 15,0 0-15,26 26 0,-26-26 16,0 26-16,26 0 16,0-1-16,-26 27 15,26-26-15,26 0 0,-26 0 16,26 0-16</inkml:trace>
-  <inkml:trace contextRef="#ctx0" brushRef="#br0" timeOffset="288">367 544 0,'-26'0'16,"52"0"31,0 0-47,-26 26 15,26-26-15,0 26 0,-26 0 16,26-26-16,25 26 16,-25 26-16,0-26 0,0 0 15,0 0-15,0-1 16,0 1-16,0 0 0,0 0 15,0 0-15,0-26 16</inkml:trace>
-  <inkml:trace contextRef="#ctx0" brushRef="#br0" timeOffset="546">911 156 0,'-26'-26'0,"26"0"16,0 52 15,26-26-15,-26 26-16,26-1 0,-26 27 15,26-26-15,-26 26 16,26 0-16,-26 0 0,26 0 15,-26-27-15,26 27 16,-26-26-16,0 0 0,26 0 16</inkml:trace>
-  <inkml:trace contextRef="#ctx0" brushRef="#br0" timeOffset="1207">885 415 0,'-26'-26'0,"0"26"16,26-26-16,26 26 16,0-26-1,0 26-15,26-26 0,-26 26 16,26 0-16,-26-26 0,26 26 16,-1-26-16,-25 26 15,26 0-15,-26-26 0,0 0 31,0 26-31,-26-26 16,-26 26 0,26 26-1,0 0 1,0 0-16,0 0 16,0 0-16,0 0 15,0 0-15,26 0 0,0 0 16,0 0-1,0-26-15,0 0 0,0 0 16,-1 0-16,1 0 16,0-26-16,0 26 0,0-26 15,-26 0-15,26 0 0,-26 0 16,26 0-16,-26 0 16,0 0-16,0 0 0,-26 0 15,26 52 1,0 0-1,0 0-15,0 26 0,0-26 16,0 26-16,26 26 16,-26-27-16,26 1 0,-26 0 15,26 0-15,-26-26 16,0 26-16,0-26 0,0 25 16,0-25-16,0 0 0,0 0 15,-26-26 1,26 26-16,-26-26 0,0 0 15,0 0 1,0-26-16,0 26 0,0-26 16,0 0-16,1 26 0,-1-26 15,0 0-15,0 26 16,26-25-16,-26-1 0</inkml:trace>
-  <inkml:trace contextRef="#ctx0" brushRef="#br0" timeOffset="1650">2052 156 0,'-26'0'0,"26"-26"16,0 0-1,26 26 17,0 0-32,-26 26 15,25-26-15,1 26 0,0-1 16,0 1-16,26 0 16,-26 0-16,0 0 0,0 0 15,0 26-15,0-26 0,0 0 16,-26 0-16,26-26 15,-26 26-15</inkml:trace>
-  <inkml:trace contextRef="#ctx0" brushRef="#br0" timeOffset="1914">2337 26 0,'0'-26'15,"-26"26"-15,0 26 32,26 0-32,-26 0 15,26 0 1,0 26-16,0-27 0,-26 1 16,26 26-16,-26-26 0,26 26 15,0-26-15,-26 26 16,26-26-16,0 0 0,0-1 15,0 1-15,0 0 16,0 0-16</inkml:trace>
-</inkml:ink>
-</file>
-
-<file path=ppt/ink/ink35.xml><?xml version="1.0" encoding="utf-8"?>
-<inkml:ink xmlns:inkml="http://www.w3.org/2003/InkML">
-  <inkml:definitions>
-    <inkml:context xml:id="ctx0">
-      <inkml:inkSource xml:id="inkSrc0">
-        <inkml:traceFormat>
-          <inkml:channel name="X" type="integer" max="1920" units="cm"/>
-          <inkml:channel name="Y" type="integer" max="1080" units="cm"/>
-          <inkml:channel name="T" type="integer" max="2.14748E9" units="dev"/>
-        </inkml:traceFormat>
-        <inkml:channelProperties>
-          <inkml:channelProperty channel="X" name="resolution" value="55.81395" units="1/cm"/>
-          <inkml:channelProperty channel="Y" name="resolution" value="55.6701" units="1/cm"/>
-          <inkml:channelProperty channel="T" name="resolution" value="1" units="1/dev"/>
-        </inkml:channelProperties>
-      </inkml:inkSource>
-      <inkml:timestamp xml:id="ts0" timeString="2020-12-14T06:17:11.610"/>
-    </inkml:context>
-    <inkml:brush xml:id="br0">
-      <inkml:brushProperty name="width" value="0.05" units="cm"/>
-      <inkml:brushProperty name="height" value="0.05" units="cm"/>
-      <inkml:brushProperty name="fitToCurve" value="1"/>
-    </inkml:brush>
-  </inkml:definitions>
-  <inkml:trace contextRef="#ctx0" brushRef="#br0">52 233 0,'0'-26'15,"0"0"-15,-26 26 0,26-26 16,0 0-16,0 0 0,-26 0 16,26 52 15,0 0-15,0 0-16,0 26 0,26 0 15,-26 0-15,0 0 0,26 25 16,-26-25-16,26 26 15,-26 0-15,0-27 0,26 27 16,-26-26-16,0 0 16,0-26-16,25 26 0,-25-26 15,0-1-15,0 1 0,26 0 16</inkml:trace>
-  <inkml:trace contextRef="#ctx0" brushRef="#br0" timeOffset="358">129 648 0,'-25'-52'16,"25"26"-16,0 0 0,0 0 16,-26-26-16,26 26 0,0 0 15,0 0 1,26 26-16,-26-25 0,25 25 15,1 0-15,0 0 16,0-26-16,26 26 0,-26 0 16,26 26-16,-26-1 15,0-25-15,25 26 0,-51 0 16,26 26-16,-26-26 0,0 0 16,-26 26-16,1-26 15,-1 0-15,0 0 0,-26-26 16,26 25-16,-26-25 0,26 0 15,0 0-15,0 0 16,0-25-16,1-1 0,-1 0 16,26 0-16,0 0 15,0 0-15</inkml:trace>
-  <inkml:trace contextRef="#ctx0" brushRef="#br0" timeOffset="873">466 363 0,'0'-26'0,"26"0"15,0 26-15,-26-26 0,52 26 16,-26 0-16,0 26 15,26-26-15,-26 26 0,0 25 16,0-25-16,25 0 0,-51 26 16,26-26-16,0 0 15,-26 26-15,0-26 0,0 0 16,0 0 0,-26-26-16,0 0 15,0 0-15,26-26 16,-25 0-16,25 0 15,0 0-15,0-26 0,25 26 16,-25-26-16,26 0 16,0 27-16,0-1 0,0 0 15,0 0-15,0 26 0,0 0 16,0 0-16,0 0 16,0 26-16,0 0 15,-26 0 1,0-1-16,25-25 0,-25 26 15,0 0-15,26 0 0,-26 0 16,26 0-16,0 0 16,-26 0-16,26 0 0,-26 0 15,26-26 1</inkml:trace>
-  <inkml:trace contextRef="#ctx0" brushRef="#br0" timeOffset="1042">1037 26 0,'-26'0'0,"0"-26"16,52 26 31</inkml:trace>
-  <inkml:trace contextRef="#ctx0" brushRef="#br0" timeOffset="1402">1581 233 0,'26'0'15,"0"0"-15,0 0 16,0 0-16,-26-26 0,25 26 16,-25-26-16,-25 0 15,-1 26-15,0 0 16,0-26-16,0 26 16,-26 0-16,26 0 0,0 26 15,0-26-15,0 26 0,0 0 16,26 0-16,-25 0 15,25 26-15,0-26 0,0 25 16,0-25-16,0 26 0,0-26 16,0 0-16,25 0 15,1 0-15,0-26 0,0 0 16,26 0-16,0 0 16,0 0-16,25-26 0,-25 0 15,0 0-15</inkml:trace>
-  <inkml:trace contextRef="#ctx0" brushRef="#br0" timeOffset="1792">2022 337 0,'0'-26'16,"25"26"0,1 0 15,0 0-16,0 26 1,0-26 0,0 0-16,0 0 0,0 0 15,0 0 1,-26-26-16,26 26 0,-26-26 16,26 26-16,-26-26 0,0 0 15,0 0-15,0 0 16,0 0-16,-26 0 15,26 0-15,-26 0 16,-26 26-16,26 0 0,-26 0 16,0 0-16,26 26 0,-25 0 15,25 0-15,0 26 16,0-26-16,26 26 0,0 0 16,26-26-16,26-1 15,-26 27-15,25-52 0,27 26 16,-26-26-16</inkml:trace>
-</inkml:ink>
-</file>
-
-<file path=ppt/ink/ink36.xml><?xml version="1.0" encoding="utf-8"?>
-<inkml:ink xmlns:inkml="http://www.w3.org/2003/InkML">
-  <inkml:definitions>
-    <inkml:context xml:id="ctx0">
-      <inkml:inkSource xml:id="inkSrc0">
-        <inkml:traceFormat>
-          <inkml:channel name="X" type="integer" max="1920" units="cm"/>
-          <inkml:channel name="Y" type="integer" max="1080" units="cm"/>
-          <inkml:channel name="T" type="integer" max="2.14748E9" units="dev"/>
-        </inkml:traceFormat>
-        <inkml:channelProperties>
-          <inkml:channelProperty channel="X" name="resolution" value="55.81395" units="1/cm"/>
-          <inkml:channelProperty channel="Y" name="resolution" value="55.6701" units="1/cm"/>
-          <inkml:channelProperty channel="T" name="resolution" value="1" units="1/dev"/>
-        </inkml:channelProperties>
-      </inkml:inkSource>
-      <inkml:timestamp xml:id="ts0" timeString="2020-12-14T06:17:16.076"/>
-    </inkml:context>
-    <inkml:brush xml:id="br0">
-      <inkml:brushProperty name="width" value="0.05" units="cm"/>
-      <inkml:brushProperty name="height" value="0.05" units="cm"/>
-      <inkml:brushProperty name="fitToCurve" value="1"/>
-    </inkml:brush>
-  </inkml:definitions>
-  <inkml:trace contextRef="#ctx0" brushRef="#br0">23 311 0,'-26'0'15,"52"0"1,0 0 0,0 0-1,0 0-15,0 0 0,26 0 16,0-26-16,0 26 0,-1 0 16,-25-26-16,26 26 15,0 0-15,-26 0 0,26 0 16,-26-25-16,-52 25 47,0 0-47</inkml:trace>
-  <inkml:trace contextRef="#ctx0" brushRef="#br0" timeOffset="389">308 26 0,'-25'0'16,"25"-26"-1,0 52 16,0 0-31,0 0 16,25 26 0,-25-26-16,26 0 0,-26 26 15,26-1-15,-26-25 0,26 26 16,-26 0-16,26-26 16,-26 26-16,26-26 0,-26 0 15,0 25-15,26-25 16,-26 0-16,0 0 15,26-26 1,-26-26 15</inkml:trace>
-</inkml:ink>
-</file>
-
-<file path=ppt/ink/ink37.xml><?xml version="1.0" encoding="utf-8"?>
-<inkml:ink xmlns:inkml="http://www.w3.org/2003/InkML">
-  <inkml:definitions>
-    <inkml:context xml:id="ctx0">
-      <inkml:inkSource xml:id="inkSrc0">
-        <inkml:traceFormat>
-          <inkml:channel name="X" type="integer" max="1920" units="cm"/>
-          <inkml:channel name="Y" type="integer" max="1080" units="cm"/>
-          <inkml:channel name="T" type="integer" max="2.14748E9" units="dev"/>
-        </inkml:traceFormat>
-        <inkml:channelProperties>
-          <inkml:channelProperty channel="X" name="resolution" value="55.81395" units="1/cm"/>
-          <inkml:channelProperty channel="Y" name="resolution" value="55.6701" units="1/cm"/>
-          <inkml:channelProperty channel="T" name="resolution" value="1" units="1/dev"/>
-        </inkml:channelProperties>
-      </inkml:inkSource>
-      <inkml:timestamp xml:id="ts0" timeString="2020-12-14T06:17:46.143"/>
-    </inkml:context>
-    <inkml:brush xml:id="br0">
-      <inkml:brushProperty name="width" value="0.05" units="cm"/>
-      <inkml:brushProperty name="height" value="0.05" units="cm"/>
-      <inkml:brushProperty name="fitToCurve" value="1"/>
-    </inkml:brush>
-  </inkml:definitions>
-  <inkml:trace contextRef="#ctx0" brushRef="#br0">118 340 0,'0'26'31,"26"-26"-31,-26 26 16,26 0-1,-26 0-15,0 0 16,26 0 0,-26 0-16,0 0 15,0 0 1,0-1 0,0 1-1</inkml:trace>
-  <inkml:trace contextRef="#ctx0" brushRef="#br0" timeOffset="541">170 107 0,'-26'0'15,"0"0"17,26 26-17,-26-26-15,26 26 16,-26 0-16,0 0 15,26 0 1,-25-1-16,25 1 16,-26-26-1,52 0 32,-26-26-47,25 26 16,-25-25-16,0-1 0,26 0 15,0 0 1,-26 0-16,26 0 0,-26 0 16,26 0-16,-26 0 15,26 26-15,0-26 0,0 26 16,0 0 0,-26 26-16,26 0 15,-26 0-15,0 0 0,26-26 16,-26 52-16,26-52 15,-26 26-15,0 0 0,25 0 16,-25-1-16</inkml:trace>
-</inkml:ink>
-</file>
-
-<file path=ppt/ink/ink38.xml><?xml version="1.0" encoding="utf-8"?>
-<inkml:ink xmlns:inkml="http://www.w3.org/2003/InkML">
-  <inkml:definitions>
-    <inkml:context xml:id="ctx0">
-      <inkml:inkSource xml:id="inkSrc0">
-        <inkml:traceFormat>
-          <inkml:channel name="X" type="integer" max="1920" units="cm"/>
-          <inkml:channel name="Y" type="integer" max="1080" units="cm"/>
-          <inkml:channel name="T" type="integer" max="2.14748E9" units="dev"/>
-        </inkml:traceFormat>
-        <inkml:channelProperties>
-          <inkml:channelProperty channel="X" name="resolution" value="55.81395" units="1/cm"/>
-          <inkml:channelProperty channel="Y" name="resolution" value="55.6701" units="1/cm"/>
-          <inkml:channelProperty channel="T" name="resolution" value="1" units="1/dev"/>
-        </inkml:channelProperties>
-      </inkml:inkSource>
-      <inkml:timestamp xml:id="ts0" timeString="2020-12-14T06:17:47.702"/>
-    </inkml:context>
-    <inkml:brush xml:id="br0">
-      <inkml:brushProperty name="width" value="0.05" units="cm"/>
-      <inkml:brushProperty name="height" value="0.05" units="cm"/>
-      <inkml:brushProperty name="fitToCurve" value="1"/>
-    </inkml:brush>
-  </inkml:definitions>
-  <inkml:trace contextRef="#ctx0" brushRef="#br0">181 211 0,'0'-26'16,"0"0"-1,0 0 16,26 52 1,-26 0-17,0 0-15,0-1 16,0 1-16,0 0 0,26 0 16,-26 26-16,0-26 15,26 26-15,-26-26 0,0 26 16,26-27-16,-26 1 15,0 0-15,0 0 0,0 0 16,0 0-16</inkml:trace>
-  <inkml:trace contextRef="#ctx0" brushRef="#br0" timeOffset="533">207 55 0,'0'26'47,"-26"0"-31,0 0-1,0 0 1,0-26-16,26 26 0,-25-26 16,25 26-16,-26-26 0,0 0 15,26 25 1,-26-25-1,52 0 17,0 0-17,-26-25 1,26 25-16,-1-26 0,-25 0 16,26 0-16,0 0 15,-26 0-15,26 0 16,-26 0-16,26 26 15,-26-26-15,26 26 16,0 0 0,-26 26-16,26-26 0,0 26 15,0 0-15,0 0 16,25 0-16,-25 26 0</inkml:trace>
-</inkml:ink>
-</file>
-
-<file path=ppt/ink/ink39.xml><?xml version="1.0" encoding="utf-8"?>
-<inkml:ink xmlns:inkml="http://www.w3.org/2003/InkML">
-  <inkml:definitions>
-    <inkml:context xml:id="ctx0">
-      <inkml:inkSource xml:id="inkSrc0">
-        <inkml:traceFormat>
-          <inkml:channel name="X" type="integer" max="1920" units="cm"/>
-          <inkml:channel name="Y" type="integer" max="1080" units="cm"/>
-          <inkml:channel name="T" type="integer" max="2.14748E9" units="dev"/>
-        </inkml:traceFormat>
-        <inkml:channelProperties>
-          <inkml:channelProperty channel="X" name="resolution" value="55.81395" units="1/cm"/>
-          <inkml:channelProperty channel="Y" name="resolution" value="55.6701" units="1/cm"/>
-          <inkml:channelProperty channel="T" name="resolution" value="1" units="1/dev"/>
-        </inkml:channelProperties>
-      </inkml:inkSource>
-      <inkml:timestamp xml:id="ts0" timeString="2020-12-14T06:18:11.160"/>
-    </inkml:context>
-    <inkml:brush xml:id="br0">
-      <inkml:brushProperty name="width" value="0.05" units="cm"/>
-      <inkml:brushProperty name="height" value="0.05" units="cm"/>
-      <inkml:brushProperty name="fitToCurve" value="1"/>
-    </inkml:brush>
-  </inkml:definitions>
-  <inkml:trace contextRef="#ctx0" brushRef="#br0">285 129 0,'26'-26'16,"-1"26"-1,1-26-15,0 26 16,-26-26-16,26 26 16,-26-26-16,26 26 15,-26-25 1,-26 25 0,0 0-16,0 0 0,0 25 15,1-25-15,-27 26 16,26-26-16,-26 26 0,0 0 15,26 0-15,0-26 16,0 26-16,0 0 0,1 0 16,25 0-16,0 0 0,0 0 15,25 0 1,1-1-16,0-25 16,0 26-16,26-26 15,-26 0-15,0 0 0,26 26 16,-26-26-16,0 0 0,-1 0 15,1 0-15,0 0 16,0 0-16,-26-26 16,0 0-1,-26 26 1,0 0 0,0 0-16,1 0 15,-1 26-15,0 0 0,0-26 16,0 26-16,0 26 0,0-26 15,26 0-15,0 0 16,0 0-16,0 0 0,26 0 16,0-1-16,0 1 15,0 0-15,0-26 0,25 26 16,-25-26-16,26 0 0,-26 0 16,26 0-16,-26 0 15,0 0-15,26 0 0,-26 0 16,-26-26-16,25 26 15</inkml:trace>
-  <inkml:trace contextRef="#ctx0" brushRef="#br0" timeOffset="293">829 285 0,'-26'0'15,"0"-26"-15,52 26 47,-26 26-31,26-26-16,0 26 0,-26-1 16,26-25-16,0 26 0,0 0 15,0 0-15,-1 0 16,1 0-16,-26 0 15,0 0 1</inkml:trace>
-  <inkml:trace contextRef="#ctx0" brushRef="#br0" timeOffset="563">1062 207 0,'-26'26'31,"26"0"-31,-26 0 16,0 0-16,26-1 0,-25 1 15,-1 0-15,26 0 16,-26 0-16,0 0 0,0 0 15,26 0-15,-26 0 16,26 0-16,-26 0 0,26 0 16,0-1-1,0 1-15,26-26 16</inkml:trace>
-  <inkml:trace contextRef="#ctx0" brushRef="#br0" timeOffset="1180">1270 25 0,'0'26'31,"-26"-26"-31,26 26 16,0 0-16,-26 0 15,26 26-15,0-26 0,0 26 16,0-26-16,26 25 16,-26-25-16,0 26 0,26 0 15,-26 0-15,0-26 0,25 26 16,-25-1-16,0-25 16,0 26-16,0-26 0,0 0 15,0 26-15,0-26 0,-25 0 16,25 0-1,0-52 17,0 0-17,0 0-15,0-26 0,0 26 16,25-26-16,-25 0 16,0 1-16,0-1 0,0 26 15,26-26-15,-26 26 16,0 0-16,26 0 0,-26 0 15,26 26-15,-26-26 0,26 1 16,0 25 0,0 0-1,0 0-15,0 0 16,0 25-16,0-25 16,-26 26-16,26 0 15,-26 0-15,0 0 16,-26 0-16,0 0 15,0-26-15,0 26 16,0 0-16,0-26 0,0 0 16,0 26-16,0-26 0,0 0 15</inkml:trace>
-</inkml:ink>
-</file>
-
-<file path=ppt/ink/ink4.xml><?xml version="1.0" encoding="utf-8"?>
-<inkml:ink xmlns:inkml="http://www.w3.org/2003/InkML">
-  <inkml:definitions>
-    <inkml:context xml:id="ctx0">
-      <inkml:inkSource xml:id="inkSrc0">
-        <inkml:traceFormat>
-          <inkml:channel name="X" type="integer" max="1920" units="cm"/>
-          <inkml:channel name="Y" type="integer" max="1080" units="cm"/>
-          <inkml:channel name="T" type="integer" max="2.14748E9" units="dev"/>
-        </inkml:traceFormat>
-        <inkml:channelProperties>
-          <inkml:channelProperty channel="X" name="resolution" value="55.81395" units="1/cm"/>
-          <inkml:channelProperty channel="Y" name="resolution" value="55.6701" units="1/cm"/>
-          <inkml:channelProperty channel="T" name="resolution" value="1" units="1/dev"/>
-        </inkml:channelProperties>
-      </inkml:inkSource>
-      <inkml:timestamp xml:id="ts0" timeString="2020-12-14T06:01:25.090"/>
-    </inkml:context>
-    <inkml:brush xml:id="br0">
-      <inkml:brushProperty name="width" value="0.05" units="cm"/>
-      <inkml:brushProperty name="height" value="0.05" units="cm"/>
-      <inkml:brushProperty name="fitToCurve" value="1"/>
-    </inkml:brush>
-  </inkml:definitions>
-  <inkml:trace contextRef="#ctx0" brushRef="#br0">1587 1143 0,'26'-26'16,"-26"0"15,-26 26 0,1 0-15,-1 26-1,0-26 1,26 26-16,-26-26 0,0 26 16,26 0-16,-26-26 15,26 26-15,-26 0 0,26 0 16,-26 0-16,26 0 16,0 0-16,0 0 0,0-1 15,0 1-15,0 0 16,26 0-16,0 0 15,0-26-15,0 0 0,0 0 16,0 0-16,0 0 16,-1 0-16,1 0 0,-26-26 15,26 26-15,-26-26 0,26 26 16,-26-26-16,0 0 16,-26 26-16,0-25 15,26-1 1,0 0 15,26 26-15,0 0-16,0 0 15,0 0 1,0 0-16,0 0 16,0 26-16,-26 0 15,0-1 1,26 1-16,-26 0 0,0 0 15,0 0-15,0 0 16,0 0-16,0 0 16</inkml:trace>
-  <inkml:trace contextRef="#ctx0" brushRef="#br0" timeOffset="631">2002 1247 0,'0'-26'31,"0"52"0,0 0-15,0 0-16,0 0 16,0 0-1,0 0-15,0-1 0,0 1 16,0 0-16,0 0 16,0 0-1,0-52 16,0 0-15,0 0 0,0 0-16,0 1 15,0-1-15,0 0 0,0 0 16,0-26-16,0 26 16,0 0-16,0 0 0,26 26 15,-26-26-15,0 0 0,26 26 16,0 0 15,0 0-15,0 0-16,0 0 15,-26 26-15,26-26 0,-1 26 16,-25 0 0,-25 0-1,-1 0 1,0 0-16,0-26 15,26 26-15,-26-26 0,0 26 16,0-26-16,0 0 16,0 0-16</inkml:trace>
-  <inkml:trace contextRef="#ctx0" brushRef="#br0" timeOffset="1603">1795 1713 0,'0'-25'31,"26"25"-31,-26-26 16,0 0-1,0 52 48,0 0-48,0-1-15,0 1 16,0 0-16,0 0 16,0 0-16,0 0 15,0 0-15,0 0 16,0 0-16,0 0 16,-26 0-16,26 0 15,0-1 1,26-25-1,0-25 17,0 25-32,-1-26 15,1 26 1,0-26-16,0 26 0,0 0 16,0 0-16,0 0 0,0-26 15,26 26-15,-26 0 16,0 0-16,25 0 0,-25 0 15,26 0-15,-26 0 16,26 0-16,-26 0 0,0 0 16,0 0-16,25 0 0,-25 0 15,0 0 1,0 0 0,-52 0 15</inkml:trace>
-  <inkml:trace contextRef="#ctx0" brushRef="#br0" timeOffset="33636">162 107 0,'-26'0'47,"0"0"-32,0 25 1,0-25-16,26 26 16,-26 0-16,26 0 15,-26 0-15,26 0 16,0 26-16,0-26 0,26 0 15,-26 0-15,26 0 16,0-1-16,0 1 0,0-26 16,0 26-16,0 0 15,0-26-15,0 0 0,26 0 16,-27 0-16,1 0 0,0 0 16,0 0-16,0 0 15,0-26-15,0 26 0,0-26 16,-26 0-16,26 26 15,-26-25-15,0-1 0,0 0 16,-26 0-16,26 0 0,0 0 16,-26 0-16,0 0 15,26 0-15,-26 0 0,0 0 16,0 0-16,0 26 16,0-25-1,1 25-15,-1 0 0,0 0 16,0 0-1,0 0-15,0 25 16,26 1 15,26-26-31</inkml:trace>
-  <inkml:trace contextRef="#ctx0" brushRef="#br0" timeOffset="34313">732 132 0,'-26'26'63,"26"0"-48,0 0-15,0 0 0,0 26 16,0-26-16,26 0 16,-26 0-16,0 26 0,26-27 15,-26 1 1,26 0-16,-26 0 0,0 0 15,0 0 1,0-52 15,0 0-15,0 0 0,0 0-16,0 0 15,0 1-15,-26-1 0,26 0 16,-26-26-16,26 26 0,-26-26 15,26 0-15,0 26 16,-26-25-16,26 25 0,0 0 16,26 0-16,-26 0 15,26 26-15,0 0 16,0 0-16,0 0 16,0 0-16,0 0 15,0 0-15,0 26 0,-1-26 16,1 26-16,0 0 15,-26 0-15,0-1 16,0 1-16,-26 0 0,0 0 16,26 0-16,-25 0 15,-1-26-15,26 26 0,-26 0 16,0 0-16,0-26 16,0 0-1</inkml:trace>
-  <inkml:trace contextRef="#ctx0" brushRef="#br0" timeOffset="35152">421 806 0,'26'0'0,"-26"-26"15,0 0 1,26 26-16,0-25 31,0 50-15,-26 1-1,0 0 1,0 0-16,0 0 16,0 0-16,0 26 0,0-26 15,0 0-15,0 0 16,0 0-16,0 25 0,0-25 15,26-26-15,-26 26 16,0 0-16,0 0 0,0 0 16,0 0-1,0 0 1,0 0-16,0 0 31,0 0-15,26-26-16,0 0 15,-1 0 1,1 0-16,0 0 16,0 0-16,0 0 15,0 0-15,0 0 0,26 0 16,-26-26-16,0 26 16,0 0-16,25 0 0,-25 0 15,0 0-15,0-26 0,0 26 16,0 0-16,0 0 15,-52 0 64</inkml:trace>
-  <inkml:trace contextRef="#ctx0" brushRef="#br0" timeOffset="36917">577 1351 0,'0'26'94,"0"-1"-78,0 1-1,0 0 1,0 0-16,0 0 16,0 0-16,0 0 15,26 0-15,-26 0 16,0 0-16,0 0 0,0 0 16,0-1-16,0 1 0,0 0 15,0 0-15,0 0 16,0 0-16,0 0 0,0 0 15,0 0-15,0 0 0,0 0 16,0 25-16,0-25 16,0 26-16,0-26 0,0 0 15,0 26-15,0-26 16,0 0-16,0 26 0,0 25 16,0-51-16,0 0 15,0 26-15,0-26 16,0 0-16,0 26 0,0-26 15,0 0-15,0 25 16,0-25-16,0 0 0,0 0 16,0 0-16,0 0 0,25 0 15,-25 0-15,0 0 16,0 0-16,0 0 0,0-1 16,0 1-1,0 0-15,0 0 16,0 0-1,26-26-15,-26 26 16,0 0-16,0 0 16,26 0-1,-26 0 1,0 0 0,26-26-1,-26 26 1,0-1 15,26-25 0,-26 26-31,26-26 16,-26-26 31,26 26-32,0 0-15,0 0 16,0-25 0,0 25-16,0 0 15,-1 0-15,1 0 16,0 0-16,0 0 16,0 0-16,0 0 15,0 0-15,0 0 0,26 0 16,-26 0-16,0 0 15,-1 0-15,1-26 16,0 26 47,0 0-32,-26 26 31</inkml:trace>
-  <inkml:trace contextRef="#ctx0" brushRef="#br0" timeOffset="38951">1743 3346 0,'0'-26'31,"26"26"1,-26-26-1,-26 26 0,0 0-15,0 0-1,0 0 1,26 26 0,-26-26-16,0 26 15,26 0-15,-26 0 16,26 0-16,0 0 16,0 0-16,0 0 15,0 0-15,26-26 16,-26 26-16,26-26 0,0 26 15,0-26-15,0 0 16,0 0-16,0 0 0,0 0 16,0 0-16,0 0 15,0-26-15,-1 0 16,1 26-16,-26-26 0,0 0 16,0 0-16,0 0 15,0 0-15,0 0 0,-26 0 16,26 0-1,0 0-15,-25 1 0,-1 25 16,26-26-16,-26 26 0,0 0 16,0 0-16,0 0 15,0 0-15,0 0 16,0 0-16,26 26 16,-26-26-16</inkml:trace>
-  <inkml:trace contextRef="#ctx0" brushRef="#br0" timeOffset="39682">2313 3191 0,'-26'-26'47,"0"26"-47,0 0 15,0 0 1,1 0-16,-1 26 16,0-26-16,0 0 15,0 0-15,0 0 0,0 26 16,0-26-16,0 0 31,26 26-31,26-26 31,0 26-15,0-1 15,-26 1-15,26 0-16,-26 0 15,0 0 1,0 0 0,0 0-1,26 0 1,-26 0 0,0 0-1,26-26 1,-26 26-1,26-26-15,0 0 16,-1 0-16,1-26 16,0 26-1,0 0-15,0 0 16,0 0 0,0 0-16</inkml:trace>
-  <inkml:trace contextRef="#ctx0" brushRef="#br0" timeOffset="39935">2106 3346 0,'-26'0'0,"52"0"32,0 0-32,0 0 15,0 0 1,-1 0-16,1 0 0,0 0 16,0-26-16,0 26 15</inkml:trace>
-</inkml:ink>
-</file>
-
-<file path=ppt/ink/ink40.xml><?xml version="1.0" encoding="utf-8"?>
-<inkml:ink xmlns:inkml="http://www.w3.org/2003/InkML">
-  <inkml:definitions>
-    <inkml:context xml:id="ctx0">
-      <inkml:inkSource xml:id="inkSrc0">
-        <inkml:traceFormat>
-          <inkml:channel name="X" type="integer" max="1920" units="cm"/>
-          <inkml:channel name="Y" type="integer" max="1080" units="cm"/>
-          <inkml:channel name="T" type="integer" max="2.14748E9" units="dev"/>
-        </inkml:traceFormat>
-        <inkml:channelProperties>
-          <inkml:channelProperty channel="X" name="resolution" value="55.81395" units="1/cm"/>
-          <inkml:channelProperty channel="Y" name="resolution" value="55.6701" units="1/cm"/>
-          <inkml:channelProperty channel="T" name="resolution" value="1" units="1/dev"/>
-        </inkml:channelProperties>
-      </inkml:inkSource>
-      <inkml:timestamp xml:id="ts0" timeString="2020-12-14T06:18:17.317"/>
-    </inkml:context>
-    <inkml:brush xml:id="br0">
-      <inkml:brushProperty name="width" value="0.05" units="cm"/>
-      <inkml:brushProperty name="height" value="0.05" units="cm"/>
-      <inkml:brushProperty name="fitToCurve" value="1"/>
-    </inkml:brush>
-  </inkml:definitions>
-  <inkml:trace contextRef="#ctx0" brushRef="#br0">27 363 0,'0'-26'0,"-26"26"31,26-26-31,0 0 47,26 26-32,0 0-15,0-26 16,0 26-16,0 0 16,0 0-16,0 0 0,0 0 15,0 0-15,0 0 0,0 0 16,0 0-1,-52 0 1,0 0 0</inkml:trace>
-  <inkml:trace contextRef="#ctx0" brushRef="#br0" timeOffset="574">546 52 0,'26'0'31,"-26"26"-15,0-1 0,0 1-1,26 0 1,-26 0-16,0 0 16,0 0-16,26 0 0,-26 0 15,0 0-15,0 0 16,25 0-16,-25 0 0,0-1 15,26-25 1,-26 26-16,26-26 16,-26-26-1,26 1 1,-26-1-16,26 26 0,-26-26 16,26 0-16,-26 0 15,26 0-15,-26 0 0,0 0 16,26 0-16,-26 0 15,0 0-15,26 0 16,-26 1 0,26 25-1,0 0 32</inkml:trace>
-  <inkml:trace contextRef="#ctx0" brushRef="#br0" timeOffset="1175">1038 207 0,'26'0'110,"-26"-26"-110,26 26 0,0 0 15,-26-26 1,26 26-16,-26-26 16,26 26-16,-26-26 15,26 1-15,-26-1 16,0 0 0,0 0-1,-26 26 1,0 0-1,0 0-15,0 26 16,0-26-16,0 26 0,0 0 16,0-26-16,26 25 15,0 1-15,0 0 16,26 0-16,-26 0 16,26-26-16,0 26 15,0 0-15,0-26 0,26 26 16,-26-26-16,0 26 0,0-26 15,-1 0-15,1 0 16,0 0 0,0-26-1,-26 0 1,26 0 0</inkml:trace>
-</inkml:ink>
-</file>
-
-<file path=ppt/ink/ink41.xml><?xml version="1.0" encoding="utf-8"?>
-<inkml:ink xmlns:inkml="http://www.w3.org/2003/InkML">
-  <inkml:definitions>
-    <inkml:context xml:id="ctx0">
-      <inkml:inkSource xml:id="inkSrc0">
-        <inkml:traceFormat>
-          <inkml:channel name="X" type="integer" max="1920" units="cm"/>
-          <inkml:channel name="Y" type="integer" max="1080" units="cm"/>
-          <inkml:channel name="T" type="integer" max="2.14748E9" units="dev"/>
-        </inkml:traceFormat>
-        <inkml:channelProperties>
-          <inkml:channelProperty channel="X" name="resolution" value="55.81395" units="1/cm"/>
-          <inkml:channelProperty channel="Y" name="resolution" value="55.6701" units="1/cm"/>
-          <inkml:channelProperty channel="T" name="resolution" value="1" units="1/dev"/>
-        </inkml:channelProperties>
-      </inkml:inkSource>
-      <inkml:timestamp xml:id="ts0" timeString="2020-12-14T06:18:40.405"/>
-    </inkml:context>
-    <inkml:brush xml:id="br0">
-      <inkml:brushProperty name="width" value="0.05" units="cm"/>
-      <inkml:brushProperty name="height" value="0.05" units="cm"/>
-      <inkml:brushProperty name="fitToCurve" value="1"/>
-    </inkml:brush>
-  </inkml:definitions>
-  <inkml:trace contextRef="#ctx0" brushRef="#br0">6 544 0,'0'-26'0,"26"26"0,-26-26 15,26 26-15,-52 0 32,26 26-17,-26-26-15,26 26 16,0 0 0,0 0-1,0 0 1,0 0-1,0 0-15,26 0 32,0-26-17,0 0-15,0-26 0,0 0 16,26 0-16,0-26 16,25 0-16,27-25 0,26-1 15,25 0-15,1-26 16,25 1-16,26 25 0</inkml:trace>
-</inkml:ink>
-</file>
-
-<file path=ppt/ink/ink42.xml><?xml version="1.0" encoding="utf-8"?>
-<inkml:ink xmlns:inkml="http://www.w3.org/2003/InkML">
-  <inkml:definitions>
-    <inkml:context xml:id="ctx0">
-      <inkml:inkSource xml:id="inkSrc0">
-        <inkml:traceFormat>
-          <inkml:channel name="X" type="integer" max="1920" units="cm"/>
-          <inkml:channel name="Y" type="integer" max="1080" units="cm"/>
-          <inkml:channel name="T" type="integer" max="2.14748E9" units="dev"/>
-        </inkml:traceFormat>
-        <inkml:channelProperties>
-          <inkml:channelProperty channel="X" name="resolution" value="55.81395" units="1/cm"/>
-          <inkml:channelProperty channel="Y" name="resolution" value="55.6701" units="1/cm"/>
-          <inkml:channelProperty channel="T" name="resolution" value="1" units="1/dev"/>
-        </inkml:channelProperties>
-      </inkml:inkSource>
-      <inkml:timestamp xml:id="ts0" timeString="2020-12-14T06:18:42.588"/>
-    </inkml:context>
-    <inkml:brush xml:id="br0">
-      <inkml:brushProperty name="width" value="0.05" units="cm"/>
-      <inkml:brushProperty name="height" value="0.05" units="cm"/>
-      <inkml:brushProperty name="fitToCurve" value="1"/>
-    </inkml:brush>
-  </inkml:definitions>
-  <inkml:trace contextRef="#ctx0" brushRef="#br0">104 184 0,'26'0'16,"-1"-26"-16,1 26 16,0-26-16,0 26 0,-26-25 15,0 50 1,-26-25 0,0 26-16,0 0 15,1 0-15,-1 0 16,0 0-16,0 0 15,26 0-15,26 0 16,0 0 0,0-26-16,-1 26 15,27-26-15,-26 26 0,0-26 16,0 25-16,0-25 0,0 0 16,0 26-16,-26 0 15,0 0-15,-26 0 16,0-26-16,-26 26 15,26 0-15,-26 0 0,26-26 16,-25 26-16,25-26 0,0 0 16,0 0-16,0 0 15,26-26-15</inkml:trace>
-  <inkml:trace contextRef="#ctx0" brushRef="#br0" timeOffset="150">52 210 0,'0'-26'15,"26"0"-15,0 26 0,-26-26 16,26 26-16,25-25 0,-25 25 16,0-26-16,26 26 15,0-26-15,0 26 0,0 0 16,-1 0-16,-25 0 16</inkml:trace>
-  <inkml:trace contextRef="#ctx0" brushRef="#br0" timeOffset="480">881 573 0,'-26'0'16,"0"0"0,26 26-1,0 0-15,0 0 16,0 26-16,26-26 15,-26 0-15,0-1 16,0 1-16,0 0 0,26 0 16</inkml:trace>
-  <inkml:trace contextRef="#ctx0" brushRef="#br0" timeOffset="833">933 495 0,'0'-52'0,"0"1"0,0 25 16,0-26-16,0 26 0,0-26 15,26 26-15,0 0 16,0 0-16,26 0 0,-26 1 16,-1 25-16,1 0 15,0 0-15,0 25 16,-26 1-16,0 0 15,-26 26-15,0 0 0,0-26 16,1 26-16,-27 0 0,26-1 16,0 1-16,0-26 15,0 26-15,26-26 0,0 0 16,0 0-16,26 0 16,0-26-16,26 0 15,-26 0-15,25 0 0,27 0 16,-26 0-16,0-26 15,0 26-15,0-26 0</inkml:trace>
-  <inkml:trace contextRef="#ctx0" brushRef="#br0" timeOffset="1157">1840 495 0,'0'-26'16,"0"52"30,0 0-46,0 0 16,0 0-16,0 0 16,0 26-16,0-26 0,0 0 15,0 26-15,0-27 16,0 1-16,0 0 0,0 0 16,26-26-16</inkml:trace>
-  <inkml:trace contextRef="#ctx0" brushRef="#br0" timeOffset="1435">2203 132 0,'0'-25'0,"0"-1"15,0 0-15,0 0 16,26 26-16,-26-26 16,26 26-16,-26 26 15,26 0-15,-26 0 16,26 0-16,0 25 0,-26 1 16,26 0-16,-26 26 15,0-26-15,0 25 0,0 1 16</inkml:trace>
-</inkml:ink>
-</file>
-
-<file path=ppt/ink/ink43.xml><?xml version="1.0" encoding="utf-8"?>
-<inkml:ink xmlns:inkml="http://www.w3.org/2003/InkML">
-  <inkml:definitions>
-    <inkml:context xml:id="ctx0">
-      <inkml:inkSource xml:id="inkSrc0">
-        <inkml:traceFormat>
-          <inkml:channel name="X" type="integer" max="1920" units="cm"/>
-          <inkml:channel name="Y" type="integer" max="1080" units="cm"/>
-          <inkml:channel name="T" type="integer" max="2.14748E9" units="dev"/>
-        </inkml:traceFormat>
-        <inkml:channelProperties>
-          <inkml:channelProperty channel="X" name="resolution" value="55.81395" units="1/cm"/>
-          <inkml:channelProperty channel="Y" name="resolution" value="55.6701" units="1/cm"/>
-          <inkml:channelProperty channel="T" name="resolution" value="1" units="1/dev"/>
-        </inkml:channelProperties>
-      </inkml:inkSource>
-      <inkml:timestamp xml:id="ts0" timeString="2020-12-14T06:18:59.693"/>
-    </inkml:context>
-    <inkml:brush xml:id="br0">
-      <inkml:brushProperty name="width" value="0.05" units="cm"/>
-      <inkml:brushProperty name="height" value="0.05" units="cm"/>
-      <inkml:brushProperty name="fitToCurve" value="1"/>
-    </inkml:brush>
-  </inkml:definitions>
-  <inkml:trace contextRef="#ctx0" brushRef="#br0">0 340 0,'26'0'0,"-26"-26"16,25 26-1,1-26-15,0 26 16,26-25-16,0 25 0,0-26 16,0 0-16,-1 26 15,27-26-15,-26 0 0,0 26 16,-26-26-16,26 26 0,-26 0 15,-1 0-15,-25-26 16,-25 26-16,-1 0 16</inkml:trace>
-  <inkml:trace contextRef="#ctx0" brushRef="#br0" timeOffset="288">259 55 0,'0'-26'16,"26"26"15,0-26-15,0 26-16,-1 0 15,1 0-15,26 0 0,-26 26 16,0 0-16,26 0 0,-26 0 16,-26 0-16,26 0 15,-26 26-15,-26 0 0,-26 25 16,-26 1-16</inkml:trace>
-</inkml:ink>
-</file>
-
-<file path=ppt/ink/ink44.xml><?xml version="1.0" encoding="utf-8"?>
-<inkml:ink xmlns:inkml="http://www.w3.org/2003/InkML">
-  <inkml:definitions>
-    <inkml:context xml:id="ctx0">
-      <inkml:inkSource xml:id="inkSrc0">
-        <inkml:traceFormat>
-          <inkml:channel name="X" type="integer" max="1920" units="cm"/>
-          <inkml:channel name="Y" type="integer" max="1080" units="cm"/>
-          <inkml:channel name="T" type="integer" max="2.14748E9" units="dev"/>
-        </inkml:traceFormat>
-        <inkml:channelProperties>
-          <inkml:channelProperty channel="X" name="resolution" value="55.81395" units="1/cm"/>
-          <inkml:channelProperty channel="Y" name="resolution" value="55.6701" units="1/cm"/>
-          <inkml:channelProperty channel="T" name="resolution" value="1" units="1/dev"/>
-        </inkml:channelProperties>
-      </inkml:inkSource>
-      <inkml:timestamp xml:id="ts0" timeString="2020-12-14T06:18:58.715"/>
-    </inkml:context>
-    <inkml:brush xml:id="br0">
-      <inkml:brushProperty name="width" value="0.05" units="cm"/>
-      <inkml:brushProperty name="height" value="0.05" units="cm"/>
-      <inkml:brushProperty name="fitToCurve" value="1"/>
-    </inkml:brush>
-  </inkml:definitions>
-  <inkml:trace contextRef="#ctx0" brushRef="#br0">26 373 0,'-26'0'0,"52"0"47,0-26-47,0 26 0,-1-26 15,27 26-15,-26-25 16,0 25-16,26-26 0,-26 0 15,0 26-15,26-26 0,-26 26 16,-1-26 0,1 26-16,0 0 15</inkml:trace>
-  <inkml:trace contextRef="#ctx0" brushRef="#br0" timeOffset="379">259 36 0,'0'-26'0,"-26"26"16,52 0 15,0 0-16,0 0 1,0 0-16,26 0 0,-27 0 16,1 0-16,0 0 0,0 0 15,0 0-15,0 0 16,0 26-16,-26 0 16,0 0-1,0 0-15,0 0 0,-26 0 16,26 0-16,-26 0 0,26 0 15,-26 0-15,26 0 16,-26-1-16,26 1 0,-26 0 16,26 0-16,0 26 15,-26-26-15,26 0 0</inkml:trace>
-</inkml:ink>
-</file>
-
-<file path=ppt/ink/ink45.xml><?xml version="1.0" encoding="utf-8"?>
-<inkml:ink xmlns:inkml="http://www.w3.org/2003/InkML">
-  <inkml:definitions>
-    <inkml:context xml:id="ctx0">
-      <inkml:inkSource xml:id="inkSrc0">
-        <inkml:traceFormat>
-          <inkml:channel name="X" type="integer" max="1920" units="cm"/>
-          <inkml:channel name="Y" type="integer" max="1080" units="cm"/>
-          <inkml:channel name="T" type="integer" max="2.14748E9" units="dev"/>
-        </inkml:traceFormat>
-        <inkml:channelProperties>
-          <inkml:channelProperty channel="X" name="resolution" value="55.81395" units="1/cm"/>
-          <inkml:channelProperty channel="Y" name="resolution" value="55.6701" units="1/cm"/>
-          <inkml:channelProperty channel="T" name="resolution" value="1" units="1/dev"/>
-        </inkml:channelProperties>
-      </inkml:inkSource>
-      <inkml:timestamp xml:id="ts0" timeString="2020-12-14T06:18:57.821"/>
-    </inkml:context>
-    <inkml:brush xml:id="br0">
-      <inkml:brushProperty name="width" value="0.05" units="cm"/>
-      <inkml:brushProperty name="height" value="0.05" units="cm"/>
-      <inkml:brushProperty name="fitToCurve" value="1"/>
-    </inkml:brush>
-  </inkml:definitions>
-  <inkml:trace contextRef="#ctx0" brushRef="#br0">0 260 0,'25'0'16,"1"0"0,0 0-1,0-26-15,0 26 16,26 0 0,-26 0-16,0-26 0,26 26 15,-26 0-15,-1 0 0,1 0 16,0-26-16,0 26 15</inkml:trace>
-  <inkml:trace contextRef="#ctx0" brushRef="#br0" timeOffset="374">259 1 0,'-26'0'16,"52"0"31,0 0-32,0 0-15,-1 0 16,1 0-16,0 0 0,0 0 16,0 0-16,0 0 0,0 0 15,0 0-15,0 0 16,0 26-16,0-26 0,-26 25 16,0 1-1,-26 0-15,0 0 16,0 0-16,0 0 0,0 0 15,0 0-15,0 0 16,26 0-16,-26-26 0,26 26 16</inkml:trace>
-</inkml:ink>
-</file>
-
-<file path=ppt/ink/ink5.xml><?xml version="1.0" encoding="utf-8"?>
-<inkml:ink xmlns:inkml="http://www.w3.org/2003/InkML">
-  <inkml:definitions>
-    <inkml:context xml:id="ctx0">
-      <inkml:inkSource xml:id="inkSrc0">
-        <inkml:traceFormat>
-          <inkml:channel name="X" type="integer" max="1920" units="cm"/>
-          <inkml:channel name="Y" type="integer" max="1080" units="cm"/>
-          <inkml:channel name="T" type="integer" max="2.14748E9" units="dev"/>
-        </inkml:traceFormat>
-        <inkml:channelProperties>
-          <inkml:channelProperty channel="X" name="resolution" value="55.81395" units="1/cm"/>
-          <inkml:channelProperty channel="Y" name="resolution" value="55.6701" units="1/cm"/>
-          <inkml:channelProperty channel="T" name="resolution" value="1" units="1/dev"/>
-        </inkml:channelProperties>
-      </inkml:inkSource>
-      <inkml:timestamp xml:id="ts0" timeString="2020-12-14T06:02:08.922"/>
-    </inkml:context>
-    <inkml:brush xml:id="br0">
-      <inkml:brushProperty name="width" value="0.05" units="cm"/>
-      <inkml:brushProperty name="height" value="0.05" units="cm"/>
-      <inkml:brushProperty name="fitToCurve" value="1"/>
-    </inkml:brush>
-  </inkml:definitions>
-  <inkml:trace contextRef="#ctx0" brushRef="#br0">27 26 0,'0'-26'32,"0"52"-1,-26-26-31,26 26 15,0-1 1,0 1-16,0 0 16,0 0-16,26 0 0,-26 0 15,26 0-15,-26 0 16,26 0-16,-26 0 0,0 26 16,26-27-16,-26 1 0,26 0 15,-26 0-15,0 26 16,26-26-16,-26 0 0,0 0 15,0 0-15,26-26 16,-26 26-16,0 0 0,0 0 16,26-26-1,-26 25-15,26-25 16,0 0-16,-1 0 16,1 0-1,0 26-15,0-26 16,26 0-16,-26 0 15,0 0-15,26 0 0,-26 0 16,25 0-16,-25 0 0,26-26 16,0 26-16,-26 0 15,0 0-15,26 0 0,-26 0 16,0 0-16,-26 26 16,0 0-1,0 0 16,-26-26-31</inkml:trace>
-  <inkml:trace contextRef="#ctx0" brushRef="#br0" timeOffset="1709">157 725 0,'-26'0'16,"26"26"15,0 0-31,26-26 15,-26 26-15,0 0 16,0 0-16,26 0 0,-26 0 16,0 26-16,0-26 15,0 25-15,26 1 0,-26-26 16,0 26-16,0-26 0,26 26 16,-26 0-16,0-26 15,0-1-15,0 27 0,0-26 16,26 0-16,-26 26 15,0-26-15,0 0 0,0 26 16,0-26-16,0 25 0,-26-25 16,26 26-16,0-26 15,0 26-15,0-26 0,-26 26 16,26-26-16,0 25 0,0-25 16,0 26-16,0-26 15,0 0-15,0 26 0,0-26 16,0 26-16,0-26 15,0 25-15,0-25 0,0 0 16,0 26-16,0-26 0,0 0 16,-26 26-16,26-26 15,0 25-15,0-25 0,0 26 16,0-26-16,0 26 16,0-26-16,0 26 0,0-26 15,0 0-15,0 25 0,0-25 16,0 0-16,0 0 15,0 26-15,0-26 0,0 0 16,0 26-16,0-26 16,0 0-16,0 25 0,0-25 15,0 26-15,0-26 0,0 0 16,0 26-16,0-26 16,0 0-16,0 25 0,26-25 15,-26 0-15,0 0 16,0 0-16,0 0 0,0 0 15,0 0-15,0 0 0,0 0 16,0 0-16,0 0 16,0-1-16,0 1 0,0 0 15,0 0 1,0 0-16,0 0 0,0 0 16,0 0-16,0 0 15,0 0-15,0 0 16,0 0-16,0-1 15,0 1-15,0 0 16,0 0-16,0 0 0,0 0 16,0 0-16,0 0 15,0 0-15,0 0 16,0 0-16,0 0 16,0 0-16,0-1 15,0 1-15,0 0 16,26-26 31,0 0-32,-1 0 1,1 0 0,0 0-1,0 0-15,-26 26 16,26-26-16,0 0 15,0 0-15,0 0 0,0 0 16,0 0-16,0 0 0,25 0 16,-25 0-16,0 0 15,0-26-15,0 26 0,0 0 16,0 0-16,0 0 0,0 0 16,0 0-1,0 0-15,0 0 16,-1 0-1,1 0-15,0 0 16,0 0 0,-26 26-16,26-26 15,0 0 17,0 0-17,0 0-15,0 0 16,0 0-1,-52 26 48</inkml:trace>
-</inkml:ink>
-</file>
-
-<file path=ppt/ink/ink6.xml><?xml version="1.0" encoding="utf-8"?>
-<inkml:ink xmlns:inkml="http://www.w3.org/2003/InkML">
-  <inkml:definitions>
-    <inkml:context xml:id="ctx0">
-      <inkml:inkSource xml:id="inkSrc0">
-        <inkml:traceFormat>
-          <inkml:channel name="X" type="integer" max="1920" units="cm"/>
-          <inkml:channel name="Y" type="integer" max="1080" units="cm"/>
-          <inkml:channel name="T" type="integer" max="2.14748E9" units="dev"/>
-        </inkml:traceFormat>
-        <inkml:channelProperties>
-          <inkml:channelProperty channel="X" name="resolution" value="55.81395" units="1/cm"/>
-          <inkml:channelProperty channel="Y" name="resolution" value="55.6701" units="1/cm"/>
-          <inkml:channelProperty channel="T" name="resolution" value="1" units="1/dev"/>
-        </inkml:channelProperties>
-      </inkml:inkSource>
-      <inkml:timestamp xml:id="ts0" timeString="2020-12-14T06:02:24.329"/>
-    </inkml:context>
-    <inkml:brush xml:id="br0">
-      <inkml:brushProperty name="width" value="0.05" units="cm"/>
-      <inkml:brushProperty name="height" value="0.05" units="cm"/>
-      <inkml:brushProperty name="fitToCurve" value="1"/>
-    </inkml:brush>
-  </inkml:definitions>
-  <inkml:trace contextRef="#ctx0" brushRef="#br0">0 553 0,'0'26'16,"26"0"-1,-26 0 1,0 0-16,26 0 0,-26 0 16,0 26-16,26-26 0,-26 25 15,26-25-15,-26 26 16,26-26-16,-26 26 0,0 0 15,26-26-15,-26 0 16,0 25-16,26-25 0,-26 0 16,0 0-16</inkml:trace>
-  <inkml:trace contextRef="#ctx0" brushRef="#br0" timeOffset="468">104 968 0,'0'-26'15,"26"0"1,0 0-16,0 26 16,0-26-16,-1 26 15,1 0-15,0-26 0,0 26 16,0-25-16,0 25 15,0-26-15,-26 0 16,26 0-16,-26 0 0,0 0 16,-26-26-1,26 26-15,-26 0 0,26 0 16,-26 26-16,26-26 16,0 0-16,-26 26 0,26-25 15,0 50 1,0 1-1,26 0-15,-26 0 16,26 0-16,0 26 0,-26-26 16,26 0-16,0 26 15,0-26-15,-26 0 0,26-1 16,0 27-16,-1-26 16,-25 0-16,26 0 0,-26 0 15,0 0-15,26 0 0,-26 0 16</inkml:trace>
-  <inkml:trace contextRef="#ctx0" brushRef="#br0" timeOffset="714">726 709 0,'-26'-26'0,"26"52"32,0 0-17,26-26-15,-26 26 0,26 0 16,-26 0-16,0-1 16,26 1-16,-26 0 0,26-26 15,-26 26-15,26 0 16,-26 0-16,0 0 15,25-26-15</inkml:trace>
-  <inkml:trace contextRef="#ctx0" brushRef="#br0" timeOffset="876">596 527 0,'26'0'16</inkml:trace>
-  <inkml:trace contextRef="#ctx0" brushRef="#br0" timeOffset="1338">1011 761 0,'0'26'16,"26"-26"31,0 0-32,0 0-15,0 0 16,0-26-16,-1 26 16,-25-26-16,26 26 15,-26-26-15,0 0 16,0 0 0,-26 0-1,1 26-15,-1-26 16,0 26-16,0 0 15,0 26-15,0-26 16,0 26-16,26 0 16,-26 0-16,26 0 15,0 0-15,26-26 0,-26 26 16,26 0-16,0-1 16,0 1-16,0 0 0,0-26 15,0 26-15,-1-26 16,1 26-16,0-26 0,26 0 15,-26 0-15</inkml:trace>
-  <inkml:trace contextRef="#ctx0" brushRef="#br0" timeOffset="1734">1296 553 0,'26'0'16,"-26"26"-1,26-26-15,-26 26 16,26-26-16,-26 26 0,26 0 16,0 0-16,-26 0 0,26 0 15,-26 0-15,26-26 16,-26 26-16,25 0 0,-25-1 31,0-50-15,-25 25-16,25-26 15,-26 0-15,0 0 16,26 0-16,0 0 16,-26-26-16,26 26 15,0 0-15,0 0 0,26 0 16,-26 0-16,26 1 0,0 25 15,-1 0 1,1 0-16</inkml:trace>
-  <inkml:trace contextRef="#ctx0" brushRef="#br0" timeOffset="2280">1840 579 0,'26'0'16,"-26"-26"-1,0 0 1,0 0 0,-26 26-1,0-25-15,1-1 16,-1 26-16,0 0 15,0-26-15,0 26 0,0 0 16,0 26-16,26 0 16,-26-26-16,26 25 0,0 1 15,-26 0-15,26 0 0,0 0 16,0 0 0,26 0-16,-26 0 0,26-26 15,0 26 1,0-26-16,0 0 15,0 0-15,0 0 16,0-26-16,-1 0 16,1 0-1,-26 0-15,0 0 16,0 0-16,0 0 0,0 0 16,0 1-16,0-1 15,0 52 16,0-1-31,0 1 16,26 0-16,-26 0 16,0 0-16,26 0 0,0 0 15,0 0 1</inkml:trace>
-  <inkml:trace contextRef="#ctx0" brushRef="#br0" timeOffset="2640">1944 450 0,'0'-26'16,"-26"0"-16,26 0 16,26 26-1,0 26-15,0 0 16,0 0-16,0-26 0,0 26 15,0-1-15,-26 1 16,25 0-16,1-26 0,0 26 16,-26 0-16,26-26 15,-52 0 1,0 0 0,26-26-1,-26 0-15,26 0 16,0 0-16,0 1 15,-25-1-15,25 0 0,0 0 16,25 0-16,1 0 16,0 0-16,0 26 15</inkml:trace>
-  <inkml:trace contextRef="#ctx0" brushRef="#br0" timeOffset="3487">2566 372 0,'0'-26'32,"-26"26"-17,26-26-15,-26 26 16,0 0-16,0-26 0,0 26 15,1 0-15,-1 0 0,0 0 16,0 0 0,0 0-16,26 26 0,-26-26 15,26 26-15,0 0 16,0 0-16,0 0 0,0 0 16,26 0-16,0-1 15,0-25-15,0 26 16,0-26-16,-1 0 0,1 26 15,26-26-15,-26 0 16,0 0-16,26-26 0,-26 26 16,0-26-16,0 26 0,-26-25 15,26-1-15,-26 0 16,0 0-16,0 0 16,0 0-16,-26-26 0,0 26 15,0 0-15,0-26 16,0 27-16,0-1 0,0-26 15,0 26-15,0 0 16,26 0-16,-26 26 16,52 0-1,-26 26 1,26-26-16,-26 26 0,26-26 16,-26 26-16,26 0 15,0 0-15,0 0 0,-26 25 16,26-25-16,0 0 0,0 0 15,0 0-15,-26 0 16,26 0-16,-1 0 0,-25 0 16,26 0-16,-26 0 15,26-26-15,-26-26 47,0 0-31,0 0-1,26 0-15,-26 0 0,0 0 16,0 0-16,26 0 0,-26 0 16,26 0-16,0 26 15,0 0 1,0 26 0,-26 0-16,0 0 0,26 0 15,0 0-15,-26 0 16,0 0-16,26 0 15,-26 0-15,25-26 16,-25 26 0</inkml:trace>
-  <inkml:trace contextRef="#ctx0" brushRef="#br0" timeOffset="4134">3136 190 0,'-26'-25'0,"0"25"31,26 25-15,26 1 0,-26 0-16,26-26 15,0 26 1,0-26-16,0 0 0,0 26 15,0-26-15,0 0 0,0 0 16,0 0-16,0-26 16,-1 26-16,1-26 0,0 0 15,-26 0 1,-26 26-16,0-25 16,1-1-16,-1 0 15,0 0-15,0 26 16,0-26-16,26 52 31,0 0-31,0 0 16,26 0-16,0-1 15,0 27-15,0-26 0,-1 0 16,1 0-16,0 26 0,26-26 16,-26 0-16,0 26 15,0-27-15,0 1 0,0 26 16,0-26-16,0 0 0,-26 0 15,25 0-15,-25 0 16,0 0-16,-25-26 0,-1 26 16,0-26-16,0 0 15,0 0-15,0 0 0,-26 0 16,26 0-16,0-26 0,0 0 16,0 0-16,1 0 15,25-26-15,0 26 0,-26-26 16,26 1-16,0 25 15,26-26-15,-26 26 0,25 0 16,-25 0-16,26 0 0,0 26 16,0 0-16,0 0 15</inkml:trace>
-</inkml:ink>
-</file>
-
-<file path=ppt/ink/ink7.xml><?xml version="1.0" encoding="utf-8"?>
-<inkml:ink xmlns:inkml="http://www.w3.org/2003/InkML">
-  <inkml:definitions>
-    <inkml:context xml:id="ctx0">
-      <inkml:inkSource xml:id="inkSrc0">
-        <inkml:traceFormat>
-          <inkml:channel name="X" type="integer" max="1920" units="cm"/>
-          <inkml:channel name="Y" type="integer" max="1080" units="cm"/>
-          <inkml:channel name="T" type="integer" max="2.14748E9" units="dev"/>
-        </inkml:traceFormat>
-        <inkml:channelProperties>
-          <inkml:channelProperty channel="X" name="resolution" value="55.81395" units="1/cm"/>
-          <inkml:channelProperty channel="Y" name="resolution" value="55.6701" units="1/cm"/>
-          <inkml:channelProperty channel="T" name="resolution" value="1" units="1/dev"/>
-        </inkml:channelProperties>
-      </inkml:inkSource>
-      <inkml:timestamp xml:id="ts0" timeString="2020-12-14T06:02:51.629"/>
-    </inkml:context>
-    <inkml:brush xml:id="br0">
-      <inkml:brushProperty name="width" value="0.05" units="cm"/>
-      <inkml:brushProperty name="height" value="0.05" units="cm"/>
-      <inkml:brushProperty name="fitToCurve" value="1"/>
-    </inkml:brush>
-  </inkml:definitions>
-  <inkml:trace contextRef="#ctx0" brushRef="#br0">0 26 0,'26'0'32,"-26"-26"-32,26 26 15,0 0-15,0 0 16,26 0-16,26 0 0,-1 0 16,27 0-16,0 0 15</inkml:trace>
-</inkml:ink>
-</file>
-
-<file path=ppt/ink/ink8.xml><?xml version="1.0" encoding="utf-8"?>
-<inkml:ink xmlns:inkml="http://www.w3.org/2003/InkML">
-  <inkml:definitions>
-    <inkml:context xml:id="ctx0">
-      <inkml:inkSource xml:id="inkSrc0">
-        <inkml:traceFormat>
-          <inkml:channel name="X" type="integer" max="1920" units="cm"/>
-          <inkml:channel name="Y" type="integer" max="1080" units="cm"/>
-          <inkml:channel name="T" type="integer" max="2.14748E9" units="dev"/>
-        </inkml:traceFormat>
-        <inkml:channelProperties>
-          <inkml:channelProperty channel="X" name="resolution" value="55.81395" units="1/cm"/>
-          <inkml:channelProperty channel="Y" name="resolution" value="55.6701" units="1/cm"/>
-          <inkml:channelProperty channel="T" name="resolution" value="1" units="1/dev"/>
-        </inkml:channelProperties>
-      </inkml:inkSource>
-      <inkml:timestamp xml:id="ts0" timeString="2020-12-14T06:02:52.168"/>
-    </inkml:context>
-    <inkml:brush xml:id="br0">
-      <inkml:brushProperty name="width" value="0.05" units="cm"/>
-      <inkml:brushProperty name="height" value="0.05" units="cm"/>
-      <inkml:brushProperty name="fitToCurve" value="1"/>
-    </inkml:brush>
-  </inkml:definitions>
-  <inkml:trace contextRef="#ctx0" brushRef="#br0">0 129 0,'0'-26'0,"26"26"0,0-26 32,0 26-32,25-25 0,1 25 15,0-26-15,26 26 16,-26 0-16,25-26 0,1 26 15,-26 0-15</inkml:trace>
-</inkml:ink>
-</file>
-
-<file path=ppt/ink/ink9.xml><?xml version="1.0" encoding="utf-8"?>
-<inkml:ink xmlns:inkml="http://www.w3.org/2003/InkML">
-  <inkml:definitions>
-    <inkml:context xml:id="ctx0">
-      <inkml:inkSource xml:id="inkSrc0">
-        <inkml:traceFormat>
-          <inkml:channel name="X" type="integer" max="1920" units="cm"/>
-          <inkml:channel name="Y" type="integer" max="1080" units="cm"/>
-          <inkml:channel name="T" type="integer" max="2.14748E9" units="dev"/>
-        </inkml:traceFormat>
-        <inkml:channelProperties>
-          <inkml:channelProperty channel="X" name="resolution" value="55.81395" units="1/cm"/>
-          <inkml:channelProperty channel="Y" name="resolution" value="55.6701" units="1/cm"/>
-          <inkml:channelProperty channel="T" name="resolution" value="1" units="1/dev"/>
-        </inkml:channelProperties>
-      </inkml:inkSource>
-      <inkml:timestamp xml:id="ts0" timeString="2020-12-14T06:02:52.695"/>
-    </inkml:context>
-    <inkml:brush xml:id="br0">
-      <inkml:brushProperty name="width" value="0.05" units="cm"/>
-      <inkml:brushProperty name="height" value="0.05" units="cm"/>
-      <inkml:brushProperty name="fitToCurve" value="1"/>
-    </inkml:brush>
-  </inkml:definitions>
-  <inkml:trace contextRef="#ctx0" brushRef="#br0">32 233 0,'0'-26'16,"-26"26"-16,26-26 15,0 0-15,26 0 16,-1 0-1,27 1-15,0 25 0,0-26 16,26 0-16,0 0 16,-1 26-16</inkml:trace>
-</inkml:ink>
-</file>
-
 <file path=ppt/notesMasters/notesMaster1.xml><?xml version="1.0" encoding="utf-8"?>
 <p:notesMaster xmlns:a="http://schemas.openxmlformats.org/drawingml/2006/main" xmlns:r="http://schemas.openxmlformats.org/officeDocument/2006/relationships" xmlns:p="http://schemas.openxmlformats.org/presentationml/2006/main">
   <p:cSld>
@@ -9185,7 +7807,7 @@
           <a:p>
             <a:fld id="{4AF2A06D-4991-4208-8C88-4E8BAD69A8B8}" type="datetimeFigureOut">
               <a:rPr lang="en-US" smtClean="0"/>
-              <a:t>12/14/2020</a:t>
+              <a:t>11/18/2021</a:t>
             </a:fld>
             <a:endParaRPr lang="en-US"/>
           </a:p>
@@ -9648,7 +8270,7 @@
                 <a:tabLst/>
                 <a:defRPr/>
               </a:pPr>
-              <a:t>17</a:t>
+              <a:t>16</a:t>
             </a:fld>
             <a:endParaRPr kumimoji="0" lang="en-US" sz="1200" b="0" i="0" u="none" strike="noStrike" kern="1200" cap="none" spc="0" normalizeH="0" baseline="0" noProof="0">
               <a:ln>
@@ -9809,7 +8431,7 @@
           <a:p>
             <a:fld id="{E26E0DA5-0C76-4851-AA82-0B75261F9EB4}" type="datetimeFigureOut">
               <a:rPr lang="en-US" smtClean="0"/>
-              <a:t>12/14/2020</a:t>
+              <a:t>11/18/2021</a:t>
             </a:fld>
             <a:endParaRPr lang="en-US"/>
           </a:p>
@@ -9977,7 +8599,7 @@
           <a:p>
             <a:fld id="{E26E0DA5-0C76-4851-AA82-0B75261F9EB4}" type="datetimeFigureOut">
               <a:rPr lang="en-US" smtClean="0"/>
-              <a:t>12/14/2020</a:t>
+              <a:t>11/18/2021</a:t>
             </a:fld>
             <a:endParaRPr lang="en-US"/>
           </a:p>
@@ -10155,7 +8777,7 @@
           <a:p>
             <a:fld id="{E26E0DA5-0C76-4851-AA82-0B75261F9EB4}" type="datetimeFigureOut">
               <a:rPr lang="en-US" smtClean="0"/>
-              <a:t>12/14/2020</a:t>
+              <a:t>11/18/2021</a:t>
             </a:fld>
             <a:endParaRPr lang="en-US"/>
           </a:p>
@@ -10482,7 +9104,7 @@
             <a:fld id="{9578D6DB-6798-42D2-B9AD-FC6F1C72FC30}" type="datetimeFigureOut">
               <a:rPr lang="en-US" smtClean="0"/>
               <a:pPr/>
-              <a:t>12/14/2020</a:t>
+              <a:t>11/18/2021</a:t>
             </a:fld>
             <a:endParaRPr lang="en-US"/>
           </a:p>
@@ -10724,7 +9346,7 @@
             <a:fld id="{425404F2-BE9A-4460-8815-8F645183555F}" type="datetimeFigureOut">
               <a:rPr lang="en-US" smtClean="0"/>
               <a:pPr/>
-              <a:t>12/14/2020</a:t>
+              <a:t>11/18/2021</a:t>
             </a:fld>
             <a:endParaRPr lang="en-US"/>
           </a:p>
@@ -10852,7 +9474,7 @@
             <a:fld id="{425404F2-BE9A-4460-8815-8F645183555F}" type="datetimeFigureOut">
               <a:rPr lang="en-US" smtClean="0"/>
               <a:pPr/>
-              <a:t>12/14/2020</a:t>
+              <a:t>11/18/2021</a:t>
             </a:fld>
             <a:endParaRPr lang="en-US"/>
           </a:p>
@@ -11102,7 +9724,7 @@
             <a:fld id="{425404F2-BE9A-4460-8815-8F645183555F}" type="datetimeFigureOut">
               <a:rPr lang="en-US" smtClean="0"/>
               <a:pPr/>
-              <a:t>12/14/2020</a:t>
+              <a:t>11/18/2021</a:t>
             </a:fld>
             <a:endParaRPr lang="en-US"/>
           </a:p>
@@ -11272,7 +9894,7 @@
             <a:fld id="{425404F2-BE9A-4460-8815-8F645183555F}" type="datetimeFigureOut">
               <a:rPr lang="en-US" smtClean="0"/>
               <a:pPr/>
-              <a:t>12/14/2020</a:t>
+              <a:t>11/18/2021</a:t>
             </a:fld>
             <a:endParaRPr lang="en-US"/>
           </a:p>
@@ -11559,7 +10181,7 @@
             <a:fld id="{425404F2-BE9A-4460-8815-8F645183555F}" type="datetimeFigureOut">
               <a:rPr lang="en-US" smtClean="0"/>
               <a:pPr/>
-              <a:t>12/14/2020</a:t>
+              <a:t>11/18/2021</a:t>
             </a:fld>
             <a:endParaRPr lang="en-US"/>
           </a:p>
@@ -11980,7 +10602,7 @@
             <a:fld id="{425404F2-BE9A-4460-8815-8F645183555F}" type="datetimeFigureOut">
               <a:rPr lang="en-US" smtClean="0"/>
               <a:pPr/>
-              <a:t>12/14/2020</a:t>
+              <a:t>11/18/2021</a:t>
             </a:fld>
             <a:endParaRPr lang="en-US"/>
           </a:p>
@@ -12105,7 +10727,7 @@
             <a:fld id="{425404F2-BE9A-4460-8815-8F645183555F}" type="datetimeFigureOut">
               <a:rPr lang="en-US" smtClean="0"/>
               <a:pPr/>
-              <a:t>12/14/2020</a:t>
+              <a:t>11/18/2021</a:t>
             </a:fld>
             <a:endParaRPr lang="en-US"/>
           </a:p>
@@ -12331,7 +10953,7 @@
           <a:p>
             <a:fld id="{E26E0DA5-0C76-4851-AA82-0B75261F9EB4}" type="datetimeFigureOut">
               <a:rPr lang="en-US" smtClean="0"/>
-              <a:t>12/14/2020</a:t>
+              <a:t>11/18/2021</a:t>
             </a:fld>
             <a:endParaRPr lang="en-US"/>
           </a:p>
@@ -12455,7 +11077,7 @@
             <a:fld id="{425404F2-BE9A-4460-8815-8F645183555F}" type="datetimeFigureOut">
               <a:rPr lang="en-US" smtClean="0"/>
               <a:pPr/>
-              <a:t>12/14/2020</a:t>
+              <a:t>11/18/2021</a:t>
             </a:fld>
             <a:endParaRPr lang="en-US"/>
           </a:p>
@@ -13002,7 +11624,7 @@
             <a:fld id="{425404F2-BE9A-4460-8815-8F645183555F}" type="datetimeFigureOut">
               <a:rPr lang="en-US" smtClean="0"/>
               <a:pPr/>
-              <a:t>12/14/2020</a:t>
+              <a:t>11/18/2021</a:t>
             </a:fld>
             <a:endParaRPr lang="en-US"/>
           </a:p>
@@ -13150,7 +11772,7 @@
             <a:fld id="{425404F2-BE9A-4460-8815-8F645183555F}" type="datetimeFigureOut">
               <a:rPr lang="en-US" smtClean="0"/>
               <a:pPr/>
-              <a:t>12/14/2020</a:t>
+              <a:t>11/18/2021</a:t>
             </a:fld>
             <a:endParaRPr lang="en-US"/>
           </a:p>
@@ -13383,7 +12005,7 @@
             <a:fld id="{425404F2-BE9A-4460-8815-8F645183555F}" type="datetimeFigureOut">
               <a:rPr lang="en-US" smtClean="0"/>
               <a:pPr/>
-              <a:t>12/14/2020</a:t>
+              <a:t>11/18/2021</a:t>
             </a:fld>
             <a:endParaRPr lang="en-US"/>
           </a:p>
@@ -13621,7 +12243,7 @@
             <a:fld id="{425404F2-BE9A-4460-8815-8F645183555F}" type="datetimeFigureOut">
               <a:rPr lang="en-US" smtClean="0"/>
               <a:pPr/>
-              <a:t>12/14/2020</a:t>
+              <a:t>11/18/2021</a:t>
             </a:fld>
             <a:endParaRPr lang="en-US"/>
           </a:p>
@@ -13803,7 +12425,7 @@
             <a:fld id="{425404F2-BE9A-4460-8815-8F645183555F}" type="datetimeFigureOut">
               <a:rPr lang="en-US" smtClean="0"/>
               <a:pPr/>
-              <a:t>12/14/2020</a:t>
+              <a:t>11/18/2021</a:t>
             </a:fld>
             <a:endParaRPr lang="en-US"/>
           </a:p>
@@ -14080,7 +12702,7 @@
             <a:fld id="{425404F2-BE9A-4460-8815-8F645183555F}" type="datetimeFigureOut">
               <a:rPr lang="en-US" smtClean="0"/>
               <a:pPr/>
-              <a:t>12/14/2020</a:t>
+              <a:t>11/18/2021</a:t>
             </a:fld>
             <a:endParaRPr lang="en-US"/>
           </a:p>
@@ -14334,7 +12956,7 @@
             <a:fld id="{425404F2-BE9A-4460-8815-8F645183555F}" type="datetimeFigureOut">
               <a:rPr lang="en-US" smtClean="0"/>
               <a:pPr/>
-              <a:t>12/14/2020</a:t>
+              <a:t>11/18/2021</a:t>
             </a:fld>
             <a:endParaRPr lang="en-US"/>
           </a:p>
@@ -14504,7 +13126,7 @@
             <a:fld id="{425404F2-BE9A-4460-8815-8F645183555F}" type="datetimeFigureOut">
               <a:rPr lang="en-US" smtClean="0"/>
               <a:pPr/>
-              <a:t>12/14/2020</a:t>
+              <a:t>11/18/2021</a:t>
             </a:fld>
             <a:endParaRPr lang="en-US"/>
           </a:p>
@@ -14684,7 +13306,7 @@
             <a:fld id="{425404F2-BE9A-4460-8815-8F645183555F}" type="datetimeFigureOut">
               <a:rPr lang="en-US" smtClean="0"/>
               <a:pPr/>
-              <a:t>12/14/2020</a:t>
+              <a:t>11/18/2021</a:t>
             </a:fld>
             <a:endParaRPr lang="en-US"/>
           </a:p>
@@ -14930,7 +13552,7 @@
           <a:p>
             <a:fld id="{E26E0DA5-0C76-4851-AA82-0B75261F9EB4}" type="datetimeFigureOut">
               <a:rPr lang="en-US" smtClean="0"/>
-              <a:t>12/14/2020</a:t>
+              <a:t>11/18/2021</a:t>
             </a:fld>
             <a:endParaRPr lang="en-US"/>
           </a:p>
@@ -15159,7 +13781,7 @@
           <a:p>
             <a:fld id="{E26E0DA5-0C76-4851-AA82-0B75261F9EB4}" type="datetimeFigureOut">
               <a:rPr lang="en-US" smtClean="0"/>
-              <a:t>12/14/2020</a:t>
+              <a:t>11/18/2021</a:t>
             </a:fld>
             <a:endParaRPr lang="en-US"/>
           </a:p>
@@ -15523,7 +14145,7 @@
           <a:p>
             <a:fld id="{E26E0DA5-0C76-4851-AA82-0B75261F9EB4}" type="datetimeFigureOut">
               <a:rPr lang="en-US" smtClean="0"/>
-              <a:t>12/14/2020</a:t>
+              <a:t>11/18/2021</a:t>
             </a:fld>
             <a:endParaRPr lang="en-US"/>
           </a:p>
@@ -15640,7 +14262,7 @@
           <a:p>
             <a:fld id="{E26E0DA5-0C76-4851-AA82-0B75261F9EB4}" type="datetimeFigureOut">
               <a:rPr lang="en-US" smtClean="0"/>
-              <a:t>12/14/2020</a:t>
+              <a:t>11/18/2021</a:t>
             </a:fld>
             <a:endParaRPr lang="en-US"/>
           </a:p>
@@ -15735,7 +14357,7 @@
           <a:p>
             <a:fld id="{E26E0DA5-0C76-4851-AA82-0B75261F9EB4}" type="datetimeFigureOut">
               <a:rPr lang="en-US" smtClean="0"/>
-              <a:t>12/14/2020</a:t>
+              <a:t>11/18/2021</a:t>
             </a:fld>
             <a:endParaRPr lang="en-US"/>
           </a:p>
@@ -16010,7 +14632,7 @@
           <a:p>
             <a:fld id="{E26E0DA5-0C76-4851-AA82-0B75261F9EB4}" type="datetimeFigureOut">
               <a:rPr lang="en-US" smtClean="0"/>
-              <a:t>12/14/2020</a:t>
+              <a:t>11/18/2021</a:t>
             </a:fld>
             <a:endParaRPr lang="en-US"/>
           </a:p>
@@ -16262,7 +14884,7 @@
           <a:p>
             <a:fld id="{E26E0DA5-0C76-4851-AA82-0B75261F9EB4}" type="datetimeFigureOut">
               <a:rPr lang="en-US" smtClean="0"/>
-              <a:t>12/14/2020</a:t>
+              <a:t>11/18/2021</a:t>
             </a:fld>
             <a:endParaRPr lang="en-US"/>
           </a:p>
@@ -16473,7 +15095,7 @@
           <a:p>
             <a:fld id="{E26E0DA5-0C76-4851-AA82-0B75261F9EB4}" type="datetimeFigureOut">
               <a:rPr lang="en-US" smtClean="0"/>
-              <a:t>12/14/2020</a:t>
+              <a:t>11/18/2021</a:t>
             </a:fld>
             <a:endParaRPr lang="en-US"/>
           </a:p>
@@ -17030,7 +15652,7 @@
             <a:fld id="{425404F2-BE9A-4460-8815-8F645183555F}" type="datetimeFigureOut">
               <a:rPr lang="en-US" smtClean="0"/>
               <a:pPr/>
-              <a:t>12/14/2020</a:t>
+              <a:t>11/18/2021</a:t>
             </a:fld>
             <a:endParaRPr lang="en-US"/>
           </a:p>
@@ -17591,7 +16213,7 @@
         <p:spPr>
           <a:xfrm>
             <a:off x="187367" y="2062424"/>
-            <a:ext cx="6629399" cy="1200329"/>
+            <a:ext cx="6629399" cy="1754326"/>
           </a:xfrm>
           <a:prstGeom prst="rect">
             <a:avLst/>
@@ -17610,8 +16232,31 @@
                   <a:schemeClr val="bg1"/>
                 </a:solidFill>
               </a:rPr>
-              <a:t>Anurag Bajaj</a:t>
-            </a:r>
+              <a:t>Anurag </a:t>
+            </a:r>
+            <a:r>
+              <a:rPr lang="en-US" sz="3600" spc="-150" dirty="0" smtClean="0">
+                <a:solidFill>
+                  <a:schemeClr val="bg1"/>
+                </a:solidFill>
+              </a:rPr>
+              <a:t>Bajaj</a:t>
+            </a:r>
+          </a:p>
+          <a:p>
+            <a:r>
+              <a:rPr lang="en-US" sz="3600" spc="-150" dirty="0" smtClean="0">
+                <a:solidFill>
+                  <a:schemeClr val="bg1"/>
+                </a:solidFill>
+              </a:rPr>
+              <a:t>Shubham Singh</a:t>
+            </a:r>
+            <a:endParaRPr lang="en-US" sz="3600" spc="-150" dirty="0">
+              <a:solidFill>
+                <a:schemeClr val="bg1"/>
+              </a:solidFill>
+            </a:endParaRPr>
           </a:p>
           <a:p>
             <a:r>
@@ -17709,7 +16354,7 @@
           <p:cNvPr id="37" name="TextBox 36">
             <a:extLst>
               <a:ext uri="{FF2B5EF4-FFF2-40B4-BE49-F238E27FC236}">
-                <a16:creationId xmlns:a16="http://schemas.microsoft.com/office/drawing/2014/main" id="{E8CAC22F-1542-4031-BC6C-A16989886504}"/>
+                <a16:creationId xmlns:a16="http://schemas.microsoft.com/office/drawing/2014/main" xmlns="" id="{E8CAC22F-1542-4031-BC6C-A16989886504}"/>
               </a:ext>
             </a:extLst>
           </p:cNvPr>
@@ -17762,7 +16407,7 @@
           <p:cNvPr id="40" name="Picture 39">
             <a:extLst>
               <a:ext uri="{FF2B5EF4-FFF2-40B4-BE49-F238E27FC236}">
-                <a16:creationId xmlns:a16="http://schemas.microsoft.com/office/drawing/2014/main" id="{DA60E6FB-8C44-4FEB-B6E9-83DA908565CD}"/>
+                <a16:creationId xmlns:a16="http://schemas.microsoft.com/office/drawing/2014/main" xmlns="" id="{DA60E6FB-8C44-4FEB-B6E9-83DA908565CD}"/>
               </a:ext>
             </a:extLst>
           </p:cNvPr>
@@ -17798,7 +16443,7 @@
           <p:cNvPr id="41" name="Straight Connector 40">
             <a:extLst>
               <a:ext uri="{FF2B5EF4-FFF2-40B4-BE49-F238E27FC236}">
-                <a16:creationId xmlns:a16="http://schemas.microsoft.com/office/drawing/2014/main" id="{3B3B7D73-CAE9-45AC-ACCE-FAEF4E505C7A}"/>
+                <a16:creationId xmlns:a16="http://schemas.microsoft.com/office/drawing/2014/main" xmlns="" id="{3B3B7D73-CAE9-45AC-ACCE-FAEF4E505C7A}"/>
               </a:ext>
             </a:extLst>
           </p:cNvPr>
@@ -17834,7 +16479,7 @@
           <p:cNvPr id="7" name="TextBox 6">
             <a:extLst>
               <a:ext uri="{FF2B5EF4-FFF2-40B4-BE49-F238E27FC236}">
-                <a16:creationId xmlns:a16="http://schemas.microsoft.com/office/drawing/2014/main" id="{D0A6B27F-347A-4A91-9E14-5C748C0A2366}"/>
+                <a16:creationId xmlns:a16="http://schemas.microsoft.com/office/drawing/2014/main" xmlns="" id="{D0A6B27F-347A-4A91-9E14-5C748C0A2366}"/>
               </a:ext>
             </a:extLst>
           </p:cNvPr>
@@ -18032,7 +16677,7 @@
           <p:cNvPr id="2" name="Title 3">
             <a:extLst>
               <a:ext uri="{FF2B5EF4-FFF2-40B4-BE49-F238E27FC236}">
-                <a16:creationId xmlns:a16="http://schemas.microsoft.com/office/drawing/2014/main" id="{F07FC580-E2AB-4C55-8C95-D5E077A1D127}"/>
+                <a16:creationId xmlns:a16="http://schemas.microsoft.com/office/drawing/2014/main" xmlns="" id="{F07FC580-E2AB-4C55-8C95-D5E077A1D127}"/>
               </a:ext>
             </a:extLst>
           </p:cNvPr>
@@ -18111,7 +16756,7 @@
           <p:cNvPr id="7" name="TextBox 6">
             <a:extLst>
               <a:ext uri="{FF2B5EF4-FFF2-40B4-BE49-F238E27FC236}">
-                <a16:creationId xmlns:a16="http://schemas.microsoft.com/office/drawing/2014/main" id="{17EB74BE-8011-4153-8F37-3BEF9C1F4CC0}"/>
+                <a16:creationId xmlns:a16="http://schemas.microsoft.com/office/drawing/2014/main" xmlns="" id="{17EB74BE-8011-4153-8F37-3BEF9C1F4CC0}"/>
               </a:ext>
             </a:extLst>
           </p:cNvPr>
@@ -18230,13 +16875,52 @@
               <a:defRPr/>
             </a:pPr>
             <a:r>
+              <a:rPr lang="en-US" sz="8000" b="1" dirty="0" smtClean="0">
+                <a:solidFill>
+                  <a:prstClr val="black"/>
+                </a:solidFill>
+                <a:latin typeface="Calibri" panose="020F0502020204030204"/>
+              </a:rPr>
+              <a:t>&lt;</a:t>
+            </a:r>
+            <a:r>
+              <a:rPr lang="en-US" sz="8000" b="1" dirty="0" smtClean="0">
+                <a:solidFill>
+                  <a:prstClr val="black"/>
+                </a:solidFill>
+                <a:latin typeface="Calibri" panose="020F0502020204030204"/>
+                <a:hlinkClick r:id="rId2"/>
+              </a:rPr>
+              <a:t>Click</a:t>
+            </a:r>
+            <a:r>
+              <a:rPr lang="en-US" sz="8000" b="1" dirty="0" smtClean="0">
+                <a:solidFill>
+                  <a:prstClr val="black"/>
+                </a:solidFill>
+                <a:latin typeface="Calibri" panose="020F0502020204030204"/>
+                <a:hlinkClick r:id="rId2"/>
+              </a:rPr>
+              <a:t> </a:t>
+            </a:r>
+            <a:r>
+              <a:rPr lang="en-US" sz="8000" b="1" dirty="0">
+                <a:solidFill>
+                  <a:prstClr val="black"/>
+                </a:solidFill>
+                <a:latin typeface="Calibri" panose="020F0502020204030204"/>
+                <a:hlinkClick r:id="rId2"/>
+              </a:rPr>
+              <a:t>here</a:t>
+            </a:r>
+            <a:r>
               <a:rPr lang="en-US" sz="8000" b="1" dirty="0">
                 <a:solidFill>
                   <a:prstClr val="black"/>
                 </a:solidFill>
                 <a:latin typeface="Calibri" panose="020F0502020204030204"/>
               </a:rPr>
-              <a:t>&lt;link here&gt;</a:t>
+              <a:t>&gt;</a:t>
             </a:r>
             <a:endParaRPr kumimoji="0" lang="en-US" sz="8000" b="1" i="0" u="none" strike="noStrike" kern="1200" cap="none" spc="0" normalizeH="0" baseline="0" noProof="0" dirty="0">
               <a:ln>
@@ -18327,7 +17011,7 @@
           <p:cNvPr id="37" name="TextBox 36">
             <a:extLst>
               <a:ext uri="{FF2B5EF4-FFF2-40B4-BE49-F238E27FC236}">
-                <a16:creationId xmlns:a16="http://schemas.microsoft.com/office/drawing/2014/main" id="{E8CAC22F-1542-4031-BC6C-A16989886504}"/>
+                <a16:creationId xmlns:a16="http://schemas.microsoft.com/office/drawing/2014/main" xmlns="" id="{E8CAC22F-1542-4031-BC6C-A16989886504}"/>
               </a:ext>
             </a:extLst>
           </p:cNvPr>
@@ -18380,7 +17064,7 @@
           <p:cNvPr id="40" name="Picture 39">
             <a:extLst>
               <a:ext uri="{FF2B5EF4-FFF2-40B4-BE49-F238E27FC236}">
-                <a16:creationId xmlns:a16="http://schemas.microsoft.com/office/drawing/2014/main" id="{DA60E6FB-8C44-4FEB-B6E9-83DA908565CD}"/>
+                <a16:creationId xmlns:a16="http://schemas.microsoft.com/office/drawing/2014/main" xmlns="" id="{DA60E6FB-8C44-4FEB-B6E9-83DA908565CD}"/>
               </a:ext>
             </a:extLst>
           </p:cNvPr>
@@ -18416,7 +17100,7 @@
           <p:cNvPr id="41" name="Straight Connector 40">
             <a:extLst>
               <a:ext uri="{FF2B5EF4-FFF2-40B4-BE49-F238E27FC236}">
-                <a16:creationId xmlns:a16="http://schemas.microsoft.com/office/drawing/2014/main" id="{3B3B7D73-CAE9-45AC-ACCE-FAEF4E505C7A}"/>
+                <a16:creationId xmlns:a16="http://schemas.microsoft.com/office/drawing/2014/main" xmlns="" id="{3B3B7D73-CAE9-45AC-ACCE-FAEF4E505C7A}"/>
               </a:ext>
             </a:extLst>
           </p:cNvPr>
@@ -18452,7 +17136,7 @@
           <p:cNvPr id="2" name="TextBox 1">
             <a:extLst>
               <a:ext uri="{FF2B5EF4-FFF2-40B4-BE49-F238E27FC236}">
-                <a16:creationId xmlns:a16="http://schemas.microsoft.com/office/drawing/2014/main" id="{7114A316-EEB1-4873-BE9B-89FAD7D78B42}"/>
+                <a16:creationId xmlns:a16="http://schemas.microsoft.com/office/drawing/2014/main" xmlns="" id="{7114A316-EEB1-4873-BE9B-89FAD7D78B42}"/>
               </a:ext>
             </a:extLst>
           </p:cNvPr>
@@ -18613,7 +17297,7 @@
           <p:cNvPr id="37" name="TextBox 36">
             <a:extLst>
               <a:ext uri="{FF2B5EF4-FFF2-40B4-BE49-F238E27FC236}">
-                <a16:creationId xmlns:a16="http://schemas.microsoft.com/office/drawing/2014/main" id="{E8CAC22F-1542-4031-BC6C-A16989886504}"/>
+                <a16:creationId xmlns:a16="http://schemas.microsoft.com/office/drawing/2014/main" xmlns="" id="{E8CAC22F-1542-4031-BC6C-A16989886504}"/>
               </a:ext>
             </a:extLst>
           </p:cNvPr>
@@ -18666,7 +17350,7 @@
           <p:cNvPr id="40" name="Picture 39">
             <a:extLst>
               <a:ext uri="{FF2B5EF4-FFF2-40B4-BE49-F238E27FC236}">
-                <a16:creationId xmlns:a16="http://schemas.microsoft.com/office/drawing/2014/main" id="{DA60E6FB-8C44-4FEB-B6E9-83DA908565CD}"/>
+                <a16:creationId xmlns:a16="http://schemas.microsoft.com/office/drawing/2014/main" xmlns="" id="{DA60E6FB-8C44-4FEB-B6E9-83DA908565CD}"/>
               </a:ext>
             </a:extLst>
           </p:cNvPr>
@@ -18702,7 +17386,7 @@
           <p:cNvPr id="41" name="Straight Connector 40">
             <a:extLst>
               <a:ext uri="{FF2B5EF4-FFF2-40B4-BE49-F238E27FC236}">
-                <a16:creationId xmlns:a16="http://schemas.microsoft.com/office/drawing/2014/main" id="{3B3B7D73-CAE9-45AC-ACCE-FAEF4E505C7A}"/>
+                <a16:creationId xmlns:a16="http://schemas.microsoft.com/office/drawing/2014/main" xmlns="" id="{3B3B7D73-CAE9-45AC-ACCE-FAEF4E505C7A}"/>
               </a:ext>
             </a:extLst>
           </p:cNvPr>
@@ -18738,7 +17422,7 @@
           <p:cNvPr id="2" name="TextBox 1">
             <a:extLst>
               <a:ext uri="{FF2B5EF4-FFF2-40B4-BE49-F238E27FC236}">
-                <a16:creationId xmlns:a16="http://schemas.microsoft.com/office/drawing/2014/main" id="{78C6794C-F4A5-4A8E-BDD1-532BF7872228}"/>
+                <a16:creationId xmlns:a16="http://schemas.microsoft.com/office/drawing/2014/main" xmlns="" id="{78C6794C-F4A5-4A8E-BDD1-532BF7872228}"/>
               </a:ext>
             </a:extLst>
           </p:cNvPr>
@@ -18839,7 +17523,7 @@
           <p:cNvPr id="2" name="Title 3">
             <a:extLst>
               <a:ext uri="{FF2B5EF4-FFF2-40B4-BE49-F238E27FC236}">
-                <a16:creationId xmlns:a16="http://schemas.microsoft.com/office/drawing/2014/main" id="{F07FC580-E2AB-4C55-8C95-D5E077A1D127}"/>
+                <a16:creationId xmlns:a16="http://schemas.microsoft.com/office/drawing/2014/main" xmlns="" id="{F07FC580-E2AB-4C55-8C95-D5E077A1D127}"/>
               </a:ext>
             </a:extLst>
           </p:cNvPr>
@@ -18888,7 +17572,7 @@
           <p:cNvPr id="7" name="TextBox 6">
             <a:extLst>
               <a:ext uri="{FF2B5EF4-FFF2-40B4-BE49-F238E27FC236}">
-                <a16:creationId xmlns:a16="http://schemas.microsoft.com/office/drawing/2014/main" id="{17EB74BE-8011-4153-8F37-3BEF9C1F4CC0}"/>
+                <a16:creationId xmlns:a16="http://schemas.microsoft.com/office/drawing/2014/main" xmlns="" id="{17EB74BE-8011-4153-8F37-3BEF9C1F4CC0}"/>
               </a:ext>
             </a:extLst>
           </p:cNvPr>
@@ -18948,92 +17632,12 @@
           <a:chExt cx="0" cy="0"/>
         </a:xfrm>
       </p:grpSpPr>
-      <p:sp>
-        <p:nvSpPr>
-          <p:cNvPr id="2" name="Title 1">
-            <a:extLst>
-              <a:ext uri="{FF2B5EF4-FFF2-40B4-BE49-F238E27FC236}">
-                <a16:creationId xmlns:a16="http://schemas.microsoft.com/office/drawing/2014/main" id="{29CB9E00-0397-4178-9E57-32DC82D3A8F7}"/>
-              </a:ext>
-            </a:extLst>
-          </p:cNvPr>
-          <p:cNvSpPr>
-            <a:spLocks noGrp="1"/>
-          </p:cNvSpPr>
-          <p:nvPr>
-            <p:ph type="title"/>
-          </p:nvPr>
-        </p:nvSpPr>
-        <p:spPr/>
-        <p:txBody>
-          <a:bodyPr/>
-          <a:lstStyle/>
-          <a:p>
-            <a:endParaRPr lang="en-US"/>
-          </a:p>
-        </p:txBody>
-      </p:sp>
-      <p:sp>
-        <p:nvSpPr>
-          <p:cNvPr id="3" name="Content Placeholder 2">
-            <a:extLst>
-              <a:ext uri="{FF2B5EF4-FFF2-40B4-BE49-F238E27FC236}">
-                <a16:creationId xmlns:a16="http://schemas.microsoft.com/office/drawing/2014/main" id="{73A078A5-4F35-4958-8384-CBBBD3DED2C3}"/>
-              </a:ext>
-            </a:extLst>
-          </p:cNvPr>
-          <p:cNvSpPr>
-            <a:spLocks noGrp="1"/>
-          </p:cNvSpPr>
-          <p:nvPr>
-            <p:ph sz="quarter" idx="13"/>
-          </p:nvPr>
-        </p:nvSpPr>
-        <p:spPr/>
-        <p:txBody>
-          <a:bodyPr/>
-          <a:lstStyle/>
-          <a:p>
-            <a:endParaRPr lang="en-US"/>
-          </a:p>
-        </p:txBody>
-      </p:sp>
-    </p:spTree>
-    <p:extLst>
-      <p:ext uri="{BB962C8B-B14F-4D97-AF65-F5344CB8AC3E}">
-        <p14:creationId xmlns:p14="http://schemas.microsoft.com/office/powerpoint/2010/main" val="3265325021"/>
-      </p:ext>
-    </p:extLst>
-  </p:cSld>
-  <p:clrMapOvr>
-    <a:masterClrMapping/>
-  </p:clrMapOvr>
-</p:sld>
-</file>
-
-<file path=ppt/slides/slide16.xml><?xml version="1.0" encoding="utf-8"?>
-<p:sld xmlns:a="http://schemas.openxmlformats.org/drawingml/2006/main" xmlns:r="http://schemas.openxmlformats.org/officeDocument/2006/relationships" xmlns:p="http://schemas.openxmlformats.org/presentationml/2006/main">
-  <p:cSld>
-    <p:spTree>
-      <p:nvGrpSpPr>
-        <p:cNvPr id="1" name=""/>
-        <p:cNvGrpSpPr/>
-        <p:nvPr/>
-      </p:nvGrpSpPr>
-      <p:grpSpPr>
-        <a:xfrm>
-          <a:off x="0" y="0"/>
-          <a:ext cx="0" cy="0"/>
-          <a:chOff x="0" y="0"/>
-          <a:chExt cx="0" cy="0"/>
-        </a:xfrm>
-      </p:grpSpPr>
       <p:pic>
         <p:nvPicPr>
           <p:cNvPr id="1028" name="Picture 4" descr="Free Vector | Flat people with question marks background">
             <a:extLst>
               <a:ext uri="{FF2B5EF4-FFF2-40B4-BE49-F238E27FC236}">
-                <a16:creationId xmlns:a16="http://schemas.microsoft.com/office/drawing/2014/main" id="{E158EC70-4769-4E41-A278-C90EC4E480C7}"/>
+                <a16:creationId xmlns:a16="http://schemas.microsoft.com/office/drawing/2014/main" xmlns="" id="{E158EC70-4769-4E41-A278-C90EC4E480C7}"/>
               </a:ext>
             </a:extLst>
           </p:cNvPr>
@@ -19078,7 +17682,7 @@
           <p:cNvPr id="2" name="TextBox 1">
             <a:extLst>
               <a:ext uri="{FF2B5EF4-FFF2-40B4-BE49-F238E27FC236}">
-                <a16:creationId xmlns:a16="http://schemas.microsoft.com/office/drawing/2014/main" id="{994C3DB2-D47E-4B94-804B-87AF1FDEF86E}"/>
+                <a16:creationId xmlns:a16="http://schemas.microsoft.com/office/drawing/2014/main" xmlns="" id="{994C3DB2-D47E-4B94-804B-87AF1FDEF86E}"/>
               </a:ext>
             </a:extLst>
           </p:cNvPr>
@@ -19121,7 +17725,7 @@
 </p:sld>
 </file>
 
-<file path=ppt/slides/slide17.xml><?xml version="1.0" encoding="utf-8"?>
+<file path=ppt/slides/slide16.xml><?xml version="1.0" encoding="utf-8"?>
 <p:sld xmlns:a="http://schemas.openxmlformats.org/drawingml/2006/main" xmlns:r="http://schemas.openxmlformats.org/officeDocument/2006/relationships" xmlns:p="http://schemas.openxmlformats.org/presentationml/2006/main">
   <p:cSld>
     <p:bg>
@@ -19153,7 +17757,7 @@
           <p:cNvPr id="2052" name="Picture 4" descr="Ski Jumping Arena - Free Presentation Templates">
             <a:extLst>
               <a:ext uri="{FF2B5EF4-FFF2-40B4-BE49-F238E27FC236}">
-                <a16:creationId xmlns:a16="http://schemas.microsoft.com/office/drawing/2014/main" id="{B0D7E6A1-F72A-4F69-B4FB-A4ED7A0C6CED}"/>
+                <a16:creationId xmlns:a16="http://schemas.microsoft.com/office/drawing/2014/main" xmlns="" id="{B0D7E6A1-F72A-4F69-B4FB-A4ED7A0C6CED}"/>
               </a:ext>
             </a:extLst>
           </p:cNvPr>
@@ -19341,7 +17945,7 @@
           <p:cNvPr id="2" name="Title 3">
             <a:extLst>
               <a:ext uri="{FF2B5EF4-FFF2-40B4-BE49-F238E27FC236}">
-                <a16:creationId xmlns:a16="http://schemas.microsoft.com/office/drawing/2014/main" id="{F07FC580-E2AB-4C55-8C95-D5E077A1D127}"/>
+                <a16:creationId xmlns:a16="http://schemas.microsoft.com/office/drawing/2014/main" xmlns="" id="{F07FC580-E2AB-4C55-8C95-D5E077A1D127}"/>
               </a:ext>
             </a:extLst>
           </p:cNvPr>
@@ -19423,7 +18027,7 @@
           <p:cNvPr id="4" name="Footer Placeholder 45">
             <a:extLst>
               <a:ext uri="{FF2B5EF4-FFF2-40B4-BE49-F238E27FC236}">
-                <a16:creationId xmlns:a16="http://schemas.microsoft.com/office/drawing/2014/main" id="{90E33047-DFF5-4690-8905-31E4C115EFDC}"/>
+                <a16:creationId xmlns:a16="http://schemas.microsoft.com/office/drawing/2014/main" xmlns="" id="{90E33047-DFF5-4690-8905-31E4C115EFDC}"/>
               </a:ext>
             </a:extLst>
           </p:cNvPr>
@@ -19486,7 +18090,7 @@
           <p:cNvPr id="5" name="TextBox 4">
             <a:extLst>
               <a:ext uri="{FF2B5EF4-FFF2-40B4-BE49-F238E27FC236}">
-                <a16:creationId xmlns:a16="http://schemas.microsoft.com/office/drawing/2014/main" id="{27E5B41D-1DDF-48C9-A5AF-075F84492B68}"/>
+                <a16:creationId xmlns:a16="http://schemas.microsoft.com/office/drawing/2014/main" xmlns="" id="{27E5B41D-1DDF-48C9-A5AF-075F84492B68}"/>
               </a:ext>
             </a:extLst>
           </p:cNvPr>
@@ -20294,7 +18898,7 @@
           <p:cNvPr id="37" name="TextBox 36">
             <a:extLst>
               <a:ext uri="{FF2B5EF4-FFF2-40B4-BE49-F238E27FC236}">
-                <a16:creationId xmlns:a16="http://schemas.microsoft.com/office/drawing/2014/main" id="{E8CAC22F-1542-4031-BC6C-A16989886504}"/>
+                <a16:creationId xmlns:a16="http://schemas.microsoft.com/office/drawing/2014/main" xmlns="" id="{E8CAC22F-1542-4031-BC6C-A16989886504}"/>
               </a:ext>
             </a:extLst>
           </p:cNvPr>
@@ -20347,7 +18951,7 @@
           <p:cNvPr id="40" name="Picture 39">
             <a:extLst>
               <a:ext uri="{FF2B5EF4-FFF2-40B4-BE49-F238E27FC236}">
-                <a16:creationId xmlns:a16="http://schemas.microsoft.com/office/drawing/2014/main" id="{DA60E6FB-8C44-4FEB-B6E9-83DA908565CD}"/>
+                <a16:creationId xmlns:a16="http://schemas.microsoft.com/office/drawing/2014/main" xmlns="" id="{DA60E6FB-8C44-4FEB-B6E9-83DA908565CD}"/>
               </a:ext>
             </a:extLst>
           </p:cNvPr>
@@ -20383,7 +18987,7 @@
           <p:cNvPr id="41" name="Straight Connector 40">
             <a:extLst>
               <a:ext uri="{FF2B5EF4-FFF2-40B4-BE49-F238E27FC236}">
-                <a16:creationId xmlns:a16="http://schemas.microsoft.com/office/drawing/2014/main" id="{3B3B7D73-CAE9-45AC-ACCE-FAEF4E505C7A}"/>
+                <a16:creationId xmlns:a16="http://schemas.microsoft.com/office/drawing/2014/main" xmlns="" id="{3B3B7D73-CAE9-45AC-ACCE-FAEF4E505C7A}"/>
               </a:ext>
             </a:extLst>
           </p:cNvPr>
@@ -20419,7 +19023,7 @@
           <p:cNvPr id="2" name="TextBox 1">
             <a:extLst>
               <a:ext uri="{FF2B5EF4-FFF2-40B4-BE49-F238E27FC236}">
-                <a16:creationId xmlns:a16="http://schemas.microsoft.com/office/drawing/2014/main" id="{78971E9F-9C66-4A64-BB87-EF164355D2D2}"/>
+                <a16:creationId xmlns:a16="http://schemas.microsoft.com/office/drawing/2014/main" xmlns="" id="{78971E9F-9C66-4A64-BB87-EF164355D2D2}"/>
               </a:ext>
             </a:extLst>
           </p:cNvPr>
@@ -20602,7 +19206,7 @@
           <p:cNvPr id="37" name="TextBox 36">
             <a:extLst>
               <a:ext uri="{FF2B5EF4-FFF2-40B4-BE49-F238E27FC236}">
-                <a16:creationId xmlns:a16="http://schemas.microsoft.com/office/drawing/2014/main" id="{E8CAC22F-1542-4031-BC6C-A16989886504}"/>
+                <a16:creationId xmlns:a16="http://schemas.microsoft.com/office/drawing/2014/main" xmlns="" id="{E8CAC22F-1542-4031-BC6C-A16989886504}"/>
               </a:ext>
             </a:extLst>
           </p:cNvPr>
@@ -20655,7 +19259,7 @@
           <p:cNvPr id="40" name="Picture 39">
             <a:extLst>
               <a:ext uri="{FF2B5EF4-FFF2-40B4-BE49-F238E27FC236}">
-                <a16:creationId xmlns:a16="http://schemas.microsoft.com/office/drawing/2014/main" id="{DA60E6FB-8C44-4FEB-B6E9-83DA908565CD}"/>
+                <a16:creationId xmlns:a16="http://schemas.microsoft.com/office/drawing/2014/main" xmlns="" id="{DA60E6FB-8C44-4FEB-B6E9-83DA908565CD}"/>
               </a:ext>
             </a:extLst>
           </p:cNvPr>
@@ -20691,7 +19295,7 @@
           <p:cNvPr id="41" name="Straight Connector 40">
             <a:extLst>
               <a:ext uri="{FF2B5EF4-FFF2-40B4-BE49-F238E27FC236}">
-                <a16:creationId xmlns:a16="http://schemas.microsoft.com/office/drawing/2014/main" id="{3B3B7D73-CAE9-45AC-ACCE-FAEF4E505C7A}"/>
+                <a16:creationId xmlns:a16="http://schemas.microsoft.com/office/drawing/2014/main" xmlns="" id="{3B3B7D73-CAE9-45AC-ACCE-FAEF4E505C7A}"/>
               </a:ext>
             </a:extLst>
           </p:cNvPr>
@@ -20727,7 +19331,7 @@
           <p:cNvPr id="7" name="Text Placeholder">
             <a:extLst>
               <a:ext uri="{FF2B5EF4-FFF2-40B4-BE49-F238E27FC236}">
-                <a16:creationId xmlns:a16="http://schemas.microsoft.com/office/drawing/2014/main" id="{27C21411-AFF9-4ACD-9CB9-B7F76F0C4526}"/>
+                <a16:creationId xmlns:a16="http://schemas.microsoft.com/office/drawing/2014/main" xmlns="" id="{27C21411-AFF9-4ACD-9CB9-B7F76F0C4526}"/>
               </a:ext>
             </a:extLst>
           </p:cNvPr>
@@ -20893,7 +19497,7 @@
           <p:cNvPr id="8" name="Group 7">
             <a:extLst>
               <a:ext uri="{FF2B5EF4-FFF2-40B4-BE49-F238E27FC236}">
-                <a16:creationId xmlns:a16="http://schemas.microsoft.com/office/drawing/2014/main" id="{A89A4FF9-93AE-420D-90F9-43D5F9853274}"/>
+                <a16:creationId xmlns:a16="http://schemas.microsoft.com/office/drawing/2014/main" xmlns="" id="{A89A4FF9-93AE-420D-90F9-43D5F9853274}"/>
               </a:ext>
             </a:extLst>
           </p:cNvPr>
@@ -20913,7 +19517,7 @@
             <p:cNvPr id="9" name="Picture 8">
               <a:extLst>
                 <a:ext uri="{FF2B5EF4-FFF2-40B4-BE49-F238E27FC236}">
-                  <a16:creationId xmlns:a16="http://schemas.microsoft.com/office/drawing/2014/main" id="{F5D75B20-C77F-4A91-8383-B7971DEBB710}"/>
+                  <a16:creationId xmlns:a16="http://schemas.microsoft.com/office/drawing/2014/main" xmlns="" id="{F5D75B20-C77F-4A91-8383-B7971DEBB710}"/>
                 </a:ext>
               </a:extLst>
             </p:cNvPr>
@@ -20943,7 +19547,7 @@
             <p:cNvPr id="10" name="Oval 9">
               <a:extLst>
                 <a:ext uri="{FF2B5EF4-FFF2-40B4-BE49-F238E27FC236}">
-                  <a16:creationId xmlns:a16="http://schemas.microsoft.com/office/drawing/2014/main" id="{3EA680A8-5402-4135-BE11-1E06625D5412}"/>
+                  <a16:creationId xmlns:a16="http://schemas.microsoft.com/office/drawing/2014/main" xmlns="" id="{3EA680A8-5402-4135-BE11-1E06625D5412}"/>
                 </a:ext>
               </a:extLst>
             </p:cNvPr>
@@ -21004,7 +19608,7 @@
           <p:cNvPr id="12" name="Group 11">
             <a:extLst>
               <a:ext uri="{FF2B5EF4-FFF2-40B4-BE49-F238E27FC236}">
-                <a16:creationId xmlns:a16="http://schemas.microsoft.com/office/drawing/2014/main" id="{E722F9B9-B2F9-4A08-BE1E-91DA6C4585DF}"/>
+                <a16:creationId xmlns:a16="http://schemas.microsoft.com/office/drawing/2014/main" xmlns="" id="{E722F9B9-B2F9-4A08-BE1E-91DA6C4585DF}"/>
               </a:ext>
             </a:extLst>
           </p:cNvPr>
@@ -21024,7 +19628,7 @@
             <p:cNvPr id="13" name="Picture 12">
               <a:extLst>
                 <a:ext uri="{FF2B5EF4-FFF2-40B4-BE49-F238E27FC236}">
-                  <a16:creationId xmlns:a16="http://schemas.microsoft.com/office/drawing/2014/main" id="{FF07AA3A-90D8-4829-90F6-C1B5B61205F7}"/>
+                  <a16:creationId xmlns:a16="http://schemas.microsoft.com/office/drawing/2014/main" xmlns="" id="{FF07AA3A-90D8-4829-90F6-C1B5B61205F7}"/>
                 </a:ext>
               </a:extLst>
             </p:cNvPr>
@@ -21054,7 +19658,7 @@
             <p:cNvPr id="14" name="Oval 13">
               <a:extLst>
                 <a:ext uri="{FF2B5EF4-FFF2-40B4-BE49-F238E27FC236}">
-                  <a16:creationId xmlns:a16="http://schemas.microsoft.com/office/drawing/2014/main" id="{3EA3FED3-9B80-4D3D-A863-08E661C0DDC7}"/>
+                  <a16:creationId xmlns:a16="http://schemas.microsoft.com/office/drawing/2014/main" xmlns="" id="{3EA3FED3-9B80-4D3D-A863-08E661C0DDC7}"/>
                 </a:ext>
               </a:extLst>
             </p:cNvPr>
@@ -21114,7 +19718,7 @@
             <p:cNvPr id="15" name="Oval 14">
               <a:extLst>
                 <a:ext uri="{FF2B5EF4-FFF2-40B4-BE49-F238E27FC236}">
-                  <a16:creationId xmlns:a16="http://schemas.microsoft.com/office/drawing/2014/main" id="{609021AF-C40F-4E99-84FE-40DF242CDA65}"/>
+                  <a16:creationId xmlns:a16="http://schemas.microsoft.com/office/drawing/2014/main" xmlns="" id="{609021AF-C40F-4E99-84FE-40DF242CDA65}"/>
                 </a:ext>
               </a:extLst>
             </p:cNvPr>
@@ -21174,7 +19778,7 @@
             <p:cNvPr id="16" name="Oval 15">
               <a:extLst>
                 <a:ext uri="{FF2B5EF4-FFF2-40B4-BE49-F238E27FC236}">
-                  <a16:creationId xmlns:a16="http://schemas.microsoft.com/office/drawing/2014/main" id="{184D94C1-7BC0-473D-840C-9BE0B9A57628}"/>
+                  <a16:creationId xmlns:a16="http://schemas.microsoft.com/office/drawing/2014/main" xmlns="" id="{184D94C1-7BC0-473D-840C-9BE0B9A57628}"/>
                 </a:ext>
               </a:extLst>
             </p:cNvPr>
@@ -21234,7 +19838,7 @@
             <p:cNvPr id="17" name="Oval 16">
               <a:extLst>
                 <a:ext uri="{FF2B5EF4-FFF2-40B4-BE49-F238E27FC236}">
-                  <a16:creationId xmlns:a16="http://schemas.microsoft.com/office/drawing/2014/main" id="{E6B6415F-44B1-4402-8096-A5A0E6778B89}"/>
+                  <a16:creationId xmlns:a16="http://schemas.microsoft.com/office/drawing/2014/main" xmlns="" id="{E6B6415F-44B1-4402-8096-A5A0E6778B89}"/>
                 </a:ext>
               </a:extLst>
             </p:cNvPr>
@@ -21295,7 +19899,7 @@
           <p:cNvPr id="18" name="Group 17">
             <a:extLst>
               <a:ext uri="{FF2B5EF4-FFF2-40B4-BE49-F238E27FC236}">
-                <a16:creationId xmlns:a16="http://schemas.microsoft.com/office/drawing/2014/main" id="{28CF323E-27B1-41C2-A148-379FA6463CC5}"/>
+                <a16:creationId xmlns:a16="http://schemas.microsoft.com/office/drawing/2014/main" xmlns="" id="{28CF323E-27B1-41C2-A148-379FA6463CC5}"/>
               </a:ext>
             </a:extLst>
           </p:cNvPr>
@@ -21315,7 +19919,7 @@
             <p:cNvPr id="19" name="Picture 18">
               <a:extLst>
                 <a:ext uri="{FF2B5EF4-FFF2-40B4-BE49-F238E27FC236}">
-                  <a16:creationId xmlns:a16="http://schemas.microsoft.com/office/drawing/2014/main" id="{F9AFCAB4-A95F-4F24-9FEA-B093C745B495}"/>
+                  <a16:creationId xmlns:a16="http://schemas.microsoft.com/office/drawing/2014/main" xmlns="" id="{F9AFCAB4-A95F-4F24-9FEA-B093C745B495}"/>
                 </a:ext>
               </a:extLst>
             </p:cNvPr>
@@ -21345,7 +19949,7 @@
             <p:cNvPr id="20" name="Oval 19">
               <a:extLst>
                 <a:ext uri="{FF2B5EF4-FFF2-40B4-BE49-F238E27FC236}">
-                  <a16:creationId xmlns:a16="http://schemas.microsoft.com/office/drawing/2014/main" id="{64C2032A-6A27-468E-988B-9BAF21D3392F}"/>
+                  <a16:creationId xmlns:a16="http://schemas.microsoft.com/office/drawing/2014/main" xmlns="" id="{64C2032A-6A27-468E-988B-9BAF21D3392F}"/>
                 </a:ext>
               </a:extLst>
             </p:cNvPr>
@@ -21406,7 +20010,7 @@
           <p:cNvPr id="21" name="Text Placeholder">
             <a:extLst>
               <a:ext uri="{FF2B5EF4-FFF2-40B4-BE49-F238E27FC236}">
-                <a16:creationId xmlns:a16="http://schemas.microsoft.com/office/drawing/2014/main" id="{63D8C639-1D9F-48FB-A620-4D06EA8D404A}"/>
+                <a16:creationId xmlns:a16="http://schemas.microsoft.com/office/drawing/2014/main" xmlns="" id="{63D8C639-1D9F-48FB-A620-4D06EA8D404A}"/>
               </a:ext>
             </a:extLst>
           </p:cNvPr>
@@ -21636,7 +20240,7 @@
           <p:cNvPr id="22" name="Right Arrow 5">
             <a:extLst>
               <a:ext uri="{FF2B5EF4-FFF2-40B4-BE49-F238E27FC236}">
-                <a16:creationId xmlns:a16="http://schemas.microsoft.com/office/drawing/2014/main" id="{4690B8D9-DB64-40F9-AD1A-0166F36714BA}"/>
+                <a16:creationId xmlns:a16="http://schemas.microsoft.com/office/drawing/2014/main" xmlns="" id="{4690B8D9-DB64-40F9-AD1A-0166F36714BA}"/>
               </a:ext>
             </a:extLst>
           </p:cNvPr>
@@ -21694,7 +20298,7 @@
           <p:cNvPr id="23" name="Right Arrow 26">
             <a:extLst>
               <a:ext uri="{FF2B5EF4-FFF2-40B4-BE49-F238E27FC236}">
-                <a16:creationId xmlns:a16="http://schemas.microsoft.com/office/drawing/2014/main" id="{F791512D-7D50-46C1-B6B2-57A82C9B114A}"/>
+                <a16:creationId xmlns:a16="http://schemas.microsoft.com/office/drawing/2014/main" xmlns="" id="{F791512D-7D50-46C1-B6B2-57A82C9B114A}"/>
               </a:ext>
             </a:extLst>
           </p:cNvPr>
@@ -21752,7 +20356,7 @@
           <p:cNvPr id="24" name="Text Placeholder">
             <a:extLst>
               <a:ext uri="{FF2B5EF4-FFF2-40B4-BE49-F238E27FC236}">
-                <a16:creationId xmlns:a16="http://schemas.microsoft.com/office/drawing/2014/main" id="{FB279FB4-3401-455A-9FD7-BE4A7F191206}"/>
+                <a16:creationId xmlns:a16="http://schemas.microsoft.com/office/drawing/2014/main" xmlns="" id="{FB279FB4-3401-455A-9FD7-BE4A7F191206}"/>
               </a:ext>
             </a:extLst>
           </p:cNvPr>
@@ -21982,7 +20586,7 @@
           <p:cNvPr id="25" name="TextBox 24">
             <a:extLst>
               <a:ext uri="{FF2B5EF4-FFF2-40B4-BE49-F238E27FC236}">
-                <a16:creationId xmlns:a16="http://schemas.microsoft.com/office/drawing/2014/main" id="{063B2536-23D4-4FA0-BAAE-E69320BEF40F}"/>
+                <a16:creationId xmlns:a16="http://schemas.microsoft.com/office/drawing/2014/main" xmlns="" id="{063B2536-23D4-4FA0-BAAE-E69320BEF40F}"/>
               </a:ext>
             </a:extLst>
           </p:cNvPr>
@@ -22037,7 +20641,7 @@
           <p:cNvPr id="26" name="TextBox 25">
             <a:extLst>
               <a:ext uri="{FF2B5EF4-FFF2-40B4-BE49-F238E27FC236}">
-                <a16:creationId xmlns:a16="http://schemas.microsoft.com/office/drawing/2014/main" id="{7238679F-AEAD-4439-A095-BF051CBA5661}"/>
+                <a16:creationId xmlns:a16="http://schemas.microsoft.com/office/drawing/2014/main" xmlns="" id="{7238679F-AEAD-4439-A095-BF051CBA5661}"/>
               </a:ext>
             </a:extLst>
           </p:cNvPr>
@@ -22092,7 +20696,7 @@
           <p:cNvPr id="27" name="TextBox 26">
             <a:extLst>
               <a:ext uri="{FF2B5EF4-FFF2-40B4-BE49-F238E27FC236}">
-                <a16:creationId xmlns:a16="http://schemas.microsoft.com/office/drawing/2014/main" id="{3D29C88E-D328-431E-BE2F-79056898DD09}"/>
+                <a16:creationId xmlns:a16="http://schemas.microsoft.com/office/drawing/2014/main" xmlns="" id="{3D29C88E-D328-431E-BE2F-79056898DD09}"/>
               </a:ext>
             </a:extLst>
           </p:cNvPr>
@@ -22147,7 +20751,7 @@
           <p:cNvPr id="28" name="TextBox 27">
             <a:extLst>
               <a:ext uri="{FF2B5EF4-FFF2-40B4-BE49-F238E27FC236}">
-                <a16:creationId xmlns:a16="http://schemas.microsoft.com/office/drawing/2014/main" id="{53F76889-F749-40B9-ACF2-4339F3F029E8}"/>
+                <a16:creationId xmlns:a16="http://schemas.microsoft.com/office/drawing/2014/main" xmlns="" id="{53F76889-F749-40B9-ACF2-4339F3F029E8}"/>
               </a:ext>
             </a:extLst>
           </p:cNvPr>
@@ -22206,7 +20810,7 @@
           <p:cNvPr id="29" name="TextBox 28">
             <a:extLst>
               <a:ext uri="{FF2B5EF4-FFF2-40B4-BE49-F238E27FC236}">
-                <a16:creationId xmlns:a16="http://schemas.microsoft.com/office/drawing/2014/main" id="{5B8CA745-5FC6-4565-92A3-AAB7E7EE61B7}"/>
+                <a16:creationId xmlns:a16="http://schemas.microsoft.com/office/drawing/2014/main" xmlns="" id="{5B8CA745-5FC6-4565-92A3-AAB7E7EE61B7}"/>
               </a:ext>
             </a:extLst>
           </p:cNvPr>
@@ -22265,7 +20869,7 @@
           <p:cNvPr id="30" name="TextBox 29">
             <a:extLst>
               <a:ext uri="{FF2B5EF4-FFF2-40B4-BE49-F238E27FC236}">
-                <a16:creationId xmlns:a16="http://schemas.microsoft.com/office/drawing/2014/main" id="{F8D14DFA-B674-4F17-BD40-8EC5E5621423}"/>
+                <a16:creationId xmlns:a16="http://schemas.microsoft.com/office/drawing/2014/main" xmlns="" id="{F8D14DFA-B674-4F17-BD40-8EC5E5621423}"/>
               </a:ext>
             </a:extLst>
           </p:cNvPr>
@@ -22324,7 +20928,7 @@
           <p:cNvPr id="31" name="TextBox 30">
             <a:extLst>
               <a:ext uri="{FF2B5EF4-FFF2-40B4-BE49-F238E27FC236}">
-                <a16:creationId xmlns:a16="http://schemas.microsoft.com/office/drawing/2014/main" id="{98EAE48F-9424-4FB6-864D-1B4E2C226D75}"/>
+                <a16:creationId xmlns:a16="http://schemas.microsoft.com/office/drawing/2014/main" xmlns="" id="{98EAE48F-9424-4FB6-864D-1B4E2C226D75}"/>
               </a:ext>
             </a:extLst>
           </p:cNvPr>
@@ -22383,7 +20987,7 @@
           <p:cNvPr id="32" name="TextBox 31">
             <a:extLst>
               <a:ext uri="{FF2B5EF4-FFF2-40B4-BE49-F238E27FC236}">
-                <a16:creationId xmlns:a16="http://schemas.microsoft.com/office/drawing/2014/main" id="{42E690E5-F00A-462B-BFDE-C0FAAB86F861}"/>
+                <a16:creationId xmlns:a16="http://schemas.microsoft.com/office/drawing/2014/main" xmlns="" id="{42E690E5-F00A-462B-BFDE-C0FAAB86F861}"/>
               </a:ext>
             </a:extLst>
           </p:cNvPr>
@@ -22442,7 +21046,7 @@
           <p:cNvPr id="33" name="Oval 32">
             <a:extLst>
               <a:ext uri="{FF2B5EF4-FFF2-40B4-BE49-F238E27FC236}">
-                <a16:creationId xmlns:a16="http://schemas.microsoft.com/office/drawing/2014/main" id="{C033C616-6BE3-431D-9497-191849E217DA}"/>
+                <a16:creationId xmlns:a16="http://schemas.microsoft.com/office/drawing/2014/main" xmlns="" id="{C033C616-6BE3-431D-9497-191849E217DA}"/>
               </a:ext>
             </a:extLst>
           </p:cNvPr>
@@ -22580,7 +21184,7 @@
           <p:cNvPr id="37" name="TextBox 36">
             <a:extLst>
               <a:ext uri="{FF2B5EF4-FFF2-40B4-BE49-F238E27FC236}">
-                <a16:creationId xmlns:a16="http://schemas.microsoft.com/office/drawing/2014/main" id="{E8CAC22F-1542-4031-BC6C-A16989886504}"/>
+                <a16:creationId xmlns:a16="http://schemas.microsoft.com/office/drawing/2014/main" xmlns="" id="{E8CAC22F-1542-4031-BC6C-A16989886504}"/>
               </a:ext>
             </a:extLst>
           </p:cNvPr>
@@ -22633,7 +21237,7 @@
           <p:cNvPr id="40" name="Picture 39">
             <a:extLst>
               <a:ext uri="{FF2B5EF4-FFF2-40B4-BE49-F238E27FC236}">
-                <a16:creationId xmlns:a16="http://schemas.microsoft.com/office/drawing/2014/main" id="{DA60E6FB-8C44-4FEB-B6E9-83DA908565CD}"/>
+                <a16:creationId xmlns:a16="http://schemas.microsoft.com/office/drawing/2014/main" xmlns="" id="{DA60E6FB-8C44-4FEB-B6E9-83DA908565CD}"/>
               </a:ext>
             </a:extLst>
           </p:cNvPr>
@@ -22669,7 +21273,7 @@
           <p:cNvPr id="41" name="Straight Connector 40">
             <a:extLst>
               <a:ext uri="{FF2B5EF4-FFF2-40B4-BE49-F238E27FC236}">
-                <a16:creationId xmlns:a16="http://schemas.microsoft.com/office/drawing/2014/main" id="{3B3B7D73-CAE9-45AC-ACCE-FAEF4E505C7A}"/>
+                <a16:creationId xmlns:a16="http://schemas.microsoft.com/office/drawing/2014/main" xmlns="" id="{3B3B7D73-CAE9-45AC-ACCE-FAEF4E505C7A}"/>
               </a:ext>
             </a:extLst>
           </p:cNvPr>
@@ -22705,7 +21309,7 @@
           <p:cNvPr id="2" name="Picture 1">
             <a:extLst>
               <a:ext uri="{FF2B5EF4-FFF2-40B4-BE49-F238E27FC236}">
-                <a16:creationId xmlns:a16="http://schemas.microsoft.com/office/drawing/2014/main" id="{6ACC0624-00BB-4639-A6BD-9CA0C21FC78C}"/>
+                <a16:creationId xmlns:a16="http://schemas.microsoft.com/office/drawing/2014/main" xmlns="" id="{6ACC0624-00BB-4639-A6BD-9CA0C21FC78C}"/>
               </a:ext>
             </a:extLst>
           </p:cNvPr>
@@ -22805,7 +21409,7 @@
           <p:cNvPr id="37" name="TextBox 36">
             <a:extLst>
               <a:ext uri="{FF2B5EF4-FFF2-40B4-BE49-F238E27FC236}">
-                <a16:creationId xmlns:a16="http://schemas.microsoft.com/office/drawing/2014/main" id="{E8CAC22F-1542-4031-BC6C-A16989886504}"/>
+                <a16:creationId xmlns:a16="http://schemas.microsoft.com/office/drawing/2014/main" xmlns="" id="{E8CAC22F-1542-4031-BC6C-A16989886504}"/>
               </a:ext>
             </a:extLst>
           </p:cNvPr>
@@ -22858,7 +21462,7 @@
           <p:cNvPr id="40" name="Picture 39">
             <a:extLst>
               <a:ext uri="{FF2B5EF4-FFF2-40B4-BE49-F238E27FC236}">
-                <a16:creationId xmlns:a16="http://schemas.microsoft.com/office/drawing/2014/main" id="{DA60E6FB-8C44-4FEB-B6E9-83DA908565CD}"/>
+                <a16:creationId xmlns:a16="http://schemas.microsoft.com/office/drawing/2014/main" xmlns="" id="{DA60E6FB-8C44-4FEB-B6E9-83DA908565CD}"/>
               </a:ext>
             </a:extLst>
           </p:cNvPr>
@@ -22894,7 +21498,7 @@
           <p:cNvPr id="41" name="Straight Connector 40">
             <a:extLst>
               <a:ext uri="{FF2B5EF4-FFF2-40B4-BE49-F238E27FC236}">
-                <a16:creationId xmlns:a16="http://schemas.microsoft.com/office/drawing/2014/main" id="{3B3B7D73-CAE9-45AC-ACCE-FAEF4E505C7A}"/>
+                <a16:creationId xmlns:a16="http://schemas.microsoft.com/office/drawing/2014/main" xmlns="" id="{3B3B7D73-CAE9-45AC-ACCE-FAEF4E505C7A}"/>
               </a:ext>
             </a:extLst>
           </p:cNvPr>
@@ -22930,7 +21534,7 @@
           <p:cNvPr id="3" name="Diagram 2">
             <a:extLst>
               <a:ext uri="{FF2B5EF4-FFF2-40B4-BE49-F238E27FC236}">
-                <a16:creationId xmlns:a16="http://schemas.microsoft.com/office/drawing/2014/main" id="{D027F3FD-EE0F-4639-8487-32AAB08CACDD}"/>
+                <a16:creationId xmlns:a16="http://schemas.microsoft.com/office/drawing/2014/main" xmlns="" id="{D027F3FD-EE0F-4639-8487-32AAB08CACDD}"/>
               </a:ext>
             </a:extLst>
           </p:cNvPr>
@@ -22952,7 +21556,7 @@
           <p:cNvPr id="4" name="Rectangle 3">
             <a:extLst>
               <a:ext uri="{FF2B5EF4-FFF2-40B4-BE49-F238E27FC236}">
-                <a16:creationId xmlns:a16="http://schemas.microsoft.com/office/drawing/2014/main" id="{94402C42-593A-481B-9DC9-69D211342D36}"/>
+                <a16:creationId xmlns:a16="http://schemas.microsoft.com/office/drawing/2014/main" xmlns="" id="{94402C42-593A-481B-9DC9-69D211342D36}"/>
               </a:ext>
             </a:extLst>
           </p:cNvPr>
@@ -23099,7 +21703,7 @@
           <p:cNvPr id="5" name="Flowchart: Extract 4">
             <a:extLst>
               <a:ext uri="{FF2B5EF4-FFF2-40B4-BE49-F238E27FC236}">
-                <a16:creationId xmlns:a16="http://schemas.microsoft.com/office/drawing/2014/main" id="{BE76019C-CF87-41B4-BF4F-D377D13A9EEC}"/>
+                <a16:creationId xmlns:a16="http://schemas.microsoft.com/office/drawing/2014/main" xmlns="" id="{BE76019C-CF87-41B4-BF4F-D377D13A9EEC}"/>
               </a:ext>
             </a:extLst>
           </p:cNvPr>
@@ -23150,7 +21754,7 @@
           <p:cNvPr id="6" name="Rectangle 5">
             <a:extLst>
               <a:ext uri="{FF2B5EF4-FFF2-40B4-BE49-F238E27FC236}">
-                <a16:creationId xmlns:a16="http://schemas.microsoft.com/office/drawing/2014/main" id="{708B2018-3FDD-4E8F-834C-65F52CAF4DB9}"/>
+                <a16:creationId xmlns:a16="http://schemas.microsoft.com/office/drawing/2014/main" xmlns="" id="{708B2018-3FDD-4E8F-834C-65F52CAF4DB9}"/>
               </a:ext>
             </a:extLst>
           </p:cNvPr>
@@ -23327,7 +21931,7 @@
           <p:cNvPr id="7" name="Flowchart: Extract 6">
             <a:extLst>
               <a:ext uri="{FF2B5EF4-FFF2-40B4-BE49-F238E27FC236}">
-                <a16:creationId xmlns:a16="http://schemas.microsoft.com/office/drawing/2014/main" id="{21CF4BA3-B81D-4F18-BEBD-3E70205121CE}"/>
+                <a16:creationId xmlns:a16="http://schemas.microsoft.com/office/drawing/2014/main" xmlns="" id="{21CF4BA3-B81D-4F18-BEBD-3E70205121CE}"/>
               </a:ext>
             </a:extLst>
           </p:cNvPr>
@@ -23448,7 +22052,7 @@
           <p:cNvPr id="37" name="TextBox 36">
             <a:extLst>
               <a:ext uri="{FF2B5EF4-FFF2-40B4-BE49-F238E27FC236}">
-                <a16:creationId xmlns:a16="http://schemas.microsoft.com/office/drawing/2014/main" id="{E8CAC22F-1542-4031-BC6C-A16989886504}"/>
+                <a16:creationId xmlns:a16="http://schemas.microsoft.com/office/drawing/2014/main" xmlns="" id="{E8CAC22F-1542-4031-BC6C-A16989886504}"/>
               </a:ext>
             </a:extLst>
           </p:cNvPr>
@@ -23501,7 +22105,7 @@
           <p:cNvPr id="40" name="Picture 39">
             <a:extLst>
               <a:ext uri="{FF2B5EF4-FFF2-40B4-BE49-F238E27FC236}">
-                <a16:creationId xmlns:a16="http://schemas.microsoft.com/office/drawing/2014/main" id="{DA60E6FB-8C44-4FEB-B6E9-83DA908565CD}"/>
+                <a16:creationId xmlns:a16="http://schemas.microsoft.com/office/drawing/2014/main" xmlns="" id="{DA60E6FB-8C44-4FEB-B6E9-83DA908565CD}"/>
               </a:ext>
             </a:extLst>
           </p:cNvPr>
@@ -23537,7 +22141,7 @@
           <p:cNvPr id="41" name="Straight Connector 40">
             <a:extLst>
               <a:ext uri="{FF2B5EF4-FFF2-40B4-BE49-F238E27FC236}">
-                <a16:creationId xmlns:a16="http://schemas.microsoft.com/office/drawing/2014/main" id="{3B3B7D73-CAE9-45AC-ACCE-FAEF4E505C7A}"/>
+                <a16:creationId xmlns:a16="http://schemas.microsoft.com/office/drawing/2014/main" xmlns="" id="{3B3B7D73-CAE9-45AC-ACCE-FAEF4E505C7A}"/>
               </a:ext>
             </a:extLst>
           </p:cNvPr>
@@ -23573,7 +22177,7 @@
           <p:cNvPr id="2" name="Picture 2" descr="Understanding Profit Metrics: Gross, Operating And Net Profits">
             <a:extLst>
               <a:ext uri="{FF2B5EF4-FFF2-40B4-BE49-F238E27FC236}">
-                <a16:creationId xmlns:a16="http://schemas.microsoft.com/office/drawing/2014/main" id="{609DC79D-6EFF-478D-A511-F089E47FE190}"/>
+                <a16:creationId xmlns:a16="http://schemas.microsoft.com/office/drawing/2014/main" xmlns="" id="{609DC79D-6EFF-478D-A511-F089E47FE190}"/>
               </a:ext>
             </a:extLst>
           </p:cNvPr>
@@ -23620,7 +22224,7 @@
           <p:cNvPr id="3" name="TextBox 2">
             <a:extLst>
               <a:ext uri="{FF2B5EF4-FFF2-40B4-BE49-F238E27FC236}">
-                <a16:creationId xmlns:a16="http://schemas.microsoft.com/office/drawing/2014/main" id="{653AC9D2-60DF-41C9-A301-A7CAC9BCE1AF}"/>
+                <a16:creationId xmlns:a16="http://schemas.microsoft.com/office/drawing/2014/main" xmlns="" id="{653AC9D2-60DF-41C9-A301-A7CAC9BCE1AF}"/>
               </a:ext>
             </a:extLst>
           </p:cNvPr>
@@ -23788,1638 +22392,6 @@
           </a:p>
         </p:txBody>
       </p:sp>
-      <mc:AlternateContent xmlns:mc="http://schemas.openxmlformats.org/markup-compatibility/2006">
-        <mc:Choice xmlns:p14="http://schemas.microsoft.com/office/powerpoint/2010/main" Requires="p14">
-          <p:contentPart p14:bwMode="auto" r:id="rId4">
-            <p14:nvContentPartPr>
-              <p14:cNvPr id="25" name="Ink 24">
-                <a:extLst>
-                  <a:ext uri="{FF2B5EF4-FFF2-40B4-BE49-F238E27FC236}">
-                    <a16:creationId xmlns:a16="http://schemas.microsoft.com/office/drawing/2014/main" id="{0ED5B117-8530-4731-A934-CBF8254864E6}"/>
-                  </a:ext>
-                </a:extLst>
-              </p14:cNvPr>
-              <p14:cNvContentPartPr/>
-              <p14:nvPr/>
-            </p14:nvContentPartPr>
-            <p14:xfrm>
-              <a:off x="8368891" y="5485673"/>
-              <a:ext cx="1400760" cy="495720"/>
-            </p14:xfrm>
-          </p:contentPart>
-        </mc:Choice>
-        <mc:Fallback>
-          <p:pic>
-            <p:nvPicPr>
-              <p:cNvPr id="25" name="Ink 24">
-                <a:extLst>
-                  <a:ext uri="{FF2B5EF4-FFF2-40B4-BE49-F238E27FC236}">
-                    <a16:creationId xmlns:a16="http://schemas.microsoft.com/office/drawing/2014/main" id="{0ED5B117-8530-4731-A934-CBF8254864E6}"/>
-                  </a:ext>
-                </a:extLst>
-              </p:cNvPr>
-              <p:cNvPicPr/>
-              <p:nvPr/>
-            </p:nvPicPr>
-            <p:blipFill>
-              <a:blip r:embed="rId5"/>
-              <a:stretch>
-                <a:fillRect/>
-              </a:stretch>
-            </p:blipFill>
-            <p:spPr>
-              <a:xfrm>
-                <a:off x="8359891" y="5476673"/>
-                <a:ext cx="1418400" cy="513360"/>
-              </a:xfrm>
-              <a:prstGeom prst="rect">
-                <a:avLst/>
-              </a:prstGeom>
-            </p:spPr>
-          </p:pic>
-        </mc:Fallback>
-      </mc:AlternateContent>
-      <mc:AlternateContent xmlns:mc="http://schemas.openxmlformats.org/markup-compatibility/2006">
-        <mc:Choice xmlns:p14="http://schemas.microsoft.com/office/powerpoint/2010/main" Requires="p14">
-          <p:contentPart p14:bwMode="auto" r:id="rId6">
-            <p14:nvContentPartPr>
-              <p14:cNvPr id="31" name="Ink 30">
-                <a:extLst>
-                  <a:ext uri="{FF2B5EF4-FFF2-40B4-BE49-F238E27FC236}">
-                    <a16:creationId xmlns:a16="http://schemas.microsoft.com/office/drawing/2014/main" id="{6520BA61-1306-4C0D-9134-A4192959F5B0}"/>
-                  </a:ext>
-                </a:extLst>
-              </p14:cNvPr>
-              <p14:cNvContentPartPr/>
-              <p14:nvPr/>
-            </p14:nvContentPartPr>
-            <p14:xfrm>
-              <a:off x="9134251" y="5812913"/>
-              <a:ext cx="600480" cy="180000"/>
-            </p14:xfrm>
-          </p:contentPart>
-        </mc:Choice>
-        <mc:Fallback>
-          <p:pic>
-            <p:nvPicPr>
-              <p:cNvPr id="31" name="Ink 30">
-                <a:extLst>
-                  <a:ext uri="{FF2B5EF4-FFF2-40B4-BE49-F238E27FC236}">
-                    <a16:creationId xmlns:a16="http://schemas.microsoft.com/office/drawing/2014/main" id="{6520BA61-1306-4C0D-9134-A4192959F5B0}"/>
-                  </a:ext>
-                </a:extLst>
-              </p:cNvPr>
-              <p:cNvPicPr/>
-              <p:nvPr/>
-            </p:nvPicPr>
-            <p:blipFill>
-              <a:blip r:embed="rId7"/>
-              <a:stretch>
-                <a:fillRect/>
-              </a:stretch>
-            </p:blipFill>
-            <p:spPr>
-              <a:xfrm>
-                <a:off x="9125251" y="5803913"/>
-                <a:ext cx="618120" cy="197640"/>
-              </a:xfrm>
-              <a:prstGeom prst="rect">
-                <a:avLst/>
-              </a:prstGeom>
-            </p:spPr>
-          </p:pic>
-        </mc:Fallback>
-      </mc:AlternateContent>
-      <mc:AlternateContent xmlns:mc="http://schemas.openxmlformats.org/markup-compatibility/2006">
-        <mc:Choice xmlns:p14="http://schemas.microsoft.com/office/powerpoint/2010/main" Requires="p14">
-          <p:contentPart p14:bwMode="auto" r:id="rId8">
-            <p14:nvContentPartPr>
-              <p14:cNvPr id="34" name="Ink 33">
-                <a:extLst>
-                  <a:ext uri="{FF2B5EF4-FFF2-40B4-BE49-F238E27FC236}">
-                    <a16:creationId xmlns:a16="http://schemas.microsoft.com/office/drawing/2014/main" id="{E86173D7-E78F-439B-BC85-BF86220E9FE8}"/>
-                  </a:ext>
-                </a:extLst>
-              </p14:cNvPr>
-              <p14:cNvContentPartPr/>
-              <p14:nvPr/>
-            </p14:nvContentPartPr>
-            <p14:xfrm>
-              <a:off x="8649331" y="5280833"/>
-              <a:ext cx="226080" cy="140760"/>
-            </p14:xfrm>
-          </p:contentPart>
-        </mc:Choice>
-        <mc:Fallback>
-          <p:pic>
-            <p:nvPicPr>
-              <p:cNvPr id="34" name="Ink 33">
-                <a:extLst>
-                  <a:ext uri="{FF2B5EF4-FFF2-40B4-BE49-F238E27FC236}">
-                    <a16:creationId xmlns:a16="http://schemas.microsoft.com/office/drawing/2014/main" id="{E86173D7-E78F-439B-BC85-BF86220E9FE8}"/>
-                  </a:ext>
-                </a:extLst>
-              </p:cNvPr>
-              <p:cNvPicPr/>
-              <p:nvPr/>
-            </p:nvPicPr>
-            <p:blipFill>
-              <a:blip r:embed="rId9"/>
-              <a:stretch>
-                <a:fillRect/>
-              </a:stretch>
-            </p:blipFill>
-            <p:spPr>
-              <a:xfrm>
-                <a:off x="8640331" y="5271833"/>
-                <a:ext cx="243720" cy="158400"/>
-              </a:xfrm>
-              <a:prstGeom prst="rect">
-                <a:avLst/>
-              </a:prstGeom>
-            </p:spPr>
-          </p:pic>
-        </mc:Fallback>
-      </mc:AlternateContent>
-      <mc:AlternateContent xmlns:mc="http://schemas.openxmlformats.org/markup-compatibility/2006">
-        <mc:Choice xmlns:p14="http://schemas.microsoft.com/office/powerpoint/2010/main" Requires="p14">
-          <p:contentPart p14:bwMode="auto" r:id="rId10">
-            <p14:nvContentPartPr>
-              <p14:cNvPr id="48" name="Ink 47">
-                <a:extLst>
-                  <a:ext uri="{FF2B5EF4-FFF2-40B4-BE49-F238E27FC236}">
-                    <a16:creationId xmlns:a16="http://schemas.microsoft.com/office/drawing/2014/main" id="{CEB7C193-7055-467F-ADE8-EE76389C83AA}"/>
-                  </a:ext>
-                </a:extLst>
-              </p14:cNvPr>
-              <p14:cNvContentPartPr/>
-              <p14:nvPr/>
-            </p14:nvContentPartPr>
-            <p14:xfrm>
-              <a:off x="7732771" y="4934873"/>
-              <a:ext cx="939240" cy="1290960"/>
-            </p14:xfrm>
-          </p:contentPart>
-        </mc:Choice>
-        <mc:Fallback>
-          <p:pic>
-            <p:nvPicPr>
-              <p:cNvPr id="48" name="Ink 47">
-                <a:extLst>
-                  <a:ext uri="{FF2B5EF4-FFF2-40B4-BE49-F238E27FC236}">
-                    <a16:creationId xmlns:a16="http://schemas.microsoft.com/office/drawing/2014/main" id="{CEB7C193-7055-467F-ADE8-EE76389C83AA}"/>
-                  </a:ext>
-                </a:extLst>
-              </p:cNvPr>
-              <p:cNvPicPr/>
-              <p:nvPr/>
-            </p:nvPicPr>
-            <p:blipFill>
-              <a:blip r:embed="rId11"/>
-              <a:stretch>
-                <a:fillRect/>
-              </a:stretch>
-            </p:blipFill>
-            <p:spPr>
-              <a:xfrm>
-                <a:off x="7723771" y="4925873"/>
-                <a:ext cx="956880" cy="1308600"/>
-              </a:xfrm>
-              <a:prstGeom prst="rect">
-                <a:avLst/>
-              </a:prstGeom>
-            </p:spPr>
-          </p:pic>
-        </mc:Fallback>
-      </mc:AlternateContent>
-      <mc:AlternateContent xmlns:mc="http://schemas.openxmlformats.org/markup-compatibility/2006">
-        <mc:Choice xmlns:p14="http://schemas.microsoft.com/office/powerpoint/2010/main" Requires="p14">
-          <p:contentPart p14:bwMode="auto" r:id="rId12">
-            <p14:nvContentPartPr>
-              <p14:cNvPr id="51" name="Ink 50">
-                <a:extLst>
-                  <a:ext uri="{FF2B5EF4-FFF2-40B4-BE49-F238E27FC236}">
-                    <a16:creationId xmlns:a16="http://schemas.microsoft.com/office/drawing/2014/main" id="{69B2AEAF-20B1-44CE-B6B6-C04CBD5A1B30}"/>
-                  </a:ext>
-                </a:extLst>
-              </p14:cNvPr>
-              <p14:cNvContentPartPr/>
-              <p14:nvPr/>
-            </p14:nvContentPartPr>
-            <p14:xfrm>
-              <a:off x="7398691" y="4721393"/>
-              <a:ext cx="402120" cy="1670400"/>
-            </p14:xfrm>
-          </p:contentPart>
-        </mc:Choice>
-        <mc:Fallback>
-          <p:pic>
-            <p:nvPicPr>
-              <p:cNvPr id="51" name="Ink 50">
-                <a:extLst>
-                  <a:ext uri="{FF2B5EF4-FFF2-40B4-BE49-F238E27FC236}">
-                    <a16:creationId xmlns:a16="http://schemas.microsoft.com/office/drawing/2014/main" id="{69B2AEAF-20B1-44CE-B6B6-C04CBD5A1B30}"/>
-                  </a:ext>
-                </a:extLst>
-              </p:cNvPr>
-              <p:cNvPicPr/>
-              <p:nvPr/>
-            </p:nvPicPr>
-            <p:blipFill>
-              <a:blip r:embed="rId13"/>
-              <a:stretch>
-                <a:fillRect/>
-              </a:stretch>
-            </p:blipFill>
-            <p:spPr>
-              <a:xfrm>
-                <a:off x="7389691" y="4712393"/>
-                <a:ext cx="419760" cy="1688040"/>
-              </a:xfrm>
-              <a:prstGeom prst="rect">
-                <a:avLst/>
-              </a:prstGeom>
-            </p:spPr>
-          </p:pic>
-        </mc:Fallback>
-      </mc:AlternateContent>
-      <mc:AlternateContent xmlns:mc="http://schemas.openxmlformats.org/markup-compatibility/2006">
-        <mc:Choice xmlns:p14="http://schemas.microsoft.com/office/powerpoint/2010/main" Requires="p14">
-          <p:contentPart p14:bwMode="auto" r:id="rId14">
-            <p14:nvContentPartPr>
-              <p14:cNvPr id="63" name="Ink 62">
-                <a:extLst>
-                  <a:ext uri="{FF2B5EF4-FFF2-40B4-BE49-F238E27FC236}">
-                    <a16:creationId xmlns:a16="http://schemas.microsoft.com/office/drawing/2014/main" id="{5D5C892E-3F71-4A92-B507-F5EFF69B5771}"/>
-                  </a:ext>
-                </a:extLst>
-              </p14:cNvPr>
-              <p14:cNvContentPartPr/>
-              <p14:nvPr/>
-            </p14:nvContentPartPr>
-            <p14:xfrm>
-              <a:off x="6391411" y="4680713"/>
-              <a:ext cx="1335600" cy="442080"/>
-            </p14:xfrm>
-          </p:contentPart>
-        </mc:Choice>
-        <mc:Fallback>
-          <p:pic>
-            <p:nvPicPr>
-              <p:cNvPr id="63" name="Ink 62">
-                <a:extLst>
-                  <a:ext uri="{FF2B5EF4-FFF2-40B4-BE49-F238E27FC236}">
-                    <a16:creationId xmlns:a16="http://schemas.microsoft.com/office/drawing/2014/main" id="{5D5C892E-3F71-4A92-B507-F5EFF69B5771}"/>
-                  </a:ext>
-                </a:extLst>
-              </p:cNvPr>
-              <p:cNvPicPr/>
-              <p:nvPr/>
-            </p:nvPicPr>
-            <p:blipFill>
-              <a:blip r:embed="rId15"/>
-              <a:stretch>
-                <a:fillRect/>
-              </a:stretch>
-            </p:blipFill>
-            <p:spPr>
-              <a:xfrm>
-                <a:off x="6382411" y="4671713"/>
-                <a:ext cx="1353240" cy="459720"/>
-              </a:xfrm>
-              <a:prstGeom prst="rect">
-                <a:avLst/>
-              </a:prstGeom>
-            </p:spPr>
-          </p:pic>
-        </mc:Fallback>
-      </mc:AlternateContent>
-      <mc:AlternateContent xmlns:mc="http://schemas.openxmlformats.org/markup-compatibility/2006">
-        <mc:Choice xmlns:p14="http://schemas.microsoft.com/office/powerpoint/2010/main" Requires="p14">
-          <p:contentPart p14:bwMode="auto" r:id="rId16">
-            <p14:nvContentPartPr>
-              <p14:cNvPr id="68" name="Ink 67">
-                <a:extLst>
-                  <a:ext uri="{FF2B5EF4-FFF2-40B4-BE49-F238E27FC236}">
-                    <a16:creationId xmlns:a16="http://schemas.microsoft.com/office/drawing/2014/main" id="{0CB3EB12-BC50-430C-B760-7C17D514EFFD}"/>
-                  </a:ext>
-                </a:extLst>
-              </p14:cNvPr>
-              <p14:cNvContentPartPr/>
-              <p14:nvPr/>
-            </p14:nvContentPartPr>
-            <p14:xfrm>
-              <a:off x="6699211" y="1502273"/>
-              <a:ext cx="187200" cy="9720"/>
-            </p14:xfrm>
-          </p:contentPart>
-        </mc:Choice>
-        <mc:Fallback>
-          <p:pic>
-            <p:nvPicPr>
-              <p:cNvPr id="68" name="Ink 67">
-                <a:extLst>
-                  <a:ext uri="{FF2B5EF4-FFF2-40B4-BE49-F238E27FC236}">
-                    <a16:creationId xmlns:a16="http://schemas.microsoft.com/office/drawing/2014/main" id="{0CB3EB12-BC50-430C-B760-7C17D514EFFD}"/>
-                  </a:ext>
-                </a:extLst>
-              </p:cNvPr>
-              <p:cNvPicPr/>
-              <p:nvPr/>
-            </p:nvPicPr>
-            <p:blipFill>
-              <a:blip r:embed="rId17"/>
-              <a:stretch>
-                <a:fillRect/>
-              </a:stretch>
-            </p:blipFill>
-            <p:spPr>
-              <a:xfrm>
-                <a:off x="6690211" y="1493273"/>
-                <a:ext cx="204840" cy="27360"/>
-              </a:xfrm>
-              <a:prstGeom prst="rect">
-                <a:avLst/>
-              </a:prstGeom>
-            </p:spPr>
-          </p:pic>
-        </mc:Fallback>
-      </mc:AlternateContent>
-      <mc:AlternateContent xmlns:mc="http://schemas.openxmlformats.org/markup-compatibility/2006">
-        <mc:Choice xmlns:p14="http://schemas.microsoft.com/office/powerpoint/2010/main" Requires="p14">
-          <p:contentPart p14:bwMode="auto" r:id="rId18">
-            <p14:nvContentPartPr>
-              <p14:cNvPr id="69" name="Ink 68">
-                <a:extLst>
-                  <a:ext uri="{FF2B5EF4-FFF2-40B4-BE49-F238E27FC236}">
-                    <a16:creationId xmlns:a16="http://schemas.microsoft.com/office/drawing/2014/main" id="{141F362D-078E-4BC0-908B-66E6614DADC2}"/>
-                  </a:ext>
-                </a:extLst>
-              </p14:cNvPr>
-              <p14:cNvContentPartPr/>
-              <p14:nvPr/>
-            </p14:nvContentPartPr>
-            <p14:xfrm>
-              <a:off x="7567171" y="1754273"/>
-              <a:ext cx="205560" cy="46800"/>
-            </p14:xfrm>
-          </p:contentPart>
-        </mc:Choice>
-        <mc:Fallback>
-          <p:pic>
-            <p:nvPicPr>
-              <p:cNvPr id="69" name="Ink 68">
-                <a:extLst>
-                  <a:ext uri="{FF2B5EF4-FFF2-40B4-BE49-F238E27FC236}">
-                    <a16:creationId xmlns:a16="http://schemas.microsoft.com/office/drawing/2014/main" id="{141F362D-078E-4BC0-908B-66E6614DADC2}"/>
-                  </a:ext>
-                </a:extLst>
-              </p:cNvPr>
-              <p:cNvPicPr/>
-              <p:nvPr/>
-            </p:nvPicPr>
-            <p:blipFill>
-              <a:blip r:embed="rId19"/>
-              <a:stretch>
-                <a:fillRect/>
-              </a:stretch>
-            </p:blipFill>
-            <p:spPr>
-              <a:xfrm>
-                <a:off x="7558171" y="1745273"/>
-                <a:ext cx="223200" cy="64440"/>
-              </a:xfrm>
-              <a:prstGeom prst="rect">
-                <a:avLst/>
-              </a:prstGeom>
-            </p:spPr>
-          </p:pic>
-        </mc:Fallback>
-      </mc:AlternateContent>
-      <mc:AlternateContent xmlns:mc="http://schemas.openxmlformats.org/markup-compatibility/2006">
-        <mc:Choice xmlns:p14="http://schemas.microsoft.com/office/powerpoint/2010/main" Requires="p14">
-          <p:contentPart p14:bwMode="auto" r:id="rId20">
-            <p14:nvContentPartPr>
-              <p14:cNvPr id="70" name="Ink 69">
-                <a:extLst>
-                  <a:ext uri="{FF2B5EF4-FFF2-40B4-BE49-F238E27FC236}">
-                    <a16:creationId xmlns:a16="http://schemas.microsoft.com/office/drawing/2014/main" id="{82F87BD7-4AB2-4EB7-BDF2-1BB8F6B79EEB}"/>
-                  </a:ext>
-                </a:extLst>
-              </p14:cNvPr>
-              <p14:cNvContentPartPr/>
-              <p14:nvPr/>
-            </p14:nvContentPartPr>
-            <p14:xfrm>
-              <a:off x="7705051" y="2080793"/>
-              <a:ext cx="160920" cy="84240"/>
-            </p14:xfrm>
-          </p:contentPart>
-        </mc:Choice>
-        <mc:Fallback>
-          <p:pic>
-            <p:nvPicPr>
-              <p:cNvPr id="70" name="Ink 69">
-                <a:extLst>
-                  <a:ext uri="{FF2B5EF4-FFF2-40B4-BE49-F238E27FC236}">
-                    <a16:creationId xmlns:a16="http://schemas.microsoft.com/office/drawing/2014/main" id="{82F87BD7-4AB2-4EB7-BDF2-1BB8F6B79EEB}"/>
-                  </a:ext>
-                </a:extLst>
-              </p:cNvPr>
-              <p:cNvPicPr/>
-              <p:nvPr/>
-            </p:nvPicPr>
-            <p:blipFill>
-              <a:blip r:embed="rId21"/>
-              <a:stretch>
-                <a:fillRect/>
-              </a:stretch>
-            </p:blipFill>
-            <p:spPr>
-              <a:xfrm>
-                <a:off x="7696051" y="2071793"/>
-                <a:ext cx="178560" cy="101880"/>
-              </a:xfrm>
-              <a:prstGeom prst="rect">
-                <a:avLst/>
-              </a:prstGeom>
-            </p:spPr>
-          </p:pic>
-        </mc:Fallback>
-      </mc:AlternateContent>
-      <mc:AlternateContent xmlns:mc="http://schemas.openxmlformats.org/markup-compatibility/2006">
-        <mc:Choice xmlns:p14="http://schemas.microsoft.com/office/powerpoint/2010/main" Requires="p14">
-          <p:contentPart p14:bwMode="auto" r:id="rId22">
-            <p14:nvContentPartPr>
-              <p14:cNvPr id="71" name="Ink 70">
-                <a:extLst>
-                  <a:ext uri="{FF2B5EF4-FFF2-40B4-BE49-F238E27FC236}">
-                    <a16:creationId xmlns:a16="http://schemas.microsoft.com/office/drawing/2014/main" id="{4E6EB08F-7638-4579-856A-5E21B6D514F2}"/>
-                  </a:ext>
-                </a:extLst>
-              </p14:cNvPr>
-              <p14:cNvContentPartPr/>
-              <p14:nvPr/>
-            </p14:nvContentPartPr>
-            <p14:xfrm>
-              <a:off x="8388331" y="2293553"/>
-              <a:ext cx="149400" cy="48960"/>
-            </p14:xfrm>
-          </p:contentPart>
-        </mc:Choice>
-        <mc:Fallback>
-          <p:pic>
-            <p:nvPicPr>
-              <p:cNvPr id="71" name="Ink 70">
-                <a:extLst>
-                  <a:ext uri="{FF2B5EF4-FFF2-40B4-BE49-F238E27FC236}">
-                    <a16:creationId xmlns:a16="http://schemas.microsoft.com/office/drawing/2014/main" id="{4E6EB08F-7638-4579-856A-5E21B6D514F2}"/>
-                  </a:ext>
-                </a:extLst>
-              </p:cNvPr>
-              <p:cNvPicPr/>
-              <p:nvPr/>
-            </p:nvPicPr>
-            <p:blipFill>
-              <a:blip r:embed="rId23"/>
-              <a:stretch>
-                <a:fillRect/>
-              </a:stretch>
-            </p:blipFill>
-            <p:spPr>
-              <a:xfrm>
-                <a:off x="8379331" y="2284553"/>
-                <a:ext cx="167040" cy="66600"/>
-              </a:xfrm>
-              <a:prstGeom prst="rect">
-                <a:avLst/>
-              </a:prstGeom>
-            </p:spPr>
-          </p:pic>
-        </mc:Fallback>
-      </mc:AlternateContent>
-      <mc:AlternateContent xmlns:mc="http://schemas.openxmlformats.org/markup-compatibility/2006">
-        <mc:Choice xmlns:p14="http://schemas.microsoft.com/office/powerpoint/2010/main" Requires="p14">
-          <p:contentPart p14:bwMode="auto" r:id="rId24">
-            <p14:nvContentPartPr>
-              <p14:cNvPr id="72" name="Ink 71">
-                <a:extLst>
-                  <a:ext uri="{FF2B5EF4-FFF2-40B4-BE49-F238E27FC236}">
-                    <a16:creationId xmlns:a16="http://schemas.microsoft.com/office/drawing/2014/main" id="{7FDD9E10-E1C5-4D1F-835E-63B50041F2E4}"/>
-                  </a:ext>
-                </a:extLst>
-              </p14:cNvPr>
-              <p14:cNvContentPartPr/>
-              <p14:nvPr/>
-            </p14:nvContentPartPr>
-            <p14:xfrm>
-              <a:off x="8108251" y="2593793"/>
-              <a:ext cx="102960" cy="56520"/>
-            </p14:xfrm>
-          </p:contentPart>
-        </mc:Choice>
-        <mc:Fallback>
-          <p:pic>
-            <p:nvPicPr>
-              <p:cNvPr id="72" name="Ink 71">
-                <a:extLst>
-                  <a:ext uri="{FF2B5EF4-FFF2-40B4-BE49-F238E27FC236}">
-                    <a16:creationId xmlns:a16="http://schemas.microsoft.com/office/drawing/2014/main" id="{7FDD9E10-E1C5-4D1F-835E-63B50041F2E4}"/>
-                  </a:ext>
-                </a:extLst>
-              </p:cNvPr>
-              <p:cNvPicPr/>
-              <p:nvPr/>
-            </p:nvPicPr>
-            <p:blipFill>
-              <a:blip r:embed="rId25"/>
-              <a:stretch>
-                <a:fillRect/>
-              </a:stretch>
-            </p:blipFill>
-            <p:spPr>
-              <a:xfrm>
-                <a:off x="8099251" y="2584793"/>
-                <a:ext cx="120600" cy="74160"/>
-              </a:xfrm>
-              <a:prstGeom prst="rect">
-                <a:avLst/>
-              </a:prstGeom>
-            </p:spPr>
-          </p:pic>
-        </mc:Fallback>
-      </mc:AlternateContent>
-      <mc:AlternateContent xmlns:mc="http://schemas.openxmlformats.org/markup-compatibility/2006">
-        <mc:Choice xmlns:p14="http://schemas.microsoft.com/office/powerpoint/2010/main" Requires="p14">
-          <p:contentPart p14:bwMode="auto" r:id="rId26">
-            <p14:nvContentPartPr>
-              <p14:cNvPr id="73" name="Ink 72">
-                <a:extLst>
-                  <a:ext uri="{FF2B5EF4-FFF2-40B4-BE49-F238E27FC236}">
-                    <a16:creationId xmlns:a16="http://schemas.microsoft.com/office/drawing/2014/main" id="{77B2CD85-869F-4847-B252-807E2527D337}"/>
-                  </a:ext>
-                </a:extLst>
-              </p14:cNvPr>
-              <p14:cNvContentPartPr/>
-              <p14:nvPr/>
-            </p14:nvContentPartPr>
-            <p14:xfrm>
-              <a:off x="8192131" y="2901953"/>
-              <a:ext cx="112320" cy="18720"/>
-            </p14:xfrm>
-          </p:contentPart>
-        </mc:Choice>
-        <mc:Fallback>
-          <p:pic>
-            <p:nvPicPr>
-              <p:cNvPr id="73" name="Ink 72">
-                <a:extLst>
-                  <a:ext uri="{FF2B5EF4-FFF2-40B4-BE49-F238E27FC236}">
-                    <a16:creationId xmlns:a16="http://schemas.microsoft.com/office/drawing/2014/main" id="{77B2CD85-869F-4847-B252-807E2527D337}"/>
-                  </a:ext>
-                </a:extLst>
-              </p:cNvPr>
-              <p:cNvPicPr/>
-              <p:nvPr/>
-            </p:nvPicPr>
-            <p:blipFill>
-              <a:blip r:embed="rId27"/>
-              <a:stretch>
-                <a:fillRect/>
-              </a:stretch>
-            </p:blipFill>
-            <p:spPr>
-              <a:xfrm>
-                <a:off x="8183131" y="2892953"/>
-                <a:ext cx="129960" cy="36360"/>
-              </a:xfrm>
-              <a:prstGeom prst="rect">
-                <a:avLst/>
-              </a:prstGeom>
-            </p:spPr>
-          </p:pic>
-        </mc:Fallback>
-      </mc:AlternateContent>
-      <mc:AlternateContent xmlns:mc="http://schemas.openxmlformats.org/markup-compatibility/2006">
-        <mc:Choice xmlns:p14="http://schemas.microsoft.com/office/powerpoint/2010/main" Requires="p14">
-          <p:contentPart p14:bwMode="auto" r:id="rId28">
-            <p14:nvContentPartPr>
-              <p14:cNvPr id="74" name="Ink 73">
-                <a:extLst>
-                  <a:ext uri="{FF2B5EF4-FFF2-40B4-BE49-F238E27FC236}">
-                    <a16:creationId xmlns:a16="http://schemas.microsoft.com/office/drawing/2014/main" id="{F26BE2AA-8B2A-4AA0-9DE7-30A630800EAA}"/>
-                  </a:ext>
-                </a:extLst>
-              </p14:cNvPr>
-              <p14:cNvContentPartPr/>
-              <p14:nvPr/>
-            </p14:nvContentPartPr>
-            <p14:xfrm>
-              <a:off x="8192131" y="3209753"/>
-              <a:ext cx="84600" cy="37800"/>
-            </p14:xfrm>
-          </p:contentPart>
-        </mc:Choice>
-        <mc:Fallback>
-          <p:pic>
-            <p:nvPicPr>
-              <p:cNvPr id="74" name="Ink 73">
-                <a:extLst>
-                  <a:ext uri="{FF2B5EF4-FFF2-40B4-BE49-F238E27FC236}">
-                    <a16:creationId xmlns:a16="http://schemas.microsoft.com/office/drawing/2014/main" id="{F26BE2AA-8B2A-4AA0-9DE7-30A630800EAA}"/>
-                  </a:ext>
-                </a:extLst>
-              </p:cNvPr>
-              <p:cNvPicPr/>
-              <p:nvPr/>
-            </p:nvPicPr>
-            <p:blipFill>
-              <a:blip r:embed="rId29"/>
-              <a:stretch>
-                <a:fillRect/>
-              </a:stretch>
-            </p:blipFill>
-            <p:spPr>
-              <a:xfrm>
-                <a:off x="8183131" y="3200753"/>
-                <a:ext cx="102240" cy="55440"/>
-              </a:xfrm>
-              <a:prstGeom prst="rect">
-                <a:avLst/>
-              </a:prstGeom>
-            </p:spPr>
-          </p:pic>
-        </mc:Fallback>
-      </mc:AlternateContent>
-      <mc:AlternateContent xmlns:mc="http://schemas.openxmlformats.org/markup-compatibility/2006">
-        <mc:Choice xmlns:p14="http://schemas.microsoft.com/office/powerpoint/2010/main" Requires="p14">
-          <p:contentPart p14:bwMode="auto" r:id="rId30">
-            <p14:nvContentPartPr>
-              <p14:cNvPr id="75" name="Ink 74">
-                <a:extLst>
-                  <a:ext uri="{FF2B5EF4-FFF2-40B4-BE49-F238E27FC236}">
-                    <a16:creationId xmlns:a16="http://schemas.microsoft.com/office/drawing/2014/main" id="{0F2FE638-C712-461E-BE1B-FC47A3697DCF}"/>
-                  </a:ext>
-                </a:extLst>
-              </p14:cNvPr>
-              <p14:cNvContentPartPr/>
-              <p14:nvPr/>
-            </p14:nvContentPartPr>
-            <p14:xfrm>
-              <a:off x="8024371" y="3443033"/>
-              <a:ext cx="84240" cy="9720"/>
-            </p14:xfrm>
-          </p:contentPart>
-        </mc:Choice>
-        <mc:Fallback>
-          <p:pic>
-            <p:nvPicPr>
-              <p:cNvPr id="75" name="Ink 74">
-                <a:extLst>
-                  <a:ext uri="{FF2B5EF4-FFF2-40B4-BE49-F238E27FC236}">
-                    <a16:creationId xmlns:a16="http://schemas.microsoft.com/office/drawing/2014/main" id="{0F2FE638-C712-461E-BE1B-FC47A3697DCF}"/>
-                  </a:ext>
-                </a:extLst>
-              </p:cNvPr>
-              <p:cNvPicPr/>
-              <p:nvPr/>
-            </p:nvPicPr>
-            <p:blipFill>
-              <a:blip r:embed="rId31"/>
-              <a:stretch>
-                <a:fillRect/>
-              </a:stretch>
-            </p:blipFill>
-            <p:spPr>
-              <a:xfrm>
-                <a:off x="8015371" y="3434033"/>
-                <a:ext cx="101880" cy="27360"/>
-              </a:xfrm>
-              <a:prstGeom prst="rect">
-                <a:avLst/>
-              </a:prstGeom>
-            </p:spPr>
-          </p:pic>
-        </mc:Fallback>
-      </mc:AlternateContent>
-      <mc:AlternateContent xmlns:mc="http://schemas.openxmlformats.org/markup-compatibility/2006">
-        <mc:Choice xmlns:p14="http://schemas.microsoft.com/office/powerpoint/2010/main" Requires="p14">
-          <p:contentPart p14:bwMode="auto" r:id="rId32">
-            <p14:nvContentPartPr>
-              <p14:cNvPr id="76" name="Ink 75">
-                <a:extLst>
-                  <a:ext uri="{FF2B5EF4-FFF2-40B4-BE49-F238E27FC236}">
-                    <a16:creationId xmlns:a16="http://schemas.microsoft.com/office/drawing/2014/main" id="{86A14AC6-ED3D-4582-8BA9-D49CB504EBF7}"/>
-                  </a:ext>
-                </a:extLst>
-              </p14:cNvPr>
-              <p14:cNvContentPartPr/>
-              <p14:nvPr/>
-            </p14:nvContentPartPr>
-            <p14:xfrm>
-              <a:off x="9274651" y="3666953"/>
-              <a:ext cx="102960" cy="47160"/>
-            </p14:xfrm>
-          </p:contentPart>
-        </mc:Choice>
-        <mc:Fallback>
-          <p:pic>
-            <p:nvPicPr>
-              <p:cNvPr id="76" name="Ink 75">
-                <a:extLst>
-                  <a:ext uri="{FF2B5EF4-FFF2-40B4-BE49-F238E27FC236}">
-                    <a16:creationId xmlns:a16="http://schemas.microsoft.com/office/drawing/2014/main" id="{86A14AC6-ED3D-4582-8BA9-D49CB504EBF7}"/>
-                  </a:ext>
-                </a:extLst>
-              </p:cNvPr>
-              <p:cNvPicPr/>
-              <p:nvPr/>
-            </p:nvPicPr>
-            <p:blipFill>
-              <a:blip r:embed="rId33"/>
-              <a:stretch>
-                <a:fillRect/>
-              </a:stretch>
-            </p:blipFill>
-            <p:spPr>
-              <a:xfrm>
-                <a:off x="9265651" y="3657953"/>
-                <a:ext cx="120600" cy="64800"/>
-              </a:xfrm>
-              <a:prstGeom prst="rect">
-                <a:avLst/>
-              </a:prstGeom>
-            </p:spPr>
-          </p:pic>
-        </mc:Fallback>
-      </mc:AlternateContent>
-      <mc:AlternateContent xmlns:mc="http://schemas.openxmlformats.org/markup-compatibility/2006">
-        <mc:Choice xmlns:p14="http://schemas.microsoft.com/office/powerpoint/2010/main" Requires="p14">
-          <p:contentPart p14:bwMode="auto" r:id="rId34">
-            <p14:nvContentPartPr>
-              <p14:cNvPr id="77" name="Ink 76">
-                <a:extLst>
-                  <a:ext uri="{FF2B5EF4-FFF2-40B4-BE49-F238E27FC236}">
-                    <a16:creationId xmlns:a16="http://schemas.microsoft.com/office/drawing/2014/main" id="{A01B864D-4E15-4153-A735-F9C9E55A2E1F}"/>
-                  </a:ext>
-                </a:extLst>
-              </p14:cNvPr>
-              <p14:cNvContentPartPr/>
-              <p14:nvPr/>
-            </p14:nvContentPartPr>
-            <p14:xfrm>
-              <a:off x="8453491" y="3900233"/>
-              <a:ext cx="102960" cy="37800"/>
-            </p14:xfrm>
-          </p:contentPart>
-        </mc:Choice>
-        <mc:Fallback>
-          <p:pic>
-            <p:nvPicPr>
-              <p:cNvPr id="77" name="Ink 76">
-                <a:extLst>
-                  <a:ext uri="{FF2B5EF4-FFF2-40B4-BE49-F238E27FC236}">
-                    <a16:creationId xmlns:a16="http://schemas.microsoft.com/office/drawing/2014/main" id="{A01B864D-4E15-4153-A735-F9C9E55A2E1F}"/>
-                  </a:ext>
-                </a:extLst>
-              </p:cNvPr>
-              <p:cNvPicPr/>
-              <p:nvPr/>
-            </p:nvPicPr>
-            <p:blipFill>
-              <a:blip r:embed="rId35"/>
-              <a:stretch>
-                <a:fillRect/>
-              </a:stretch>
-            </p:blipFill>
-            <p:spPr>
-              <a:xfrm>
-                <a:off x="8444491" y="3891233"/>
-                <a:ext cx="120600" cy="55440"/>
-              </a:xfrm>
-              <a:prstGeom prst="rect">
-                <a:avLst/>
-              </a:prstGeom>
-            </p:spPr>
-          </p:pic>
-        </mc:Fallback>
-      </mc:AlternateContent>
-      <mc:AlternateContent xmlns:mc="http://schemas.openxmlformats.org/markup-compatibility/2006">
-        <mc:Choice xmlns:p14="http://schemas.microsoft.com/office/powerpoint/2010/main" Requires="p14">
-          <p:contentPart p14:bwMode="auto" r:id="rId36">
-            <p14:nvContentPartPr>
-              <p14:cNvPr id="78" name="Ink 77">
-                <a:extLst>
-                  <a:ext uri="{FF2B5EF4-FFF2-40B4-BE49-F238E27FC236}">
-                    <a16:creationId xmlns:a16="http://schemas.microsoft.com/office/drawing/2014/main" id="{B62A2A66-43D6-414A-817D-BB0189D2CA52}"/>
-                  </a:ext>
-                </a:extLst>
-              </p14:cNvPr>
-              <p14:cNvContentPartPr/>
-              <p14:nvPr/>
-            </p14:nvContentPartPr>
-            <p14:xfrm>
-              <a:off x="8210851" y="4198673"/>
-              <a:ext cx="102960" cy="56520"/>
-            </p14:xfrm>
-          </p:contentPart>
-        </mc:Choice>
-        <mc:Fallback>
-          <p:pic>
-            <p:nvPicPr>
-              <p:cNvPr id="78" name="Ink 77">
-                <a:extLst>
-                  <a:ext uri="{FF2B5EF4-FFF2-40B4-BE49-F238E27FC236}">
-                    <a16:creationId xmlns:a16="http://schemas.microsoft.com/office/drawing/2014/main" id="{B62A2A66-43D6-414A-817D-BB0189D2CA52}"/>
-                  </a:ext>
-                </a:extLst>
-              </p:cNvPr>
-              <p:cNvPicPr/>
-              <p:nvPr/>
-            </p:nvPicPr>
-            <p:blipFill>
-              <a:blip r:embed="rId37"/>
-              <a:stretch>
-                <a:fillRect/>
-              </a:stretch>
-            </p:blipFill>
-            <p:spPr>
-              <a:xfrm>
-                <a:off x="8201851" y="4189673"/>
-                <a:ext cx="120600" cy="74160"/>
-              </a:xfrm>
-              <a:prstGeom prst="rect">
-                <a:avLst/>
-              </a:prstGeom>
-            </p:spPr>
-          </p:pic>
-        </mc:Fallback>
-      </mc:AlternateContent>
-      <mc:AlternateContent xmlns:mc="http://schemas.openxmlformats.org/markup-compatibility/2006">
-        <mc:Choice xmlns:p14="http://schemas.microsoft.com/office/powerpoint/2010/main" Requires="p14">
-          <p:contentPart p14:bwMode="auto" r:id="rId38">
-            <p14:nvContentPartPr>
-              <p14:cNvPr id="83" name="Ink 82">
-                <a:extLst>
-                  <a:ext uri="{FF2B5EF4-FFF2-40B4-BE49-F238E27FC236}">
-                    <a16:creationId xmlns:a16="http://schemas.microsoft.com/office/drawing/2014/main" id="{43D9D3D8-B1DE-4EF7-9E03-05685CBF1255}"/>
-                  </a:ext>
-                </a:extLst>
-              </p14:cNvPr>
-              <p14:cNvContentPartPr/>
-              <p14:nvPr/>
-            </p14:nvContentPartPr>
-            <p14:xfrm>
-              <a:off x="5467651" y="2471753"/>
-              <a:ext cx="271080" cy="225000"/>
-            </p14:xfrm>
-          </p:contentPart>
-        </mc:Choice>
-        <mc:Fallback>
-          <p:pic>
-            <p:nvPicPr>
-              <p:cNvPr id="83" name="Ink 82">
-                <a:extLst>
-                  <a:ext uri="{FF2B5EF4-FFF2-40B4-BE49-F238E27FC236}">
-                    <a16:creationId xmlns:a16="http://schemas.microsoft.com/office/drawing/2014/main" id="{43D9D3D8-B1DE-4EF7-9E03-05685CBF1255}"/>
-                  </a:ext>
-                </a:extLst>
-              </p:cNvPr>
-              <p:cNvPicPr/>
-              <p:nvPr/>
-            </p:nvPicPr>
-            <p:blipFill>
-              <a:blip r:embed="rId39"/>
-              <a:stretch>
-                <a:fillRect/>
-              </a:stretch>
-            </p:blipFill>
-            <p:spPr>
-              <a:xfrm>
-                <a:off x="5458651" y="2462753"/>
-                <a:ext cx="288720" cy="242640"/>
-              </a:xfrm>
-              <a:prstGeom prst="rect">
-                <a:avLst/>
-              </a:prstGeom>
-            </p:spPr>
-          </p:pic>
-        </mc:Fallback>
-      </mc:AlternateContent>
-      <mc:AlternateContent xmlns:mc="http://schemas.openxmlformats.org/markup-compatibility/2006">
-        <mc:Choice xmlns:p14="http://schemas.microsoft.com/office/powerpoint/2010/main" Requires="p14">
-          <p:contentPart p14:bwMode="auto" r:id="rId40">
-            <p14:nvContentPartPr>
-              <p14:cNvPr id="96" name="Ink 95">
-                <a:extLst>
-                  <a:ext uri="{FF2B5EF4-FFF2-40B4-BE49-F238E27FC236}">
-                    <a16:creationId xmlns:a16="http://schemas.microsoft.com/office/drawing/2014/main" id="{6EB10A36-0884-4D85-9327-FCB09201FCC1}"/>
-                  </a:ext>
-                </a:extLst>
-              </p14:cNvPr>
-              <p14:cNvContentPartPr/>
-              <p14:nvPr/>
-            </p14:nvContentPartPr>
-            <p14:xfrm>
-              <a:off x="4422571" y="1502273"/>
-              <a:ext cx="1465560" cy="2762280"/>
-            </p14:xfrm>
-          </p:contentPart>
-        </mc:Choice>
-        <mc:Fallback>
-          <p:pic>
-            <p:nvPicPr>
-              <p:cNvPr id="96" name="Ink 95">
-                <a:extLst>
-                  <a:ext uri="{FF2B5EF4-FFF2-40B4-BE49-F238E27FC236}">
-                    <a16:creationId xmlns:a16="http://schemas.microsoft.com/office/drawing/2014/main" id="{6EB10A36-0884-4D85-9327-FCB09201FCC1}"/>
-                  </a:ext>
-                </a:extLst>
-              </p:cNvPr>
-              <p:cNvPicPr/>
-              <p:nvPr/>
-            </p:nvPicPr>
-            <p:blipFill>
-              <a:blip r:embed="rId41"/>
-              <a:stretch>
-                <a:fillRect/>
-              </a:stretch>
-            </p:blipFill>
-            <p:spPr>
-              <a:xfrm>
-                <a:off x="4413571" y="1493273"/>
-                <a:ext cx="1483200" cy="2779920"/>
-              </a:xfrm>
-              <a:prstGeom prst="rect">
-                <a:avLst/>
-              </a:prstGeom>
-            </p:spPr>
-          </p:pic>
-        </mc:Fallback>
-      </mc:AlternateContent>
-      <mc:AlternateContent xmlns:mc="http://schemas.openxmlformats.org/markup-compatibility/2006">
-        <mc:Choice xmlns:p14="http://schemas.microsoft.com/office/powerpoint/2010/main" Requires="p14">
-          <p:contentPart p14:bwMode="auto" r:id="rId42">
-            <p14:nvContentPartPr>
-              <p14:cNvPr id="100" name="Ink 99">
-                <a:extLst>
-                  <a:ext uri="{FF2B5EF4-FFF2-40B4-BE49-F238E27FC236}">
-                    <a16:creationId xmlns:a16="http://schemas.microsoft.com/office/drawing/2014/main" id="{2F469D56-167B-494F-A2B2-7292DCE8A76F}"/>
-                  </a:ext>
-                </a:extLst>
-              </p14:cNvPr>
-              <p14:cNvContentPartPr/>
-              <p14:nvPr/>
-            </p14:nvContentPartPr>
-            <p14:xfrm>
-              <a:off x="4917211" y="3137393"/>
-              <a:ext cx="131760" cy="100800"/>
-            </p14:xfrm>
-          </p:contentPart>
-        </mc:Choice>
-        <mc:Fallback>
-          <p:pic>
-            <p:nvPicPr>
-              <p:cNvPr id="100" name="Ink 99">
-                <a:extLst>
-                  <a:ext uri="{FF2B5EF4-FFF2-40B4-BE49-F238E27FC236}">
-                    <a16:creationId xmlns:a16="http://schemas.microsoft.com/office/drawing/2014/main" id="{2F469D56-167B-494F-A2B2-7292DCE8A76F}"/>
-                  </a:ext>
-                </a:extLst>
-              </p:cNvPr>
-              <p:cNvPicPr/>
-              <p:nvPr/>
-            </p:nvPicPr>
-            <p:blipFill>
-              <a:blip r:embed="rId43"/>
-              <a:stretch>
-                <a:fillRect/>
-              </a:stretch>
-            </p:blipFill>
-            <p:spPr>
-              <a:xfrm>
-                <a:off x="4908211" y="3128393"/>
-                <a:ext cx="149400" cy="118440"/>
-              </a:xfrm>
-              <a:prstGeom prst="rect">
-                <a:avLst/>
-              </a:prstGeom>
-            </p:spPr>
-          </p:pic>
-        </mc:Fallback>
-      </mc:AlternateContent>
-      <mc:AlternateContent xmlns:mc="http://schemas.openxmlformats.org/markup-compatibility/2006">
-        <mc:Choice xmlns:p14="http://schemas.microsoft.com/office/powerpoint/2010/main" Requires="p14">
-          <p:contentPart p14:bwMode="auto" r:id="rId44">
-            <p14:nvContentPartPr>
-              <p14:cNvPr id="124" name="Ink 123">
-                <a:extLst>
-                  <a:ext uri="{FF2B5EF4-FFF2-40B4-BE49-F238E27FC236}">
-                    <a16:creationId xmlns:a16="http://schemas.microsoft.com/office/drawing/2014/main" id="{F26AD4BC-22D7-47E1-8FC2-6C8C06965364}"/>
-                  </a:ext>
-                </a:extLst>
-              </p14:cNvPr>
-              <p14:cNvContentPartPr/>
-              <p14:nvPr/>
-            </p14:nvContentPartPr>
-            <p14:xfrm>
-              <a:off x="9395611" y="4021193"/>
-              <a:ext cx="1848240" cy="821880"/>
-            </p14:xfrm>
-          </p:contentPart>
-        </mc:Choice>
-        <mc:Fallback>
-          <p:pic>
-            <p:nvPicPr>
-              <p:cNvPr id="124" name="Ink 123">
-                <a:extLst>
-                  <a:ext uri="{FF2B5EF4-FFF2-40B4-BE49-F238E27FC236}">
-                    <a16:creationId xmlns:a16="http://schemas.microsoft.com/office/drawing/2014/main" id="{F26AD4BC-22D7-47E1-8FC2-6C8C06965364}"/>
-                  </a:ext>
-                </a:extLst>
-              </p:cNvPr>
-              <p:cNvPicPr/>
-              <p:nvPr/>
-            </p:nvPicPr>
-            <p:blipFill>
-              <a:blip r:embed="rId45"/>
-              <a:stretch>
-                <a:fillRect/>
-              </a:stretch>
-            </p:blipFill>
-            <p:spPr>
-              <a:xfrm>
-                <a:off x="9386611" y="4012193"/>
-                <a:ext cx="1865880" cy="839520"/>
-              </a:xfrm>
-              <a:prstGeom prst="rect">
-                <a:avLst/>
-              </a:prstGeom>
-            </p:spPr>
-          </p:pic>
-        </mc:Fallback>
-      </mc:AlternateContent>
-      <mc:AlternateContent xmlns:mc="http://schemas.openxmlformats.org/markup-compatibility/2006">
-        <mc:Choice xmlns:p14="http://schemas.microsoft.com/office/powerpoint/2010/main" Requires="p14">
-          <p:contentPart p14:bwMode="auto" r:id="rId46">
-            <p14:nvContentPartPr>
-              <p14:cNvPr id="138" name="Ink 137">
-                <a:extLst>
-                  <a:ext uri="{FF2B5EF4-FFF2-40B4-BE49-F238E27FC236}">
-                    <a16:creationId xmlns:a16="http://schemas.microsoft.com/office/drawing/2014/main" id="{6BFD5089-BD7A-460B-A2CD-D7405271A2B4}"/>
-                  </a:ext>
-                </a:extLst>
-              </p14:cNvPr>
-              <p14:cNvContentPartPr/>
-              <p14:nvPr/>
-            </p14:nvContentPartPr>
-            <p14:xfrm>
-              <a:off x="9974491" y="905033"/>
-              <a:ext cx="867960" cy="1778760"/>
-            </p14:xfrm>
-          </p:contentPart>
-        </mc:Choice>
-        <mc:Fallback>
-          <p:pic>
-            <p:nvPicPr>
-              <p:cNvPr id="138" name="Ink 137">
-                <a:extLst>
-                  <a:ext uri="{FF2B5EF4-FFF2-40B4-BE49-F238E27FC236}">
-                    <a16:creationId xmlns:a16="http://schemas.microsoft.com/office/drawing/2014/main" id="{6BFD5089-BD7A-460B-A2CD-D7405271A2B4}"/>
-                  </a:ext>
-                </a:extLst>
-              </p:cNvPr>
-              <p:cNvPicPr/>
-              <p:nvPr/>
-            </p:nvPicPr>
-            <p:blipFill>
-              <a:blip r:embed="rId47"/>
-              <a:stretch>
-                <a:fillRect/>
-              </a:stretch>
-            </p:blipFill>
-            <p:spPr>
-              <a:xfrm>
-                <a:off x="9965491" y="896033"/>
-                <a:ext cx="885600" cy="1796400"/>
-              </a:xfrm>
-              <a:prstGeom prst="rect">
-                <a:avLst/>
-              </a:prstGeom>
-            </p:spPr>
-          </p:pic>
-        </mc:Fallback>
-      </mc:AlternateContent>
-      <mc:AlternateContent xmlns:mc="http://schemas.openxmlformats.org/markup-compatibility/2006">
-        <mc:Choice xmlns:p14="http://schemas.microsoft.com/office/powerpoint/2010/main" Requires="p14">
-          <p:contentPart p14:bwMode="auto" r:id="rId48">
-            <p14:nvContentPartPr>
-              <p14:cNvPr id="140" name="Ink 139">
-                <a:extLst>
-                  <a:ext uri="{FF2B5EF4-FFF2-40B4-BE49-F238E27FC236}">
-                    <a16:creationId xmlns:a16="http://schemas.microsoft.com/office/drawing/2014/main" id="{707508CC-D8C2-42E5-BFD8-1DD2C8923ED1}"/>
-                  </a:ext>
-                </a:extLst>
-              </p14:cNvPr>
-              <p14:cNvContentPartPr/>
-              <p14:nvPr/>
-            </p14:nvContentPartPr>
-            <p14:xfrm>
-              <a:off x="4861411" y="6158153"/>
-              <a:ext cx="130680" cy="37800"/>
-            </p14:xfrm>
-          </p:contentPart>
-        </mc:Choice>
-        <mc:Fallback>
-          <p:pic>
-            <p:nvPicPr>
-              <p:cNvPr id="140" name="Ink 139">
-                <a:extLst>
-                  <a:ext uri="{FF2B5EF4-FFF2-40B4-BE49-F238E27FC236}">
-                    <a16:creationId xmlns:a16="http://schemas.microsoft.com/office/drawing/2014/main" id="{707508CC-D8C2-42E5-BFD8-1DD2C8923ED1}"/>
-                  </a:ext>
-                </a:extLst>
-              </p:cNvPr>
-              <p:cNvPicPr/>
-              <p:nvPr/>
-            </p:nvPicPr>
-            <p:blipFill>
-              <a:blip r:embed="rId49"/>
-              <a:stretch>
-                <a:fillRect/>
-              </a:stretch>
-            </p:blipFill>
-            <p:spPr>
-              <a:xfrm>
-                <a:off x="4852411" y="6149153"/>
-                <a:ext cx="148320" cy="55440"/>
-              </a:xfrm>
-              <a:prstGeom prst="rect">
-                <a:avLst/>
-              </a:prstGeom>
-            </p:spPr>
-          </p:pic>
-        </mc:Fallback>
-      </mc:AlternateContent>
-      <mc:AlternateContent xmlns:mc="http://schemas.openxmlformats.org/markup-compatibility/2006">
-        <mc:Choice xmlns:p14="http://schemas.microsoft.com/office/powerpoint/2010/main" Requires="p14">
-          <p:contentPart p14:bwMode="auto" r:id="rId50">
-            <p14:nvContentPartPr>
-              <p14:cNvPr id="166" name="Ink 165">
-                <a:extLst>
-                  <a:ext uri="{FF2B5EF4-FFF2-40B4-BE49-F238E27FC236}">
-                    <a16:creationId xmlns:a16="http://schemas.microsoft.com/office/drawing/2014/main" id="{E5587AB7-123A-4770-B886-E71A093B5F87}"/>
-                  </a:ext>
-                </a:extLst>
-              </p14:cNvPr>
-              <p14:cNvContentPartPr/>
-              <p14:nvPr/>
-            </p14:nvContentPartPr>
-            <p14:xfrm>
-              <a:off x="6266131" y="5409713"/>
-              <a:ext cx="706320" cy="245160"/>
-            </p14:xfrm>
-          </p:contentPart>
-        </mc:Choice>
-        <mc:Fallback>
-          <p:pic>
-            <p:nvPicPr>
-              <p:cNvPr id="166" name="Ink 165">
-                <a:extLst>
-                  <a:ext uri="{FF2B5EF4-FFF2-40B4-BE49-F238E27FC236}">
-                    <a16:creationId xmlns:a16="http://schemas.microsoft.com/office/drawing/2014/main" id="{E5587AB7-123A-4770-B886-E71A093B5F87}"/>
-                  </a:ext>
-                </a:extLst>
-              </p:cNvPr>
-              <p:cNvPicPr/>
-              <p:nvPr/>
-            </p:nvPicPr>
-            <p:blipFill>
-              <a:blip r:embed="rId51"/>
-              <a:stretch>
-                <a:fillRect/>
-              </a:stretch>
-            </p:blipFill>
-            <p:spPr>
-              <a:xfrm>
-                <a:off x="6257131" y="5400713"/>
-                <a:ext cx="723960" cy="262800"/>
-              </a:xfrm>
-              <a:prstGeom prst="rect">
-                <a:avLst/>
-              </a:prstGeom>
-            </p:spPr>
-          </p:pic>
-        </mc:Fallback>
-      </mc:AlternateContent>
-      <mc:AlternateContent xmlns:mc="http://schemas.openxmlformats.org/markup-compatibility/2006">
-        <mc:Choice xmlns:p14="http://schemas.microsoft.com/office/powerpoint/2010/main" Requires="p14">
-          <p:contentPart p14:bwMode="auto" r:id="rId52">
-            <p14:nvContentPartPr>
-              <p14:cNvPr id="172" name="Ink 171">
-                <a:extLst>
-                  <a:ext uri="{FF2B5EF4-FFF2-40B4-BE49-F238E27FC236}">
-                    <a16:creationId xmlns:a16="http://schemas.microsoft.com/office/drawing/2014/main" id="{213E3127-78B3-4A9A-BD30-8F9EDD29E689}"/>
-                  </a:ext>
-                </a:extLst>
-              </p14:cNvPr>
-              <p14:cNvContentPartPr/>
-              <p14:nvPr/>
-            </p14:nvContentPartPr>
-            <p14:xfrm>
-              <a:off x="6409771" y="5812913"/>
-              <a:ext cx="598320" cy="243000"/>
-            </p14:xfrm>
-          </p:contentPart>
-        </mc:Choice>
-        <mc:Fallback>
-          <p:pic>
-            <p:nvPicPr>
-              <p:cNvPr id="172" name="Ink 171">
-                <a:extLst>
-                  <a:ext uri="{FF2B5EF4-FFF2-40B4-BE49-F238E27FC236}">
-                    <a16:creationId xmlns:a16="http://schemas.microsoft.com/office/drawing/2014/main" id="{213E3127-78B3-4A9A-BD30-8F9EDD29E689}"/>
-                  </a:ext>
-                </a:extLst>
-              </p:cNvPr>
-              <p:cNvPicPr/>
-              <p:nvPr/>
-            </p:nvPicPr>
-            <p:blipFill>
-              <a:blip r:embed="rId53"/>
-              <a:stretch>
-                <a:fillRect/>
-              </a:stretch>
-            </p:blipFill>
-            <p:spPr>
-              <a:xfrm>
-                <a:off x="6400771" y="5803913"/>
-                <a:ext cx="615960" cy="260640"/>
-              </a:xfrm>
-              <a:prstGeom prst="rect">
-                <a:avLst/>
-              </a:prstGeom>
-            </p:spPr>
-          </p:pic>
-        </mc:Fallback>
-      </mc:AlternateContent>
-      <mc:AlternateContent xmlns:mc="http://schemas.openxmlformats.org/markup-compatibility/2006">
-        <mc:Choice xmlns:p14="http://schemas.microsoft.com/office/powerpoint/2010/main" Requires="p14">
-          <p:contentPart p14:bwMode="auto" r:id="rId54">
-            <p14:nvContentPartPr>
-              <p14:cNvPr id="215" name="Ink 214">
-                <a:extLst>
-                  <a:ext uri="{FF2B5EF4-FFF2-40B4-BE49-F238E27FC236}">
-                    <a16:creationId xmlns:a16="http://schemas.microsoft.com/office/drawing/2014/main" id="{35395F0B-D2E7-40C8-9D87-98827022CEF4}"/>
-                  </a:ext>
-                </a:extLst>
-              </p14:cNvPr>
-              <p14:cNvContentPartPr/>
-              <p14:nvPr/>
-            </p14:nvContentPartPr>
-            <p14:xfrm>
-              <a:off x="1437091" y="5729033"/>
-              <a:ext cx="1782360" cy="1055520"/>
-            </p14:xfrm>
-          </p:contentPart>
-        </mc:Choice>
-        <mc:Fallback>
-          <p:pic>
-            <p:nvPicPr>
-              <p:cNvPr id="215" name="Ink 214">
-                <a:extLst>
-                  <a:ext uri="{FF2B5EF4-FFF2-40B4-BE49-F238E27FC236}">
-                    <a16:creationId xmlns:a16="http://schemas.microsoft.com/office/drawing/2014/main" id="{35395F0B-D2E7-40C8-9D87-98827022CEF4}"/>
-                  </a:ext>
-                </a:extLst>
-              </p:cNvPr>
-              <p:cNvPicPr/>
-              <p:nvPr/>
-            </p:nvPicPr>
-            <p:blipFill>
-              <a:blip r:embed="rId55"/>
-              <a:stretch>
-                <a:fillRect/>
-              </a:stretch>
-            </p:blipFill>
-            <p:spPr>
-              <a:xfrm>
-                <a:off x="1428091" y="5720033"/>
-                <a:ext cx="1800000" cy="1073160"/>
-              </a:xfrm>
-              <a:prstGeom prst="rect">
-                <a:avLst/>
-              </a:prstGeom>
-            </p:spPr>
-          </p:pic>
-        </mc:Fallback>
-      </mc:AlternateContent>
-      <mc:AlternateContent xmlns:mc="http://schemas.openxmlformats.org/markup-compatibility/2006">
-        <mc:Choice xmlns:p14="http://schemas.microsoft.com/office/powerpoint/2010/main" Requires="p14">
-          <p:contentPart p14:bwMode="auto" r:id="rId56">
-            <p14:nvContentPartPr>
-              <p14:cNvPr id="221" name="Ink 220">
-                <a:extLst>
-                  <a:ext uri="{FF2B5EF4-FFF2-40B4-BE49-F238E27FC236}">
-                    <a16:creationId xmlns:a16="http://schemas.microsoft.com/office/drawing/2014/main" id="{D875F6B1-EDCA-4B6F-957E-148E20A241FC}"/>
-                  </a:ext>
-                </a:extLst>
-              </p14:cNvPr>
-              <p14:cNvContentPartPr/>
-              <p14:nvPr/>
-            </p14:nvContentPartPr>
-            <p14:xfrm>
-              <a:off x="6512731" y="5271833"/>
-              <a:ext cx="149760" cy="168480"/>
-            </p14:xfrm>
-          </p:contentPart>
-        </mc:Choice>
-        <mc:Fallback>
-          <p:pic>
-            <p:nvPicPr>
-              <p:cNvPr id="221" name="Ink 220">
-                <a:extLst>
-                  <a:ext uri="{FF2B5EF4-FFF2-40B4-BE49-F238E27FC236}">
-                    <a16:creationId xmlns:a16="http://schemas.microsoft.com/office/drawing/2014/main" id="{D875F6B1-EDCA-4B6F-957E-148E20A241FC}"/>
-                  </a:ext>
-                </a:extLst>
-              </p:cNvPr>
-              <p:cNvPicPr/>
-              <p:nvPr/>
-            </p:nvPicPr>
-            <p:blipFill>
-              <a:blip r:embed="rId57"/>
-              <a:stretch>
-                <a:fillRect/>
-              </a:stretch>
-            </p:blipFill>
-            <p:spPr>
-              <a:xfrm>
-                <a:off x="6503731" y="5262833"/>
-                <a:ext cx="167400" cy="186120"/>
-              </a:xfrm>
-              <a:prstGeom prst="rect">
-                <a:avLst/>
-              </a:prstGeom>
-            </p:spPr>
-          </p:pic>
-        </mc:Fallback>
-      </mc:AlternateContent>
-      <mc:AlternateContent xmlns:mc="http://schemas.openxmlformats.org/markup-compatibility/2006">
-        <mc:Choice xmlns:p14="http://schemas.microsoft.com/office/powerpoint/2010/main" Requires="p14">
-          <p:contentPart p14:bwMode="auto" r:id="rId58">
-            <p14:nvContentPartPr>
-              <p14:cNvPr id="224" name="Ink 223">
-                <a:extLst>
-                  <a:ext uri="{FF2B5EF4-FFF2-40B4-BE49-F238E27FC236}">
-                    <a16:creationId xmlns:a16="http://schemas.microsoft.com/office/drawing/2014/main" id="{7B526830-4B6C-4468-B85D-2D85B61C1734}"/>
-                  </a:ext>
-                </a:extLst>
-              </p14:cNvPr>
-              <p14:cNvContentPartPr/>
-              <p14:nvPr/>
-            </p14:nvContentPartPr>
-            <p14:xfrm>
-              <a:off x="5617051" y="6306473"/>
-              <a:ext cx="159120" cy="57240"/>
-            </p14:xfrm>
-          </p:contentPart>
-        </mc:Choice>
-        <mc:Fallback>
-          <p:pic>
-            <p:nvPicPr>
-              <p:cNvPr id="224" name="Ink 223">
-                <a:extLst>
-                  <a:ext uri="{FF2B5EF4-FFF2-40B4-BE49-F238E27FC236}">
-                    <a16:creationId xmlns:a16="http://schemas.microsoft.com/office/drawing/2014/main" id="{7B526830-4B6C-4468-B85D-2D85B61C1734}"/>
-                  </a:ext>
-                </a:extLst>
-              </p:cNvPr>
-              <p:cNvPicPr/>
-              <p:nvPr/>
-            </p:nvPicPr>
-            <p:blipFill>
-              <a:blip r:embed="rId59"/>
-              <a:stretch>
-                <a:fillRect/>
-              </a:stretch>
-            </p:blipFill>
-            <p:spPr>
-              <a:xfrm>
-                <a:off x="5608051" y="6297473"/>
-                <a:ext cx="176760" cy="74880"/>
-              </a:xfrm>
-              <a:prstGeom prst="rect">
-                <a:avLst/>
-              </a:prstGeom>
-            </p:spPr>
-          </p:pic>
-        </mc:Fallback>
-      </mc:AlternateContent>
-      <mc:AlternateContent xmlns:mc="http://schemas.openxmlformats.org/markup-compatibility/2006">
-        <mc:Choice xmlns:p14="http://schemas.microsoft.com/office/powerpoint/2010/main" Requires="p14">
-          <p:contentPart p14:bwMode="auto" r:id="rId60">
-            <p14:nvContentPartPr>
-              <p14:cNvPr id="250" name="Ink 249">
-                <a:extLst>
-                  <a:ext uri="{FF2B5EF4-FFF2-40B4-BE49-F238E27FC236}">
-                    <a16:creationId xmlns:a16="http://schemas.microsoft.com/office/drawing/2014/main" id="{2302F013-FCD1-48E5-887D-17061B6D1446}"/>
-                  </a:ext>
-                </a:extLst>
-              </p14:cNvPr>
-              <p14:cNvContentPartPr/>
-              <p14:nvPr/>
-            </p14:nvContentPartPr>
-            <p14:xfrm>
-              <a:off x="3244291" y="5934233"/>
-              <a:ext cx="1151280" cy="858960"/>
-            </p14:xfrm>
-          </p:contentPart>
-        </mc:Choice>
-        <mc:Fallback>
-          <p:pic>
-            <p:nvPicPr>
-              <p:cNvPr id="250" name="Ink 249">
-                <a:extLst>
-                  <a:ext uri="{FF2B5EF4-FFF2-40B4-BE49-F238E27FC236}">
-                    <a16:creationId xmlns:a16="http://schemas.microsoft.com/office/drawing/2014/main" id="{2302F013-FCD1-48E5-887D-17061B6D1446}"/>
-                  </a:ext>
-                </a:extLst>
-              </p:cNvPr>
-              <p:cNvPicPr/>
-              <p:nvPr/>
-            </p:nvPicPr>
-            <p:blipFill>
-              <a:blip r:embed="rId61"/>
-              <a:stretch>
-                <a:fillRect/>
-              </a:stretch>
-            </p:blipFill>
-            <p:spPr>
-              <a:xfrm>
-                <a:off x="3235291" y="5925233"/>
-                <a:ext cx="1168920" cy="876600"/>
-              </a:xfrm>
-              <a:prstGeom prst="rect">
-                <a:avLst/>
-              </a:prstGeom>
-            </p:spPr>
-          </p:pic>
-        </mc:Fallback>
-      </mc:AlternateContent>
-      <mc:AlternateContent xmlns:mc="http://schemas.openxmlformats.org/markup-compatibility/2006">
-        <mc:Choice xmlns:p14="http://schemas.microsoft.com/office/powerpoint/2010/main" Requires="p14">
-          <p:contentPart p14:bwMode="auto" r:id="rId62">
-            <p14:nvContentPartPr>
-              <p14:cNvPr id="256" name="Ink 255">
-                <a:extLst>
-                  <a:ext uri="{FF2B5EF4-FFF2-40B4-BE49-F238E27FC236}">
-                    <a16:creationId xmlns:a16="http://schemas.microsoft.com/office/drawing/2014/main" id="{C4FAA0CA-2F7E-496D-94AC-55762091DF0A}"/>
-                  </a:ext>
-                </a:extLst>
-              </p14:cNvPr>
-              <p14:cNvContentPartPr/>
-              <p14:nvPr/>
-            </p14:nvContentPartPr>
-            <p14:xfrm>
-              <a:off x="2995171" y="5709593"/>
-              <a:ext cx="1458000" cy="865440"/>
-            </p14:xfrm>
-          </p:contentPart>
-        </mc:Choice>
-        <mc:Fallback>
-          <p:pic>
-            <p:nvPicPr>
-              <p:cNvPr id="256" name="Ink 255">
-                <a:extLst>
-                  <a:ext uri="{FF2B5EF4-FFF2-40B4-BE49-F238E27FC236}">
-                    <a16:creationId xmlns:a16="http://schemas.microsoft.com/office/drawing/2014/main" id="{C4FAA0CA-2F7E-496D-94AC-55762091DF0A}"/>
-                  </a:ext>
-                </a:extLst>
-              </p:cNvPr>
-              <p:cNvPicPr/>
-              <p:nvPr/>
-            </p:nvPicPr>
-            <p:blipFill>
-              <a:blip r:embed="rId63"/>
-              <a:stretch>
-                <a:fillRect/>
-              </a:stretch>
-            </p:blipFill>
-            <p:spPr>
-              <a:xfrm>
-                <a:off x="2986171" y="5700593"/>
-                <a:ext cx="1475640" cy="883080"/>
-              </a:xfrm>
-              <a:prstGeom prst="rect">
-                <a:avLst/>
-              </a:prstGeom>
-            </p:spPr>
-          </p:pic>
-        </mc:Fallback>
-      </mc:AlternateContent>
-      <mc:AlternateContent xmlns:mc="http://schemas.openxmlformats.org/markup-compatibility/2006">
-        <mc:Choice xmlns:p14="http://schemas.microsoft.com/office/powerpoint/2010/main" Requires="p14">
-          <p:contentPart p14:bwMode="auto" r:id="rId64">
-            <p14:nvContentPartPr>
-              <p14:cNvPr id="270" name="Ink 269">
-                <a:extLst>
-                  <a:ext uri="{FF2B5EF4-FFF2-40B4-BE49-F238E27FC236}">
-                    <a16:creationId xmlns:a16="http://schemas.microsoft.com/office/drawing/2014/main" id="{6AC15584-C492-44C1-9614-CD03FBA84DA6}"/>
-                  </a:ext>
-                </a:extLst>
-              </p14:cNvPr>
-              <p14:cNvContentPartPr/>
-              <p14:nvPr/>
-            </p14:nvContentPartPr>
-            <p14:xfrm>
-              <a:off x="4180291" y="5533193"/>
-              <a:ext cx="2155680" cy="942480"/>
-            </p14:xfrm>
-          </p:contentPart>
-        </mc:Choice>
-        <mc:Fallback>
-          <p:pic>
-            <p:nvPicPr>
-              <p:cNvPr id="270" name="Ink 269">
-                <a:extLst>
-                  <a:ext uri="{FF2B5EF4-FFF2-40B4-BE49-F238E27FC236}">
-                    <a16:creationId xmlns:a16="http://schemas.microsoft.com/office/drawing/2014/main" id="{6AC15584-C492-44C1-9614-CD03FBA84DA6}"/>
-                  </a:ext>
-                </a:extLst>
-              </p:cNvPr>
-              <p:cNvPicPr/>
-              <p:nvPr/>
-            </p:nvPicPr>
-            <p:blipFill>
-              <a:blip r:embed="rId65"/>
-              <a:stretch>
-                <a:fillRect/>
-              </a:stretch>
-            </p:blipFill>
-            <p:spPr>
-              <a:xfrm>
-                <a:off x="4171291" y="5524193"/>
-                <a:ext cx="2173320" cy="960120"/>
-              </a:xfrm>
-              <a:prstGeom prst="rect">
-                <a:avLst/>
-              </a:prstGeom>
-            </p:spPr>
-          </p:pic>
-        </mc:Fallback>
-      </mc:AlternateContent>
-      <mc:AlternateContent xmlns:mc="http://schemas.openxmlformats.org/markup-compatibility/2006">
-        <mc:Choice xmlns:p14="http://schemas.microsoft.com/office/powerpoint/2010/main" Requires="p14">
-          <p:contentPart p14:bwMode="auto" r:id="rId66">
-            <p14:nvContentPartPr>
-              <p14:cNvPr id="279" name="Ink 278">
-                <a:extLst>
-                  <a:ext uri="{FF2B5EF4-FFF2-40B4-BE49-F238E27FC236}">
-                    <a16:creationId xmlns:a16="http://schemas.microsoft.com/office/drawing/2014/main" id="{CD3A0E2C-3958-4597-A78D-5478FA6597AA}"/>
-                  </a:ext>
-                </a:extLst>
-              </p14:cNvPr>
-              <p14:cNvContentPartPr/>
-              <p14:nvPr/>
-            </p14:nvContentPartPr>
-            <p14:xfrm>
-              <a:off x="6371611" y="5622833"/>
-              <a:ext cx="860760" cy="866880"/>
-            </p14:xfrm>
-          </p:contentPart>
-        </mc:Choice>
-        <mc:Fallback>
-          <p:pic>
-            <p:nvPicPr>
-              <p:cNvPr id="279" name="Ink 278">
-                <a:extLst>
-                  <a:ext uri="{FF2B5EF4-FFF2-40B4-BE49-F238E27FC236}">
-                    <a16:creationId xmlns:a16="http://schemas.microsoft.com/office/drawing/2014/main" id="{CD3A0E2C-3958-4597-A78D-5478FA6597AA}"/>
-                  </a:ext>
-                </a:extLst>
-              </p:cNvPr>
-              <p:cNvPicPr/>
-              <p:nvPr/>
-            </p:nvPicPr>
-            <p:blipFill>
-              <a:blip r:embed="rId67"/>
-              <a:stretch>
-                <a:fillRect/>
-              </a:stretch>
-            </p:blipFill>
-            <p:spPr>
-              <a:xfrm>
-                <a:off x="6362611" y="5613833"/>
-                <a:ext cx="878400" cy="884520"/>
-              </a:xfrm>
-              <a:prstGeom prst="rect">
-                <a:avLst/>
-              </a:prstGeom>
-            </p:spPr>
-          </p:pic>
-        </mc:Fallback>
-      </mc:AlternateContent>
     </p:spTree>
     <p:extLst>
       <p:ext uri="{BB962C8B-B14F-4D97-AF65-F5344CB8AC3E}">
@@ -25495,7 +22467,7 @@
           <p:cNvPr id="37" name="TextBox 36">
             <a:extLst>
               <a:ext uri="{FF2B5EF4-FFF2-40B4-BE49-F238E27FC236}">
-                <a16:creationId xmlns:a16="http://schemas.microsoft.com/office/drawing/2014/main" id="{E8CAC22F-1542-4031-BC6C-A16989886504}"/>
+                <a16:creationId xmlns:a16="http://schemas.microsoft.com/office/drawing/2014/main" xmlns="" id="{E8CAC22F-1542-4031-BC6C-A16989886504}"/>
               </a:ext>
             </a:extLst>
           </p:cNvPr>
@@ -25548,7 +22520,7 @@
           <p:cNvPr id="40" name="Picture 39">
             <a:extLst>
               <a:ext uri="{FF2B5EF4-FFF2-40B4-BE49-F238E27FC236}">
-                <a16:creationId xmlns:a16="http://schemas.microsoft.com/office/drawing/2014/main" id="{DA60E6FB-8C44-4FEB-B6E9-83DA908565CD}"/>
+                <a16:creationId xmlns:a16="http://schemas.microsoft.com/office/drawing/2014/main" xmlns="" id="{DA60E6FB-8C44-4FEB-B6E9-83DA908565CD}"/>
               </a:ext>
             </a:extLst>
           </p:cNvPr>
@@ -25584,7 +22556,7 @@
           <p:cNvPr id="41" name="Straight Connector 40">
             <a:extLst>
               <a:ext uri="{FF2B5EF4-FFF2-40B4-BE49-F238E27FC236}">
-                <a16:creationId xmlns:a16="http://schemas.microsoft.com/office/drawing/2014/main" id="{3B3B7D73-CAE9-45AC-ACCE-FAEF4E505C7A}"/>
+                <a16:creationId xmlns:a16="http://schemas.microsoft.com/office/drawing/2014/main" xmlns="" id="{3B3B7D73-CAE9-45AC-ACCE-FAEF4E505C7A}"/>
               </a:ext>
             </a:extLst>
           </p:cNvPr>
@@ -25620,7 +22592,7 @@
           <p:cNvPr id="2" name="TextBox 1">
             <a:extLst>
               <a:ext uri="{FF2B5EF4-FFF2-40B4-BE49-F238E27FC236}">
-                <a16:creationId xmlns:a16="http://schemas.microsoft.com/office/drawing/2014/main" id="{E55E5193-B147-49BC-AB4D-4FEE6D57BB0B}"/>
+                <a16:creationId xmlns:a16="http://schemas.microsoft.com/office/drawing/2014/main" xmlns="" id="{E55E5193-B147-49BC-AB4D-4FEE6D57BB0B}"/>
               </a:ext>
             </a:extLst>
           </p:cNvPr>
@@ -25862,7 +22834,7 @@
           <p:cNvPr id="37" name="TextBox 36">
             <a:extLst>
               <a:ext uri="{FF2B5EF4-FFF2-40B4-BE49-F238E27FC236}">
-                <a16:creationId xmlns:a16="http://schemas.microsoft.com/office/drawing/2014/main" id="{E8CAC22F-1542-4031-BC6C-A16989886504}"/>
+                <a16:creationId xmlns:a16="http://schemas.microsoft.com/office/drawing/2014/main" xmlns="" id="{E8CAC22F-1542-4031-BC6C-A16989886504}"/>
               </a:ext>
             </a:extLst>
           </p:cNvPr>
@@ -25915,7 +22887,7 @@
           <p:cNvPr id="40" name="Picture 39">
             <a:extLst>
               <a:ext uri="{FF2B5EF4-FFF2-40B4-BE49-F238E27FC236}">
-                <a16:creationId xmlns:a16="http://schemas.microsoft.com/office/drawing/2014/main" id="{DA60E6FB-8C44-4FEB-B6E9-83DA908565CD}"/>
+                <a16:creationId xmlns:a16="http://schemas.microsoft.com/office/drawing/2014/main" xmlns="" id="{DA60E6FB-8C44-4FEB-B6E9-83DA908565CD}"/>
               </a:ext>
             </a:extLst>
           </p:cNvPr>
@@ -25951,7 +22923,7 @@
           <p:cNvPr id="41" name="Straight Connector 40">
             <a:extLst>
               <a:ext uri="{FF2B5EF4-FFF2-40B4-BE49-F238E27FC236}">
-                <a16:creationId xmlns:a16="http://schemas.microsoft.com/office/drawing/2014/main" id="{3B3B7D73-CAE9-45AC-ACCE-FAEF4E505C7A}"/>
+                <a16:creationId xmlns:a16="http://schemas.microsoft.com/office/drawing/2014/main" xmlns="" id="{3B3B7D73-CAE9-45AC-ACCE-FAEF4E505C7A}"/>
               </a:ext>
             </a:extLst>
           </p:cNvPr>
@@ -25987,7 +22959,7 @@
           <p:cNvPr id="2" name="TextBox 1">
             <a:extLst>
               <a:ext uri="{FF2B5EF4-FFF2-40B4-BE49-F238E27FC236}">
-                <a16:creationId xmlns:a16="http://schemas.microsoft.com/office/drawing/2014/main" id="{A1EC17A5-E27C-4E70-94EE-DCE2C24A68CB}"/>
+                <a16:creationId xmlns:a16="http://schemas.microsoft.com/office/drawing/2014/main" xmlns="" id="{A1EC17A5-E27C-4E70-94EE-DCE2C24A68CB}"/>
               </a:ext>
             </a:extLst>
           </p:cNvPr>
@@ -26128,669 +23100,6 @@
           </a:p>
         </p:txBody>
       </p:sp>
-      <mc:AlternateContent xmlns:mc="http://schemas.openxmlformats.org/markup-compatibility/2006">
-        <mc:Choice xmlns:p14="http://schemas.microsoft.com/office/powerpoint/2010/main" Requires="p14">
-          <p:contentPart p14:bwMode="auto" r:id="rId3">
-            <p14:nvContentPartPr>
-              <p14:cNvPr id="14" name="Ink 13">
-                <a:extLst>
-                  <a:ext uri="{FF2B5EF4-FFF2-40B4-BE49-F238E27FC236}">
-                    <a16:creationId xmlns:a16="http://schemas.microsoft.com/office/drawing/2014/main" id="{84D8D62B-F29A-4CAB-96D5-9137E73BC904}"/>
-                  </a:ext>
-                </a:extLst>
-              </p14:cNvPr>
-              <p14:cNvContentPartPr/>
-              <p14:nvPr/>
-            </p14:nvContentPartPr>
-            <p14:xfrm>
-              <a:off x="5831611" y="3712673"/>
-              <a:ext cx="1773360" cy="337320"/>
-            </p14:xfrm>
-          </p:contentPart>
-        </mc:Choice>
-        <mc:Fallback>
-          <p:pic>
-            <p:nvPicPr>
-              <p:cNvPr id="14" name="Ink 13">
-                <a:extLst>
-                  <a:ext uri="{FF2B5EF4-FFF2-40B4-BE49-F238E27FC236}">
-                    <a16:creationId xmlns:a16="http://schemas.microsoft.com/office/drawing/2014/main" id="{84D8D62B-F29A-4CAB-96D5-9137E73BC904}"/>
-                  </a:ext>
-                </a:extLst>
-              </p:cNvPr>
-              <p:cNvPicPr/>
-              <p:nvPr/>
-            </p:nvPicPr>
-            <p:blipFill>
-              <a:blip r:embed="rId4"/>
-              <a:stretch>
-                <a:fillRect/>
-              </a:stretch>
-            </p:blipFill>
-            <p:spPr>
-              <a:xfrm>
-                <a:off x="5822611" y="3703673"/>
-                <a:ext cx="1791000" cy="354960"/>
-              </a:xfrm>
-              <a:prstGeom prst="rect">
-                <a:avLst/>
-              </a:prstGeom>
-            </p:spPr>
-          </p:pic>
-        </mc:Fallback>
-      </mc:AlternateContent>
-      <mc:AlternateContent xmlns:mc="http://schemas.openxmlformats.org/markup-compatibility/2006">
-        <mc:Choice xmlns:p14="http://schemas.microsoft.com/office/powerpoint/2010/main" Requires="p14">
-          <p:contentPart p14:bwMode="auto" r:id="rId5">
-            <p14:nvContentPartPr>
-              <p14:cNvPr id="21" name="Ink 20">
-                <a:extLst>
-                  <a:ext uri="{FF2B5EF4-FFF2-40B4-BE49-F238E27FC236}">
-                    <a16:creationId xmlns:a16="http://schemas.microsoft.com/office/drawing/2014/main" id="{8305159F-5746-48BB-90F4-8F70E370191F}"/>
-                  </a:ext>
-                </a:extLst>
-              </p14:cNvPr>
-              <p14:cNvContentPartPr/>
-              <p14:nvPr/>
-            </p14:nvContentPartPr>
-            <p14:xfrm>
-              <a:off x="7882891" y="3657593"/>
-              <a:ext cx="869760" cy="339120"/>
-            </p14:xfrm>
-          </p:contentPart>
-        </mc:Choice>
-        <mc:Fallback>
-          <p:pic>
-            <p:nvPicPr>
-              <p:cNvPr id="21" name="Ink 20">
-                <a:extLst>
-                  <a:ext uri="{FF2B5EF4-FFF2-40B4-BE49-F238E27FC236}">
-                    <a16:creationId xmlns:a16="http://schemas.microsoft.com/office/drawing/2014/main" id="{8305159F-5746-48BB-90F4-8F70E370191F}"/>
-                  </a:ext>
-                </a:extLst>
-              </p:cNvPr>
-              <p:cNvPicPr/>
-              <p:nvPr/>
-            </p:nvPicPr>
-            <p:blipFill>
-              <a:blip r:embed="rId6"/>
-              <a:stretch>
-                <a:fillRect/>
-              </a:stretch>
-            </p:blipFill>
-            <p:spPr>
-              <a:xfrm>
-                <a:off x="7873891" y="3648593"/>
-                <a:ext cx="887400" cy="356760"/>
-              </a:xfrm>
-              <a:prstGeom prst="rect">
-                <a:avLst/>
-              </a:prstGeom>
-            </p:spPr>
-          </p:pic>
-        </mc:Fallback>
-      </mc:AlternateContent>
-      <mc:AlternateContent xmlns:mc="http://schemas.openxmlformats.org/markup-compatibility/2006">
-        <mc:Choice xmlns:p14="http://schemas.microsoft.com/office/powerpoint/2010/main" Requires="p14">
-          <p:contentPart p14:bwMode="auto" r:id="rId7">
-            <p14:nvContentPartPr>
-              <p14:cNvPr id="28" name="Ink 27">
-                <a:extLst>
-                  <a:ext uri="{FF2B5EF4-FFF2-40B4-BE49-F238E27FC236}">
-                    <a16:creationId xmlns:a16="http://schemas.microsoft.com/office/drawing/2014/main" id="{5F63F902-78CA-48E9-BF92-6BBAAB2333E9}"/>
-                  </a:ext>
-                </a:extLst>
-              </p14:cNvPr>
-              <p14:cNvContentPartPr/>
-              <p14:nvPr/>
-            </p14:nvContentPartPr>
-            <p14:xfrm>
-              <a:off x="8938771" y="3583073"/>
-              <a:ext cx="830880" cy="382680"/>
-            </p14:xfrm>
-          </p:contentPart>
-        </mc:Choice>
-        <mc:Fallback>
-          <p:pic>
-            <p:nvPicPr>
-              <p:cNvPr id="28" name="Ink 27">
-                <a:extLst>
-                  <a:ext uri="{FF2B5EF4-FFF2-40B4-BE49-F238E27FC236}">
-                    <a16:creationId xmlns:a16="http://schemas.microsoft.com/office/drawing/2014/main" id="{5F63F902-78CA-48E9-BF92-6BBAAB2333E9}"/>
-                  </a:ext>
-                </a:extLst>
-              </p:cNvPr>
-              <p:cNvPicPr/>
-              <p:nvPr/>
-            </p:nvPicPr>
-            <p:blipFill>
-              <a:blip r:embed="rId8"/>
-              <a:stretch>
-                <a:fillRect/>
-              </a:stretch>
-            </p:blipFill>
-            <p:spPr>
-              <a:xfrm>
-                <a:off x="8929771" y="3574073"/>
-                <a:ext cx="848520" cy="400320"/>
-              </a:xfrm>
-              <a:prstGeom prst="rect">
-                <a:avLst/>
-              </a:prstGeom>
-            </p:spPr>
-          </p:pic>
-        </mc:Fallback>
-      </mc:AlternateContent>
-      <mc:AlternateContent xmlns:mc="http://schemas.openxmlformats.org/markup-compatibility/2006">
-        <mc:Choice xmlns:p14="http://schemas.microsoft.com/office/powerpoint/2010/main" Requires="p14">
-          <p:contentPart p14:bwMode="auto" r:id="rId9">
-            <p14:nvContentPartPr>
-              <p14:cNvPr id="31" name="Ink 30">
-                <a:extLst>
-                  <a:ext uri="{FF2B5EF4-FFF2-40B4-BE49-F238E27FC236}">
-                    <a16:creationId xmlns:a16="http://schemas.microsoft.com/office/drawing/2014/main" id="{CE5A3739-3612-4A86-9DDA-13305D256AA4}"/>
-                  </a:ext>
-                </a:extLst>
-              </p14:cNvPr>
-              <p14:cNvContentPartPr/>
-              <p14:nvPr/>
-            </p14:nvContentPartPr>
-            <p14:xfrm>
-              <a:off x="5450011" y="3853433"/>
-              <a:ext cx="204840" cy="243000"/>
-            </p14:xfrm>
-          </p:contentPart>
-        </mc:Choice>
-        <mc:Fallback>
-          <p:pic>
-            <p:nvPicPr>
-              <p:cNvPr id="31" name="Ink 30">
-                <a:extLst>
-                  <a:ext uri="{FF2B5EF4-FFF2-40B4-BE49-F238E27FC236}">
-                    <a16:creationId xmlns:a16="http://schemas.microsoft.com/office/drawing/2014/main" id="{CE5A3739-3612-4A86-9DDA-13305D256AA4}"/>
-                  </a:ext>
-                </a:extLst>
-              </p:cNvPr>
-              <p:cNvPicPr/>
-              <p:nvPr/>
-            </p:nvPicPr>
-            <p:blipFill>
-              <a:blip r:embed="rId10"/>
-              <a:stretch>
-                <a:fillRect/>
-              </a:stretch>
-            </p:blipFill>
-            <p:spPr>
-              <a:xfrm>
-                <a:off x="5441011" y="3844433"/>
-                <a:ext cx="222480" cy="260640"/>
-              </a:xfrm>
-              <a:prstGeom prst="rect">
-                <a:avLst/>
-              </a:prstGeom>
-            </p:spPr>
-          </p:pic>
-        </mc:Fallback>
-      </mc:AlternateContent>
-      <mc:AlternateContent xmlns:mc="http://schemas.openxmlformats.org/markup-compatibility/2006">
-        <mc:Choice xmlns:p14="http://schemas.microsoft.com/office/powerpoint/2010/main" Requires="p14">
-          <p:contentPart p14:bwMode="auto" r:id="rId11">
-            <p14:nvContentPartPr>
-              <p14:cNvPr id="34" name="Ink 33">
-                <a:extLst>
-                  <a:ext uri="{FF2B5EF4-FFF2-40B4-BE49-F238E27FC236}">
-                    <a16:creationId xmlns:a16="http://schemas.microsoft.com/office/drawing/2014/main" id="{FAE893B8-F514-43CA-9376-651C0C741B59}"/>
-                  </a:ext>
-                </a:extLst>
-              </p14:cNvPr>
-              <p14:cNvContentPartPr/>
-              <p14:nvPr/>
-            </p14:nvContentPartPr>
-            <p14:xfrm>
-              <a:off x="8289691" y="3395153"/>
-              <a:ext cx="126720" cy="225360"/>
-            </p14:xfrm>
-          </p:contentPart>
-        </mc:Choice>
-        <mc:Fallback>
-          <p:pic>
-            <p:nvPicPr>
-              <p:cNvPr id="34" name="Ink 33">
-                <a:extLst>
-                  <a:ext uri="{FF2B5EF4-FFF2-40B4-BE49-F238E27FC236}">
-                    <a16:creationId xmlns:a16="http://schemas.microsoft.com/office/drawing/2014/main" id="{FAE893B8-F514-43CA-9376-651C0C741B59}"/>
-                  </a:ext>
-                </a:extLst>
-              </p:cNvPr>
-              <p:cNvPicPr/>
-              <p:nvPr/>
-            </p:nvPicPr>
-            <p:blipFill>
-              <a:blip r:embed="rId12"/>
-              <a:stretch>
-                <a:fillRect/>
-              </a:stretch>
-            </p:blipFill>
-            <p:spPr>
-              <a:xfrm>
-                <a:off x="8280691" y="3386153"/>
-                <a:ext cx="144360" cy="243000"/>
-              </a:xfrm>
-              <a:prstGeom prst="rect">
-                <a:avLst/>
-              </a:prstGeom>
-            </p:spPr>
-          </p:pic>
-        </mc:Fallback>
-      </mc:AlternateContent>
-      <mc:AlternateContent xmlns:mc="http://schemas.openxmlformats.org/markup-compatibility/2006">
-        <mc:Choice xmlns:p14="http://schemas.microsoft.com/office/powerpoint/2010/main" Requires="p14">
-          <p:contentPart p14:bwMode="auto" r:id="rId13">
-            <p14:nvContentPartPr>
-              <p14:cNvPr id="38" name="Ink 37">
-                <a:extLst>
-                  <a:ext uri="{FF2B5EF4-FFF2-40B4-BE49-F238E27FC236}">
-                    <a16:creationId xmlns:a16="http://schemas.microsoft.com/office/drawing/2014/main" id="{7C2357B2-EE29-48D7-AE21-00C36BE3E77F}"/>
-                  </a:ext>
-                </a:extLst>
-              </p14:cNvPr>
-              <p14:cNvContentPartPr/>
-              <p14:nvPr/>
-            </p14:nvContentPartPr>
-            <p14:xfrm>
-              <a:off x="5635771" y="3637793"/>
-              <a:ext cx="158760" cy="244080"/>
-            </p14:xfrm>
-          </p:contentPart>
-        </mc:Choice>
-        <mc:Fallback>
-          <p:pic>
-            <p:nvPicPr>
-              <p:cNvPr id="38" name="Ink 37">
-                <a:extLst>
-                  <a:ext uri="{FF2B5EF4-FFF2-40B4-BE49-F238E27FC236}">
-                    <a16:creationId xmlns:a16="http://schemas.microsoft.com/office/drawing/2014/main" id="{7C2357B2-EE29-48D7-AE21-00C36BE3E77F}"/>
-                  </a:ext>
-                </a:extLst>
-              </p:cNvPr>
-              <p:cNvPicPr/>
-              <p:nvPr/>
-            </p:nvPicPr>
-            <p:blipFill>
-              <a:blip r:embed="rId14"/>
-              <a:stretch>
-                <a:fillRect/>
-              </a:stretch>
-            </p:blipFill>
-            <p:spPr>
-              <a:xfrm>
-                <a:off x="5626771" y="3628793"/>
-                <a:ext cx="176400" cy="261720"/>
-              </a:xfrm>
-              <a:prstGeom prst="rect">
-                <a:avLst/>
-              </a:prstGeom>
-            </p:spPr>
-          </p:pic>
-        </mc:Fallback>
-      </mc:AlternateContent>
-      <mc:AlternateContent xmlns:mc="http://schemas.openxmlformats.org/markup-compatibility/2006">
-        <mc:Choice xmlns:p14="http://schemas.microsoft.com/office/powerpoint/2010/main" Requires="p14">
-          <p:contentPart p14:bwMode="auto" r:id="rId15">
-            <p14:nvContentPartPr>
-              <p14:cNvPr id="45" name="Ink 44">
-                <a:extLst>
-                  <a:ext uri="{FF2B5EF4-FFF2-40B4-BE49-F238E27FC236}">
-                    <a16:creationId xmlns:a16="http://schemas.microsoft.com/office/drawing/2014/main" id="{6BCADC86-585C-447B-9838-2FCDE8F308FA}"/>
-                  </a:ext>
-                </a:extLst>
-              </p14:cNvPr>
-              <p14:cNvContentPartPr/>
-              <p14:nvPr/>
-            </p14:nvContentPartPr>
-            <p14:xfrm>
-              <a:off x="7949851" y="4170953"/>
-              <a:ext cx="569520" cy="324360"/>
-            </p14:xfrm>
-          </p:contentPart>
-        </mc:Choice>
-        <mc:Fallback>
-          <p:pic>
-            <p:nvPicPr>
-              <p:cNvPr id="45" name="Ink 44">
-                <a:extLst>
-                  <a:ext uri="{FF2B5EF4-FFF2-40B4-BE49-F238E27FC236}">
-                    <a16:creationId xmlns:a16="http://schemas.microsoft.com/office/drawing/2014/main" id="{6BCADC86-585C-447B-9838-2FCDE8F308FA}"/>
-                  </a:ext>
-                </a:extLst>
-              </p:cNvPr>
-              <p:cNvPicPr/>
-              <p:nvPr/>
-            </p:nvPicPr>
-            <p:blipFill>
-              <a:blip r:embed="rId16"/>
-              <a:stretch>
-                <a:fillRect/>
-              </a:stretch>
-            </p:blipFill>
-            <p:spPr>
-              <a:xfrm>
-                <a:off x="7940851" y="4161953"/>
-                <a:ext cx="587160" cy="342000"/>
-              </a:xfrm>
-              <a:prstGeom prst="rect">
-                <a:avLst/>
-              </a:prstGeom>
-            </p:spPr>
-          </p:pic>
-        </mc:Fallback>
-      </mc:AlternateContent>
-      <mc:AlternateContent xmlns:mc="http://schemas.openxmlformats.org/markup-compatibility/2006">
-        <mc:Choice xmlns:p14="http://schemas.microsoft.com/office/powerpoint/2010/main" Requires="p14">
-          <p:contentPart p14:bwMode="auto" r:id="rId17">
-            <p14:nvContentPartPr>
-              <p14:cNvPr id="49" name="Ink 48">
-                <a:extLst>
-                  <a:ext uri="{FF2B5EF4-FFF2-40B4-BE49-F238E27FC236}">
-                    <a16:creationId xmlns:a16="http://schemas.microsoft.com/office/drawing/2014/main" id="{A1382582-15F1-4F8A-BAD4-E9503F176862}"/>
-                  </a:ext>
-                </a:extLst>
-              </p14:cNvPr>
-              <p14:cNvContentPartPr/>
-              <p14:nvPr/>
-            </p14:nvContentPartPr>
-            <p14:xfrm>
-              <a:off x="8639611" y="4142873"/>
-              <a:ext cx="495360" cy="159840"/>
-            </p14:xfrm>
-          </p:contentPart>
-        </mc:Choice>
-        <mc:Fallback>
-          <p:pic>
-            <p:nvPicPr>
-              <p:cNvPr id="49" name="Ink 48">
-                <a:extLst>
-                  <a:ext uri="{FF2B5EF4-FFF2-40B4-BE49-F238E27FC236}">
-                    <a16:creationId xmlns:a16="http://schemas.microsoft.com/office/drawing/2014/main" id="{A1382582-15F1-4F8A-BAD4-E9503F176862}"/>
-                  </a:ext>
-                </a:extLst>
-              </p:cNvPr>
-              <p:cNvPicPr/>
-              <p:nvPr/>
-            </p:nvPicPr>
-            <p:blipFill>
-              <a:blip r:embed="rId18"/>
-              <a:stretch>
-                <a:fillRect/>
-              </a:stretch>
-            </p:blipFill>
-            <p:spPr>
-              <a:xfrm>
-                <a:off x="8630611" y="4133873"/>
-                <a:ext cx="513000" cy="177480"/>
-              </a:xfrm>
-              <a:prstGeom prst="rect">
-                <a:avLst/>
-              </a:prstGeom>
-            </p:spPr>
-          </p:pic>
-        </mc:Fallback>
-      </mc:AlternateContent>
-      <mc:AlternateContent xmlns:mc="http://schemas.openxmlformats.org/markup-compatibility/2006">
-        <mc:Choice xmlns:p14="http://schemas.microsoft.com/office/powerpoint/2010/main" Requires="p14">
-          <p:contentPart p14:bwMode="auto" r:id="rId19">
-            <p14:nvContentPartPr>
-              <p14:cNvPr id="50" name="Ink 49">
-                <a:extLst>
-                  <a:ext uri="{FF2B5EF4-FFF2-40B4-BE49-F238E27FC236}">
-                    <a16:creationId xmlns:a16="http://schemas.microsoft.com/office/drawing/2014/main" id="{132D40B5-5304-4E5B-98B7-EBD659150D3D}"/>
-                  </a:ext>
-                </a:extLst>
-              </p14:cNvPr>
-              <p14:cNvContentPartPr/>
-              <p14:nvPr/>
-            </p14:nvContentPartPr>
-            <p14:xfrm>
-              <a:off x="3058171" y="4012193"/>
-              <a:ext cx="450360" cy="254160"/>
-            </p14:xfrm>
-          </p:contentPart>
-        </mc:Choice>
-        <mc:Fallback>
-          <p:pic>
-            <p:nvPicPr>
-              <p:cNvPr id="50" name="Ink 49">
-                <a:extLst>
-                  <a:ext uri="{FF2B5EF4-FFF2-40B4-BE49-F238E27FC236}">
-                    <a16:creationId xmlns:a16="http://schemas.microsoft.com/office/drawing/2014/main" id="{132D40B5-5304-4E5B-98B7-EBD659150D3D}"/>
-                  </a:ext>
-                </a:extLst>
-              </p:cNvPr>
-              <p:cNvPicPr/>
-              <p:nvPr/>
-            </p:nvPicPr>
-            <p:blipFill>
-              <a:blip r:embed="rId20"/>
-              <a:stretch>
-                <a:fillRect/>
-              </a:stretch>
-            </p:blipFill>
-            <p:spPr>
-              <a:xfrm>
-                <a:off x="3049171" y="4003193"/>
-                <a:ext cx="468000" cy="271800"/>
-              </a:xfrm>
-              <a:prstGeom prst="rect">
-                <a:avLst/>
-              </a:prstGeom>
-            </p:spPr>
-          </p:pic>
-        </mc:Fallback>
-      </mc:AlternateContent>
-      <mc:AlternateContent xmlns:mc="http://schemas.openxmlformats.org/markup-compatibility/2006">
-        <mc:Choice xmlns:p14="http://schemas.microsoft.com/office/powerpoint/2010/main" Requires="p14">
-          <p:contentPart p14:bwMode="auto" r:id="rId21">
-            <p14:nvContentPartPr>
-              <p14:cNvPr id="57" name="Ink 56">
-                <a:extLst>
-                  <a:ext uri="{FF2B5EF4-FFF2-40B4-BE49-F238E27FC236}">
-                    <a16:creationId xmlns:a16="http://schemas.microsoft.com/office/drawing/2014/main" id="{1F2503B0-8FBE-4E16-9E71-7268FD2E1BC3}"/>
-                  </a:ext>
-                </a:extLst>
-              </p14:cNvPr>
-              <p14:cNvContentPartPr/>
-              <p14:nvPr/>
-            </p14:nvContentPartPr>
-            <p14:xfrm>
-              <a:off x="4245451" y="4244393"/>
-              <a:ext cx="849960" cy="309240"/>
-            </p14:xfrm>
-          </p:contentPart>
-        </mc:Choice>
-        <mc:Fallback>
-          <p:pic>
-            <p:nvPicPr>
-              <p:cNvPr id="57" name="Ink 56">
-                <a:extLst>
-                  <a:ext uri="{FF2B5EF4-FFF2-40B4-BE49-F238E27FC236}">
-                    <a16:creationId xmlns:a16="http://schemas.microsoft.com/office/drawing/2014/main" id="{1F2503B0-8FBE-4E16-9E71-7268FD2E1BC3}"/>
-                  </a:ext>
-                </a:extLst>
-              </p:cNvPr>
-              <p:cNvPicPr/>
-              <p:nvPr/>
-            </p:nvPicPr>
-            <p:blipFill>
-              <a:blip r:embed="rId22"/>
-              <a:stretch>
-                <a:fillRect/>
-              </a:stretch>
-            </p:blipFill>
-            <p:spPr>
-              <a:xfrm>
-                <a:off x="4236451" y="4235393"/>
-                <a:ext cx="867600" cy="326880"/>
-              </a:xfrm>
-              <a:prstGeom prst="rect">
-                <a:avLst/>
-              </a:prstGeom>
-            </p:spPr>
-          </p:pic>
-        </mc:Fallback>
-      </mc:AlternateContent>
-      <mc:AlternateContent xmlns:mc="http://schemas.openxmlformats.org/markup-compatibility/2006">
-        <mc:Choice xmlns:p14="http://schemas.microsoft.com/office/powerpoint/2010/main" Requires="p14">
-          <p:contentPart p14:bwMode="auto" r:id="rId23">
-            <p14:nvContentPartPr>
-              <p14:cNvPr id="64" name="Ink 63">
-                <a:extLst>
-                  <a:ext uri="{FF2B5EF4-FFF2-40B4-BE49-F238E27FC236}">
-                    <a16:creationId xmlns:a16="http://schemas.microsoft.com/office/drawing/2014/main" id="{5F3A4450-D528-4110-A1B8-9580B4CFE5C7}"/>
-                  </a:ext>
-                </a:extLst>
-              </p14:cNvPr>
-              <p14:cNvContentPartPr/>
-              <p14:nvPr/>
-            </p14:nvContentPartPr>
-            <p14:xfrm>
-              <a:off x="56131" y="4188233"/>
-              <a:ext cx="243720" cy="150840"/>
-            </p14:xfrm>
-          </p:contentPart>
-        </mc:Choice>
-        <mc:Fallback>
-          <p:pic>
-            <p:nvPicPr>
-              <p:cNvPr id="64" name="Ink 63">
-                <a:extLst>
-                  <a:ext uri="{FF2B5EF4-FFF2-40B4-BE49-F238E27FC236}">
-                    <a16:creationId xmlns:a16="http://schemas.microsoft.com/office/drawing/2014/main" id="{5F3A4450-D528-4110-A1B8-9580B4CFE5C7}"/>
-                  </a:ext>
-                </a:extLst>
-              </p:cNvPr>
-              <p:cNvPicPr/>
-              <p:nvPr/>
-            </p:nvPicPr>
-            <p:blipFill>
-              <a:blip r:embed="rId24"/>
-              <a:stretch>
-                <a:fillRect/>
-              </a:stretch>
-            </p:blipFill>
-            <p:spPr>
-              <a:xfrm>
-                <a:off x="47131" y="4179233"/>
-                <a:ext cx="261360" cy="168480"/>
-              </a:xfrm>
-              <a:prstGeom prst="rect">
-                <a:avLst/>
-              </a:prstGeom>
-            </p:spPr>
-          </p:pic>
-        </mc:Fallback>
-      </mc:AlternateContent>
-      <mc:AlternateContent xmlns:mc="http://schemas.openxmlformats.org/markup-compatibility/2006">
-        <mc:Choice xmlns:p14="http://schemas.microsoft.com/office/powerpoint/2010/main" Requires="p14">
-          <p:contentPart p14:bwMode="auto" r:id="rId25">
-            <p14:nvContentPartPr>
-              <p14:cNvPr id="65" name="Ink 64">
-                <a:extLst>
-                  <a:ext uri="{FF2B5EF4-FFF2-40B4-BE49-F238E27FC236}">
-                    <a16:creationId xmlns:a16="http://schemas.microsoft.com/office/drawing/2014/main" id="{B9071B7E-80AC-4B2E-99CF-71358F013ACA}"/>
-                  </a:ext>
-                </a:extLst>
-              </p14:cNvPr>
-              <p14:cNvContentPartPr/>
-              <p14:nvPr/>
-            </p14:nvContentPartPr>
-            <p14:xfrm>
-              <a:off x="37411" y="3719153"/>
-              <a:ext cx="208080" cy="181440"/>
-            </p14:xfrm>
-          </p:contentPart>
-        </mc:Choice>
-        <mc:Fallback>
-          <p:pic>
-            <p:nvPicPr>
-              <p:cNvPr id="65" name="Ink 64">
-                <a:extLst>
-                  <a:ext uri="{FF2B5EF4-FFF2-40B4-BE49-F238E27FC236}">
-                    <a16:creationId xmlns:a16="http://schemas.microsoft.com/office/drawing/2014/main" id="{B9071B7E-80AC-4B2E-99CF-71358F013ACA}"/>
-                  </a:ext>
-                </a:extLst>
-              </p:cNvPr>
-              <p:cNvPicPr/>
-              <p:nvPr/>
-            </p:nvPicPr>
-            <p:blipFill>
-              <a:blip r:embed="rId26"/>
-              <a:stretch>
-                <a:fillRect/>
-              </a:stretch>
-            </p:blipFill>
-            <p:spPr>
-              <a:xfrm>
-                <a:off x="28411" y="3710153"/>
-                <a:ext cx="225720" cy="199080"/>
-              </a:xfrm>
-              <a:prstGeom prst="rect">
-                <a:avLst/>
-              </a:prstGeom>
-            </p:spPr>
-          </p:pic>
-        </mc:Fallback>
-      </mc:AlternateContent>
-      <mc:AlternateContent xmlns:mc="http://schemas.openxmlformats.org/markup-compatibility/2006">
-        <mc:Choice xmlns:p14="http://schemas.microsoft.com/office/powerpoint/2010/main" Requires="p14">
-          <p:contentPart p14:bwMode="auto" r:id="rId27">
-            <p14:nvContentPartPr>
-              <p14:cNvPr id="66" name="Ink 65">
-                <a:extLst>
-                  <a:ext uri="{FF2B5EF4-FFF2-40B4-BE49-F238E27FC236}">
-                    <a16:creationId xmlns:a16="http://schemas.microsoft.com/office/drawing/2014/main" id="{81BA2356-BE69-42E4-B64F-32B3E3699B71}"/>
-                  </a:ext>
-                </a:extLst>
-              </p14:cNvPr>
-              <p14:cNvContentPartPr/>
-              <p14:nvPr/>
-            </p14:nvContentPartPr>
-            <p14:xfrm>
-              <a:off x="65491" y="3470753"/>
-              <a:ext cx="214920" cy="112680"/>
-            </p14:xfrm>
-          </p:contentPart>
-        </mc:Choice>
-        <mc:Fallback>
-          <p:pic>
-            <p:nvPicPr>
-              <p:cNvPr id="66" name="Ink 65">
-                <a:extLst>
-                  <a:ext uri="{FF2B5EF4-FFF2-40B4-BE49-F238E27FC236}">
-                    <a16:creationId xmlns:a16="http://schemas.microsoft.com/office/drawing/2014/main" id="{81BA2356-BE69-42E4-B64F-32B3E3699B71}"/>
-                  </a:ext>
-                </a:extLst>
-              </p:cNvPr>
-              <p:cNvPicPr/>
-              <p:nvPr/>
-            </p:nvPicPr>
-            <p:blipFill>
-              <a:blip r:embed="rId28"/>
-              <a:stretch>
-                <a:fillRect/>
-              </a:stretch>
-            </p:blipFill>
-            <p:spPr>
-              <a:xfrm>
-                <a:off x="56491" y="3461753"/>
-                <a:ext cx="232560" cy="130320"/>
-              </a:xfrm>
-              <a:prstGeom prst="rect">
-                <a:avLst/>
-              </a:prstGeom>
-            </p:spPr>
-          </p:pic>
-        </mc:Fallback>
-      </mc:AlternateContent>
     </p:spTree>
     <p:extLst>
       <p:ext uri="{BB962C8B-B14F-4D97-AF65-F5344CB8AC3E}">
